--- a/Collection.pptx
+++ b/Collection.pptx
@@ -10,6 +10,10 @@
     <p:sldId id="258" r:id="rId4"/>
     <p:sldId id="259" r:id="rId5"/>
     <p:sldId id="260" r:id="rId6"/>
+    <p:sldId id="261" r:id="rId7"/>
+    <p:sldId id="262" r:id="rId8"/>
+    <p:sldId id="263" r:id="rId9"/>
+    <p:sldId id="264" r:id="rId10"/>
   </p:sldIdLst>
   <p:sldSz cx="12192000" cy="6858000"/>
   <p:notesSz cx="6858000" cy="9144000"/>
@@ -118,12 +122,3271 @@
             <p14:sldId id="258"/>
             <p14:sldId id="259"/>
             <p14:sldId id="260"/>
+            <p14:sldId id="261"/>
+            <p14:sldId id="262"/>
+            <p14:sldId id="263"/>
+            <p14:sldId id="264"/>
           </p14:sldIdLst>
         </p14:section>
       </p14:sectionLst>
     </p:ext>
   </p:extLst>
 </p:presentation>
+</file>
+
+<file path=ppt/diagrams/colors1.xml><?xml version="1.0" encoding="utf-8"?>
+<dgm:colorsDef xmlns:dgm="http://schemas.openxmlformats.org/drawingml/2006/diagram" xmlns:a="http://schemas.openxmlformats.org/drawingml/2006/main" uniqueId="urn:microsoft.com/office/officeart/2005/8/colors/accent1_2">
+  <dgm:title val=""/>
+  <dgm:desc val=""/>
+  <dgm:catLst>
+    <dgm:cat type="accent1" pri="11200"/>
+  </dgm:catLst>
+  <dgm:styleLbl name="node0">
+    <dgm:fillClrLst meth="repeat">
+      <a:schemeClr val="accent1"/>
+    </dgm:fillClrLst>
+    <dgm:linClrLst meth="repeat">
+      <a:schemeClr val="lt1"/>
+    </dgm:linClrLst>
+    <dgm:effectClrLst/>
+    <dgm:txLinClrLst/>
+    <dgm:txFillClrLst/>
+    <dgm:txEffectClrLst/>
+  </dgm:styleLbl>
+  <dgm:styleLbl name="alignNode1">
+    <dgm:fillClrLst meth="repeat">
+      <a:schemeClr val="accent1"/>
+    </dgm:fillClrLst>
+    <dgm:linClrLst meth="repeat">
+      <a:schemeClr val="accent1"/>
+    </dgm:linClrLst>
+    <dgm:effectClrLst/>
+    <dgm:txLinClrLst/>
+    <dgm:txFillClrLst/>
+    <dgm:txEffectClrLst/>
+  </dgm:styleLbl>
+  <dgm:styleLbl name="node1">
+    <dgm:fillClrLst meth="repeat">
+      <a:schemeClr val="accent1"/>
+    </dgm:fillClrLst>
+    <dgm:linClrLst meth="repeat">
+      <a:schemeClr val="lt1"/>
+    </dgm:linClrLst>
+    <dgm:effectClrLst/>
+    <dgm:txLinClrLst/>
+    <dgm:txFillClrLst/>
+    <dgm:txEffectClrLst/>
+  </dgm:styleLbl>
+  <dgm:styleLbl name="lnNode1">
+    <dgm:fillClrLst meth="repeat">
+      <a:schemeClr val="accent1"/>
+    </dgm:fillClrLst>
+    <dgm:linClrLst meth="repeat">
+      <a:schemeClr val="lt1"/>
+    </dgm:linClrLst>
+    <dgm:effectClrLst/>
+    <dgm:txLinClrLst/>
+    <dgm:txFillClrLst/>
+    <dgm:txEffectClrLst/>
+  </dgm:styleLbl>
+  <dgm:styleLbl name="vennNode1">
+    <dgm:fillClrLst meth="repeat">
+      <a:schemeClr val="accent1">
+        <a:alpha val="50000"/>
+      </a:schemeClr>
+    </dgm:fillClrLst>
+    <dgm:linClrLst meth="repeat">
+      <a:schemeClr val="lt1"/>
+    </dgm:linClrLst>
+    <dgm:effectClrLst/>
+    <dgm:txLinClrLst/>
+    <dgm:txFillClrLst/>
+    <dgm:txEffectClrLst/>
+  </dgm:styleLbl>
+  <dgm:styleLbl name="node2">
+    <dgm:fillClrLst meth="repeat">
+      <a:schemeClr val="accent1"/>
+    </dgm:fillClrLst>
+    <dgm:linClrLst meth="repeat">
+      <a:schemeClr val="lt1"/>
+    </dgm:linClrLst>
+    <dgm:effectClrLst/>
+    <dgm:txLinClrLst/>
+    <dgm:txFillClrLst/>
+    <dgm:txEffectClrLst/>
+  </dgm:styleLbl>
+  <dgm:styleLbl name="node3">
+    <dgm:fillClrLst meth="repeat">
+      <a:schemeClr val="accent1"/>
+    </dgm:fillClrLst>
+    <dgm:linClrLst meth="repeat">
+      <a:schemeClr val="lt1"/>
+    </dgm:linClrLst>
+    <dgm:effectClrLst/>
+    <dgm:txLinClrLst/>
+    <dgm:txFillClrLst/>
+    <dgm:txEffectClrLst/>
+  </dgm:styleLbl>
+  <dgm:styleLbl name="node4">
+    <dgm:fillClrLst meth="repeat">
+      <a:schemeClr val="accent1"/>
+    </dgm:fillClrLst>
+    <dgm:linClrLst meth="repeat">
+      <a:schemeClr val="lt1"/>
+    </dgm:linClrLst>
+    <dgm:effectClrLst/>
+    <dgm:txLinClrLst/>
+    <dgm:txFillClrLst/>
+    <dgm:txEffectClrLst/>
+  </dgm:styleLbl>
+  <dgm:styleLbl name="fgImgPlace1">
+    <dgm:fillClrLst meth="repeat">
+      <a:schemeClr val="accent1">
+        <a:tint val="50000"/>
+      </a:schemeClr>
+    </dgm:fillClrLst>
+    <dgm:linClrLst meth="repeat">
+      <a:schemeClr val="lt1"/>
+    </dgm:linClrLst>
+    <dgm:effectClrLst/>
+    <dgm:txLinClrLst/>
+    <dgm:txFillClrLst meth="repeat">
+      <a:schemeClr val="lt1"/>
+    </dgm:txFillClrLst>
+    <dgm:txEffectClrLst/>
+  </dgm:styleLbl>
+  <dgm:styleLbl name="alignImgPlace1">
+    <dgm:fillClrLst meth="repeat">
+      <a:schemeClr val="accent1">
+        <a:tint val="50000"/>
+      </a:schemeClr>
+    </dgm:fillClrLst>
+    <dgm:linClrLst meth="repeat">
+      <a:schemeClr val="lt1"/>
+    </dgm:linClrLst>
+    <dgm:effectClrLst/>
+    <dgm:txLinClrLst/>
+    <dgm:txFillClrLst meth="repeat">
+      <a:schemeClr val="lt1"/>
+    </dgm:txFillClrLst>
+    <dgm:txEffectClrLst/>
+  </dgm:styleLbl>
+  <dgm:styleLbl name="bgImgPlace1">
+    <dgm:fillClrLst meth="repeat">
+      <a:schemeClr val="accent1">
+        <a:tint val="50000"/>
+      </a:schemeClr>
+    </dgm:fillClrLst>
+    <dgm:linClrLst meth="repeat">
+      <a:schemeClr val="lt1"/>
+    </dgm:linClrLst>
+    <dgm:effectClrLst/>
+    <dgm:txLinClrLst/>
+    <dgm:txFillClrLst meth="repeat">
+      <a:schemeClr val="lt1"/>
+    </dgm:txFillClrLst>
+    <dgm:txEffectClrLst/>
+  </dgm:styleLbl>
+  <dgm:styleLbl name="sibTrans2D1">
+    <dgm:fillClrLst meth="repeat">
+      <a:schemeClr val="accent1">
+        <a:tint val="60000"/>
+      </a:schemeClr>
+    </dgm:fillClrLst>
+    <dgm:linClrLst meth="repeat">
+      <a:schemeClr val="accent1">
+        <a:tint val="60000"/>
+      </a:schemeClr>
+    </dgm:linClrLst>
+    <dgm:effectClrLst/>
+    <dgm:txLinClrLst/>
+    <dgm:txFillClrLst/>
+    <dgm:txEffectClrLst/>
+  </dgm:styleLbl>
+  <dgm:styleLbl name="fgSibTrans2D1">
+    <dgm:fillClrLst meth="repeat">
+      <a:schemeClr val="accent1">
+        <a:tint val="60000"/>
+      </a:schemeClr>
+    </dgm:fillClrLst>
+    <dgm:linClrLst meth="repeat">
+      <a:schemeClr val="accent1">
+        <a:tint val="60000"/>
+      </a:schemeClr>
+    </dgm:linClrLst>
+    <dgm:effectClrLst/>
+    <dgm:txLinClrLst/>
+    <dgm:txFillClrLst/>
+    <dgm:txEffectClrLst/>
+  </dgm:styleLbl>
+  <dgm:styleLbl name="bgSibTrans2D1">
+    <dgm:fillClrLst meth="repeat">
+      <a:schemeClr val="accent1">
+        <a:tint val="60000"/>
+      </a:schemeClr>
+    </dgm:fillClrLst>
+    <dgm:linClrLst meth="repeat">
+      <a:schemeClr val="accent1">
+        <a:tint val="60000"/>
+      </a:schemeClr>
+    </dgm:linClrLst>
+    <dgm:effectClrLst/>
+    <dgm:txLinClrLst/>
+    <dgm:txFillClrLst/>
+    <dgm:txEffectClrLst/>
+  </dgm:styleLbl>
+  <dgm:styleLbl name="sibTrans1D1">
+    <dgm:fillClrLst meth="repeat">
+      <a:schemeClr val="accent1"/>
+    </dgm:fillClrLst>
+    <dgm:linClrLst meth="repeat">
+      <a:schemeClr val="accent1"/>
+    </dgm:linClrLst>
+    <dgm:effectClrLst/>
+    <dgm:txLinClrLst/>
+    <dgm:txFillClrLst meth="repeat">
+      <a:schemeClr val="tx1"/>
+    </dgm:txFillClrLst>
+    <dgm:txEffectClrLst/>
+  </dgm:styleLbl>
+  <dgm:styleLbl name="callout">
+    <dgm:fillClrLst meth="repeat">
+      <a:schemeClr val="accent1"/>
+    </dgm:fillClrLst>
+    <dgm:linClrLst meth="repeat">
+      <a:schemeClr val="accent1">
+        <a:tint val="50000"/>
+      </a:schemeClr>
+    </dgm:linClrLst>
+    <dgm:effectClrLst/>
+    <dgm:txLinClrLst/>
+    <dgm:txFillClrLst meth="repeat">
+      <a:schemeClr val="tx1"/>
+    </dgm:txFillClrLst>
+    <dgm:txEffectClrLst/>
+  </dgm:styleLbl>
+  <dgm:styleLbl name="asst0">
+    <dgm:fillClrLst meth="repeat">
+      <a:schemeClr val="accent1"/>
+    </dgm:fillClrLst>
+    <dgm:linClrLst meth="repeat">
+      <a:schemeClr val="lt1"/>
+    </dgm:linClrLst>
+    <dgm:effectClrLst/>
+    <dgm:txLinClrLst/>
+    <dgm:txFillClrLst/>
+    <dgm:txEffectClrLst/>
+  </dgm:styleLbl>
+  <dgm:styleLbl name="asst1">
+    <dgm:fillClrLst meth="repeat">
+      <a:schemeClr val="accent1"/>
+    </dgm:fillClrLst>
+    <dgm:linClrLst meth="repeat">
+      <a:schemeClr val="lt1"/>
+    </dgm:linClrLst>
+    <dgm:effectClrLst/>
+    <dgm:txLinClrLst/>
+    <dgm:txFillClrLst/>
+    <dgm:txEffectClrLst/>
+  </dgm:styleLbl>
+  <dgm:styleLbl name="asst2">
+    <dgm:fillClrLst meth="repeat">
+      <a:schemeClr val="accent1"/>
+    </dgm:fillClrLst>
+    <dgm:linClrLst meth="repeat">
+      <a:schemeClr val="lt1"/>
+    </dgm:linClrLst>
+    <dgm:effectClrLst/>
+    <dgm:txLinClrLst/>
+    <dgm:txFillClrLst/>
+    <dgm:txEffectClrLst/>
+  </dgm:styleLbl>
+  <dgm:styleLbl name="asst3">
+    <dgm:fillClrLst meth="repeat">
+      <a:schemeClr val="accent1"/>
+    </dgm:fillClrLst>
+    <dgm:linClrLst meth="repeat">
+      <a:schemeClr val="lt1"/>
+    </dgm:linClrLst>
+    <dgm:effectClrLst/>
+    <dgm:txLinClrLst/>
+    <dgm:txFillClrLst/>
+    <dgm:txEffectClrLst/>
+  </dgm:styleLbl>
+  <dgm:styleLbl name="asst4">
+    <dgm:fillClrLst meth="repeat">
+      <a:schemeClr val="accent1"/>
+    </dgm:fillClrLst>
+    <dgm:linClrLst meth="repeat">
+      <a:schemeClr val="lt1"/>
+    </dgm:linClrLst>
+    <dgm:effectClrLst/>
+    <dgm:txLinClrLst/>
+    <dgm:txFillClrLst/>
+    <dgm:txEffectClrLst/>
+  </dgm:styleLbl>
+  <dgm:styleLbl name="parChTrans2D1">
+    <dgm:fillClrLst meth="repeat">
+      <a:schemeClr val="accent1">
+        <a:tint val="60000"/>
+      </a:schemeClr>
+    </dgm:fillClrLst>
+    <dgm:linClrLst meth="repeat">
+      <a:schemeClr val="accent1">
+        <a:tint val="60000"/>
+      </a:schemeClr>
+    </dgm:linClrLst>
+    <dgm:effectClrLst/>
+    <dgm:txLinClrLst/>
+    <dgm:txFillClrLst meth="repeat">
+      <a:schemeClr val="lt1"/>
+    </dgm:txFillClrLst>
+    <dgm:txEffectClrLst/>
+  </dgm:styleLbl>
+  <dgm:styleLbl name="parChTrans2D2">
+    <dgm:fillClrLst meth="repeat">
+      <a:schemeClr val="accent1"/>
+    </dgm:fillClrLst>
+    <dgm:linClrLst meth="repeat">
+      <a:schemeClr val="accent1"/>
+    </dgm:linClrLst>
+    <dgm:effectClrLst/>
+    <dgm:txLinClrLst/>
+    <dgm:txFillClrLst meth="repeat">
+      <a:schemeClr val="lt1"/>
+    </dgm:txFillClrLst>
+    <dgm:txEffectClrLst/>
+  </dgm:styleLbl>
+  <dgm:styleLbl name="parChTrans2D3">
+    <dgm:fillClrLst meth="repeat">
+      <a:schemeClr val="accent1"/>
+    </dgm:fillClrLst>
+    <dgm:linClrLst meth="repeat">
+      <a:schemeClr val="accent1"/>
+    </dgm:linClrLst>
+    <dgm:effectClrLst/>
+    <dgm:txLinClrLst/>
+    <dgm:txFillClrLst meth="repeat">
+      <a:schemeClr val="lt1"/>
+    </dgm:txFillClrLst>
+    <dgm:txEffectClrLst/>
+  </dgm:styleLbl>
+  <dgm:styleLbl name="parChTrans2D4">
+    <dgm:fillClrLst meth="repeat">
+      <a:schemeClr val="accent1"/>
+    </dgm:fillClrLst>
+    <dgm:linClrLst meth="repeat">
+      <a:schemeClr val="accent1"/>
+    </dgm:linClrLst>
+    <dgm:effectClrLst/>
+    <dgm:txLinClrLst/>
+    <dgm:txFillClrLst meth="repeat">
+      <a:schemeClr val="lt1"/>
+    </dgm:txFillClrLst>
+    <dgm:txEffectClrLst/>
+  </dgm:styleLbl>
+  <dgm:styleLbl name="parChTrans1D1">
+    <dgm:fillClrLst meth="repeat">
+      <a:schemeClr val="accent1"/>
+    </dgm:fillClrLst>
+    <dgm:linClrLst meth="repeat">
+      <a:schemeClr val="accent1">
+        <a:shade val="60000"/>
+      </a:schemeClr>
+    </dgm:linClrLst>
+    <dgm:effectClrLst/>
+    <dgm:txLinClrLst/>
+    <dgm:txFillClrLst meth="repeat">
+      <a:schemeClr val="tx1"/>
+    </dgm:txFillClrLst>
+    <dgm:txEffectClrLst/>
+  </dgm:styleLbl>
+  <dgm:styleLbl name="parChTrans1D2">
+    <dgm:fillClrLst meth="repeat">
+      <a:schemeClr val="accent1"/>
+    </dgm:fillClrLst>
+    <dgm:linClrLst meth="repeat">
+      <a:schemeClr val="accent1">
+        <a:shade val="60000"/>
+      </a:schemeClr>
+    </dgm:linClrLst>
+    <dgm:effectClrLst/>
+    <dgm:txLinClrLst/>
+    <dgm:txFillClrLst meth="repeat">
+      <a:schemeClr val="tx1"/>
+    </dgm:txFillClrLst>
+    <dgm:txEffectClrLst/>
+  </dgm:styleLbl>
+  <dgm:styleLbl name="parChTrans1D3">
+    <dgm:fillClrLst meth="repeat">
+      <a:schemeClr val="accent1"/>
+    </dgm:fillClrLst>
+    <dgm:linClrLst meth="repeat">
+      <a:schemeClr val="accent1">
+        <a:shade val="80000"/>
+      </a:schemeClr>
+    </dgm:linClrLst>
+    <dgm:effectClrLst/>
+    <dgm:txLinClrLst/>
+    <dgm:txFillClrLst meth="repeat">
+      <a:schemeClr val="tx1"/>
+    </dgm:txFillClrLst>
+    <dgm:txEffectClrLst/>
+  </dgm:styleLbl>
+  <dgm:styleLbl name="parChTrans1D4">
+    <dgm:fillClrLst meth="repeat">
+      <a:schemeClr val="accent1"/>
+    </dgm:fillClrLst>
+    <dgm:linClrLst meth="repeat">
+      <a:schemeClr val="accent1">
+        <a:shade val="80000"/>
+      </a:schemeClr>
+    </dgm:linClrLst>
+    <dgm:effectClrLst/>
+    <dgm:txLinClrLst/>
+    <dgm:txFillClrLst meth="repeat">
+      <a:schemeClr val="tx1"/>
+    </dgm:txFillClrLst>
+    <dgm:txEffectClrLst/>
+  </dgm:styleLbl>
+  <dgm:styleLbl name="fgAcc1">
+    <dgm:fillClrLst meth="repeat">
+      <a:schemeClr val="lt1">
+        <a:alpha val="90000"/>
+      </a:schemeClr>
+    </dgm:fillClrLst>
+    <dgm:linClrLst meth="repeat">
+      <a:schemeClr val="accent1"/>
+    </dgm:linClrLst>
+    <dgm:effectClrLst/>
+    <dgm:txLinClrLst/>
+    <dgm:txFillClrLst meth="repeat">
+      <a:schemeClr val="dk1"/>
+    </dgm:txFillClrLst>
+    <dgm:txEffectClrLst/>
+  </dgm:styleLbl>
+  <dgm:styleLbl name="conFgAcc1">
+    <dgm:fillClrLst meth="repeat">
+      <a:schemeClr val="lt1">
+        <a:alpha val="90000"/>
+      </a:schemeClr>
+    </dgm:fillClrLst>
+    <dgm:linClrLst meth="repeat">
+      <a:schemeClr val="accent1"/>
+    </dgm:linClrLst>
+    <dgm:effectClrLst/>
+    <dgm:txLinClrLst/>
+    <dgm:txFillClrLst meth="repeat">
+      <a:schemeClr val="dk1"/>
+    </dgm:txFillClrLst>
+    <dgm:txEffectClrLst/>
+  </dgm:styleLbl>
+  <dgm:styleLbl name="alignAcc1">
+    <dgm:fillClrLst meth="repeat">
+      <a:schemeClr val="lt1">
+        <a:alpha val="90000"/>
+      </a:schemeClr>
+    </dgm:fillClrLst>
+    <dgm:linClrLst meth="repeat">
+      <a:schemeClr val="accent1"/>
+    </dgm:linClrLst>
+    <dgm:effectClrLst/>
+    <dgm:txLinClrLst/>
+    <dgm:txFillClrLst meth="repeat">
+      <a:schemeClr val="dk1"/>
+    </dgm:txFillClrLst>
+    <dgm:txEffectClrLst/>
+  </dgm:styleLbl>
+  <dgm:styleLbl name="trAlignAcc1">
+    <dgm:fillClrLst meth="repeat">
+      <a:schemeClr val="lt1">
+        <a:alpha val="40000"/>
+      </a:schemeClr>
+    </dgm:fillClrLst>
+    <dgm:linClrLst meth="repeat">
+      <a:schemeClr val="accent1"/>
+    </dgm:linClrLst>
+    <dgm:effectClrLst/>
+    <dgm:txLinClrLst/>
+    <dgm:txFillClrLst meth="repeat">
+      <a:schemeClr val="dk1"/>
+    </dgm:txFillClrLst>
+    <dgm:txEffectClrLst/>
+  </dgm:styleLbl>
+  <dgm:styleLbl name="bgAcc1">
+    <dgm:fillClrLst meth="repeat">
+      <a:schemeClr val="lt1">
+        <a:alpha val="90000"/>
+      </a:schemeClr>
+    </dgm:fillClrLst>
+    <dgm:linClrLst meth="repeat">
+      <a:schemeClr val="accent1"/>
+    </dgm:linClrLst>
+    <dgm:effectClrLst/>
+    <dgm:txLinClrLst/>
+    <dgm:txFillClrLst meth="repeat">
+      <a:schemeClr val="dk1"/>
+    </dgm:txFillClrLst>
+    <dgm:txEffectClrLst/>
+  </dgm:styleLbl>
+  <dgm:styleLbl name="solidFgAcc1">
+    <dgm:fillClrLst meth="repeat">
+      <a:schemeClr val="lt1"/>
+    </dgm:fillClrLst>
+    <dgm:linClrLst meth="repeat">
+      <a:schemeClr val="accent1"/>
+    </dgm:linClrLst>
+    <dgm:effectClrLst/>
+    <dgm:txLinClrLst/>
+    <dgm:txFillClrLst meth="repeat">
+      <a:schemeClr val="dk1"/>
+    </dgm:txFillClrLst>
+    <dgm:txEffectClrLst/>
+  </dgm:styleLbl>
+  <dgm:styleLbl name="solidAlignAcc1">
+    <dgm:fillClrLst meth="repeat">
+      <a:schemeClr val="lt1"/>
+    </dgm:fillClrLst>
+    <dgm:linClrLst meth="repeat">
+      <a:schemeClr val="accent1"/>
+    </dgm:linClrLst>
+    <dgm:effectClrLst/>
+    <dgm:txLinClrLst/>
+    <dgm:txFillClrLst meth="repeat">
+      <a:schemeClr val="dk1"/>
+    </dgm:txFillClrLst>
+    <dgm:txEffectClrLst/>
+  </dgm:styleLbl>
+  <dgm:styleLbl name="solidBgAcc1">
+    <dgm:fillClrLst meth="repeat">
+      <a:schemeClr val="lt1"/>
+    </dgm:fillClrLst>
+    <dgm:linClrLst meth="repeat">
+      <a:schemeClr val="accent1"/>
+    </dgm:linClrLst>
+    <dgm:effectClrLst/>
+    <dgm:txLinClrLst/>
+    <dgm:txFillClrLst meth="repeat">
+      <a:schemeClr val="dk1"/>
+    </dgm:txFillClrLst>
+    <dgm:txEffectClrLst/>
+  </dgm:styleLbl>
+  <dgm:styleLbl name="fgAccFollowNode1">
+    <dgm:fillClrLst meth="repeat">
+      <a:schemeClr val="accent1">
+        <a:alpha val="90000"/>
+        <a:tint val="40000"/>
+      </a:schemeClr>
+    </dgm:fillClrLst>
+    <dgm:linClrLst meth="repeat">
+      <a:schemeClr val="accent1">
+        <a:alpha val="90000"/>
+        <a:tint val="40000"/>
+      </a:schemeClr>
+    </dgm:linClrLst>
+    <dgm:effectClrLst/>
+    <dgm:txLinClrLst/>
+    <dgm:txFillClrLst meth="repeat">
+      <a:schemeClr val="dk1"/>
+    </dgm:txFillClrLst>
+    <dgm:txEffectClrLst/>
+  </dgm:styleLbl>
+  <dgm:styleLbl name="alignAccFollowNode1">
+    <dgm:fillClrLst meth="repeat">
+      <a:schemeClr val="accent1">
+        <a:alpha val="90000"/>
+        <a:tint val="40000"/>
+      </a:schemeClr>
+    </dgm:fillClrLst>
+    <dgm:linClrLst meth="repeat">
+      <a:schemeClr val="accent1">
+        <a:alpha val="90000"/>
+        <a:tint val="40000"/>
+      </a:schemeClr>
+    </dgm:linClrLst>
+    <dgm:effectClrLst/>
+    <dgm:txLinClrLst/>
+    <dgm:txFillClrLst meth="repeat">
+      <a:schemeClr val="dk1"/>
+    </dgm:txFillClrLst>
+    <dgm:txEffectClrLst/>
+  </dgm:styleLbl>
+  <dgm:styleLbl name="bgAccFollowNode1">
+    <dgm:fillClrLst meth="repeat">
+      <a:schemeClr val="accent1">
+        <a:alpha val="90000"/>
+        <a:tint val="40000"/>
+      </a:schemeClr>
+    </dgm:fillClrLst>
+    <dgm:linClrLst meth="repeat">
+      <a:schemeClr val="accent1">
+        <a:alpha val="90000"/>
+        <a:tint val="40000"/>
+      </a:schemeClr>
+    </dgm:linClrLst>
+    <dgm:effectClrLst/>
+    <dgm:txLinClrLst/>
+    <dgm:txFillClrLst meth="repeat">
+      <a:schemeClr val="dk1"/>
+    </dgm:txFillClrLst>
+    <dgm:txEffectClrLst/>
+  </dgm:styleLbl>
+  <dgm:styleLbl name="fgAcc0">
+    <dgm:fillClrLst meth="repeat">
+      <a:schemeClr val="lt1">
+        <a:alpha val="90000"/>
+      </a:schemeClr>
+    </dgm:fillClrLst>
+    <dgm:linClrLst meth="repeat">
+      <a:schemeClr val="accent1"/>
+    </dgm:linClrLst>
+    <dgm:effectClrLst/>
+    <dgm:txLinClrLst/>
+    <dgm:txFillClrLst meth="repeat">
+      <a:schemeClr val="dk1"/>
+    </dgm:txFillClrLst>
+    <dgm:txEffectClrLst/>
+  </dgm:styleLbl>
+  <dgm:styleLbl name="fgAcc2">
+    <dgm:fillClrLst meth="repeat">
+      <a:schemeClr val="lt1">
+        <a:alpha val="90000"/>
+      </a:schemeClr>
+    </dgm:fillClrLst>
+    <dgm:linClrLst meth="repeat">
+      <a:schemeClr val="accent1"/>
+    </dgm:linClrLst>
+    <dgm:effectClrLst/>
+    <dgm:txLinClrLst/>
+    <dgm:txFillClrLst meth="repeat">
+      <a:schemeClr val="dk1"/>
+    </dgm:txFillClrLst>
+    <dgm:txEffectClrLst/>
+  </dgm:styleLbl>
+  <dgm:styleLbl name="fgAcc3">
+    <dgm:fillClrLst meth="repeat">
+      <a:schemeClr val="lt1">
+        <a:alpha val="90000"/>
+      </a:schemeClr>
+    </dgm:fillClrLst>
+    <dgm:linClrLst meth="repeat">
+      <a:schemeClr val="accent1"/>
+    </dgm:linClrLst>
+    <dgm:effectClrLst/>
+    <dgm:txLinClrLst/>
+    <dgm:txFillClrLst meth="repeat">
+      <a:schemeClr val="dk1"/>
+    </dgm:txFillClrLst>
+    <dgm:txEffectClrLst/>
+  </dgm:styleLbl>
+  <dgm:styleLbl name="fgAcc4">
+    <dgm:fillClrLst meth="repeat">
+      <a:schemeClr val="lt1">
+        <a:alpha val="90000"/>
+      </a:schemeClr>
+    </dgm:fillClrLst>
+    <dgm:linClrLst meth="repeat">
+      <a:schemeClr val="accent1"/>
+    </dgm:linClrLst>
+    <dgm:effectClrLst/>
+    <dgm:txLinClrLst/>
+    <dgm:txFillClrLst meth="repeat">
+      <a:schemeClr val="dk1"/>
+    </dgm:txFillClrLst>
+    <dgm:txEffectClrLst/>
+  </dgm:styleLbl>
+  <dgm:styleLbl name="bgShp">
+    <dgm:fillClrLst meth="repeat">
+      <a:schemeClr val="accent1">
+        <a:tint val="40000"/>
+      </a:schemeClr>
+    </dgm:fillClrLst>
+    <dgm:linClrLst meth="repeat">
+      <a:schemeClr val="accent1"/>
+    </dgm:linClrLst>
+    <dgm:effectClrLst/>
+    <dgm:txLinClrLst/>
+    <dgm:txFillClrLst meth="repeat">
+      <a:schemeClr val="dk1"/>
+    </dgm:txFillClrLst>
+    <dgm:txEffectClrLst/>
+  </dgm:styleLbl>
+  <dgm:styleLbl name="dkBgShp">
+    <dgm:fillClrLst meth="repeat">
+      <a:schemeClr val="accent1">
+        <a:shade val="80000"/>
+      </a:schemeClr>
+    </dgm:fillClrLst>
+    <dgm:linClrLst meth="repeat">
+      <a:schemeClr val="accent1"/>
+    </dgm:linClrLst>
+    <dgm:effectClrLst/>
+    <dgm:txLinClrLst/>
+    <dgm:txFillClrLst meth="repeat">
+      <a:schemeClr val="lt1"/>
+    </dgm:txFillClrLst>
+    <dgm:txEffectClrLst/>
+  </dgm:styleLbl>
+  <dgm:styleLbl name="trBgShp">
+    <dgm:fillClrLst meth="repeat">
+      <a:schemeClr val="accent1">
+        <a:tint val="50000"/>
+        <a:alpha val="40000"/>
+      </a:schemeClr>
+    </dgm:fillClrLst>
+    <dgm:linClrLst meth="repeat">
+      <a:schemeClr val="accent1"/>
+    </dgm:linClrLst>
+    <dgm:effectClrLst/>
+    <dgm:txLinClrLst/>
+    <dgm:txFillClrLst meth="repeat">
+      <a:schemeClr val="lt1"/>
+    </dgm:txFillClrLst>
+    <dgm:txEffectClrLst/>
+  </dgm:styleLbl>
+  <dgm:styleLbl name="fgShp">
+    <dgm:fillClrLst meth="repeat">
+      <a:schemeClr val="accent1">
+        <a:tint val="60000"/>
+      </a:schemeClr>
+    </dgm:fillClrLst>
+    <dgm:linClrLst meth="repeat">
+      <a:schemeClr val="lt1"/>
+    </dgm:linClrLst>
+    <dgm:effectClrLst/>
+    <dgm:txLinClrLst/>
+    <dgm:txFillClrLst meth="repeat">
+      <a:schemeClr val="dk1"/>
+    </dgm:txFillClrLst>
+    <dgm:txEffectClrLst/>
+  </dgm:styleLbl>
+  <dgm:styleLbl name="revTx">
+    <dgm:fillClrLst meth="repeat">
+      <a:schemeClr val="lt1">
+        <a:alpha val="0"/>
+      </a:schemeClr>
+    </dgm:fillClrLst>
+    <dgm:linClrLst meth="repeat">
+      <a:schemeClr val="dk1">
+        <a:alpha val="0"/>
+      </a:schemeClr>
+    </dgm:linClrLst>
+    <dgm:effectClrLst/>
+    <dgm:txLinClrLst/>
+    <dgm:txFillClrLst meth="repeat">
+      <a:schemeClr val="tx1"/>
+    </dgm:txFillClrLst>
+    <dgm:txEffectClrLst/>
+  </dgm:styleLbl>
+</dgm:colorsDef>
+</file>
+
+<file path=ppt/diagrams/data1.xml><?xml version="1.0" encoding="utf-8"?>
+<dgm:dataModel xmlns:dgm="http://schemas.openxmlformats.org/drawingml/2006/diagram" xmlns:a="http://schemas.openxmlformats.org/drawingml/2006/main">
+  <dgm:ptLst>
+    <dgm:pt modelId="{A00E6800-3107-4644-9AE9-5E78D839B06D}" type="doc">
+      <dgm:prSet loTypeId="urn:microsoft.com/office/officeart/2005/8/layout/hierarchy3" loCatId="hierarchy" qsTypeId="urn:microsoft.com/office/officeart/2005/8/quickstyle/simple4" qsCatId="simple" csTypeId="urn:microsoft.com/office/officeart/2005/8/colors/accent1_2" csCatId="accent1"/>
+      <dgm:spPr/>
+      <dgm:t>
+        <a:bodyPr/>
+        <a:lstStyle/>
+        <a:p>
+          <a:endParaRPr lang="en-US"/>
+        </a:p>
+      </dgm:t>
+    </dgm:pt>
+    <dgm:pt modelId="{4078A19B-0F4F-4D1C-BFD8-4C691AF429DC}">
+      <dgm:prSet/>
+      <dgm:spPr/>
+      <dgm:t>
+        <a:bodyPr/>
+        <a:lstStyle/>
+        <a:p>
+          <a:r>
+            <a:rPr lang="en-US" b="1" i="0" dirty="0">
+              <a:latin typeface="Segoe UI" panose="020B0502040204020203" pitchFamily="34" charset="0"/>
+              <a:cs typeface="Segoe UI" panose="020B0502040204020203" pitchFamily="34" charset="0"/>
+            </a:rPr>
+            <a:t>Stack&lt;T&gt;,</a:t>
+          </a:r>
+          <a:endParaRPr lang="en-US" dirty="0">
+            <a:latin typeface="Segoe UI" panose="020B0502040204020203" pitchFamily="34" charset="0"/>
+            <a:cs typeface="Segoe UI" panose="020B0502040204020203" pitchFamily="34" charset="0"/>
+          </a:endParaRPr>
+        </a:p>
+      </dgm:t>
+    </dgm:pt>
+    <dgm:pt modelId="{926B84E6-ACC6-4E01-ADAA-CEC2DF1AE5BC}" type="parTrans" cxnId="{43044BD6-C3F4-4681-A137-070A9B8C9CAF}">
+      <dgm:prSet/>
+      <dgm:spPr/>
+      <dgm:t>
+        <a:bodyPr/>
+        <a:lstStyle/>
+        <a:p>
+          <a:endParaRPr lang="en-US"/>
+        </a:p>
+      </dgm:t>
+    </dgm:pt>
+    <dgm:pt modelId="{733C9734-E9DD-48DB-A251-E73F35838AE9}" type="sibTrans" cxnId="{43044BD6-C3F4-4681-A137-070A9B8C9CAF}">
+      <dgm:prSet/>
+      <dgm:spPr/>
+      <dgm:t>
+        <a:bodyPr/>
+        <a:lstStyle/>
+        <a:p>
+          <a:endParaRPr lang="en-US"/>
+        </a:p>
+      </dgm:t>
+    </dgm:pt>
+    <dgm:pt modelId="{8500F5E3-55B3-4EC8-806C-EF9538D5F4B1}">
+      <dgm:prSet/>
+      <dgm:spPr/>
+      <dgm:t>
+        <a:bodyPr/>
+        <a:lstStyle/>
+        <a:p>
+          <a:r>
+            <a:rPr lang="en-US" b="1" i="0" dirty="0">
+              <a:latin typeface="Segoe UI" panose="020B0502040204020203" pitchFamily="34" charset="0"/>
+              <a:cs typeface="Segoe UI" panose="020B0502040204020203" pitchFamily="34" charset="0"/>
+            </a:rPr>
+            <a:t>Queue&lt;T&gt;,</a:t>
+          </a:r>
+          <a:endParaRPr lang="en-US" dirty="0">
+            <a:latin typeface="Segoe UI" panose="020B0502040204020203" pitchFamily="34" charset="0"/>
+            <a:cs typeface="Segoe UI" panose="020B0502040204020203" pitchFamily="34" charset="0"/>
+          </a:endParaRPr>
+        </a:p>
+      </dgm:t>
+    </dgm:pt>
+    <dgm:pt modelId="{F636DC97-60A4-43BA-AAEB-00AB1546B585}" type="parTrans" cxnId="{7A6C3BF0-B302-4674-B304-247D33977B67}">
+      <dgm:prSet/>
+      <dgm:spPr/>
+      <dgm:t>
+        <a:bodyPr/>
+        <a:lstStyle/>
+        <a:p>
+          <a:endParaRPr lang="en-US"/>
+        </a:p>
+      </dgm:t>
+    </dgm:pt>
+    <dgm:pt modelId="{2949EBB7-DD05-4B1F-A903-8B15ED1D3DD5}" type="sibTrans" cxnId="{7A6C3BF0-B302-4674-B304-247D33977B67}">
+      <dgm:prSet/>
+      <dgm:spPr/>
+      <dgm:t>
+        <a:bodyPr/>
+        <a:lstStyle/>
+        <a:p>
+          <a:endParaRPr lang="en-US"/>
+        </a:p>
+      </dgm:t>
+    </dgm:pt>
+    <dgm:pt modelId="{36A0670D-1F4A-4FC5-A028-E6A9D10BD804}">
+      <dgm:prSet/>
+      <dgm:spPr/>
+      <dgm:t>
+        <a:bodyPr/>
+        <a:lstStyle/>
+        <a:p>
+          <a:r>
+            <a:rPr lang="en-US" b="1" i="0">
+              <a:latin typeface="Segoe UI" panose="020B0502040204020203" pitchFamily="34" charset="0"/>
+              <a:cs typeface="Segoe UI" panose="020B0502040204020203" pitchFamily="34" charset="0"/>
+            </a:rPr>
+            <a:t>LinkedList&lt;T&gt;,</a:t>
+          </a:r>
+          <a:endParaRPr lang="en-US">
+            <a:latin typeface="Segoe UI" panose="020B0502040204020203" pitchFamily="34" charset="0"/>
+            <a:cs typeface="Segoe UI" panose="020B0502040204020203" pitchFamily="34" charset="0"/>
+          </a:endParaRPr>
+        </a:p>
+      </dgm:t>
+    </dgm:pt>
+    <dgm:pt modelId="{E15AC57D-251A-436C-B75C-C5104AC5500A}" type="parTrans" cxnId="{5EDBF478-F923-4E13-B8EE-F19BBF5A2148}">
+      <dgm:prSet/>
+      <dgm:spPr/>
+      <dgm:t>
+        <a:bodyPr/>
+        <a:lstStyle/>
+        <a:p>
+          <a:endParaRPr lang="en-US"/>
+        </a:p>
+      </dgm:t>
+    </dgm:pt>
+    <dgm:pt modelId="{F6434746-44D4-4783-8651-8B2BFE888C7C}" type="sibTrans" cxnId="{5EDBF478-F923-4E13-B8EE-F19BBF5A2148}">
+      <dgm:prSet/>
+      <dgm:spPr/>
+      <dgm:t>
+        <a:bodyPr/>
+        <a:lstStyle/>
+        <a:p>
+          <a:endParaRPr lang="en-US"/>
+        </a:p>
+      </dgm:t>
+    </dgm:pt>
+    <dgm:pt modelId="{BE9A4F8C-36EC-43A1-8E0C-22315ABFB36B}">
+      <dgm:prSet/>
+      <dgm:spPr/>
+      <dgm:t>
+        <a:bodyPr/>
+        <a:lstStyle/>
+        <a:p>
+          <a:r>
+            <a:rPr lang="en-US" b="1" i="0">
+              <a:latin typeface="Segoe UI" panose="020B0502040204020203" pitchFamily="34" charset="0"/>
+              <a:cs typeface="Segoe UI" panose="020B0502040204020203" pitchFamily="34" charset="0"/>
+            </a:rPr>
+            <a:t>SortedList&lt;T&gt;,</a:t>
+          </a:r>
+          <a:endParaRPr lang="en-US">
+            <a:latin typeface="Segoe UI" panose="020B0502040204020203" pitchFamily="34" charset="0"/>
+            <a:cs typeface="Segoe UI" panose="020B0502040204020203" pitchFamily="34" charset="0"/>
+          </a:endParaRPr>
+        </a:p>
+      </dgm:t>
+    </dgm:pt>
+    <dgm:pt modelId="{5281340B-CF30-4C07-9713-73F11B70BA8D}" type="parTrans" cxnId="{2FCCB9F2-5522-4FAE-AF78-8C675E27A090}">
+      <dgm:prSet/>
+      <dgm:spPr/>
+      <dgm:t>
+        <a:bodyPr/>
+        <a:lstStyle/>
+        <a:p>
+          <a:endParaRPr lang="en-US"/>
+        </a:p>
+      </dgm:t>
+    </dgm:pt>
+    <dgm:pt modelId="{B13A914E-E38B-438E-8FC0-B00043C2843F}" type="sibTrans" cxnId="{2FCCB9F2-5522-4FAE-AF78-8C675E27A090}">
+      <dgm:prSet/>
+      <dgm:spPr/>
+      <dgm:t>
+        <a:bodyPr/>
+        <a:lstStyle/>
+        <a:p>
+          <a:endParaRPr lang="en-US"/>
+        </a:p>
+      </dgm:t>
+    </dgm:pt>
+    <dgm:pt modelId="{3D1BE846-2587-43B2-9E5A-9FF19C87D765}">
+      <dgm:prSet/>
+      <dgm:spPr/>
+      <dgm:t>
+        <a:bodyPr/>
+        <a:lstStyle/>
+        <a:p>
+          <a:r>
+            <a:rPr lang="en-US" b="1" i="0">
+              <a:latin typeface="Segoe UI" panose="020B0502040204020203" pitchFamily="34" charset="0"/>
+              <a:cs typeface="Segoe UI" panose="020B0502040204020203" pitchFamily="34" charset="0"/>
+            </a:rPr>
+            <a:t>List&lt;T&gt;,</a:t>
+          </a:r>
+          <a:endParaRPr lang="en-US">
+            <a:latin typeface="Segoe UI" panose="020B0502040204020203" pitchFamily="34" charset="0"/>
+            <a:cs typeface="Segoe UI" panose="020B0502040204020203" pitchFamily="34" charset="0"/>
+          </a:endParaRPr>
+        </a:p>
+      </dgm:t>
+    </dgm:pt>
+    <dgm:pt modelId="{B26D8D16-5576-4331-B92E-941C3A4309EB}" type="parTrans" cxnId="{58C64123-1BEE-4FC2-ABE7-28D8E4DC5DD8}">
+      <dgm:prSet/>
+      <dgm:spPr/>
+      <dgm:t>
+        <a:bodyPr/>
+        <a:lstStyle/>
+        <a:p>
+          <a:endParaRPr lang="en-US"/>
+        </a:p>
+      </dgm:t>
+    </dgm:pt>
+    <dgm:pt modelId="{617C6A41-F0BC-4EE5-8420-A0606F4010EE}" type="sibTrans" cxnId="{58C64123-1BEE-4FC2-ABE7-28D8E4DC5DD8}">
+      <dgm:prSet/>
+      <dgm:spPr/>
+      <dgm:t>
+        <a:bodyPr/>
+        <a:lstStyle/>
+        <a:p>
+          <a:endParaRPr lang="en-US"/>
+        </a:p>
+      </dgm:t>
+    </dgm:pt>
+    <dgm:pt modelId="{967B9DEC-1B84-491C-89E7-C3135C95BFE6}">
+      <dgm:prSet/>
+      <dgm:spPr/>
+      <dgm:t>
+        <a:bodyPr/>
+        <a:lstStyle/>
+        <a:p>
+          <a:r>
+            <a:rPr lang="en-US" b="1" i="0" dirty="0">
+              <a:latin typeface="Segoe UI" panose="020B0502040204020203" pitchFamily="34" charset="0"/>
+              <a:cs typeface="Segoe UI" panose="020B0502040204020203" pitchFamily="34" charset="0"/>
+            </a:rPr>
+            <a:t>Dictionary&lt;</a:t>
+          </a:r>
+          <a:r>
+            <a:rPr lang="en-US" b="1" i="0" dirty="0" err="1">
+              <a:latin typeface="Segoe UI" panose="020B0502040204020203" pitchFamily="34" charset="0"/>
+              <a:cs typeface="Segoe UI" panose="020B0502040204020203" pitchFamily="34" charset="0"/>
+            </a:rPr>
+            <a:t>TKey</a:t>
+          </a:r>
+          <a:r>
+            <a:rPr lang="en-US" b="1" i="0" dirty="0">
+              <a:latin typeface="Segoe UI" panose="020B0502040204020203" pitchFamily="34" charset="0"/>
+              <a:cs typeface="Segoe UI" panose="020B0502040204020203" pitchFamily="34" charset="0"/>
+            </a:rPr>
+            <a:t>, </a:t>
+          </a:r>
+          <a:r>
+            <a:rPr lang="en-US" b="1" i="0" dirty="0" err="1">
+              <a:latin typeface="Segoe UI" panose="020B0502040204020203" pitchFamily="34" charset="0"/>
+              <a:cs typeface="Segoe UI" panose="020B0502040204020203" pitchFamily="34" charset="0"/>
+            </a:rPr>
+            <a:t>Tvalue</a:t>
+          </a:r>
+          <a:r>
+            <a:rPr lang="en-US" b="1" i="0" dirty="0">
+              <a:latin typeface="Segoe UI" panose="020B0502040204020203" pitchFamily="34" charset="0"/>
+              <a:cs typeface="Segoe UI" panose="020B0502040204020203" pitchFamily="34" charset="0"/>
+            </a:rPr>
+            <a:t>&gt;</a:t>
+          </a:r>
+          <a:endParaRPr lang="en-US" dirty="0">
+            <a:latin typeface="Segoe UI" panose="020B0502040204020203" pitchFamily="34" charset="0"/>
+            <a:cs typeface="Segoe UI" panose="020B0502040204020203" pitchFamily="34" charset="0"/>
+          </a:endParaRPr>
+        </a:p>
+      </dgm:t>
+    </dgm:pt>
+    <dgm:pt modelId="{5F682949-B793-4489-AFD6-9150C537A9ED}" type="parTrans" cxnId="{62C7B08F-7FEC-4FC8-AEA3-71598B33AD16}">
+      <dgm:prSet/>
+      <dgm:spPr/>
+      <dgm:t>
+        <a:bodyPr/>
+        <a:lstStyle/>
+        <a:p>
+          <a:endParaRPr lang="en-US"/>
+        </a:p>
+      </dgm:t>
+    </dgm:pt>
+    <dgm:pt modelId="{355737B0-A1C9-41F6-8E6F-3823129723E4}" type="sibTrans" cxnId="{62C7B08F-7FEC-4FC8-AEA3-71598B33AD16}">
+      <dgm:prSet/>
+      <dgm:spPr/>
+      <dgm:t>
+        <a:bodyPr/>
+        <a:lstStyle/>
+        <a:p>
+          <a:endParaRPr lang="en-US"/>
+        </a:p>
+      </dgm:t>
+    </dgm:pt>
+    <dgm:pt modelId="{3D250089-ED76-430A-9DA2-DF23D9ED834F}" type="pres">
+      <dgm:prSet presAssocID="{A00E6800-3107-4644-9AE9-5E78D839B06D}" presName="diagram" presStyleCnt="0">
+        <dgm:presLayoutVars>
+          <dgm:chPref val="1"/>
+          <dgm:dir/>
+          <dgm:animOne val="branch"/>
+          <dgm:animLvl val="lvl"/>
+          <dgm:resizeHandles/>
+        </dgm:presLayoutVars>
+      </dgm:prSet>
+      <dgm:spPr/>
+    </dgm:pt>
+    <dgm:pt modelId="{38020B25-C23B-401A-86C3-3B1F96221DC7}" type="pres">
+      <dgm:prSet presAssocID="{4078A19B-0F4F-4D1C-BFD8-4C691AF429DC}" presName="root" presStyleCnt="0"/>
+      <dgm:spPr/>
+    </dgm:pt>
+    <dgm:pt modelId="{285BF9AD-3359-464F-A4E6-43E63ABE8E9A}" type="pres">
+      <dgm:prSet presAssocID="{4078A19B-0F4F-4D1C-BFD8-4C691AF429DC}" presName="rootComposite" presStyleCnt="0"/>
+      <dgm:spPr/>
+    </dgm:pt>
+    <dgm:pt modelId="{C05703D4-329D-439A-9412-0895E2957BAF}" type="pres">
+      <dgm:prSet presAssocID="{4078A19B-0F4F-4D1C-BFD8-4C691AF429DC}" presName="rootText" presStyleLbl="node1" presStyleIdx="0" presStyleCnt="6"/>
+      <dgm:spPr/>
+    </dgm:pt>
+    <dgm:pt modelId="{E2C6100B-CACB-4E55-A790-AE6E438ADCA3}" type="pres">
+      <dgm:prSet presAssocID="{4078A19B-0F4F-4D1C-BFD8-4C691AF429DC}" presName="rootConnector" presStyleLbl="node1" presStyleIdx="0" presStyleCnt="6"/>
+      <dgm:spPr/>
+    </dgm:pt>
+    <dgm:pt modelId="{66A7B2EA-1D4D-4F39-B9DB-F875C20AC746}" type="pres">
+      <dgm:prSet presAssocID="{4078A19B-0F4F-4D1C-BFD8-4C691AF429DC}" presName="childShape" presStyleCnt="0"/>
+      <dgm:spPr/>
+    </dgm:pt>
+    <dgm:pt modelId="{5DF0CA27-80EF-408C-9B56-F303B48D42A5}" type="pres">
+      <dgm:prSet presAssocID="{8500F5E3-55B3-4EC8-806C-EF9538D5F4B1}" presName="root" presStyleCnt="0"/>
+      <dgm:spPr/>
+    </dgm:pt>
+    <dgm:pt modelId="{AACA3247-8035-40FB-9B5E-5E34DBBF8C5A}" type="pres">
+      <dgm:prSet presAssocID="{8500F5E3-55B3-4EC8-806C-EF9538D5F4B1}" presName="rootComposite" presStyleCnt="0"/>
+      <dgm:spPr/>
+    </dgm:pt>
+    <dgm:pt modelId="{8B0B8EDC-7936-4A9B-A891-500D62B8299F}" type="pres">
+      <dgm:prSet presAssocID="{8500F5E3-55B3-4EC8-806C-EF9538D5F4B1}" presName="rootText" presStyleLbl="node1" presStyleIdx="1" presStyleCnt="6"/>
+      <dgm:spPr/>
+    </dgm:pt>
+    <dgm:pt modelId="{485A4B62-B423-431C-8844-EAC065035442}" type="pres">
+      <dgm:prSet presAssocID="{8500F5E3-55B3-4EC8-806C-EF9538D5F4B1}" presName="rootConnector" presStyleLbl="node1" presStyleIdx="1" presStyleCnt="6"/>
+      <dgm:spPr/>
+    </dgm:pt>
+    <dgm:pt modelId="{A2ADB00D-59FF-4BE9-A45D-5F9FAA856A9F}" type="pres">
+      <dgm:prSet presAssocID="{8500F5E3-55B3-4EC8-806C-EF9538D5F4B1}" presName="childShape" presStyleCnt="0"/>
+      <dgm:spPr/>
+    </dgm:pt>
+    <dgm:pt modelId="{3F8E1AF0-CE9B-442A-B339-42BC055ED4B7}" type="pres">
+      <dgm:prSet presAssocID="{36A0670D-1F4A-4FC5-A028-E6A9D10BD804}" presName="root" presStyleCnt="0"/>
+      <dgm:spPr/>
+    </dgm:pt>
+    <dgm:pt modelId="{EC16BA75-9F0D-46D0-81CB-A4E8CE2CE416}" type="pres">
+      <dgm:prSet presAssocID="{36A0670D-1F4A-4FC5-A028-E6A9D10BD804}" presName="rootComposite" presStyleCnt="0"/>
+      <dgm:spPr/>
+    </dgm:pt>
+    <dgm:pt modelId="{A61C65F0-E86A-4F34-90A0-8F5B98B86B22}" type="pres">
+      <dgm:prSet presAssocID="{36A0670D-1F4A-4FC5-A028-E6A9D10BD804}" presName="rootText" presStyleLbl="node1" presStyleIdx="2" presStyleCnt="6"/>
+      <dgm:spPr/>
+    </dgm:pt>
+    <dgm:pt modelId="{C95E7BDD-C67D-441A-A9EC-7C51BF3C5D81}" type="pres">
+      <dgm:prSet presAssocID="{36A0670D-1F4A-4FC5-A028-E6A9D10BD804}" presName="rootConnector" presStyleLbl="node1" presStyleIdx="2" presStyleCnt="6"/>
+      <dgm:spPr/>
+    </dgm:pt>
+    <dgm:pt modelId="{967CC4C7-BD58-40C6-9C85-1623ABB03EB1}" type="pres">
+      <dgm:prSet presAssocID="{36A0670D-1F4A-4FC5-A028-E6A9D10BD804}" presName="childShape" presStyleCnt="0"/>
+      <dgm:spPr/>
+    </dgm:pt>
+    <dgm:pt modelId="{7523CB8A-AA9E-464F-AEA4-EF70D069CEA8}" type="pres">
+      <dgm:prSet presAssocID="{BE9A4F8C-36EC-43A1-8E0C-22315ABFB36B}" presName="root" presStyleCnt="0"/>
+      <dgm:spPr/>
+    </dgm:pt>
+    <dgm:pt modelId="{86DF3670-B4D3-431B-8365-B6EB551092E8}" type="pres">
+      <dgm:prSet presAssocID="{BE9A4F8C-36EC-43A1-8E0C-22315ABFB36B}" presName="rootComposite" presStyleCnt="0"/>
+      <dgm:spPr/>
+    </dgm:pt>
+    <dgm:pt modelId="{B6B5225D-C247-4A6F-A02A-CBA4DAC4D858}" type="pres">
+      <dgm:prSet presAssocID="{BE9A4F8C-36EC-43A1-8E0C-22315ABFB36B}" presName="rootText" presStyleLbl="node1" presStyleIdx="3" presStyleCnt="6"/>
+      <dgm:spPr/>
+    </dgm:pt>
+    <dgm:pt modelId="{65EF9D65-2A42-44C5-82F9-FD60BC58DE58}" type="pres">
+      <dgm:prSet presAssocID="{BE9A4F8C-36EC-43A1-8E0C-22315ABFB36B}" presName="rootConnector" presStyleLbl="node1" presStyleIdx="3" presStyleCnt="6"/>
+      <dgm:spPr/>
+    </dgm:pt>
+    <dgm:pt modelId="{4DEFF6C3-BDED-435F-8FD1-643CE4F90B1D}" type="pres">
+      <dgm:prSet presAssocID="{BE9A4F8C-36EC-43A1-8E0C-22315ABFB36B}" presName="childShape" presStyleCnt="0"/>
+      <dgm:spPr/>
+    </dgm:pt>
+    <dgm:pt modelId="{F80F3484-1C73-48A7-8CAC-944673461BDC}" type="pres">
+      <dgm:prSet presAssocID="{3D1BE846-2587-43B2-9E5A-9FF19C87D765}" presName="root" presStyleCnt="0"/>
+      <dgm:spPr/>
+    </dgm:pt>
+    <dgm:pt modelId="{704A6492-B2DF-42D8-934F-04E80E0D56BA}" type="pres">
+      <dgm:prSet presAssocID="{3D1BE846-2587-43B2-9E5A-9FF19C87D765}" presName="rootComposite" presStyleCnt="0"/>
+      <dgm:spPr/>
+    </dgm:pt>
+    <dgm:pt modelId="{F48AB233-4040-4A71-BF18-CF5167CF64BA}" type="pres">
+      <dgm:prSet presAssocID="{3D1BE846-2587-43B2-9E5A-9FF19C87D765}" presName="rootText" presStyleLbl="node1" presStyleIdx="4" presStyleCnt="6"/>
+      <dgm:spPr/>
+    </dgm:pt>
+    <dgm:pt modelId="{52FB2AF2-21E8-4056-B4E6-EAF0A8CDC90D}" type="pres">
+      <dgm:prSet presAssocID="{3D1BE846-2587-43B2-9E5A-9FF19C87D765}" presName="rootConnector" presStyleLbl="node1" presStyleIdx="4" presStyleCnt="6"/>
+      <dgm:spPr/>
+    </dgm:pt>
+    <dgm:pt modelId="{3D6318CD-B4D7-4CCD-B34D-D97212F05015}" type="pres">
+      <dgm:prSet presAssocID="{3D1BE846-2587-43B2-9E5A-9FF19C87D765}" presName="childShape" presStyleCnt="0"/>
+      <dgm:spPr/>
+    </dgm:pt>
+    <dgm:pt modelId="{5D38310A-A1F7-489E-83D9-72FD261E9C78}" type="pres">
+      <dgm:prSet presAssocID="{967B9DEC-1B84-491C-89E7-C3135C95BFE6}" presName="root" presStyleCnt="0"/>
+      <dgm:spPr/>
+    </dgm:pt>
+    <dgm:pt modelId="{23657C32-C229-4507-8850-9CDBD355DE65}" type="pres">
+      <dgm:prSet presAssocID="{967B9DEC-1B84-491C-89E7-C3135C95BFE6}" presName="rootComposite" presStyleCnt="0"/>
+      <dgm:spPr/>
+    </dgm:pt>
+    <dgm:pt modelId="{0C0834C1-69A6-4F89-B59E-C1B0A813F588}" type="pres">
+      <dgm:prSet presAssocID="{967B9DEC-1B84-491C-89E7-C3135C95BFE6}" presName="rootText" presStyleLbl="node1" presStyleIdx="5" presStyleCnt="6"/>
+      <dgm:spPr/>
+    </dgm:pt>
+    <dgm:pt modelId="{52C884D0-C06A-4797-8B22-BF9BA4D34A1A}" type="pres">
+      <dgm:prSet presAssocID="{967B9DEC-1B84-491C-89E7-C3135C95BFE6}" presName="rootConnector" presStyleLbl="node1" presStyleIdx="5" presStyleCnt="6"/>
+      <dgm:spPr/>
+    </dgm:pt>
+    <dgm:pt modelId="{E667FD8F-D88D-4C6C-9E74-27BEC49C746B}" type="pres">
+      <dgm:prSet presAssocID="{967B9DEC-1B84-491C-89E7-C3135C95BFE6}" presName="childShape" presStyleCnt="0"/>
+      <dgm:spPr/>
+    </dgm:pt>
+  </dgm:ptLst>
+  <dgm:cxnLst>
+    <dgm:cxn modelId="{6CA85A00-D4C4-439A-807D-FC7772AC8ECE}" type="presOf" srcId="{8500F5E3-55B3-4EC8-806C-EF9538D5F4B1}" destId="{485A4B62-B423-431C-8844-EAC065035442}" srcOrd="1" destOrd="0" presId="urn:microsoft.com/office/officeart/2005/8/layout/hierarchy3"/>
+    <dgm:cxn modelId="{7EF2EC10-CE81-451B-BD32-FC2E003D5921}" type="presOf" srcId="{8500F5E3-55B3-4EC8-806C-EF9538D5F4B1}" destId="{8B0B8EDC-7936-4A9B-A891-500D62B8299F}" srcOrd="0" destOrd="0" presId="urn:microsoft.com/office/officeart/2005/8/layout/hierarchy3"/>
+    <dgm:cxn modelId="{58C64123-1BEE-4FC2-ABE7-28D8E4DC5DD8}" srcId="{A00E6800-3107-4644-9AE9-5E78D839B06D}" destId="{3D1BE846-2587-43B2-9E5A-9FF19C87D765}" srcOrd="4" destOrd="0" parTransId="{B26D8D16-5576-4331-B92E-941C3A4309EB}" sibTransId="{617C6A41-F0BC-4EE5-8420-A0606F4010EE}"/>
+    <dgm:cxn modelId="{C0E61037-054B-43A2-B4B5-932DEE5266EC}" type="presOf" srcId="{BE9A4F8C-36EC-43A1-8E0C-22315ABFB36B}" destId="{65EF9D65-2A42-44C5-82F9-FD60BC58DE58}" srcOrd="1" destOrd="0" presId="urn:microsoft.com/office/officeart/2005/8/layout/hierarchy3"/>
+    <dgm:cxn modelId="{0F7E564E-BC8D-4D0F-A99C-F836EEBD4BC8}" type="presOf" srcId="{3D1BE846-2587-43B2-9E5A-9FF19C87D765}" destId="{F48AB233-4040-4A71-BF18-CF5167CF64BA}" srcOrd="0" destOrd="0" presId="urn:microsoft.com/office/officeart/2005/8/layout/hierarchy3"/>
+    <dgm:cxn modelId="{12615253-B943-47B1-B331-5D57C682522C}" type="presOf" srcId="{3D1BE846-2587-43B2-9E5A-9FF19C87D765}" destId="{52FB2AF2-21E8-4056-B4E6-EAF0A8CDC90D}" srcOrd="1" destOrd="0" presId="urn:microsoft.com/office/officeart/2005/8/layout/hierarchy3"/>
+    <dgm:cxn modelId="{5EDBF478-F923-4E13-B8EE-F19BBF5A2148}" srcId="{A00E6800-3107-4644-9AE9-5E78D839B06D}" destId="{36A0670D-1F4A-4FC5-A028-E6A9D10BD804}" srcOrd="2" destOrd="0" parTransId="{E15AC57D-251A-436C-B75C-C5104AC5500A}" sibTransId="{F6434746-44D4-4783-8651-8B2BFE888C7C}"/>
+    <dgm:cxn modelId="{62C7B08F-7FEC-4FC8-AEA3-71598B33AD16}" srcId="{A00E6800-3107-4644-9AE9-5E78D839B06D}" destId="{967B9DEC-1B84-491C-89E7-C3135C95BFE6}" srcOrd="5" destOrd="0" parTransId="{5F682949-B793-4489-AFD6-9150C537A9ED}" sibTransId="{355737B0-A1C9-41F6-8E6F-3823129723E4}"/>
+    <dgm:cxn modelId="{259D24A1-3DAA-4412-BF39-8F262DA812E9}" type="presOf" srcId="{BE9A4F8C-36EC-43A1-8E0C-22315ABFB36B}" destId="{B6B5225D-C247-4A6F-A02A-CBA4DAC4D858}" srcOrd="0" destOrd="0" presId="urn:microsoft.com/office/officeart/2005/8/layout/hierarchy3"/>
+    <dgm:cxn modelId="{2DAF68AE-DF79-4FC2-8AA9-E285E2724703}" type="presOf" srcId="{4078A19B-0F4F-4D1C-BFD8-4C691AF429DC}" destId="{C05703D4-329D-439A-9412-0895E2957BAF}" srcOrd="0" destOrd="0" presId="urn:microsoft.com/office/officeart/2005/8/layout/hierarchy3"/>
+    <dgm:cxn modelId="{B23226BC-CFFA-4F43-B6EC-16F943369A83}" type="presOf" srcId="{36A0670D-1F4A-4FC5-A028-E6A9D10BD804}" destId="{C95E7BDD-C67D-441A-A9EC-7C51BF3C5D81}" srcOrd="1" destOrd="0" presId="urn:microsoft.com/office/officeart/2005/8/layout/hierarchy3"/>
+    <dgm:cxn modelId="{319196BD-3F0A-44ED-863E-7489D32708DF}" type="presOf" srcId="{36A0670D-1F4A-4FC5-A028-E6A9D10BD804}" destId="{A61C65F0-E86A-4F34-90A0-8F5B98B86B22}" srcOrd="0" destOrd="0" presId="urn:microsoft.com/office/officeart/2005/8/layout/hierarchy3"/>
+    <dgm:cxn modelId="{82C078C3-1CF0-44E4-8BC7-EA415F3016EA}" type="presOf" srcId="{4078A19B-0F4F-4D1C-BFD8-4C691AF429DC}" destId="{E2C6100B-CACB-4E55-A790-AE6E438ADCA3}" srcOrd="1" destOrd="0" presId="urn:microsoft.com/office/officeart/2005/8/layout/hierarchy3"/>
+    <dgm:cxn modelId="{EC7F61C5-8036-46F8-9742-18BBD94B9B6F}" type="presOf" srcId="{967B9DEC-1B84-491C-89E7-C3135C95BFE6}" destId="{0C0834C1-69A6-4F89-B59E-C1B0A813F588}" srcOrd="0" destOrd="0" presId="urn:microsoft.com/office/officeart/2005/8/layout/hierarchy3"/>
+    <dgm:cxn modelId="{9F8CA1CA-8041-495D-BA3C-3EE5A91454F4}" type="presOf" srcId="{967B9DEC-1B84-491C-89E7-C3135C95BFE6}" destId="{52C884D0-C06A-4797-8B22-BF9BA4D34A1A}" srcOrd="1" destOrd="0" presId="urn:microsoft.com/office/officeart/2005/8/layout/hierarchy3"/>
+    <dgm:cxn modelId="{36279ECB-0648-451E-A24E-DD5237D75586}" type="presOf" srcId="{A00E6800-3107-4644-9AE9-5E78D839B06D}" destId="{3D250089-ED76-430A-9DA2-DF23D9ED834F}" srcOrd="0" destOrd="0" presId="urn:microsoft.com/office/officeart/2005/8/layout/hierarchy3"/>
+    <dgm:cxn modelId="{43044BD6-C3F4-4681-A137-070A9B8C9CAF}" srcId="{A00E6800-3107-4644-9AE9-5E78D839B06D}" destId="{4078A19B-0F4F-4D1C-BFD8-4C691AF429DC}" srcOrd="0" destOrd="0" parTransId="{926B84E6-ACC6-4E01-ADAA-CEC2DF1AE5BC}" sibTransId="{733C9734-E9DD-48DB-A251-E73F35838AE9}"/>
+    <dgm:cxn modelId="{7A6C3BF0-B302-4674-B304-247D33977B67}" srcId="{A00E6800-3107-4644-9AE9-5E78D839B06D}" destId="{8500F5E3-55B3-4EC8-806C-EF9538D5F4B1}" srcOrd="1" destOrd="0" parTransId="{F636DC97-60A4-43BA-AAEB-00AB1546B585}" sibTransId="{2949EBB7-DD05-4B1F-A903-8B15ED1D3DD5}"/>
+    <dgm:cxn modelId="{2FCCB9F2-5522-4FAE-AF78-8C675E27A090}" srcId="{A00E6800-3107-4644-9AE9-5E78D839B06D}" destId="{BE9A4F8C-36EC-43A1-8E0C-22315ABFB36B}" srcOrd="3" destOrd="0" parTransId="{5281340B-CF30-4C07-9713-73F11B70BA8D}" sibTransId="{B13A914E-E38B-438E-8FC0-B00043C2843F}"/>
+    <dgm:cxn modelId="{380CBE66-DD03-4B80-B673-FC66C579A4F2}" type="presParOf" srcId="{3D250089-ED76-430A-9DA2-DF23D9ED834F}" destId="{38020B25-C23B-401A-86C3-3B1F96221DC7}" srcOrd="0" destOrd="0" presId="urn:microsoft.com/office/officeart/2005/8/layout/hierarchy3"/>
+    <dgm:cxn modelId="{CA6A5C7B-321D-4D3D-A340-35AAF8B2E945}" type="presParOf" srcId="{38020B25-C23B-401A-86C3-3B1F96221DC7}" destId="{285BF9AD-3359-464F-A4E6-43E63ABE8E9A}" srcOrd="0" destOrd="0" presId="urn:microsoft.com/office/officeart/2005/8/layout/hierarchy3"/>
+    <dgm:cxn modelId="{9222EBF7-0AB2-4ADD-8A2A-601972A4EE8C}" type="presParOf" srcId="{285BF9AD-3359-464F-A4E6-43E63ABE8E9A}" destId="{C05703D4-329D-439A-9412-0895E2957BAF}" srcOrd="0" destOrd="0" presId="urn:microsoft.com/office/officeart/2005/8/layout/hierarchy3"/>
+    <dgm:cxn modelId="{B04D2D3B-1DDD-4CF4-A725-E754016BC883}" type="presParOf" srcId="{285BF9AD-3359-464F-A4E6-43E63ABE8E9A}" destId="{E2C6100B-CACB-4E55-A790-AE6E438ADCA3}" srcOrd="1" destOrd="0" presId="urn:microsoft.com/office/officeart/2005/8/layout/hierarchy3"/>
+    <dgm:cxn modelId="{4EFD4804-4996-4B82-99F8-BB07FE057F41}" type="presParOf" srcId="{38020B25-C23B-401A-86C3-3B1F96221DC7}" destId="{66A7B2EA-1D4D-4F39-B9DB-F875C20AC746}" srcOrd="1" destOrd="0" presId="urn:microsoft.com/office/officeart/2005/8/layout/hierarchy3"/>
+    <dgm:cxn modelId="{31DEA1AA-746B-454A-93C4-514897E0984B}" type="presParOf" srcId="{3D250089-ED76-430A-9DA2-DF23D9ED834F}" destId="{5DF0CA27-80EF-408C-9B56-F303B48D42A5}" srcOrd="1" destOrd="0" presId="urn:microsoft.com/office/officeart/2005/8/layout/hierarchy3"/>
+    <dgm:cxn modelId="{DDA3FBA9-D179-4111-B303-518A6061B7F1}" type="presParOf" srcId="{5DF0CA27-80EF-408C-9B56-F303B48D42A5}" destId="{AACA3247-8035-40FB-9B5E-5E34DBBF8C5A}" srcOrd="0" destOrd="0" presId="urn:microsoft.com/office/officeart/2005/8/layout/hierarchy3"/>
+    <dgm:cxn modelId="{E414A929-451D-4E10-B807-FEC8EF5D22BC}" type="presParOf" srcId="{AACA3247-8035-40FB-9B5E-5E34DBBF8C5A}" destId="{8B0B8EDC-7936-4A9B-A891-500D62B8299F}" srcOrd="0" destOrd="0" presId="urn:microsoft.com/office/officeart/2005/8/layout/hierarchy3"/>
+    <dgm:cxn modelId="{1A804C6E-0717-4042-B666-64DF420C095C}" type="presParOf" srcId="{AACA3247-8035-40FB-9B5E-5E34DBBF8C5A}" destId="{485A4B62-B423-431C-8844-EAC065035442}" srcOrd="1" destOrd="0" presId="urn:microsoft.com/office/officeart/2005/8/layout/hierarchy3"/>
+    <dgm:cxn modelId="{B0BB690F-F8A0-404A-A0C8-C50680F50017}" type="presParOf" srcId="{5DF0CA27-80EF-408C-9B56-F303B48D42A5}" destId="{A2ADB00D-59FF-4BE9-A45D-5F9FAA856A9F}" srcOrd="1" destOrd="0" presId="urn:microsoft.com/office/officeart/2005/8/layout/hierarchy3"/>
+    <dgm:cxn modelId="{6C2C0808-79D0-4348-887B-04A0C3C901C8}" type="presParOf" srcId="{3D250089-ED76-430A-9DA2-DF23D9ED834F}" destId="{3F8E1AF0-CE9B-442A-B339-42BC055ED4B7}" srcOrd="2" destOrd="0" presId="urn:microsoft.com/office/officeart/2005/8/layout/hierarchy3"/>
+    <dgm:cxn modelId="{BB098692-F4D6-4DEC-B376-8CE27DF91F91}" type="presParOf" srcId="{3F8E1AF0-CE9B-442A-B339-42BC055ED4B7}" destId="{EC16BA75-9F0D-46D0-81CB-A4E8CE2CE416}" srcOrd="0" destOrd="0" presId="urn:microsoft.com/office/officeart/2005/8/layout/hierarchy3"/>
+    <dgm:cxn modelId="{3830E32B-849E-4C96-B526-0A713B6D257E}" type="presParOf" srcId="{EC16BA75-9F0D-46D0-81CB-A4E8CE2CE416}" destId="{A61C65F0-E86A-4F34-90A0-8F5B98B86B22}" srcOrd="0" destOrd="0" presId="urn:microsoft.com/office/officeart/2005/8/layout/hierarchy3"/>
+    <dgm:cxn modelId="{6F46BBED-0881-4855-A029-65E9A85B2E15}" type="presParOf" srcId="{EC16BA75-9F0D-46D0-81CB-A4E8CE2CE416}" destId="{C95E7BDD-C67D-441A-A9EC-7C51BF3C5D81}" srcOrd="1" destOrd="0" presId="urn:microsoft.com/office/officeart/2005/8/layout/hierarchy3"/>
+    <dgm:cxn modelId="{F09CA7ED-A2BD-4319-A2E2-FB057A12546E}" type="presParOf" srcId="{3F8E1AF0-CE9B-442A-B339-42BC055ED4B7}" destId="{967CC4C7-BD58-40C6-9C85-1623ABB03EB1}" srcOrd="1" destOrd="0" presId="urn:microsoft.com/office/officeart/2005/8/layout/hierarchy3"/>
+    <dgm:cxn modelId="{ADC36B2B-59A8-4BA0-80E0-EC84562603B4}" type="presParOf" srcId="{3D250089-ED76-430A-9DA2-DF23D9ED834F}" destId="{7523CB8A-AA9E-464F-AEA4-EF70D069CEA8}" srcOrd="3" destOrd="0" presId="urn:microsoft.com/office/officeart/2005/8/layout/hierarchy3"/>
+    <dgm:cxn modelId="{18DBB97F-EDF3-4462-930F-8B8C3DE502A1}" type="presParOf" srcId="{7523CB8A-AA9E-464F-AEA4-EF70D069CEA8}" destId="{86DF3670-B4D3-431B-8365-B6EB551092E8}" srcOrd="0" destOrd="0" presId="urn:microsoft.com/office/officeart/2005/8/layout/hierarchy3"/>
+    <dgm:cxn modelId="{32452192-3756-4D48-A972-838D844BF954}" type="presParOf" srcId="{86DF3670-B4D3-431B-8365-B6EB551092E8}" destId="{B6B5225D-C247-4A6F-A02A-CBA4DAC4D858}" srcOrd="0" destOrd="0" presId="urn:microsoft.com/office/officeart/2005/8/layout/hierarchy3"/>
+    <dgm:cxn modelId="{F9434146-78B1-46A3-A5A0-E191DC3B0767}" type="presParOf" srcId="{86DF3670-B4D3-431B-8365-B6EB551092E8}" destId="{65EF9D65-2A42-44C5-82F9-FD60BC58DE58}" srcOrd="1" destOrd="0" presId="urn:microsoft.com/office/officeart/2005/8/layout/hierarchy3"/>
+    <dgm:cxn modelId="{C3C364EC-5A03-4EE1-B4E8-99B7D4498FF1}" type="presParOf" srcId="{7523CB8A-AA9E-464F-AEA4-EF70D069CEA8}" destId="{4DEFF6C3-BDED-435F-8FD1-643CE4F90B1D}" srcOrd="1" destOrd="0" presId="urn:microsoft.com/office/officeart/2005/8/layout/hierarchy3"/>
+    <dgm:cxn modelId="{BE90E97B-58AE-41DB-9E9B-8AD7A96D5D60}" type="presParOf" srcId="{3D250089-ED76-430A-9DA2-DF23D9ED834F}" destId="{F80F3484-1C73-48A7-8CAC-944673461BDC}" srcOrd="4" destOrd="0" presId="urn:microsoft.com/office/officeart/2005/8/layout/hierarchy3"/>
+    <dgm:cxn modelId="{75DC247E-F41B-4B07-AC93-2B22FDCD2343}" type="presParOf" srcId="{F80F3484-1C73-48A7-8CAC-944673461BDC}" destId="{704A6492-B2DF-42D8-934F-04E80E0D56BA}" srcOrd="0" destOrd="0" presId="urn:microsoft.com/office/officeart/2005/8/layout/hierarchy3"/>
+    <dgm:cxn modelId="{5F8D6E3E-E0D2-415D-A85E-75A8364F7D0A}" type="presParOf" srcId="{704A6492-B2DF-42D8-934F-04E80E0D56BA}" destId="{F48AB233-4040-4A71-BF18-CF5167CF64BA}" srcOrd="0" destOrd="0" presId="urn:microsoft.com/office/officeart/2005/8/layout/hierarchy3"/>
+    <dgm:cxn modelId="{9EDFAFE1-9F9D-4E2B-B5CD-16B8DF2C47C0}" type="presParOf" srcId="{704A6492-B2DF-42D8-934F-04E80E0D56BA}" destId="{52FB2AF2-21E8-4056-B4E6-EAF0A8CDC90D}" srcOrd="1" destOrd="0" presId="urn:microsoft.com/office/officeart/2005/8/layout/hierarchy3"/>
+    <dgm:cxn modelId="{CBFC4DCC-7ACC-41AA-9C29-F5C46DB200A0}" type="presParOf" srcId="{F80F3484-1C73-48A7-8CAC-944673461BDC}" destId="{3D6318CD-B4D7-4CCD-B34D-D97212F05015}" srcOrd="1" destOrd="0" presId="urn:microsoft.com/office/officeart/2005/8/layout/hierarchy3"/>
+    <dgm:cxn modelId="{FCF985F2-36BC-4C4E-986D-5F19BEDDA25D}" type="presParOf" srcId="{3D250089-ED76-430A-9DA2-DF23D9ED834F}" destId="{5D38310A-A1F7-489E-83D9-72FD261E9C78}" srcOrd="5" destOrd="0" presId="urn:microsoft.com/office/officeart/2005/8/layout/hierarchy3"/>
+    <dgm:cxn modelId="{8B8EF160-A337-4DA3-BEF9-0D5ECA322E8C}" type="presParOf" srcId="{5D38310A-A1F7-489E-83D9-72FD261E9C78}" destId="{23657C32-C229-4507-8850-9CDBD355DE65}" srcOrd="0" destOrd="0" presId="urn:microsoft.com/office/officeart/2005/8/layout/hierarchy3"/>
+    <dgm:cxn modelId="{E655232B-7124-4110-8DFC-1EEC1F10EB6E}" type="presParOf" srcId="{23657C32-C229-4507-8850-9CDBD355DE65}" destId="{0C0834C1-69A6-4F89-B59E-C1B0A813F588}" srcOrd="0" destOrd="0" presId="urn:microsoft.com/office/officeart/2005/8/layout/hierarchy3"/>
+    <dgm:cxn modelId="{760AD495-E2BC-485F-8EBF-F3966ABAC0E8}" type="presParOf" srcId="{23657C32-C229-4507-8850-9CDBD355DE65}" destId="{52C884D0-C06A-4797-8B22-BF9BA4D34A1A}" srcOrd="1" destOrd="0" presId="urn:microsoft.com/office/officeart/2005/8/layout/hierarchy3"/>
+    <dgm:cxn modelId="{D8C0C718-7CFD-4467-9497-044BD01802DF}" type="presParOf" srcId="{5D38310A-A1F7-489E-83D9-72FD261E9C78}" destId="{E667FD8F-D88D-4C6C-9E74-27BEC49C746B}" srcOrd="1" destOrd="0" presId="urn:microsoft.com/office/officeart/2005/8/layout/hierarchy3"/>
+  </dgm:cxnLst>
+  <dgm:bg/>
+  <dgm:whole/>
+  <dgm:extLst>
+    <a:ext uri="http://schemas.microsoft.com/office/drawing/2008/diagram">
+      <dsp:dataModelExt xmlns:dsp="http://schemas.microsoft.com/office/drawing/2008/diagram" relId="rId6" minVer="http://schemas.openxmlformats.org/drawingml/2006/diagram"/>
+    </a:ext>
+  </dgm:extLst>
+</dgm:dataModel>
+</file>
+
+<file path=ppt/diagrams/drawing1.xml><?xml version="1.0" encoding="utf-8"?>
+<dsp:drawing xmlns:dgm="http://schemas.openxmlformats.org/drawingml/2006/diagram" xmlns:dsp="http://schemas.microsoft.com/office/drawing/2008/diagram" xmlns:a="http://schemas.openxmlformats.org/drawingml/2006/main">
+  <dsp:spTree>
+    <dsp:nvGrpSpPr>
+      <dsp:cNvPr id="0" name=""/>
+      <dsp:cNvGrpSpPr/>
+    </dsp:nvGrpSpPr>
+    <dsp:grpSpPr/>
+    <dsp:sp modelId="{C05703D4-329D-439A-9412-0895E2957BAF}">
+      <dsp:nvSpPr>
+        <dsp:cNvPr id="0" name=""/>
+        <dsp:cNvSpPr/>
+      </dsp:nvSpPr>
+      <dsp:spPr>
+        <a:xfrm>
+          <a:off x="10169" y="376173"/>
+          <a:ext cx="1638799" cy="819399"/>
+        </a:xfrm>
+        <a:prstGeom prst="roundRect">
+          <a:avLst>
+            <a:gd name="adj" fmla="val 10000"/>
+          </a:avLst>
+        </a:prstGeom>
+        <a:gradFill rotWithShape="0">
+          <a:gsLst>
+            <a:gs pos="0">
+              <a:schemeClr val="accent1">
+                <a:hueOff val="0"/>
+                <a:satOff val="0"/>
+                <a:lumOff val="0"/>
+                <a:alphaOff val="0"/>
+                <a:satMod val="103000"/>
+                <a:lumMod val="102000"/>
+                <a:tint val="94000"/>
+              </a:schemeClr>
+            </a:gs>
+            <a:gs pos="50000">
+              <a:schemeClr val="accent1">
+                <a:hueOff val="0"/>
+                <a:satOff val="0"/>
+                <a:lumOff val="0"/>
+                <a:alphaOff val="0"/>
+                <a:satMod val="110000"/>
+                <a:lumMod val="100000"/>
+                <a:shade val="100000"/>
+              </a:schemeClr>
+            </a:gs>
+            <a:gs pos="100000">
+              <a:schemeClr val="accent1">
+                <a:hueOff val="0"/>
+                <a:satOff val="0"/>
+                <a:lumOff val="0"/>
+                <a:alphaOff val="0"/>
+                <a:lumMod val="99000"/>
+                <a:satMod val="120000"/>
+                <a:shade val="78000"/>
+              </a:schemeClr>
+            </a:gs>
+          </a:gsLst>
+          <a:lin ang="5400000" scaled="0"/>
+        </a:gradFill>
+        <a:ln>
+          <a:noFill/>
+        </a:ln>
+        <a:effectLst/>
+      </dsp:spPr>
+      <dsp:style>
+        <a:lnRef idx="0">
+          <a:scrgbClr r="0" g="0" b="0"/>
+        </a:lnRef>
+        <a:fillRef idx="3">
+          <a:scrgbClr r="0" g="0" b="0"/>
+        </a:fillRef>
+        <a:effectRef idx="2">
+          <a:scrgbClr r="0" g="0" b="0"/>
+        </a:effectRef>
+        <a:fontRef idx="minor">
+          <a:schemeClr val="lt1"/>
+        </a:fontRef>
+      </dsp:style>
+      <dsp:txBody>
+        <a:bodyPr spcFirstLastPara="0" vert="horz" wrap="square" lIns="26670" tIns="17780" rIns="26670" bIns="17780" numCol="1" spcCol="1270" anchor="ctr" anchorCtr="0">
+          <a:noAutofit/>
+        </a:bodyPr>
+        <a:lstStyle/>
+        <a:p>
+          <a:pPr marL="0" lvl="0" indent="0" algn="ctr" defTabSz="622300">
+            <a:lnSpc>
+              <a:spcPct val="90000"/>
+            </a:lnSpc>
+            <a:spcBef>
+              <a:spcPct val="0"/>
+            </a:spcBef>
+            <a:spcAft>
+              <a:spcPct val="35000"/>
+            </a:spcAft>
+            <a:buNone/>
+          </a:pPr>
+          <a:r>
+            <a:rPr lang="en-US" sz="1400" b="1" i="0" kern="1200" dirty="0">
+              <a:latin typeface="Segoe UI" panose="020B0502040204020203" pitchFamily="34" charset="0"/>
+              <a:cs typeface="Segoe UI" panose="020B0502040204020203" pitchFamily="34" charset="0"/>
+            </a:rPr>
+            <a:t>Stack&lt;T&gt;,</a:t>
+          </a:r>
+          <a:endParaRPr lang="en-US" sz="1400" kern="1200" dirty="0">
+            <a:latin typeface="Segoe UI" panose="020B0502040204020203" pitchFamily="34" charset="0"/>
+            <a:cs typeface="Segoe UI" panose="020B0502040204020203" pitchFamily="34" charset="0"/>
+          </a:endParaRPr>
+        </a:p>
+      </dsp:txBody>
+      <dsp:txXfrm>
+        <a:off x="34168" y="400172"/>
+        <a:ext cx="1590801" cy="771401"/>
+      </dsp:txXfrm>
+    </dsp:sp>
+    <dsp:sp modelId="{8B0B8EDC-7936-4A9B-A891-500D62B8299F}">
+      <dsp:nvSpPr>
+        <dsp:cNvPr id="0" name=""/>
+        <dsp:cNvSpPr/>
+      </dsp:nvSpPr>
+      <dsp:spPr>
+        <a:xfrm>
+          <a:off x="2058669" y="376173"/>
+          <a:ext cx="1638799" cy="819399"/>
+        </a:xfrm>
+        <a:prstGeom prst="roundRect">
+          <a:avLst>
+            <a:gd name="adj" fmla="val 10000"/>
+          </a:avLst>
+        </a:prstGeom>
+        <a:gradFill rotWithShape="0">
+          <a:gsLst>
+            <a:gs pos="0">
+              <a:schemeClr val="accent1">
+                <a:hueOff val="0"/>
+                <a:satOff val="0"/>
+                <a:lumOff val="0"/>
+                <a:alphaOff val="0"/>
+                <a:satMod val="103000"/>
+                <a:lumMod val="102000"/>
+                <a:tint val="94000"/>
+              </a:schemeClr>
+            </a:gs>
+            <a:gs pos="50000">
+              <a:schemeClr val="accent1">
+                <a:hueOff val="0"/>
+                <a:satOff val="0"/>
+                <a:lumOff val="0"/>
+                <a:alphaOff val="0"/>
+                <a:satMod val="110000"/>
+                <a:lumMod val="100000"/>
+                <a:shade val="100000"/>
+              </a:schemeClr>
+            </a:gs>
+            <a:gs pos="100000">
+              <a:schemeClr val="accent1">
+                <a:hueOff val="0"/>
+                <a:satOff val="0"/>
+                <a:lumOff val="0"/>
+                <a:alphaOff val="0"/>
+                <a:lumMod val="99000"/>
+                <a:satMod val="120000"/>
+                <a:shade val="78000"/>
+              </a:schemeClr>
+            </a:gs>
+          </a:gsLst>
+          <a:lin ang="5400000" scaled="0"/>
+        </a:gradFill>
+        <a:ln>
+          <a:noFill/>
+        </a:ln>
+        <a:effectLst/>
+      </dsp:spPr>
+      <dsp:style>
+        <a:lnRef idx="0">
+          <a:scrgbClr r="0" g="0" b="0"/>
+        </a:lnRef>
+        <a:fillRef idx="3">
+          <a:scrgbClr r="0" g="0" b="0"/>
+        </a:fillRef>
+        <a:effectRef idx="2">
+          <a:scrgbClr r="0" g="0" b="0"/>
+        </a:effectRef>
+        <a:fontRef idx="minor">
+          <a:schemeClr val="lt1"/>
+        </a:fontRef>
+      </dsp:style>
+      <dsp:txBody>
+        <a:bodyPr spcFirstLastPara="0" vert="horz" wrap="square" lIns="26670" tIns="17780" rIns="26670" bIns="17780" numCol="1" spcCol="1270" anchor="ctr" anchorCtr="0">
+          <a:noAutofit/>
+        </a:bodyPr>
+        <a:lstStyle/>
+        <a:p>
+          <a:pPr marL="0" lvl="0" indent="0" algn="ctr" defTabSz="622300">
+            <a:lnSpc>
+              <a:spcPct val="90000"/>
+            </a:lnSpc>
+            <a:spcBef>
+              <a:spcPct val="0"/>
+            </a:spcBef>
+            <a:spcAft>
+              <a:spcPct val="35000"/>
+            </a:spcAft>
+            <a:buNone/>
+          </a:pPr>
+          <a:r>
+            <a:rPr lang="en-US" sz="1400" b="1" i="0" kern="1200" dirty="0">
+              <a:latin typeface="Segoe UI" panose="020B0502040204020203" pitchFamily="34" charset="0"/>
+              <a:cs typeface="Segoe UI" panose="020B0502040204020203" pitchFamily="34" charset="0"/>
+            </a:rPr>
+            <a:t>Queue&lt;T&gt;,</a:t>
+          </a:r>
+          <a:endParaRPr lang="en-US" sz="1400" kern="1200" dirty="0">
+            <a:latin typeface="Segoe UI" panose="020B0502040204020203" pitchFamily="34" charset="0"/>
+            <a:cs typeface="Segoe UI" panose="020B0502040204020203" pitchFamily="34" charset="0"/>
+          </a:endParaRPr>
+        </a:p>
+      </dsp:txBody>
+      <dsp:txXfrm>
+        <a:off x="2082668" y="400172"/>
+        <a:ext cx="1590801" cy="771401"/>
+      </dsp:txXfrm>
+    </dsp:sp>
+    <dsp:sp modelId="{A61C65F0-E86A-4F34-90A0-8F5B98B86B22}">
+      <dsp:nvSpPr>
+        <dsp:cNvPr id="0" name=""/>
+        <dsp:cNvSpPr/>
+      </dsp:nvSpPr>
+      <dsp:spPr>
+        <a:xfrm>
+          <a:off x="4107169" y="376173"/>
+          <a:ext cx="1638799" cy="819399"/>
+        </a:xfrm>
+        <a:prstGeom prst="roundRect">
+          <a:avLst>
+            <a:gd name="adj" fmla="val 10000"/>
+          </a:avLst>
+        </a:prstGeom>
+        <a:gradFill rotWithShape="0">
+          <a:gsLst>
+            <a:gs pos="0">
+              <a:schemeClr val="accent1">
+                <a:hueOff val="0"/>
+                <a:satOff val="0"/>
+                <a:lumOff val="0"/>
+                <a:alphaOff val="0"/>
+                <a:satMod val="103000"/>
+                <a:lumMod val="102000"/>
+                <a:tint val="94000"/>
+              </a:schemeClr>
+            </a:gs>
+            <a:gs pos="50000">
+              <a:schemeClr val="accent1">
+                <a:hueOff val="0"/>
+                <a:satOff val="0"/>
+                <a:lumOff val="0"/>
+                <a:alphaOff val="0"/>
+                <a:satMod val="110000"/>
+                <a:lumMod val="100000"/>
+                <a:shade val="100000"/>
+              </a:schemeClr>
+            </a:gs>
+            <a:gs pos="100000">
+              <a:schemeClr val="accent1">
+                <a:hueOff val="0"/>
+                <a:satOff val="0"/>
+                <a:lumOff val="0"/>
+                <a:alphaOff val="0"/>
+                <a:lumMod val="99000"/>
+                <a:satMod val="120000"/>
+                <a:shade val="78000"/>
+              </a:schemeClr>
+            </a:gs>
+          </a:gsLst>
+          <a:lin ang="5400000" scaled="0"/>
+        </a:gradFill>
+        <a:ln>
+          <a:noFill/>
+        </a:ln>
+        <a:effectLst/>
+      </dsp:spPr>
+      <dsp:style>
+        <a:lnRef idx="0">
+          <a:scrgbClr r="0" g="0" b="0"/>
+        </a:lnRef>
+        <a:fillRef idx="3">
+          <a:scrgbClr r="0" g="0" b="0"/>
+        </a:fillRef>
+        <a:effectRef idx="2">
+          <a:scrgbClr r="0" g="0" b="0"/>
+        </a:effectRef>
+        <a:fontRef idx="minor">
+          <a:schemeClr val="lt1"/>
+        </a:fontRef>
+      </dsp:style>
+      <dsp:txBody>
+        <a:bodyPr spcFirstLastPara="0" vert="horz" wrap="square" lIns="26670" tIns="17780" rIns="26670" bIns="17780" numCol="1" spcCol="1270" anchor="ctr" anchorCtr="0">
+          <a:noAutofit/>
+        </a:bodyPr>
+        <a:lstStyle/>
+        <a:p>
+          <a:pPr marL="0" lvl="0" indent="0" algn="ctr" defTabSz="622300">
+            <a:lnSpc>
+              <a:spcPct val="90000"/>
+            </a:lnSpc>
+            <a:spcBef>
+              <a:spcPct val="0"/>
+            </a:spcBef>
+            <a:spcAft>
+              <a:spcPct val="35000"/>
+            </a:spcAft>
+            <a:buNone/>
+          </a:pPr>
+          <a:r>
+            <a:rPr lang="en-US" sz="1400" b="1" i="0" kern="1200">
+              <a:latin typeface="Segoe UI" panose="020B0502040204020203" pitchFamily="34" charset="0"/>
+              <a:cs typeface="Segoe UI" panose="020B0502040204020203" pitchFamily="34" charset="0"/>
+            </a:rPr>
+            <a:t>LinkedList&lt;T&gt;,</a:t>
+          </a:r>
+          <a:endParaRPr lang="en-US" sz="1400" kern="1200">
+            <a:latin typeface="Segoe UI" panose="020B0502040204020203" pitchFamily="34" charset="0"/>
+            <a:cs typeface="Segoe UI" panose="020B0502040204020203" pitchFamily="34" charset="0"/>
+          </a:endParaRPr>
+        </a:p>
+      </dsp:txBody>
+      <dsp:txXfrm>
+        <a:off x="4131168" y="400172"/>
+        <a:ext cx="1590801" cy="771401"/>
+      </dsp:txXfrm>
+    </dsp:sp>
+    <dsp:sp modelId="{B6B5225D-C247-4A6F-A02A-CBA4DAC4D858}">
+      <dsp:nvSpPr>
+        <dsp:cNvPr id="0" name=""/>
+        <dsp:cNvSpPr/>
+      </dsp:nvSpPr>
+      <dsp:spPr>
+        <a:xfrm>
+          <a:off x="6155669" y="376173"/>
+          <a:ext cx="1638799" cy="819399"/>
+        </a:xfrm>
+        <a:prstGeom prst="roundRect">
+          <a:avLst>
+            <a:gd name="adj" fmla="val 10000"/>
+          </a:avLst>
+        </a:prstGeom>
+        <a:gradFill rotWithShape="0">
+          <a:gsLst>
+            <a:gs pos="0">
+              <a:schemeClr val="accent1">
+                <a:hueOff val="0"/>
+                <a:satOff val="0"/>
+                <a:lumOff val="0"/>
+                <a:alphaOff val="0"/>
+                <a:satMod val="103000"/>
+                <a:lumMod val="102000"/>
+                <a:tint val="94000"/>
+              </a:schemeClr>
+            </a:gs>
+            <a:gs pos="50000">
+              <a:schemeClr val="accent1">
+                <a:hueOff val="0"/>
+                <a:satOff val="0"/>
+                <a:lumOff val="0"/>
+                <a:alphaOff val="0"/>
+                <a:satMod val="110000"/>
+                <a:lumMod val="100000"/>
+                <a:shade val="100000"/>
+              </a:schemeClr>
+            </a:gs>
+            <a:gs pos="100000">
+              <a:schemeClr val="accent1">
+                <a:hueOff val="0"/>
+                <a:satOff val="0"/>
+                <a:lumOff val="0"/>
+                <a:alphaOff val="0"/>
+                <a:lumMod val="99000"/>
+                <a:satMod val="120000"/>
+                <a:shade val="78000"/>
+              </a:schemeClr>
+            </a:gs>
+          </a:gsLst>
+          <a:lin ang="5400000" scaled="0"/>
+        </a:gradFill>
+        <a:ln>
+          <a:noFill/>
+        </a:ln>
+        <a:effectLst/>
+      </dsp:spPr>
+      <dsp:style>
+        <a:lnRef idx="0">
+          <a:scrgbClr r="0" g="0" b="0"/>
+        </a:lnRef>
+        <a:fillRef idx="3">
+          <a:scrgbClr r="0" g="0" b="0"/>
+        </a:fillRef>
+        <a:effectRef idx="2">
+          <a:scrgbClr r="0" g="0" b="0"/>
+        </a:effectRef>
+        <a:fontRef idx="minor">
+          <a:schemeClr val="lt1"/>
+        </a:fontRef>
+      </dsp:style>
+      <dsp:txBody>
+        <a:bodyPr spcFirstLastPara="0" vert="horz" wrap="square" lIns="26670" tIns="17780" rIns="26670" bIns="17780" numCol="1" spcCol="1270" anchor="ctr" anchorCtr="0">
+          <a:noAutofit/>
+        </a:bodyPr>
+        <a:lstStyle/>
+        <a:p>
+          <a:pPr marL="0" lvl="0" indent="0" algn="ctr" defTabSz="622300">
+            <a:lnSpc>
+              <a:spcPct val="90000"/>
+            </a:lnSpc>
+            <a:spcBef>
+              <a:spcPct val="0"/>
+            </a:spcBef>
+            <a:spcAft>
+              <a:spcPct val="35000"/>
+            </a:spcAft>
+            <a:buNone/>
+          </a:pPr>
+          <a:r>
+            <a:rPr lang="en-US" sz="1400" b="1" i="0" kern="1200">
+              <a:latin typeface="Segoe UI" panose="020B0502040204020203" pitchFamily="34" charset="0"/>
+              <a:cs typeface="Segoe UI" panose="020B0502040204020203" pitchFamily="34" charset="0"/>
+            </a:rPr>
+            <a:t>SortedList&lt;T&gt;,</a:t>
+          </a:r>
+          <a:endParaRPr lang="en-US" sz="1400" kern="1200">
+            <a:latin typeface="Segoe UI" panose="020B0502040204020203" pitchFamily="34" charset="0"/>
+            <a:cs typeface="Segoe UI" panose="020B0502040204020203" pitchFamily="34" charset="0"/>
+          </a:endParaRPr>
+        </a:p>
+      </dsp:txBody>
+      <dsp:txXfrm>
+        <a:off x="6179668" y="400172"/>
+        <a:ext cx="1590801" cy="771401"/>
+      </dsp:txXfrm>
+    </dsp:sp>
+    <dsp:sp modelId="{F48AB233-4040-4A71-BF18-CF5167CF64BA}">
+      <dsp:nvSpPr>
+        <dsp:cNvPr id="0" name=""/>
+        <dsp:cNvSpPr/>
+      </dsp:nvSpPr>
+      <dsp:spPr>
+        <a:xfrm>
+          <a:off x="8204169" y="376173"/>
+          <a:ext cx="1638799" cy="819399"/>
+        </a:xfrm>
+        <a:prstGeom prst="roundRect">
+          <a:avLst>
+            <a:gd name="adj" fmla="val 10000"/>
+          </a:avLst>
+        </a:prstGeom>
+        <a:gradFill rotWithShape="0">
+          <a:gsLst>
+            <a:gs pos="0">
+              <a:schemeClr val="accent1">
+                <a:hueOff val="0"/>
+                <a:satOff val="0"/>
+                <a:lumOff val="0"/>
+                <a:alphaOff val="0"/>
+                <a:satMod val="103000"/>
+                <a:lumMod val="102000"/>
+                <a:tint val="94000"/>
+              </a:schemeClr>
+            </a:gs>
+            <a:gs pos="50000">
+              <a:schemeClr val="accent1">
+                <a:hueOff val="0"/>
+                <a:satOff val="0"/>
+                <a:lumOff val="0"/>
+                <a:alphaOff val="0"/>
+                <a:satMod val="110000"/>
+                <a:lumMod val="100000"/>
+                <a:shade val="100000"/>
+              </a:schemeClr>
+            </a:gs>
+            <a:gs pos="100000">
+              <a:schemeClr val="accent1">
+                <a:hueOff val="0"/>
+                <a:satOff val="0"/>
+                <a:lumOff val="0"/>
+                <a:alphaOff val="0"/>
+                <a:lumMod val="99000"/>
+                <a:satMod val="120000"/>
+                <a:shade val="78000"/>
+              </a:schemeClr>
+            </a:gs>
+          </a:gsLst>
+          <a:lin ang="5400000" scaled="0"/>
+        </a:gradFill>
+        <a:ln>
+          <a:noFill/>
+        </a:ln>
+        <a:effectLst/>
+      </dsp:spPr>
+      <dsp:style>
+        <a:lnRef idx="0">
+          <a:scrgbClr r="0" g="0" b="0"/>
+        </a:lnRef>
+        <a:fillRef idx="3">
+          <a:scrgbClr r="0" g="0" b="0"/>
+        </a:fillRef>
+        <a:effectRef idx="2">
+          <a:scrgbClr r="0" g="0" b="0"/>
+        </a:effectRef>
+        <a:fontRef idx="minor">
+          <a:schemeClr val="lt1"/>
+        </a:fontRef>
+      </dsp:style>
+      <dsp:txBody>
+        <a:bodyPr spcFirstLastPara="0" vert="horz" wrap="square" lIns="26670" tIns="17780" rIns="26670" bIns="17780" numCol="1" spcCol="1270" anchor="ctr" anchorCtr="0">
+          <a:noAutofit/>
+        </a:bodyPr>
+        <a:lstStyle/>
+        <a:p>
+          <a:pPr marL="0" lvl="0" indent="0" algn="ctr" defTabSz="622300">
+            <a:lnSpc>
+              <a:spcPct val="90000"/>
+            </a:lnSpc>
+            <a:spcBef>
+              <a:spcPct val="0"/>
+            </a:spcBef>
+            <a:spcAft>
+              <a:spcPct val="35000"/>
+            </a:spcAft>
+            <a:buNone/>
+          </a:pPr>
+          <a:r>
+            <a:rPr lang="en-US" sz="1400" b="1" i="0" kern="1200">
+              <a:latin typeface="Segoe UI" panose="020B0502040204020203" pitchFamily="34" charset="0"/>
+              <a:cs typeface="Segoe UI" panose="020B0502040204020203" pitchFamily="34" charset="0"/>
+            </a:rPr>
+            <a:t>List&lt;T&gt;,</a:t>
+          </a:r>
+          <a:endParaRPr lang="en-US" sz="1400" kern="1200">
+            <a:latin typeface="Segoe UI" panose="020B0502040204020203" pitchFamily="34" charset="0"/>
+            <a:cs typeface="Segoe UI" panose="020B0502040204020203" pitchFamily="34" charset="0"/>
+          </a:endParaRPr>
+        </a:p>
+      </dsp:txBody>
+      <dsp:txXfrm>
+        <a:off x="8228168" y="400172"/>
+        <a:ext cx="1590801" cy="771401"/>
+      </dsp:txXfrm>
+    </dsp:sp>
+    <dsp:sp modelId="{0C0834C1-69A6-4F89-B59E-C1B0A813F588}">
+      <dsp:nvSpPr>
+        <dsp:cNvPr id="0" name=""/>
+        <dsp:cNvSpPr/>
+      </dsp:nvSpPr>
+      <dsp:spPr>
+        <a:xfrm>
+          <a:off x="10252669" y="376173"/>
+          <a:ext cx="1638799" cy="819399"/>
+        </a:xfrm>
+        <a:prstGeom prst="roundRect">
+          <a:avLst>
+            <a:gd name="adj" fmla="val 10000"/>
+          </a:avLst>
+        </a:prstGeom>
+        <a:gradFill rotWithShape="0">
+          <a:gsLst>
+            <a:gs pos="0">
+              <a:schemeClr val="accent1">
+                <a:hueOff val="0"/>
+                <a:satOff val="0"/>
+                <a:lumOff val="0"/>
+                <a:alphaOff val="0"/>
+                <a:satMod val="103000"/>
+                <a:lumMod val="102000"/>
+                <a:tint val="94000"/>
+              </a:schemeClr>
+            </a:gs>
+            <a:gs pos="50000">
+              <a:schemeClr val="accent1">
+                <a:hueOff val="0"/>
+                <a:satOff val="0"/>
+                <a:lumOff val="0"/>
+                <a:alphaOff val="0"/>
+                <a:satMod val="110000"/>
+                <a:lumMod val="100000"/>
+                <a:shade val="100000"/>
+              </a:schemeClr>
+            </a:gs>
+            <a:gs pos="100000">
+              <a:schemeClr val="accent1">
+                <a:hueOff val="0"/>
+                <a:satOff val="0"/>
+                <a:lumOff val="0"/>
+                <a:alphaOff val="0"/>
+                <a:lumMod val="99000"/>
+                <a:satMod val="120000"/>
+                <a:shade val="78000"/>
+              </a:schemeClr>
+            </a:gs>
+          </a:gsLst>
+          <a:lin ang="5400000" scaled="0"/>
+        </a:gradFill>
+        <a:ln>
+          <a:noFill/>
+        </a:ln>
+        <a:effectLst/>
+      </dsp:spPr>
+      <dsp:style>
+        <a:lnRef idx="0">
+          <a:scrgbClr r="0" g="0" b="0"/>
+        </a:lnRef>
+        <a:fillRef idx="3">
+          <a:scrgbClr r="0" g="0" b="0"/>
+        </a:fillRef>
+        <a:effectRef idx="2">
+          <a:scrgbClr r="0" g="0" b="0"/>
+        </a:effectRef>
+        <a:fontRef idx="minor">
+          <a:schemeClr val="lt1"/>
+        </a:fontRef>
+      </dsp:style>
+      <dsp:txBody>
+        <a:bodyPr spcFirstLastPara="0" vert="horz" wrap="square" lIns="26670" tIns="17780" rIns="26670" bIns="17780" numCol="1" spcCol="1270" anchor="ctr" anchorCtr="0">
+          <a:noAutofit/>
+        </a:bodyPr>
+        <a:lstStyle/>
+        <a:p>
+          <a:pPr marL="0" lvl="0" indent="0" algn="ctr" defTabSz="622300">
+            <a:lnSpc>
+              <a:spcPct val="90000"/>
+            </a:lnSpc>
+            <a:spcBef>
+              <a:spcPct val="0"/>
+            </a:spcBef>
+            <a:spcAft>
+              <a:spcPct val="35000"/>
+            </a:spcAft>
+            <a:buNone/>
+          </a:pPr>
+          <a:r>
+            <a:rPr lang="en-US" sz="1400" b="1" i="0" kern="1200" dirty="0">
+              <a:latin typeface="Segoe UI" panose="020B0502040204020203" pitchFamily="34" charset="0"/>
+              <a:cs typeface="Segoe UI" panose="020B0502040204020203" pitchFamily="34" charset="0"/>
+            </a:rPr>
+            <a:t>Dictionary&lt;</a:t>
+          </a:r>
+          <a:r>
+            <a:rPr lang="en-US" sz="1400" b="1" i="0" kern="1200" dirty="0" err="1">
+              <a:latin typeface="Segoe UI" panose="020B0502040204020203" pitchFamily="34" charset="0"/>
+              <a:cs typeface="Segoe UI" panose="020B0502040204020203" pitchFamily="34" charset="0"/>
+            </a:rPr>
+            <a:t>TKey</a:t>
+          </a:r>
+          <a:r>
+            <a:rPr lang="en-US" sz="1400" b="1" i="0" kern="1200" dirty="0">
+              <a:latin typeface="Segoe UI" panose="020B0502040204020203" pitchFamily="34" charset="0"/>
+              <a:cs typeface="Segoe UI" panose="020B0502040204020203" pitchFamily="34" charset="0"/>
+            </a:rPr>
+            <a:t>, </a:t>
+          </a:r>
+          <a:r>
+            <a:rPr lang="en-US" sz="1400" b="1" i="0" kern="1200" dirty="0" err="1">
+              <a:latin typeface="Segoe UI" panose="020B0502040204020203" pitchFamily="34" charset="0"/>
+              <a:cs typeface="Segoe UI" panose="020B0502040204020203" pitchFamily="34" charset="0"/>
+            </a:rPr>
+            <a:t>Tvalue</a:t>
+          </a:r>
+          <a:r>
+            <a:rPr lang="en-US" sz="1400" b="1" i="0" kern="1200" dirty="0">
+              <a:latin typeface="Segoe UI" panose="020B0502040204020203" pitchFamily="34" charset="0"/>
+              <a:cs typeface="Segoe UI" panose="020B0502040204020203" pitchFamily="34" charset="0"/>
+            </a:rPr>
+            <a:t>&gt;</a:t>
+          </a:r>
+          <a:endParaRPr lang="en-US" sz="1400" kern="1200" dirty="0">
+            <a:latin typeface="Segoe UI" panose="020B0502040204020203" pitchFamily="34" charset="0"/>
+            <a:cs typeface="Segoe UI" panose="020B0502040204020203" pitchFamily="34" charset="0"/>
+          </a:endParaRPr>
+        </a:p>
+      </dsp:txBody>
+      <dsp:txXfrm>
+        <a:off x="10276668" y="400172"/>
+        <a:ext cx="1590801" cy="771401"/>
+      </dsp:txXfrm>
+    </dsp:sp>
+  </dsp:spTree>
+</dsp:drawing>
+</file>
+
+<file path=ppt/diagrams/layout1.xml><?xml version="1.0" encoding="utf-8"?>
+<dgm:layoutDef xmlns:dgm="http://schemas.openxmlformats.org/drawingml/2006/diagram" xmlns:a="http://schemas.openxmlformats.org/drawingml/2006/main" uniqueId="urn:microsoft.com/office/officeart/2005/8/layout/hierarchy3">
+  <dgm:title val=""/>
+  <dgm:desc val=""/>
+  <dgm:catLst>
+    <dgm:cat type="hierarchy" pri="7000"/>
+    <dgm:cat type="list" pri="23000"/>
+    <dgm:cat type="relationship" pri="15000"/>
+    <dgm:cat type="convert" pri="7000"/>
+  </dgm:catLst>
+  <dgm:sampData>
+    <dgm:dataModel>
+      <dgm:ptLst>
+        <dgm:pt modelId="0" type="doc"/>
+        <dgm:pt modelId="1">
+          <dgm:prSet phldr="1"/>
+        </dgm:pt>
+        <dgm:pt modelId="11">
+          <dgm:prSet phldr="1"/>
+        </dgm:pt>
+        <dgm:pt modelId="12">
+          <dgm:prSet phldr="1"/>
+        </dgm:pt>
+        <dgm:pt modelId="2">
+          <dgm:prSet phldr="1"/>
+        </dgm:pt>
+        <dgm:pt modelId="21">
+          <dgm:prSet phldr="1"/>
+        </dgm:pt>
+        <dgm:pt modelId="22">
+          <dgm:prSet phldr="1"/>
+        </dgm:pt>
+      </dgm:ptLst>
+      <dgm:cxnLst>
+        <dgm:cxn modelId="4" srcId="0" destId="1" srcOrd="0" destOrd="0"/>
+        <dgm:cxn modelId="5" srcId="1" destId="11" srcOrd="0" destOrd="0"/>
+        <dgm:cxn modelId="6" srcId="1" destId="12" srcOrd="1" destOrd="0"/>
+        <dgm:cxn modelId="7" srcId="0" destId="2" srcOrd="1" destOrd="0"/>
+        <dgm:cxn modelId="8" srcId="2" destId="21" srcOrd="0" destOrd="0"/>
+        <dgm:cxn modelId="9" srcId="2" destId="22" srcOrd="1" destOrd="0"/>
+      </dgm:cxnLst>
+      <dgm:bg/>
+      <dgm:whole/>
+    </dgm:dataModel>
+  </dgm:sampData>
+  <dgm:styleData>
+    <dgm:dataModel>
+      <dgm:ptLst>
+        <dgm:pt modelId="0" type="doc"/>
+        <dgm:pt modelId="1"/>
+        <dgm:pt modelId="11"/>
+        <dgm:pt modelId="2"/>
+        <dgm:pt modelId="21"/>
+      </dgm:ptLst>
+      <dgm:cxnLst>
+        <dgm:cxn modelId="4" srcId="0" destId="1" srcOrd="0" destOrd="0"/>
+        <dgm:cxn modelId="5" srcId="0" destId="2" srcOrd="1" destOrd="0"/>
+        <dgm:cxn modelId="13" srcId="1" destId="11" srcOrd="0" destOrd="0"/>
+        <dgm:cxn modelId="23" srcId="2" destId="21" srcOrd="0" destOrd="0"/>
+      </dgm:cxnLst>
+      <dgm:bg/>
+      <dgm:whole/>
+    </dgm:dataModel>
+  </dgm:styleData>
+  <dgm:clrData>
+    <dgm:dataModel>
+      <dgm:ptLst>
+        <dgm:pt modelId="0" type="doc"/>
+        <dgm:pt modelId="1"/>
+        <dgm:pt modelId="11"/>
+        <dgm:pt modelId="2"/>
+        <dgm:pt modelId="21"/>
+        <dgm:pt modelId="3"/>
+        <dgm:pt modelId="31"/>
+        <dgm:pt modelId="4"/>
+        <dgm:pt modelId="41"/>
+      </dgm:ptLst>
+      <dgm:cxnLst>
+        <dgm:cxn modelId="5" srcId="0" destId="1" srcOrd="0" destOrd="0"/>
+        <dgm:cxn modelId="6" srcId="0" destId="2" srcOrd="1" destOrd="0"/>
+        <dgm:cxn modelId="7" srcId="0" destId="3" srcOrd="2" destOrd="0"/>
+        <dgm:cxn modelId="8" srcId="0" destId="4" srcOrd="3" destOrd="0"/>
+        <dgm:cxn modelId="13" srcId="1" destId="11" srcOrd="0" destOrd="0"/>
+        <dgm:cxn modelId="23" srcId="2" destId="21" srcOrd="0" destOrd="0"/>
+        <dgm:cxn modelId="33" srcId="3" destId="31" srcOrd="0" destOrd="0"/>
+        <dgm:cxn modelId="43" srcId="4" destId="41" srcOrd="0" destOrd="0"/>
+      </dgm:cxnLst>
+      <dgm:bg/>
+      <dgm:whole/>
+    </dgm:dataModel>
+  </dgm:clrData>
+  <dgm:layoutNode name="diagram">
+    <dgm:varLst>
+      <dgm:chPref val="1"/>
+      <dgm:dir/>
+      <dgm:animOne val="branch"/>
+      <dgm:animLvl val="lvl"/>
+      <dgm:resizeHandles/>
+    </dgm:varLst>
+    <dgm:choose name="Name0">
+      <dgm:if name="Name1" func="var" arg="dir" op="equ" val="norm">
+        <dgm:alg type="hierChild">
+          <dgm:param type="linDir" val="fromL"/>
+        </dgm:alg>
+      </dgm:if>
+      <dgm:else name="Name2">
+        <dgm:alg type="hierChild">
+          <dgm:param type="linDir" val="fromR"/>
+        </dgm:alg>
+      </dgm:else>
+    </dgm:choose>
+    <dgm:shape xmlns:r="http://schemas.openxmlformats.org/officeDocument/2006/relationships" r:blip="">
+      <dgm:adjLst/>
+    </dgm:shape>
+    <dgm:presOf/>
+    <dgm:constrLst>
+      <dgm:constr type="primFontSz" for="des" forName="rootText" op="equ" val="65"/>
+      <dgm:constr type="primFontSz" for="des" forName="childText" op="equ" val="65"/>
+      <dgm:constr type="w" for="des" forName="rootComposite" refType="w"/>
+      <dgm:constr type="h" for="des" forName="rootComposite" refType="w" fact="0.5"/>
+      <dgm:constr type="w" for="des" forName="childText" refType="w" refFor="des" refForName="rootComposite" fact="0.8"/>
+      <dgm:constr type="h" for="des" forName="childText" refType="h" refFor="des" refForName="rootComposite"/>
+      <dgm:constr type="sibSp" refType="w" refFor="des" refForName="rootComposite" fact="0.25"/>
+      <dgm:constr type="sibSp" for="des" forName="childShape" refType="h" refFor="des" refForName="childText" fact="0.25"/>
+      <dgm:constr type="sp" for="des" forName="root" refType="h" refFor="des" refForName="childText" fact="0.25"/>
+    </dgm:constrLst>
+    <dgm:ruleLst/>
+    <dgm:forEach name="Name3" axis="ch">
+      <dgm:forEach name="Name4" axis="self" ptType="node" cnt="1">
+        <dgm:layoutNode name="root">
+          <dgm:choose name="Name5">
+            <dgm:if name="Name6" func="var" arg="dir" op="equ" val="norm">
+              <dgm:alg type="hierRoot">
+                <dgm:param type="hierAlign" val="tL"/>
+              </dgm:alg>
+            </dgm:if>
+            <dgm:else name="Name7">
+              <dgm:alg type="hierRoot">
+                <dgm:param type="hierAlign" val="tR"/>
+              </dgm:alg>
+            </dgm:else>
+          </dgm:choose>
+          <dgm:shape xmlns:r="http://schemas.openxmlformats.org/officeDocument/2006/relationships" r:blip="">
+            <dgm:adjLst/>
+          </dgm:shape>
+          <dgm:presOf/>
+          <dgm:constrLst>
+            <dgm:constr type="alignOff" val="0.2"/>
+          </dgm:constrLst>
+          <dgm:ruleLst/>
+          <dgm:layoutNode name="rootComposite">
+            <dgm:alg type="composite"/>
+            <dgm:shape xmlns:r="http://schemas.openxmlformats.org/officeDocument/2006/relationships" r:blip="">
+              <dgm:adjLst/>
+            </dgm:shape>
+            <dgm:presOf axis="self" ptType="node" cnt="1"/>
+            <dgm:choose name="Name8">
+              <dgm:if name="Name9" func="var" arg="dir" op="equ" val="norm">
+                <dgm:constrLst>
+                  <dgm:constr type="l" for="ch" forName="rootText"/>
+                  <dgm:constr type="t" for="ch" forName="rootText"/>
+                  <dgm:constr type="w" for="ch" forName="rootText" refType="w"/>
+                  <dgm:constr type="h" for="ch" forName="rootText" refType="h"/>
+                  <dgm:constr type="l" for="ch" forName="rootConnector"/>
+                  <dgm:constr type="t" for="ch" forName="rootConnector"/>
+                  <dgm:constr type="w" for="ch" forName="rootConnector" refType="w" refFor="ch" refForName="rootText" fact="0.2"/>
+                  <dgm:constr type="h" for="ch" forName="rootConnector" refType="h" refFor="ch" refForName="rootText"/>
+                </dgm:constrLst>
+              </dgm:if>
+              <dgm:else name="Name10">
+                <dgm:constrLst>
+                  <dgm:constr type="l" for="ch" forName="rootText"/>
+                  <dgm:constr type="t" for="ch" forName="rootText"/>
+                  <dgm:constr type="w" for="ch" forName="rootText" refType="w"/>
+                  <dgm:constr type="h" for="ch" forName="rootText" refType="h"/>
+                  <dgm:constr type="r" for="ch" forName="rootConnector" refType="w"/>
+                  <dgm:constr type="t" for="ch" forName="rootConnector"/>
+                  <dgm:constr type="w" for="ch" forName="rootConnector" refType="w" refFor="ch" refForName="rootText" fact="0.2"/>
+                  <dgm:constr type="h" for="ch" forName="rootConnector" refType="h" refFor="ch" refForName="rootText"/>
+                </dgm:constrLst>
+              </dgm:else>
+            </dgm:choose>
+            <dgm:ruleLst/>
+            <dgm:layoutNode name="rootText" styleLbl="node1">
+              <dgm:alg type="tx"/>
+              <dgm:shape xmlns:r="http://schemas.openxmlformats.org/officeDocument/2006/relationships" type="roundRect" r:blip="">
+                <dgm:adjLst>
+                  <dgm:adj idx="1" val="0.1"/>
+                </dgm:adjLst>
+              </dgm:shape>
+              <dgm:presOf axis="self" ptType="node" cnt="1"/>
+              <dgm:constrLst>
+                <dgm:constr type="tMarg" refType="primFontSz" fact="0.1"/>
+                <dgm:constr type="bMarg" refType="primFontSz" fact="0.1"/>
+                <dgm:constr type="lMarg" refType="primFontSz" fact="0.15"/>
+                <dgm:constr type="rMarg" refType="primFontSz" fact="0.15"/>
+              </dgm:constrLst>
+              <dgm:ruleLst>
+                <dgm:rule type="primFontSz" val="5" fact="NaN" max="NaN"/>
+              </dgm:ruleLst>
+            </dgm:layoutNode>
+            <dgm:layoutNode name="rootConnector" moveWith="rootText">
+              <dgm:alg type="sp"/>
+              <dgm:shape xmlns:r="http://schemas.openxmlformats.org/officeDocument/2006/relationships" type="roundRect" r:blip="" hideGeom="1">
+                <dgm:adjLst>
+                  <dgm:adj idx="1" val="0.1"/>
+                </dgm:adjLst>
+              </dgm:shape>
+              <dgm:presOf axis="self" ptType="node" cnt="1"/>
+              <dgm:constrLst/>
+              <dgm:ruleLst/>
+            </dgm:layoutNode>
+          </dgm:layoutNode>
+          <dgm:layoutNode name="childShape">
+            <dgm:alg type="hierChild">
+              <dgm:param type="chAlign" val="l"/>
+              <dgm:param type="linDir" val="fromT"/>
+            </dgm:alg>
+            <dgm:shape xmlns:r="http://schemas.openxmlformats.org/officeDocument/2006/relationships" r:blip="">
+              <dgm:adjLst/>
+            </dgm:shape>
+            <dgm:presOf/>
+            <dgm:constrLst/>
+            <dgm:ruleLst/>
+            <dgm:forEach name="Name11" axis="ch">
+              <dgm:forEach name="Name12" axis="self" ptType="parTrans" cnt="1">
+                <dgm:layoutNode name="Name13">
+                  <dgm:choose name="Name14">
+                    <dgm:if name="Name15" func="var" arg="dir" op="equ" val="norm">
+                      <dgm:alg type="conn">
+                        <dgm:param type="dim" val="1D"/>
+                        <dgm:param type="endSty" val="noArr"/>
+                        <dgm:param type="connRout" val="bend"/>
+                        <dgm:param type="srcNode" val="rootConnector"/>
+                        <dgm:param type="begPts" val="bCtr"/>
+                        <dgm:param type="endPts" val="midL"/>
+                      </dgm:alg>
+                    </dgm:if>
+                    <dgm:else name="Name16">
+                      <dgm:alg type="conn">
+                        <dgm:param type="dim" val="1D"/>
+                        <dgm:param type="endSty" val="noArr"/>
+                        <dgm:param type="connRout" val="bend"/>
+                        <dgm:param type="srcNode" val="rootConnector"/>
+                        <dgm:param type="begPts" val="bCtr"/>
+                        <dgm:param type="endPts" val="midR"/>
+                      </dgm:alg>
+                    </dgm:else>
+                  </dgm:choose>
+                  <dgm:shape xmlns:r="http://schemas.openxmlformats.org/officeDocument/2006/relationships" type="conn" r:blip="">
+                    <dgm:adjLst/>
+                  </dgm:shape>
+                  <dgm:presOf axis="self"/>
+                  <dgm:constrLst>
+                    <dgm:constr type="begPad"/>
+                    <dgm:constr type="endPad"/>
+                  </dgm:constrLst>
+                  <dgm:ruleLst/>
+                </dgm:layoutNode>
+              </dgm:forEach>
+              <dgm:forEach name="Name17" axis="self" ptType="node">
+                <dgm:layoutNode name="childText" styleLbl="bgAcc1">
+                  <dgm:varLst>
+                    <dgm:bulletEnabled val="1"/>
+                  </dgm:varLst>
+                  <dgm:alg type="tx"/>
+                  <dgm:shape xmlns:r="http://schemas.openxmlformats.org/officeDocument/2006/relationships" type="roundRect" r:blip="">
+                    <dgm:adjLst>
+                      <dgm:adj idx="1" val="0.1"/>
+                    </dgm:adjLst>
+                  </dgm:shape>
+                  <dgm:presOf axis="self desOrSelf" ptType="node node" st="1 1" cnt="1 0"/>
+                  <dgm:constrLst>
+                    <dgm:constr type="tMarg" refType="primFontSz" fact="0.1"/>
+                    <dgm:constr type="bMarg" refType="primFontSz" fact="0.1"/>
+                    <dgm:constr type="lMarg" refType="primFontSz" fact="0.15"/>
+                    <dgm:constr type="rMarg" refType="primFontSz" fact="0.15"/>
+                  </dgm:constrLst>
+                  <dgm:ruleLst>
+                    <dgm:rule type="primFontSz" val="5" fact="NaN" max="NaN"/>
+                  </dgm:ruleLst>
+                </dgm:layoutNode>
+              </dgm:forEach>
+            </dgm:forEach>
+          </dgm:layoutNode>
+        </dgm:layoutNode>
+      </dgm:forEach>
+    </dgm:forEach>
+  </dgm:layoutNode>
+</dgm:layoutDef>
+</file>
+
+<file path=ppt/diagrams/quickStyle1.xml><?xml version="1.0" encoding="utf-8"?>
+<dgm:styleDef xmlns:dgm="http://schemas.openxmlformats.org/drawingml/2006/diagram" xmlns:a="http://schemas.openxmlformats.org/drawingml/2006/main" uniqueId="urn:microsoft.com/office/officeart/2005/8/quickstyle/simple4">
+  <dgm:title val=""/>
+  <dgm:desc val=""/>
+  <dgm:catLst>
+    <dgm:cat type="simple" pri="10400"/>
+  </dgm:catLst>
+  <dgm:scene3d>
+    <a:camera prst="orthographicFront"/>
+    <a:lightRig rig="threePt" dir="t"/>
+  </dgm:scene3d>
+  <dgm:styleLbl name="node0">
+    <dgm:scene3d>
+      <a:camera prst="orthographicFront"/>
+      <a:lightRig rig="threePt" dir="t"/>
+    </dgm:scene3d>
+    <dgm:sp3d/>
+    <dgm:txPr/>
+    <dgm:style>
+      <a:lnRef idx="0">
+        <a:scrgbClr r="0" g="0" b="0"/>
+      </a:lnRef>
+      <a:fillRef idx="3">
+        <a:scrgbClr r="0" g="0" b="0"/>
+      </a:fillRef>
+      <a:effectRef idx="2">
+        <a:scrgbClr r="0" g="0" b="0"/>
+      </a:effectRef>
+      <a:fontRef idx="minor">
+        <a:schemeClr val="lt1"/>
+      </a:fontRef>
+    </dgm:style>
+  </dgm:styleLbl>
+  <dgm:styleLbl name="lnNode1">
+    <dgm:scene3d>
+      <a:camera prst="orthographicFront"/>
+      <a:lightRig rig="threePt" dir="t"/>
+    </dgm:scene3d>
+    <dgm:sp3d/>
+    <dgm:txPr/>
+    <dgm:style>
+      <a:lnRef idx="1">
+        <a:scrgbClr r="0" g="0" b="0"/>
+      </a:lnRef>
+      <a:fillRef idx="3">
+        <a:scrgbClr r="0" g="0" b="0"/>
+      </a:fillRef>
+      <a:effectRef idx="2">
+        <a:scrgbClr r="0" g="0" b="0"/>
+      </a:effectRef>
+      <a:fontRef idx="minor">
+        <a:schemeClr val="lt1"/>
+      </a:fontRef>
+    </dgm:style>
+  </dgm:styleLbl>
+  <dgm:styleLbl name="vennNode1">
+    <dgm:scene3d>
+      <a:camera prst="orthographicFront"/>
+      <a:lightRig rig="threePt" dir="t"/>
+    </dgm:scene3d>
+    <dgm:sp3d/>
+    <dgm:txPr/>
+    <dgm:style>
+      <a:lnRef idx="0">
+        <a:scrgbClr r="0" g="0" b="0"/>
+      </a:lnRef>
+      <a:fillRef idx="3">
+        <a:scrgbClr r="0" g="0" b="0"/>
+      </a:fillRef>
+      <a:effectRef idx="0">
+        <a:scrgbClr r="0" g="0" b="0"/>
+      </a:effectRef>
+      <a:fontRef idx="minor">
+        <a:schemeClr val="tx1"/>
+      </a:fontRef>
+    </dgm:style>
+  </dgm:styleLbl>
+  <dgm:styleLbl name="alignNode1">
+    <dgm:scene3d>
+      <a:camera prst="orthographicFront"/>
+      <a:lightRig rig="threePt" dir="t"/>
+    </dgm:scene3d>
+    <dgm:sp3d/>
+    <dgm:txPr/>
+    <dgm:style>
+      <a:lnRef idx="1">
+        <a:scrgbClr r="0" g="0" b="0"/>
+      </a:lnRef>
+      <a:fillRef idx="3">
+        <a:scrgbClr r="0" g="0" b="0"/>
+      </a:fillRef>
+      <a:effectRef idx="2">
+        <a:scrgbClr r="0" g="0" b="0"/>
+      </a:effectRef>
+      <a:fontRef idx="minor">
+        <a:schemeClr val="lt1"/>
+      </a:fontRef>
+    </dgm:style>
+  </dgm:styleLbl>
+  <dgm:styleLbl name="node1">
+    <dgm:scene3d>
+      <a:camera prst="orthographicFront"/>
+      <a:lightRig rig="threePt" dir="t"/>
+    </dgm:scene3d>
+    <dgm:sp3d/>
+    <dgm:txPr/>
+    <dgm:style>
+      <a:lnRef idx="0">
+        <a:scrgbClr r="0" g="0" b="0"/>
+      </a:lnRef>
+      <a:fillRef idx="3">
+        <a:scrgbClr r="0" g="0" b="0"/>
+      </a:fillRef>
+      <a:effectRef idx="2">
+        <a:scrgbClr r="0" g="0" b="0"/>
+      </a:effectRef>
+      <a:fontRef idx="minor">
+        <a:schemeClr val="lt1"/>
+      </a:fontRef>
+    </dgm:style>
+  </dgm:styleLbl>
+  <dgm:styleLbl name="node2">
+    <dgm:scene3d>
+      <a:camera prst="orthographicFront"/>
+      <a:lightRig rig="threePt" dir="t"/>
+    </dgm:scene3d>
+    <dgm:sp3d/>
+    <dgm:txPr/>
+    <dgm:style>
+      <a:lnRef idx="0">
+        <a:scrgbClr r="0" g="0" b="0"/>
+      </a:lnRef>
+      <a:fillRef idx="3">
+        <a:scrgbClr r="0" g="0" b="0"/>
+      </a:fillRef>
+      <a:effectRef idx="2">
+        <a:scrgbClr r="0" g="0" b="0"/>
+      </a:effectRef>
+      <a:fontRef idx="minor">
+        <a:schemeClr val="lt1"/>
+      </a:fontRef>
+    </dgm:style>
+  </dgm:styleLbl>
+  <dgm:styleLbl name="node3">
+    <dgm:scene3d>
+      <a:camera prst="orthographicFront"/>
+      <a:lightRig rig="threePt" dir="t"/>
+    </dgm:scene3d>
+    <dgm:sp3d/>
+    <dgm:txPr/>
+    <dgm:style>
+      <a:lnRef idx="0">
+        <a:scrgbClr r="0" g="0" b="0"/>
+      </a:lnRef>
+      <a:fillRef idx="3">
+        <a:scrgbClr r="0" g="0" b="0"/>
+      </a:fillRef>
+      <a:effectRef idx="2">
+        <a:scrgbClr r="0" g="0" b="0"/>
+      </a:effectRef>
+      <a:fontRef idx="minor">
+        <a:schemeClr val="lt1"/>
+      </a:fontRef>
+    </dgm:style>
+  </dgm:styleLbl>
+  <dgm:styleLbl name="node4">
+    <dgm:scene3d>
+      <a:camera prst="orthographicFront"/>
+      <a:lightRig rig="threePt" dir="t"/>
+    </dgm:scene3d>
+    <dgm:sp3d/>
+    <dgm:txPr/>
+    <dgm:style>
+      <a:lnRef idx="0">
+        <a:scrgbClr r="0" g="0" b="0"/>
+      </a:lnRef>
+      <a:fillRef idx="3">
+        <a:scrgbClr r="0" g="0" b="0"/>
+      </a:fillRef>
+      <a:effectRef idx="2">
+        <a:scrgbClr r="0" g="0" b="0"/>
+      </a:effectRef>
+      <a:fontRef idx="minor">
+        <a:schemeClr val="lt1"/>
+      </a:fontRef>
+    </dgm:style>
+  </dgm:styleLbl>
+  <dgm:styleLbl name="fgImgPlace1">
+    <dgm:scene3d>
+      <a:camera prst="orthographicFront"/>
+      <a:lightRig rig="threePt" dir="t"/>
+    </dgm:scene3d>
+    <dgm:sp3d/>
+    <dgm:txPr/>
+    <dgm:style>
+      <a:lnRef idx="0">
+        <a:scrgbClr r="0" g="0" b="0"/>
+      </a:lnRef>
+      <a:fillRef idx="1">
+        <a:scrgbClr r="0" g="0" b="0"/>
+      </a:fillRef>
+      <a:effectRef idx="2">
+        <a:scrgbClr r="0" g="0" b="0"/>
+      </a:effectRef>
+      <a:fontRef idx="minor"/>
+    </dgm:style>
+  </dgm:styleLbl>
+  <dgm:styleLbl name="alignImgPlace1">
+    <dgm:scene3d>
+      <a:camera prst="orthographicFront"/>
+      <a:lightRig rig="threePt" dir="t"/>
+    </dgm:scene3d>
+    <dgm:sp3d/>
+    <dgm:txPr/>
+    <dgm:style>
+      <a:lnRef idx="0">
+        <a:scrgbClr r="0" g="0" b="0"/>
+      </a:lnRef>
+      <a:fillRef idx="1">
+        <a:scrgbClr r="0" g="0" b="0"/>
+      </a:fillRef>
+      <a:effectRef idx="2">
+        <a:scrgbClr r="0" g="0" b="0"/>
+      </a:effectRef>
+      <a:fontRef idx="minor"/>
+    </dgm:style>
+  </dgm:styleLbl>
+  <dgm:styleLbl name="bgImgPlace1">
+    <dgm:scene3d>
+      <a:camera prst="orthographicFront"/>
+      <a:lightRig rig="threePt" dir="t"/>
+    </dgm:scene3d>
+    <dgm:sp3d/>
+    <dgm:txPr/>
+    <dgm:style>
+      <a:lnRef idx="0">
+        <a:scrgbClr r="0" g="0" b="0"/>
+      </a:lnRef>
+      <a:fillRef idx="1">
+        <a:scrgbClr r="0" g="0" b="0"/>
+      </a:fillRef>
+      <a:effectRef idx="2">
+        <a:scrgbClr r="0" g="0" b="0"/>
+      </a:effectRef>
+      <a:fontRef idx="minor"/>
+    </dgm:style>
+  </dgm:styleLbl>
+  <dgm:styleLbl name="sibTrans2D1">
+    <dgm:scene3d>
+      <a:camera prst="orthographicFront"/>
+      <a:lightRig rig="threePt" dir="t"/>
+    </dgm:scene3d>
+    <dgm:sp3d/>
+    <dgm:txPr/>
+    <dgm:style>
+      <a:lnRef idx="0">
+        <a:scrgbClr r="0" g="0" b="0"/>
+      </a:lnRef>
+      <a:fillRef idx="3">
+        <a:scrgbClr r="0" g="0" b="0"/>
+      </a:fillRef>
+      <a:effectRef idx="2">
+        <a:scrgbClr r="0" g="0" b="0"/>
+      </a:effectRef>
+      <a:fontRef idx="minor">
+        <a:schemeClr val="lt1"/>
+      </a:fontRef>
+    </dgm:style>
+  </dgm:styleLbl>
+  <dgm:styleLbl name="fgSibTrans2D1">
+    <dgm:scene3d>
+      <a:camera prst="orthographicFront"/>
+      <a:lightRig rig="threePt" dir="t"/>
+    </dgm:scene3d>
+    <dgm:sp3d/>
+    <dgm:txPr/>
+    <dgm:style>
+      <a:lnRef idx="0">
+        <a:scrgbClr r="0" g="0" b="0"/>
+      </a:lnRef>
+      <a:fillRef idx="3">
+        <a:scrgbClr r="0" g="0" b="0"/>
+      </a:fillRef>
+      <a:effectRef idx="2">
+        <a:scrgbClr r="0" g="0" b="0"/>
+      </a:effectRef>
+      <a:fontRef idx="minor">
+        <a:schemeClr val="lt1"/>
+      </a:fontRef>
+    </dgm:style>
+  </dgm:styleLbl>
+  <dgm:styleLbl name="bgSibTrans2D1">
+    <dgm:scene3d>
+      <a:camera prst="orthographicFront"/>
+      <a:lightRig rig="threePt" dir="t"/>
+    </dgm:scene3d>
+    <dgm:sp3d/>
+    <dgm:txPr/>
+    <dgm:style>
+      <a:lnRef idx="0">
+        <a:scrgbClr r="0" g="0" b="0"/>
+      </a:lnRef>
+      <a:fillRef idx="3">
+        <a:scrgbClr r="0" g="0" b="0"/>
+      </a:fillRef>
+      <a:effectRef idx="2">
+        <a:scrgbClr r="0" g="0" b="0"/>
+      </a:effectRef>
+      <a:fontRef idx="minor">
+        <a:schemeClr val="lt1"/>
+      </a:fontRef>
+    </dgm:style>
+  </dgm:styleLbl>
+  <dgm:styleLbl name="sibTrans1D1">
+    <dgm:scene3d>
+      <a:camera prst="orthographicFront"/>
+      <a:lightRig rig="threePt" dir="t"/>
+    </dgm:scene3d>
+    <dgm:sp3d/>
+    <dgm:txPr/>
+    <dgm:style>
+      <a:lnRef idx="1">
+        <a:scrgbClr r="0" g="0" b="0"/>
+      </a:lnRef>
+      <a:fillRef idx="0">
+        <a:scrgbClr r="0" g="0" b="0"/>
+      </a:fillRef>
+      <a:effectRef idx="0">
+        <a:scrgbClr r="0" g="0" b="0"/>
+      </a:effectRef>
+      <a:fontRef idx="minor"/>
+    </dgm:style>
+  </dgm:styleLbl>
+  <dgm:styleLbl name="callout">
+    <dgm:scene3d>
+      <a:camera prst="orthographicFront"/>
+      <a:lightRig rig="threePt" dir="t"/>
+    </dgm:scene3d>
+    <dgm:sp3d/>
+    <dgm:txPr/>
+    <dgm:style>
+      <a:lnRef idx="2">
+        <a:scrgbClr r="0" g="0" b="0"/>
+      </a:lnRef>
+      <a:fillRef idx="1">
+        <a:scrgbClr r="0" g="0" b="0"/>
+      </a:fillRef>
+      <a:effectRef idx="1">
+        <a:scrgbClr r="0" g="0" b="0"/>
+      </a:effectRef>
+      <a:fontRef idx="minor"/>
+    </dgm:style>
+  </dgm:styleLbl>
+  <dgm:styleLbl name="asst0">
+    <dgm:scene3d>
+      <a:camera prst="orthographicFront"/>
+      <a:lightRig rig="threePt" dir="t"/>
+    </dgm:scene3d>
+    <dgm:sp3d/>
+    <dgm:txPr/>
+    <dgm:style>
+      <a:lnRef idx="0">
+        <a:scrgbClr r="0" g="0" b="0"/>
+      </a:lnRef>
+      <a:fillRef idx="3">
+        <a:scrgbClr r="0" g="0" b="0"/>
+      </a:fillRef>
+      <a:effectRef idx="2">
+        <a:scrgbClr r="0" g="0" b="0"/>
+      </a:effectRef>
+      <a:fontRef idx="minor">
+        <a:schemeClr val="lt1"/>
+      </a:fontRef>
+    </dgm:style>
+  </dgm:styleLbl>
+  <dgm:styleLbl name="asst1">
+    <dgm:scene3d>
+      <a:camera prst="orthographicFront"/>
+      <a:lightRig rig="threePt" dir="t"/>
+    </dgm:scene3d>
+    <dgm:sp3d/>
+    <dgm:txPr/>
+    <dgm:style>
+      <a:lnRef idx="0">
+        <a:scrgbClr r="0" g="0" b="0"/>
+      </a:lnRef>
+      <a:fillRef idx="3">
+        <a:scrgbClr r="0" g="0" b="0"/>
+      </a:fillRef>
+      <a:effectRef idx="2">
+        <a:scrgbClr r="0" g="0" b="0"/>
+      </a:effectRef>
+      <a:fontRef idx="minor">
+        <a:schemeClr val="lt1"/>
+      </a:fontRef>
+    </dgm:style>
+  </dgm:styleLbl>
+  <dgm:styleLbl name="asst2">
+    <dgm:scene3d>
+      <a:camera prst="orthographicFront"/>
+      <a:lightRig rig="threePt" dir="t"/>
+    </dgm:scene3d>
+    <dgm:sp3d/>
+    <dgm:txPr/>
+    <dgm:style>
+      <a:lnRef idx="0">
+        <a:scrgbClr r="0" g="0" b="0"/>
+      </a:lnRef>
+      <a:fillRef idx="3">
+        <a:scrgbClr r="0" g="0" b="0"/>
+      </a:fillRef>
+      <a:effectRef idx="2">
+        <a:scrgbClr r="0" g="0" b="0"/>
+      </a:effectRef>
+      <a:fontRef idx="minor">
+        <a:schemeClr val="lt1"/>
+      </a:fontRef>
+    </dgm:style>
+  </dgm:styleLbl>
+  <dgm:styleLbl name="asst3">
+    <dgm:scene3d>
+      <a:camera prst="orthographicFront"/>
+      <a:lightRig rig="threePt" dir="t"/>
+    </dgm:scene3d>
+    <dgm:sp3d/>
+    <dgm:txPr/>
+    <dgm:style>
+      <a:lnRef idx="0">
+        <a:scrgbClr r="0" g="0" b="0"/>
+      </a:lnRef>
+      <a:fillRef idx="3">
+        <a:scrgbClr r="0" g="0" b="0"/>
+      </a:fillRef>
+      <a:effectRef idx="2">
+        <a:scrgbClr r="0" g="0" b="0"/>
+      </a:effectRef>
+      <a:fontRef idx="minor">
+        <a:schemeClr val="lt1"/>
+      </a:fontRef>
+    </dgm:style>
+  </dgm:styleLbl>
+  <dgm:styleLbl name="asst4">
+    <dgm:scene3d>
+      <a:camera prst="orthographicFront"/>
+      <a:lightRig rig="threePt" dir="t"/>
+    </dgm:scene3d>
+    <dgm:sp3d/>
+    <dgm:txPr/>
+    <dgm:style>
+      <a:lnRef idx="0">
+        <a:scrgbClr r="0" g="0" b="0"/>
+      </a:lnRef>
+      <a:fillRef idx="3">
+        <a:scrgbClr r="0" g="0" b="0"/>
+      </a:fillRef>
+      <a:effectRef idx="2">
+        <a:scrgbClr r="0" g="0" b="0"/>
+      </a:effectRef>
+      <a:fontRef idx="minor">
+        <a:schemeClr val="lt1"/>
+      </a:fontRef>
+    </dgm:style>
+  </dgm:styleLbl>
+  <dgm:styleLbl name="parChTrans2D1">
+    <dgm:scene3d>
+      <a:camera prst="orthographicFront"/>
+      <a:lightRig rig="threePt" dir="t"/>
+    </dgm:scene3d>
+    <dgm:sp3d/>
+    <dgm:txPr/>
+    <dgm:style>
+      <a:lnRef idx="0">
+        <a:scrgbClr r="0" g="0" b="0"/>
+      </a:lnRef>
+      <a:fillRef idx="3">
+        <a:scrgbClr r="0" g="0" b="0"/>
+      </a:fillRef>
+      <a:effectRef idx="2">
+        <a:scrgbClr r="0" g="0" b="0"/>
+      </a:effectRef>
+      <a:fontRef idx="minor">
+        <a:schemeClr val="lt1"/>
+      </a:fontRef>
+    </dgm:style>
+  </dgm:styleLbl>
+  <dgm:styleLbl name="parChTrans2D2">
+    <dgm:scene3d>
+      <a:camera prst="orthographicFront"/>
+      <a:lightRig rig="threePt" dir="t"/>
+    </dgm:scene3d>
+    <dgm:sp3d/>
+    <dgm:txPr/>
+    <dgm:style>
+      <a:lnRef idx="0">
+        <a:scrgbClr r="0" g="0" b="0"/>
+      </a:lnRef>
+      <a:fillRef idx="3">
+        <a:scrgbClr r="0" g="0" b="0"/>
+      </a:fillRef>
+      <a:effectRef idx="2">
+        <a:scrgbClr r="0" g="0" b="0"/>
+      </a:effectRef>
+      <a:fontRef idx="minor">
+        <a:schemeClr val="lt1"/>
+      </a:fontRef>
+    </dgm:style>
+  </dgm:styleLbl>
+  <dgm:styleLbl name="parChTrans2D3">
+    <dgm:scene3d>
+      <a:camera prst="orthographicFront"/>
+      <a:lightRig rig="threePt" dir="t"/>
+    </dgm:scene3d>
+    <dgm:sp3d/>
+    <dgm:txPr/>
+    <dgm:style>
+      <a:lnRef idx="1">
+        <a:scrgbClr r="0" g="0" b="0"/>
+      </a:lnRef>
+      <a:fillRef idx="3">
+        <a:scrgbClr r="0" g="0" b="0"/>
+      </a:fillRef>
+      <a:effectRef idx="2">
+        <a:scrgbClr r="0" g="0" b="0"/>
+      </a:effectRef>
+      <a:fontRef idx="minor">
+        <a:schemeClr val="lt1"/>
+      </a:fontRef>
+    </dgm:style>
+  </dgm:styleLbl>
+  <dgm:styleLbl name="parChTrans2D4">
+    <dgm:scene3d>
+      <a:camera prst="orthographicFront"/>
+      <a:lightRig rig="threePt" dir="t"/>
+    </dgm:scene3d>
+    <dgm:sp3d/>
+    <dgm:txPr/>
+    <dgm:style>
+      <a:lnRef idx="1">
+        <a:scrgbClr r="0" g="0" b="0"/>
+      </a:lnRef>
+      <a:fillRef idx="3">
+        <a:scrgbClr r="0" g="0" b="0"/>
+      </a:fillRef>
+      <a:effectRef idx="2">
+        <a:scrgbClr r="0" g="0" b="0"/>
+      </a:effectRef>
+      <a:fontRef idx="minor">
+        <a:schemeClr val="lt1"/>
+      </a:fontRef>
+    </dgm:style>
+  </dgm:styleLbl>
+  <dgm:styleLbl name="parChTrans1D1">
+    <dgm:scene3d>
+      <a:camera prst="orthographicFront"/>
+      <a:lightRig rig="threePt" dir="t"/>
+    </dgm:scene3d>
+    <dgm:sp3d/>
+    <dgm:txPr/>
+    <dgm:style>
+      <a:lnRef idx="1">
+        <a:scrgbClr r="0" g="0" b="0"/>
+      </a:lnRef>
+      <a:fillRef idx="0">
+        <a:scrgbClr r="0" g="0" b="0"/>
+      </a:fillRef>
+      <a:effectRef idx="0">
+        <a:scrgbClr r="0" g="0" b="0"/>
+      </a:effectRef>
+      <a:fontRef idx="minor"/>
+    </dgm:style>
+  </dgm:styleLbl>
+  <dgm:styleLbl name="parChTrans1D2">
+    <dgm:scene3d>
+      <a:camera prst="orthographicFront"/>
+      <a:lightRig rig="threePt" dir="t"/>
+    </dgm:scene3d>
+    <dgm:sp3d/>
+    <dgm:txPr/>
+    <dgm:style>
+      <a:lnRef idx="1">
+        <a:scrgbClr r="0" g="0" b="0"/>
+      </a:lnRef>
+      <a:fillRef idx="0">
+        <a:scrgbClr r="0" g="0" b="0"/>
+      </a:fillRef>
+      <a:effectRef idx="0">
+        <a:scrgbClr r="0" g="0" b="0"/>
+      </a:effectRef>
+      <a:fontRef idx="minor"/>
+    </dgm:style>
+  </dgm:styleLbl>
+  <dgm:styleLbl name="parChTrans1D3">
+    <dgm:scene3d>
+      <a:camera prst="orthographicFront"/>
+      <a:lightRig rig="threePt" dir="t"/>
+    </dgm:scene3d>
+    <dgm:sp3d/>
+    <dgm:txPr/>
+    <dgm:style>
+      <a:lnRef idx="1">
+        <a:scrgbClr r="0" g="0" b="0"/>
+      </a:lnRef>
+      <a:fillRef idx="0">
+        <a:scrgbClr r="0" g="0" b="0"/>
+      </a:fillRef>
+      <a:effectRef idx="0">
+        <a:scrgbClr r="0" g="0" b="0"/>
+      </a:effectRef>
+      <a:fontRef idx="minor"/>
+    </dgm:style>
+  </dgm:styleLbl>
+  <dgm:styleLbl name="parChTrans1D4">
+    <dgm:scene3d>
+      <a:camera prst="orthographicFront"/>
+      <a:lightRig rig="threePt" dir="t"/>
+    </dgm:scene3d>
+    <dgm:sp3d/>
+    <dgm:txPr/>
+    <dgm:style>
+      <a:lnRef idx="1">
+        <a:scrgbClr r="0" g="0" b="0"/>
+      </a:lnRef>
+      <a:fillRef idx="0">
+        <a:scrgbClr r="0" g="0" b="0"/>
+      </a:fillRef>
+      <a:effectRef idx="0">
+        <a:scrgbClr r="0" g="0" b="0"/>
+      </a:effectRef>
+      <a:fontRef idx="minor"/>
+    </dgm:style>
+  </dgm:styleLbl>
+  <dgm:styleLbl name="fgAcc1">
+    <dgm:scene3d>
+      <a:camera prst="orthographicFront"/>
+      <a:lightRig rig="threePt" dir="t"/>
+    </dgm:scene3d>
+    <dgm:sp3d/>
+    <dgm:txPr/>
+    <dgm:style>
+      <a:lnRef idx="1">
+        <a:scrgbClr r="0" g="0" b="0"/>
+      </a:lnRef>
+      <a:fillRef idx="1">
+        <a:scrgbClr r="0" g="0" b="0"/>
+      </a:fillRef>
+      <a:effectRef idx="0">
+        <a:scrgbClr r="0" g="0" b="0"/>
+      </a:effectRef>
+      <a:fontRef idx="minor"/>
+    </dgm:style>
+  </dgm:styleLbl>
+  <dgm:styleLbl name="conFgAcc1">
+    <dgm:scene3d>
+      <a:camera prst="orthographicFront"/>
+      <a:lightRig rig="threePt" dir="t"/>
+    </dgm:scene3d>
+    <dgm:sp3d/>
+    <dgm:txPr/>
+    <dgm:style>
+      <a:lnRef idx="1">
+        <a:scrgbClr r="0" g="0" b="0"/>
+      </a:lnRef>
+      <a:fillRef idx="1">
+        <a:scrgbClr r="0" g="0" b="0"/>
+      </a:fillRef>
+      <a:effectRef idx="0">
+        <a:scrgbClr r="0" g="0" b="0"/>
+      </a:effectRef>
+      <a:fontRef idx="minor"/>
+    </dgm:style>
+  </dgm:styleLbl>
+  <dgm:styleLbl name="alignAcc1">
+    <dgm:scene3d>
+      <a:camera prst="orthographicFront"/>
+      <a:lightRig rig="threePt" dir="t"/>
+    </dgm:scene3d>
+    <dgm:sp3d/>
+    <dgm:txPr/>
+    <dgm:style>
+      <a:lnRef idx="1">
+        <a:scrgbClr r="0" g="0" b="0"/>
+      </a:lnRef>
+      <a:fillRef idx="1">
+        <a:scrgbClr r="0" g="0" b="0"/>
+      </a:fillRef>
+      <a:effectRef idx="0">
+        <a:scrgbClr r="0" g="0" b="0"/>
+      </a:effectRef>
+      <a:fontRef idx="minor"/>
+    </dgm:style>
+  </dgm:styleLbl>
+  <dgm:styleLbl name="trAlignAcc1">
+    <dgm:scene3d>
+      <a:camera prst="orthographicFront"/>
+      <a:lightRig rig="threePt" dir="t"/>
+    </dgm:scene3d>
+    <dgm:sp3d/>
+    <dgm:txPr/>
+    <dgm:style>
+      <a:lnRef idx="1">
+        <a:scrgbClr r="0" g="0" b="0"/>
+      </a:lnRef>
+      <a:fillRef idx="1">
+        <a:scrgbClr r="0" g="0" b="0"/>
+      </a:fillRef>
+      <a:effectRef idx="0">
+        <a:scrgbClr r="0" g="0" b="0"/>
+      </a:effectRef>
+      <a:fontRef idx="minor"/>
+    </dgm:style>
+  </dgm:styleLbl>
+  <dgm:styleLbl name="bgAcc1">
+    <dgm:scene3d>
+      <a:camera prst="orthographicFront"/>
+      <a:lightRig rig="threePt" dir="t"/>
+    </dgm:scene3d>
+    <dgm:sp3d/>
+    <dgm:txPr/>
+    <dgm:style>
+      <a:lnRef idx="1">
+        <a:scrgbClr r="0" g="0" b="0"/>
+      </a:lnRef>
+      <a:fillRef idx="1">
+        <a:scrgbClr r="0" g="0" b="0"/>
+      </a:fillRef>
+      <a:effectRef idx="0">
+        <a:scrgbClr r="0" g="0" b="0"/>
+      </a:effectRef>
+      <a:fontRef idx="minor"/>
+    </dgm:style>
+  </dgm:styleLbl>
+  <dgm:styleLbl name="solidFgAcc1">
+    <dgm:scene3d>
+      <a:camera prst="orthographicFront"/>
+      <a:lightRig rig="threePt" dir="t"/>
+    </dgm:scene3d>
+    <dgm:sp3d/>
+    <dgm:txPr/>
+    <dgm:style>
+      <a:lnRef idx="1">
+        <a:scrgbClr r="0" g="0" b="0"/>
+      </a:lnRef>
+      <a:fillRef idx="1">
+        <a:scrgbClr r="0" g="0" b="0"/>
+      </a:fillRef>
+      <a:effectRef idx="0">
+        <a:scrgbClr r="0" g="0" b="0"/>
+      </a:effectRef>
+      <a:fontRef idx="minor"/>
+    </dgm:style>
+  </dgm:styleLbl>
+  <dgm:styleLbl name="solidAlignAcc1">
+    <dgm:scene3d>
+      <a:camera prst="orthographicFront"/>
+      <a:lightRig rig="threePt" dir="t"/>
+    </dgm:scene3d>
+    <dgm:sp3d/>
+    <dgm:txPr/>
+    <dgm:style>
+      <a:lnRef idx="1">
+        <a:scrgbClr r="0" g="0" b="0"/>
+      </a:lnRef>
+      <a:fillRef idx="1">
+        <a:scrgbClr r="0" g="0" b="0"/>
+      </a:fillRef>
+      <a:effectRef idx="0">
+        <a:scrgbClr r="0" g="0" b="0"/>
+      </a:effectRef>
+      <a:fontRef idx="minor"/>
+    </dgm:style>
+  </dgm:styleLbl>
+  <dgm:styleLbl name="solidBgAcc1">
+    <dgm:scene3d>
+      <a:camera prst="orthographicFront"/>
+      <a:lightRig rig="threePt" dir="t"/>
+    </dgm:scene3d>
+    <dgm:sp3d/>
+    <dgm:txPr/>
+    <dgm:style>
+      <a:lnRef idx="1">
+        <a:scrgbClr r="0" g="0" b="0"/>
+      </a:lnRef>
+      <a:fillRef idx="1">
+        <a:scrgbClr r="0" g="0" b="0"/>
+      </a:fillRef>
+      <a:effectRef idx="0">
+        <a:scrgbClr r="0" g="0" b="0"/>
+      </a:effectRef>
+      <a:fontRef idx="minor"/>
+    </dgm:style>
+  </dgm:styleLbl>
+  <dgm:styleLbl name="fgAccFollowNode1">
+    <dgm:scene3d>
+      <a:camera prst="orthographicFront"/>
+      <a:lightRig rig="threePt" dir="t"/>
+    </dgm:scene3d>
+    <dgm:sp3d/>
+    <dgm:txPr/>
+    <dgm:style>
+      <a:lnRef idx="1">
+        <a:scrgbClr r="0" g="0" b="0"/>
+      </a:lnRef>
+      <a:fillRef idx="1">
+        <a:scrgbClr r="0" g="0" b="0"/>
+      </a:fillRef>
+      <a:effectRef idx="0">
+        <a:scrgbClr r="0" g="0" b="0"/>
+      </a:effectRef>
+      <a:fontRef idx="minor"/>
+    </dgm:style>
+  </dgm:styleLbl>
+  <dgm:styleLbl name="alignAccFollowNode1">
+    <dgm:scene3d>
+      <a:camera prst="orthographicFront"/>
+      <a:lightRig rig="threePt" dir="t"/>
+    </dgm:scene3d>
+    <dgm:sp3d/>
+    <dgm:txPr/>
+    <dgm:style>
+      <a:lnRef idx="1">
+        <a:scrgbClr r="0" g="0" b="0"/>
+      </a:lnRef>
+      <a:fillRef idx="1">
+        <a:scrgbClr r="0" g="0" b="0"/>
+      </a:fillRef>
+      <a:effectRef idx="0">
+        <a:scrgbClr r="0" g="0" b="0"/>
+      </a:effectRef>
+      <a:fontRef idx="minor"/>
+    </dgm:style>
+  </dgm:styleLbl>
+  <dgm:styleLbl name="bgAccFollowNode1">
+    <dgm:scene3d>
+      <a:camera prst="orthographicFront"/>
+      <a:lightRig rig="threePt" dir="t"/>
+    </dgm:scene3d>
+    <dgm:sp3d/>
+    <dgm:txPr/>
+    <dgm:style>
+      <a:lnRef idx="1">
+        <a:scrgbClr r="0" g="0" b="0"/>
+      </a:lnRef>
+      <a:fillRef idx="1">
+        <a:scrgbClr r="0" g="0" b="0"/>
+      </a:fillRef>
+      <a:effectRef idx="0">
+        <a:scrgbClr r="0" g="0" b="0"/>
+      </a:effectRef>
+      <a:fontRef idx="minor"/>
+    </dgm:style>
+  </dgm:styleLbl>
+  <dgm:styleLbl name="fgAcc0">
+    <dgm:scene3d>
+      <a:camera prst="orthographicFront"/>
+      <a:lightRig rig="threePt" dir="t"/>
+    </dgm:scene3d>
+    <dgm:sp3d/>
+    <dgm:txPr/>
+    <dgm:style>
+      <a:lnRef idx="1">
+        <a:scrgbClr r="0" g="0" b="0"/>
+      </a:lnRef>
+      <a:fillRef idx="1">
+        <a:scrgbClr r="0" g="0" b="0"/>
+      </a:fillRef>
+      <a:effectRef idx="0">
+        <a:scrgbClr r="0" g="0" b="0"/>
+      </a:effectRef>
+      <a:fontRef idx="minor"/>
+    </dgm:style>
+  </dgm:styleLbl>
+  <dgm:styleLbl name="fgAcc2">
+    <dgm:scene3d>
+      <a:camera prst="orthographicFront"/>
+      <a:lightRig rig="threePt" dir="t"/>
+    </dgm:scene3d>
+    <dgm:sp3d/>
+    <dgm:txPr/>
+    <dgm:style>
+      <a:lnRef idx="1">
+        <a:scrgbClr r="0" g="0" b="0"/>
+      </a:lnRef>
+      <a:fillRef idx="1">
+        <a:scrgbClr r="0" g="0" b="0"/>
+      </a:fillRef>
+      <a:effectRef idx="0">
+        <a:scrgbClr r="0" g="0" b="0"/>
+      </a:effectRef>
+      <a:fontRef idx="minor"/>
+    </dgm:style>
+  </dgm:styleLbl>
+  <dgm:styleLbl name="fgAcc3">
+    <dgm:scene3d>
+      <a:camera prst="orthographicFront"/>
+      <a:lightRig rig="threePt" dir="t"/>
+    </dgm:scene3d>
+    <dgm:sp3d/>
+    <dgm:txPr/>
+    <dgm:style>
+      <a:lnRef idx="1">
+        <a:scrgbClr r="0" g="0" b="0"/>
+      </a:lnRef>
+      <a:fillRef idx="1">
+        <a:scrgbClr r="0" g="0" b="0"/>
+      </a:fillRef>
+      <a:effectRef idx="0">
+        <a:scrgbClr r="0" g="0" b="0"/>
+      </a:effectRef>
+      <a:fontRef idx="minor"/>
+    </dgm:style>
+  </dgm:styleLbl>
+  <dgm:styleLbl name="fgAcc4">
+    <dgm:scene3d>
+      <a:camera prst="orthographicFront"/>
+      <a:lightRig rig="threePt" dir="t"/>
+    </dgm:scene3d>
+    <dgm:sp3d/>
+    <dgm:txPr/>
+    <dgm:style>
+      <a:lnRef idx="1">
+        <a:scrgbClr r="0" g="0" b="0"/>
+      </a:lnRef>
+      <a:fillRef idx="1">
+        <a:scrgbClr r="0" g="0" b="0"/>
+      </a:fillRef>
+      <a:effectRef idx="0">
+        <a:scrgbClr r="0" g="0" b="0"/>
+      </a:effectRef>
+      <a:fontRef idx="minor"/>
+    </dgm:style>
+  </dgm:styleLbl>
+  <dgm:styleLbl name="bgShp">
+    <dgm:scene3d>
+      <a:camera prst="orthographicFront"/>
+      <a:lightRig rig="threePt" dir="t"/>
+    </dgm:scene3d>
+    <dgm:sp3d/>
+    <dgm:txPr/>
+    <dgm:style>
+      <a:lnRef idx="0">
+        <a:scrgbClr r="0" g="0" b="0"/>
+      </a:lnRef>
+      <a:fillRef idx="1">
+        <a:scrgbClr r="0" g="0" b="0"/>
+      </a:fillRef>
+      <a:effectRef idx="2">
+        <a:scrgbClr r="0" g="0" b="0"/>
+      </a:effectRef>
+      <a:fontRef idx="minor"/>
+    </dgm:style>
+  </dgm:styleLbl>
+  <dgm:styleLbl name="dkBgShp">
+    <dgm:scene3d>
+      <a:camera prst="orthographicFront"/>
+      <a:lightRig rig="threePt" dir="t"/>
+    </dgm:scene3d>
+    <dgm:sp3d/>
+    <dgm:txPr/>
+    <dgm:style>
+      <a:lnRef idx="0">
+        <a:scrgbClr r="0" g="0" b="0"/>
+      </a:lnRef>
+      <a:fillRef idx="1">
+        <a:scrgbClr r="0" g="0" b="0"/>
+      </a:fillRef>
+      <a:effectRef idx="2">
+        <a:scrgbClr r="0" g="0" b="0"/>
+      </a:effectRef>
+      <a:fontRef idx="minor"/>
+    </dgm:style>
+  </dgm:styleLbl>
+  <dgm:styleLbl name="trBgShp">
+    <dgm:scene3d>
+      <a:camera prst="orthographicFront"/>
+      <a:lightRig rig="threePt" dir="t"/>
+    </dgm:scene3d>
+    <dgm:sp3d/>
+    <dgm:txPr/>
+    <dgm:style>
+      <a:lnRef idx="0">
+        <a:scrgbClr r="0" g="0" b="0"/>
+      </a:lnRef>
+      <a:fillRef idx="1">
+        <a:scrgbClr r="0" g="0" b="0"/>
+      </a:fillRef>
+      <a:effectRef idx="0">
+        <a:scrgbClr r="0" g="0" b="0"/>
+      </a:effectRef>
+      <a:fontRef idx="minor"/>
+    </dgm:style>
+  </dgm:styleLbl>
+  <dgm:styleLbl name="fgShp">
+    <dgm:scene3d>
+      <a:camera prst="orthographicFront"/>
+      <a:lightRig rig="threePt" dir="t"/>
+    </dgm:scene3d>
+    <dgm:sp3d/>
+    <dgm:txPr/>
+    <dgm:style>
+      <a:lnRef idx="0">
+        <a:scrgbClr r="0" g="0" b="0"/>
+      </a:lnRef>
+      <a:fillRef idx="3">
+        <a:scrgbClr r="0" g="0" b="0"/>
+      </a:fillRef>
+      <a:effectRef idx="2">
+        <a:scrgbClr r="0" g="0" b="0"/>
+      </a:effectRef>
+      <a:fontRef idx="minor"/>
+    </dgm:style>
+  </dgm:styleLbl>
+  <dgm:styleLbl name="revTx">
+    <dgm:scene3d>
+      <a:camera prst="orthographicFront"/>
+      <a:lightRig rig="threePt" dir="t"/>
+    </dgm:scene3d>
+    <dgm:sp3d/>
+    <dgm:txPr/>
+    <dgm:style>
+      <a:lnRef idx="0">
+        <a:scrgbClr r="0" g="0" b="0"/>
+      </a:lnRef>
+      <a:fillRef idx="0">
+        <a:scrgbClr r="0" g="0" b="0"/>
+      </a:fillRef>
+      <a:effectRef idx="0">
+        <a:scrgbClr r="0" g="0" b="0"/>
+      </a:effectRef>
+      <a:fontRef idx="minor"/>
+    </dgm:style>
+  </dgm:styleLbl>
+</dgm:styleDef>
 </file>
 
 <file path=ppt/slideLayouts/slideLayout1.xml><?xml version="1.0" encoding="utf-8"?>
@@ -4774,7 +8037,8 @@
                   <a:srgbClr val="000000"/>
                 </a:solidFill>
                 <a:effectLst/>
-                <a:latin typeface="arial" panose="020B0604020202020204" pitchFamily="34" charset="0"/>
+                <a:latin typeface="Segoe UI" panose="020B0502040204020203" pitchFamily="34" charset="0"/>
+                <a:cs typeface="Segoe UI" panose="020B0502040204020203" pitchFamily="34" charset="0"/>
               </a:rPr>
               <a:t>Sort(&lt;array&gt;): </a:t>
             </a:r>
@@ -4784,7 +8048,8 @@
                   <a:srgbClr val="000000"/>
                 </a:solidFill>
                 <a:effectLst/>
-                <a:latin typeface="arial" panose="020B0604020202020204" pitchFamily="34" charset="0"/>
+                <a:latin typeface="Segoe UI" panose="020B0502040204020203" pitchFamily="34" charset="0"/>
+                <a:cs typeface="Segoe UI" panose="020B0502040204020203" pitchFamily="34" charset="0"/>
               </a:rPr>
               <a:t>Sorting the array elements</a:t>
             </a:r>
@@ -4793,7 +8058,8 @@
                 <a:srgbClr val="212529"/>
               </a:solidFill>
               <a:effectLst/>
-              <a:latin typeface="-apple-system"/>
+              <a:latin typeface="Segoe UI" panose="020B0502040204020203" pitchFamily="34" charset="0"/>
+              <a:cs typeface="Segoe UI" panose="020B0502040204020203" pitchFamily="34" charset="0"/>
             </a:endParaRPr>
           </a:p>
           <a:p>
@@ -4807,7 +8073,8 @@
                   <a:srgbClr val="000000"/>
                 </a:solidFill>
                 <a:effectLst/>
-                <a:latin typeface="arial" panose="020B0604020202020204" pitchFamily="34" charset="0"/>
+                <a:latin typeface="Segoe UI" panose="020B0502040204020203" pitchFamily="34" charset="0"/>
+                <a:cs typeface="Segoe UI" panose="020B0502040204020203" pitchFamily="34" charset="0"/>
               </a:rPr>
               <a:t>Reverse (&lt;array&gt;): </a:t>
             </a:r>
@@ -4817,7 +8084,8 @@
                   <a:srgbClr val="000000"/>
                 </a:solidFill>
                 <a:effectLst/>
-                <a:latin typeface="arial" panose="020B0604020202020204" pitchFamily="34" charset="0"/>
+                <a:latin typeface="Segoe UI" panose="020B0502040204020203" pitchFamily="34" charset="0"/>
+                <a:cs typeface="Segoe UI" panose="020B0502040204020203" pitchFamily="34" charset="0"/>
               </a:rPr>
               <a:t>Reversing the array elements</a:t>
             </a:r>
@@ -4826,7 +8094,8 @@
                 <a:srgbClr val="212529"/>
               </a:solidFill>
               <a:effectLst/>
-              <a:latin typeface="-apple-system"/>
+              <a:latin typeface="Segoe UI" panose="020B0502040204020203" pitchFamily="34" charset="0"/>
+              <a:cs typeface="Segoe UI" panose="020B0502040204020203" pitchFamily="34" charset="0"/>
             </a:endParaRPr>
           </a:p>
           <a:p>
@@ -4840,7 +8109,8 @@
                   <a:srgbClr val="000000"/>
                 </a:solidFill>
                 <a:effectLst/>
-                <a:latin typeface="arial" panose="020B0604020202020204" pitchFamily="34" charset="0"/>
+                <a:latin typeface="Segoe UI" panose="020B0502040204020203" pitchFamily="34" charset="0"/>
+                <a:cs typeface="Segoe UI" panose="020B0502040204020203" pitchFamily="34" charset="0"/>
               </a:rPr>
               <a:t>Copy (</a:t>
             </a:r>
@@ -4850,7 +8120,8 @@
                   <a:srgbClr val="000000"/>
                 </a:solidFill>
                 <a:effectLst/>
-                <a:latin typeface="arial" panose="020B0604020202020204" pitchFamily="34" charset="0"/>
+                <a:latin typeface="Segoe UI" panose="020B0502040204020203" pitchFamily="34" charset="0"/>
+                <a:cs typeface="Segoe UI" panose="020B0502040204020203" pitchFamily="34" charset="0"/>
               </a:rPr>
               <a:t>src</a:t>
             </a:r>
@@ -4860,7 +8131,8 @@
                   <a:srgbClr val="000000"/>
                 </a:solidFill>
                 <a:effectLst/>
-                <a:latin typeface="arial" panose="020B0604020202020204" pitchFamily="34" charset="0"/>
+                <a:latin typeface="Segoe UI" panose="020B0502040204020203" pitchFamily="34" charset="0"/>
+                <a:cs typeface="Segoe UI" panose="020B0502040204020203" pitchFamily="34" charset="0"/>
               </a:rPr>
               <a:t>, </a:t>
             </a:r>
@@ -4870,7 +8142,8 @@
                   <a:srgbClr val="000000"/>
                 </a:solidFill>
                 <a:effectLst/>
-                <a:latin typeface="arial" panose="020B0604020202020204" pitchFamily="34" charset="0"/>
+                <a:latin typeface="Segoe UI" panose="020B0502040204020203" pitchFamily="34" charset="0"/>
+                <a:cs typeface="Segoe UI" panose="020B0502040204020203" pitchFamily="34" charset="0"/>
               </a:rPr>
               <a:t>dest</a:t>
             </a:r>
@@ -4880,7 +8153,8 @@
                   <a:srgbClr val="000000"/>
                 </a:solidFill>
                 <a:effectLst/>
-                <a:latin typeface="arial" panose="020B0604020202020204" pitchFamily="34" charset="0"/>
+                <a:latin typeface="Segoe UI" panose="020B0502040204020203" pitchFamily="34" charset="0"/>
+                <a:cs typeface="Segoe UI" panose="020B0502040204020203" pitchFamily="34" charset="0"/>
               </a:rPr>
               <a:t>, n): </a:t>
             </a:r>
@@ -4890,7 +8164,8 @@
                   <a:srgbClr val="000000"/>
                 </a:solidFill>
                 <a:effectLst/>
-                <a:latin typeface="arial" panose="020B0604020202020204" pitchFamily="34" charset="0"/>
+                <a:latin typeface="Segoe UI" panose="020B0502040204020203" pitchFamily="34" charset="0"/>
+                <a:cs typeface="Segoe UI" panose="020B0502040204020203" pitchFamily="34" charset="0"/>
               </a:rPr>
               <a:t>Copying some of the elements or all elements from the old array to the new array</a:t>
             </a:r>
@@ -4899,7 +8174,8 @@
                 <a:srgbClr val="212529"/>
               </a:solidFill>
               <a:effectLst/>
-              <a:latin typeface="-apple-system"/>
+              <a:latin typeface="Segoe UI" panose="020B0502040204020203" pitchFamily="34" charset="0"/>
+              <a:cs typeface="Segoe UI" panose="020B0502040204020203" pitchFamily="34" charset="0"/>
             </a:endParaRPr>
           </a:p>
           <a:p>
@@ -4913,7 +8189,8 @@
                   <a:srgbClr val="000000"/>
                 </a:solidFill>
                 <a:effectLst/>
-                <a:latin typeface="arial" panose="020B0604020202020204" pitchFamily="34" charset="0"/>
+                <a:latin typeface="Segoe UI" panose="020B0502040204020203" pitchFamily="34" charset="0"/>
+                <a:cs typeface="Segoe UI" panose="020B0502040204020203" pitchFamily="34" charset="0"/>
               </a:rPr>
               <a:t>GetLength</a:t>
             </a:r>
@@ -4923,7 +8200,8 @@
                   <a:srgbClr val="000000"/>
                 </a:solidFill>
                 <a:effectLst/>
-                <a:latin typeface="arial" panose="020B0604020202020204" pitchFamily="34" charset="0"/>
+                <a:latin typeface="Segoe UI" panose="020B0502040204020203" pitchFamily="34" charset="0"/>
+                <a:cs typeface="Segoe UI" panose="020B0502040204020203" pitchFamily="34" charset="0"/>
               </a:rPr>
               <a:t>(int): </a:t>
             </a:r>
@@ -4933,7 +8211,8 @@
                   <a:srgbClr val="000000"/>
                 </a:solidFill>
                 <a:effectLst/>
-                <a:latin typeface="arial" panose="020B0604020202020204" pitchFamily="34" charset="0"/>
+                <a:latin typeface="Segoe UI" panose="020B0502040204020203" pitchFamily="34" charset="0"/>
+                <a:cs typeface="Segoe UI" panose="020B0502040204020203" pitchFamily="34" charset="0"/>
               </a:rPr>
               <a:t>A 32-bit integer that represents the number of elements in the specified dimension.</a:t>
             </a:r>
@@ -4942,7 +8221,8 @@
                 <a:srgbClr val="212529"/>
               </a:solidFill>
               <a:effectLst/>
-              <a:latin typeface="-apple-system"/>
+              <a:latin typeface="Segoe UI" panose="020B0502040204020203" pitchFamily="34" charset="0"/>
+              <a:cs typeface="Segoe UI" panose="020B0502040204020203" pitchFamily="34" charset="0"/>
             </a:endParaRPr>
           </a:p>
           <a:p>
@@ -4956,7 +8236,8 @@
                   <a:srgbClr val="000000"/>
                 </a:solidFill>
                 <a:effectLst/>
-                <a:latin typeface="arial" panose="020B0604020202020204" pitchFamily="34" charset="0"/>
+                <a:latin typeface="Segoe UI" panose="020B0502040204020203" pitchFamily="34" charset="0"/>
+                <a:cs typeface="Segoe UI" panose="020B0502040204020203" pitchFamily="34" charset="0"/>
               </a:rPr>
               <a:t>Length: </a:t>
             </a:r>
@@ -4966,7 +8247,8 @@
                   <a:srgbClr val="000000"/>
                 </a:solidFill>
                 <a:effectLst/>
-                <a:latin typeface="arial" panose="020B0604020202020204" pitchFamily="34" charset="0"/>
+                <a:latin typeface="Segoe UI" panose="020B0502040204020203" pitchFamily="34" charset="0"/>
+                <a:cs typeface="Segoe UI" panose="020B0502040204020203" pitchFamily="34" charset="0"/>
               </a:rPr>
               <a:t>It Returns the total number of elements in all the dimensions of the Array; zero if there are no elements in the array. </a:t>
             </a:r>
@@ -4975,7 +8257,8 @@
                 <a:srgbClr val="212529"/>
               </a:solidFill>
               <a:effectLst/>
-              <a:latin typeface="-apple-system"/>
+              <a:latin typeface="Segoe UI" panose="020B0502040204020203" pitchFamily="34" charset="0"/>
+              <a:cs typeface="Segoe UI" panose="020B0502040204020203" pitchFamily="34" charset="0"/>
             </a:endParaRPr>
           </a:p>
         </p:txBody>
@@ -5015,7 +8298,8 @@
                   <a:srgbClr val="000000"/>
                 </a:solidFill>
                 <a:effectLst/>
-                <a:latin typeface="arial" panose="020B0604020202020204" pitchFamily="34" charset="0"/>
+                <a:latin typeface="Segoe UI" panose="020B0502040204020203" pitchFamily="34" charset="0"/>
+                <a:cs typeface="Segoe UI" panose="020B0502040204020203" pitchFamily="34" charset="0"/>
               </a:rPr>
               <a:t>Disadvantages of using Arrays in C#:</a:t>
             </a:r>
@@ -5024,7 +8308,8 @@
                 <a:srgbClr val="3A3A3A"/>
               </a:solidFill>
               <a:effectLst/>
-              <a:latin typeface="-apple-system"/>
+              <a:latin typeface="Segoe UI" panose="020B0502040204020203" pitchFamily="34" charset="0"/>
+              <a:cs typeface="Segoe UI" panose="020B0502040204020203" pitchFamily="34" charset="0"/>
             </a:endParaRPr>
           </a:p>
           <a:p>
@@ -5038,7 +8323,8 @@
                   <a:srgbClr val="000000"/>
                 </a:solidFill>
                 <a:effectLst/>
-                <a:latin typeface="arial" panose="020B0604020202020204" pitchFamily="34" charset="0"/>
+                <a:latin typeface="Segoe UI" panose="020B0502040204020203" pitchFamily="34" charset="0"/>
+                <a:cs typeface="Segoe UI" panose="020B0502040204020203" pitchFamily="34" charset="0"/>
               </a:rPr>
               <a:t>The array size is fixed. So, we should know in advance how many elements are going to be stored in the array. Once the array is created, then we can never increase the size of an array. If you want then we can do it manually by creating a new array and copying the old array elements into the new array.</a:t>
             </a:r>
@@ -5047,7 +8333,8 @@
                 <a:srgbClr val="212529"/>
               </a:solidFill>
               <a:effectLst/>
-              <a:latin typeface="-apple-system"/>
+              <a:latin typeface="Segoe UI" panose="020B0502040204020203" pitchFamily="34" charset="0"/>
+              <a:cs typeface="Segoe UI" panose="020B0502040204020203" pitchFamily="34" charset="0"/>
             </a:endParaRPr>
           </a:p>
           <a:p>
@@ -5061,7 +8348,8 @@
                   <a:srgbClr val="000000"/>
                 </a:solidFill>
                 <a:effectLst/>
-                <a:latin typeface="arial" panose="020B0604020202020204" pitchFamily="34" charset="0"/>
+                <a:latin typeface="Segoe UI" panose="020B0502040204020203" pitchFamily="34" charset="0"/>
+                <a:cs typeface="Segoe UI" panose="020B0502040204020203" pitchFamily="34" charset="0"/>
               </a:rPr>
               <a:t>As the array size is fixed, if we allocate more memory than the requirement then the extra memory will be wasted. On the other hand, if we allocate less memory than the requirement, then it will create the problem.</a:t>
             </a:r>
@@ -5070,7 +8358,8 @@
                 <a:srgbClr val="212529"/>
               </a:solidFill>
               <a:effectLst/>
-              <a:latin typeface="-apple-system"/>
+              <a:latin typeface="Segoe UI" panose="020B0502040204020203" pitchFamily="34" charset="0"/>
+              <a:cs typeface="Segoe UI" panose="020B0502040204020203" pitchFamily="34" charset="0"/>
             </a:endParaRPr>
           </a:p>
           <a:p>
@@ -5084,7 +8373,8 @@
                   <a:srgbClr val="000000"/>
                 </a:solidFill>
                 <a:effectLst/>
-                <a:latin typeface="arial" panose="020B0604020202020204" pitchFamily="34" charset="0"/>
+                <a:latin typeface="Segoe UI" panose="020B0502040204020203" pitchFamily="34" charset="0"/>
+                <a:cs typeface="Segoe UI" panose="020B0502040204020203" pitchFamily="34" charset="0"/>
               </a:rPr>
               <a:t>We can never insert an element into the middle of an array. It is also not possible to delete or remove elements from the middle of an array.</a:t>
             </a:r>
@@ -5093,7 +8383,8 @@
                 <a:srgbClr val="212529"/>
               </a:solidFill>
               <a:effectLst/>
-              <a:latin typeface="-apple-system"/>
+              <a:latin typeface="Segoe UI" panose="020B0502040204020203" pitchFamily="34" charset="0"/>
+              <a:cs typeface="Segoe UI" panose="020B0502040204020203" pitchFamily="34" charset="0"/>
             </a:endParaRPr>
           </a:p>
         </p:txBody>
@@ -5163,7 +8454,8 @@
                   <a:srgbClr val="000000"/>
                 </a:solidFill>
                 <a:effectLst/>
-                <a:latin typeface="arial" panose="020B0604020202020204" pitchFamily="34" charset="0"/>
+                <a:latin typeface="Segoe UI" panose="020B0502040204020203" pitchFamily="34" charset="0"/>
+                <a:cs typeface="Segoe UI" panose="020B0502040204020203" pitchFamily="34" charset="0"/>
               </a:rPr>
               <a:t>What is a Collection in C#?</a:t>
             </a:r>
@@ -5172,7 +8464,8 @@
                 <a:srgbClr val="3A3A3A"/>
               </a:solidFill>
               <a:effectLst/>
-              <a:latin typeface="-apple-system"/>
+              <a:latin typeface="Segoe UI" panose="020B0502040204020203" pitchFamily="34" charset="0"/>
+              <a:cs typeface="Segoe UI" panose="020B0502040204020203" pitchFamily="34" charset="0"/>
             </a:endParaRPr>
           </a:p>
           <a:p>
@@ -5183,7 +8476,8 @@
                   <a:srgbClr val="000000"/>
                 </a:solidFill>
                 <a:effectLst/>
-                <a:latin typeface="arial" panose="020B0604020202020204" pitchFamily="34" charset="0"/>
+                <a:latin typeface="Segoe UI" panose="020B0502040204020203" pitchFamily="34" charset="0"/>
+                <a:cs typeface="Segoe UI" panose="020B0502040204020203" pitchFamily="34" charset="0"/>
               </a:rPr>
               <a:t>The </a:t>
             </a:r>
@@ -5193,7 +8487,8 @@
                   <a:srgbClr val="000000"/>
                 </a:solidFill>
                 <a:effectLst/>
-                <a:latin typeface="arial" panose="020B0604020202020204" pitchFamily="34" charset="0"/>
+                <a:latin typeface="Segoe UI" panose="020B0502040204020203" pitchFamily="34" charset="0"/>
+                <a:cs typeface="Segoe UI" panose="020B0502040204020203" pitchFamily="34" charset="0"/>
               </a:rPr>
               <a:t>Collections in C#</a:t>
             </a:r>
@@ -5203,7 +8498,8 @@
                   <a:srgbClr val="000000"/>
                 </a:solidFill>
                 <a:effectLst/>
-                <a:latin typeface="arial" panose="020B0604020202020204" pitchFamily="34" charset="0"/>
+                <a:latin typeface="Segoe UI" panose="020B0502040204020203" pitchFamily="34" charset="0"/>
+                <a:cs typeface="Segoe UI" panose="020B0502040204020203" pitchFamily="34" charset="0"/>
               </a:rPr>
               <a:t> are a set of predefined classes that are present in the </a:t>
             </a:r>
@@ -5213,7 +8509,8 @@
                   <a:srgbClr val="000000"/>
                 </a:solidFill>
                 <a:effectLst/>
-                <a:latin typeface="arial" panose="020B0604020202020204" pitchFamily="34" charset="0"/>
+                <a:latin typeface="Segoe UI" panose="020B0502040204020203" pitchFamily="34" charset="0"/>
+                <a:cs typeface="Segoe UI" panose="020B0502040204020203" pitchFamily="34" charset="0"/>
               </a:rPr>
               <a:t>System.Collections</a:t>
             </a:r>
@@ -5223,7 +8520,8 @@
                   <a:srgbClr val="000000"/>
                 </a:solidFill>
                 <a:effectLst/>
-                <a:latin typeface="arial" panose="020B0604020202020204" pitchFamily="34" charset="0"/>
+                <a:latin typeface="Segoe UI" panose="020B0502040204020203" pitchFamily="34" charset="0"/>
+                <a:cs typeface="Segoe UI" panose="020B0502040204020203" pitchFamily="34" charset="0"/>
               </a:rPr>
               <a:t> namespace that provides greater capabilities than the traditional arrays. The collections in C# are reusable, more powerful, more efficient and most importantly they have been designed and tested to ensure quality and performance.</a:t>
             </a:r>
@@ -5232,7 +8530,8 @@
                 <a:srgbClr val="212529"/>
               </a:solidFill>
               <a:effectLst/>
-              <a:latin typeface="-apple-system"/>
+              <a:latin typeface="Segoe UI" panose="020B0502040204020203" pitchFamily="34" charset="0"/>
+              <a:cs typeface="Segoe UI" panose="020B0502040204020203" pitchFamily="34" charset="0"/>
             </a:endParaRPr>
           </a:p>
         </p:txBody>
@@ -5251,7 +8550,7 @@
         </p:nvSpPr>
         <p:spPr>
           <a:xfrm>
-            <a:off x="0" y="1300825"/>
+            <a:off x="0" y="1454830"/>
             <a:ext cx="10595009" cy="923330"/>
           </a:xfrm>
           <a:prstGeom prst="rect">
@@ -5275,7 +8574,8 @@
                   <a:srgbClr val="000000"/>
                 </a:solidFill>
                 <a:effectLst/>
-                <a:latin typeface="arial" panose="020B0604020202020204" pitchFamily="34" charset="0"/>
+                <a:latin typeface="Segoe UI" panose="020B0502040204020203" pitchFamily="34" charset="0"/>
+                <a:cs typeface="Segoe UI" panose="020B0502040204020203" pitchFamily="34" charset="0"/>
               </a:rPr>
               <a:t>Size can be increased dynamically.</a:t>
             </a:r>
@@ -5284,7 +8584,8 @@
                 <a:srgbClr val="212529"/>
               </a:solidFill>
               <a:effectLst/>
-              <a:latin typeface="-apple-system"/>
+              <a:latin typeface="Segoe UI" panose="020B0502040204020203" pitchFamily="34" charset="0"/>
+              <a:cs typeface="Segoe UI" panose="020B0502040204020203" pitchFamily="34" charset="0"/>
             </a:endParaRPr>
           </a:p>
           <a:p>
@@ -5298,7 +8599,8 @@
                   <a:srgbClr val="000000"/>
                 </a:solidFill>
                 <a:effectLst/>
-                <a:latin typeface="arial" panose="020B0604020202020204" pitchFamily="34" charset="0"/>
+                <a:latin typeface="Segoe UI" panose="020B0502040204020203" pitchFamily="34" charset="0"/>
+                <a:cs typeface="Segoe UI" panose="020B0502040204020203" pitchFamily="34" charset="0"/>
               </a:rPr>
               <a:t>We can insert an element into the middle of a collection.</a:t>
             </a:r>
@@ -5307,7 +8609,8 @@
                 <a:srgbClr val="212529"/>
               </a:solidFill>
               <a:effectLst/>
-              <a:latin typeface="-apple-system"/>
+              <a:latin typeface="Segoe UI" panose="020B0502040204020203" pitchFamily="34" charset="0"/>
+              <a:cs typeface="Segoe UI" panose="020B0502040204020203" pitchFamily="34" charset="0"/>
             </a:endParaRPr>
           </a:p>
           <a:p>
@@ -5321,7 +8624,8 @@
                   <a:srgbClr val="000000"/>
                 </a:solidFill>
                 <a:effectLst/>
-                <a:latin typeface="arial" panose="020B0604020202020204" pitchFamily="34" charset="0"/>
+                <a:latin typeface="Segoe UI" panose="020B0502040204020203" pitchFamily="34" charset="0"/>
+                <a:cs typeface="Segoe UI" panose="020B0502040204020203" pitchFamily="34" charset="0"/>
               </a:rPr>
               <a:t>It also provides the facility to remove or delete elements from the middle of a collection.</a:t>
             </a:r>
@@ -5330,7 +8634,8 @@
                 <a:srgbClr val="212529"/>
               </a:solidFill>
               <a:effectLst/>
-              <a:latin typeface="-apple-system"/>
+              <a:latin typeface="Segoe UI" panose="020B0502040204020203" pitchFamily="34" charset="0"/>
+              <a:cs typeface="Segoe UI" panose="020B0502040204020203" pitchFamily="34" charset="0"/>
             </a:endParaRPr>
           </a:p>
         </p:txBody>
@@ -5370,7 +8675,8 @@
                   <a:srgbClr val="000000"/>
                 </a:solidFill>
                 <a:effectLst/>
-                <a:latin typeface="arial" panose="020B0604020202020204" pitchFamily="34" charset="0"/>
+                <a:latin typeface="Segoe UI" panose="020B0502040204020203" pitchFamily="34" charset="0"/>
+                <a:cs typeface="Segoe UI" panose="020B0502040204020203" pitchFamily="34" charset="0"/>
               </a:rPr>
               <a:t>Auto-Resizing of collections:</a:t>
             </a:r>
@@ -5379,7 +8685,8 @@
                 <a:srgbClr val="3A3A3A"/>
               </a:solidFill>
               <a:effectLst/>
-              <a:latin typeface="-apple-system"/>
+              <a:latin typeface="Segoe UI" panose="020B0502040204020203" pitchFamily="34" charset="0"/>
+              <a:cs typeface="Segoe UI" panose="020B0502040204020203" pitchFamily="34" charset="0"/>
             </a:endParaRPr>
           </a:p>
           <a:p>
@@ -5390,7 +8697,8 @@
                   <a:srgbClr val="000000"/>
                 </a:solidFill>
                 <a:effectLst/>
-                <a:latin typeface="arial" panose="020B0604020202020204" pitchFamily="34" charset="0"/>
+                <a:latin typeface="Segoe UI" panose="020B0502040204020203" pitchFamily="34" charset="0"/>
+                <a:cs typeface="Segoe UI" panose="020B0502040204020203" pitchFamily="34" charset="0"/>
               </a:rPr>
               <a:t>The capacity of a collection increases dynamically i.e. when we keep adding new elements, then the size of the collection keeps increasing automatically. Every collection class has three constructors and the behavior of collections will be as following when created using a different constructor.</a:t>
             </a:r>
@@ -5399,7 +8707,8 @@
                 <a:srgbClr val="212529"/>
               </a:solidFill>
               <a:effectLst/>
-              <a:latin typeface="-apple-system"/>
+              <a:latin typeface="Segoe UI" panose="020B0502040204020203" pitchFamily="34" charset="0"/>
+              <a:cs typeface="Segoe UI" panose="020B0502040204020203" pitchFamily="34" charset="0"/>
             </a:endParaRPr>
           </a:p>
           <a:p>
@@ -5413,7 +8722,8 @@
                   <a:srgbClr val="000000"/>
                 </a:solidFill>
                 <a:effectLst/>
-                <a:latin typeface="arial" panose="020B0604020202020204" pitchFamily="34" charset="0"/>
+                <a:latin typeface="Segoe UI" panose="020B0502040204020203" pitchFamily="34" charset="0"/>
+                <a:cs typeface="Segoe UI" panose="020B0502040204020203" pitchFamily="34" charset="0"/>
               </a:rPr>
               <a:t>Default Constructor:</a:t>
             </a:r>
@@ -5423,7 +8733,8 @@
                   <a:srgbClr val="000000"/>
                 </a:solidFill>
                 <a:effectLst/>
-                <a:latin typeface="arial" panose="020B0604020202020204" pitchFamily="34" charset="0"/>
+                <a:latin typeface="Segoe UI" panose="020B0502040204020203" pitchFamily="34" charset="0"/>
+                <a:cs typeface="Segoe UI" panose="020B0502040204020203" pitchFamily="34" charset="0"/>
               </a:rPr>
               <a:t> It Initializes a new instance of the collection class that is empty and has the default initial capacity as zero which becomes four after adding the first element and whenever needed the current capacity becomes double.</a:t>
             </a:r>
@@ -5432,7 +8743,8 @@
                 <a:srgbClr val="212529"/>
               </a:solidFill>
               <a:effectLst/>
-              <a:latin typeface="-apple-system"/>
+              <a:latin typeface="Segoe UI" panose="020B0502040204020203" pitchFamily="34" charset="0"/>
+              <a:cs typeface="Segoe UI" panose="020B0502040204020203" pitchFamily="34" charset="0"/>
             </a:endParaRPr>
           </a:p>
           <a:p>
@@ -5446,7 +8758,8 @@
                   <a:srgbClr val="000000"/>
                 </a:solidFill>
                 <a:effectLst/>
-                <a:latin typeface="arial" panose="020B0604020202020204" pitchFamily="34" charset="0"/>
+                <a:latin typeface="Segoe UI" panose="020B0502040204020203" pitchFamily="34" charset="0"/>
+                <a:cs typeface="Segoe UI" panose="020B0502040204020203" pitchFamily="34" charset="0"/>
               </a:rPr>
               <a:t>Collection (int capacity):</a:t>
             </a:r>
@@ -5456,7 +8769,8 @@
                   <a:srgbClr val="000000"/>
                 </a:solidFill>
                 <a:effectLst/>
-                <a:latin typeface="arial" panose="020B0604020202020204" pitchFamily="34" charset="0"/>
+                <a:latin typeface="Segoe UI" panose="020B0502040204020203" pitchFamily="34" charset="0"/>
+                <a:cs typeface="Segoe UI" panose="020B0502040204020203" pitchFamily="34" charset="0"/>
               </a:rPr>
               <a:t> This constructor initializes a new instance of the collection class that is empty and has the specified initial capacity, here also when the requirement comes current capacity doubles.</a:t>
             </a:r>
@@ -5465,7 +8779,8 @@
                 <a:srgbClr val="212529"/>
               </a:solidFill>
               <a:effectLst/>
-              <a:latin typeface="-apple-system"/>
+              <a:latin typeface="Segoe UI" panose="020B0502040204020203" pitchFamily="34" charset="0"/>
+              <a:cs typeface="Segoe UI" panose="020B0502040204020203" pitchFamily="34" charset="0"/>
             </a:endParaRPr>
           </a:p>
           <a:p>
@@ -5479,7 +8794,8 @@
                   <a:srgbClr val="000000"/>
                 </a:solidFill>
                 <a:effectLst/>
-                <a:latin typeface="arial" panose="020B0604020202020204" pitchFamily="34" charset="0"/>
+                <a:latin typeface="Segoe UI" panose="020B0502040204020203" pitchFamily="34" charset="0"/>
+                <a:cs typeface="Segoe UI" panose="020B0502040204020203" pitchFamily="34" charset="0"/>
               </a:rPr>
               <a:t>Collection (Collection):</a:t>
             </a:r>
@@ -5489,7 +8805,8 @@
                   <a:srgbClr val="000000"/>
                 </a:solidFill>
                 <a:effectLst/>
-                <a:latin typeface="arial" panose="020B0604020202020204" pitchFamily="34" charset="0"/>
+                <a:latin typeface="Segoe UI" panose="020B0502040204020203" pitchFamily="34" charset="0"/>
+                <a:cs typeface="Segoe UI" panose="020B0502040204020203" pitchFamily="34" charset="0"/>
               </a:rPr>
               <a:t> It Initializes a new instance of the collection class that contains elements copied from the specified collection and that has the same initial capacity as the number of elements copied, here also when the requirement comes current capacity doubles.</a:t>
             </a:r>
@@ -5498,7 +8815,8 @@
                 <a:srgbClr val="212529"/>
               </a:solidFill>
               <a:effectLst/>
-              <a:latin typeface="-apple-system"/>
+              <a:latin typeface="Segoe UI" panose="020B0502040204020203" pitchFamily="34" charset="0"/>
+              <a:cs typeface="Segoe UI" panose="020B0502040204020203" pitchFamily="34" charset="0"/>
             </a:endParaRPr>
           </a:p>
         </p:txBody>
@@ -5997,7 +9315,7 @@
             <a:r>
               <a:rPr lang="en-US" b="0" i="0" dirty="0" err="1">
                 <a:solidFill>
-                  <a:srgbClr val="FF0000"/>
+                  <a:srgbClr val="3A3AB9"/>
                 </a:solidFill>
                 <a:effectLst/>
                 <a:latin typeface="Consolas" panose="020B0609020204030204" pitchFamily="49" charset="0"/>
@@ -6007,7 +9325,7 @@
             <a:r>
               <a:rPr lang="en-US" b="0" i="0" dirty="0">
                 <a:solidFill>
-                  <a:srgbClr val="FF0000"/>
+                  <a:srgbClr val="3A3AB9"/>
                 </a:solidFill>
                 <a:effectLst/>
                 <a:latin typeface="Consolas" panose="020B0609020204030204" pitchFamily="49" charset="0"/>
@@ -6017,7 +9335,7 @@
             <a:r>
               <a:rPr lang="en-US" b="0" i="0" dirty="0" err="1">
                 <a:solidFill>
-                  <a:srgbClr val="FF0000"/>
+                  <a:srgbClr val="3A3AB9"/>
                 </a:solidFill>
                 <a:effectLst/>
                 <a:latin typeface="Consolas" panose="020B0609020204030204" pitchFamily="49" charset="0"/>
@@ -6027,7 +9345,7 @@
             <a:r>
               <a:rPr lang="en-US" b="1" i="0" dirty="0">
                 <a:solidFill>
-                  <a:srgbClr val="FF0000"/>
+                  <a:srgbClr val="3A3AB9"/>
                 </a:solidFill>
                 <a:effectLst/>
                 <a:latin typeface="Consolas" panose="020B0609020204030204" pitchFamily="49" charset="0"/>
@@ -6037,7 +9355,7 @@
             <a:r>
               <a:rPr lang="en-US" b="0" i="0" dirty="0">
                 <a:solidFill>
-                  <a:srgbClr val="FF0000"/>
+                  <a:srgbClr val="3A3AB9"/>
                 </a:solidFill>
                 <a:effectLst/>
                 <a:latin typeface="Consolas" panose="020B0609020204030204" pitchFamily="49" charset="0"/>
@@ -6050,7 +9368,7 @@
             <a:r>
               <a:rPr lang="en-US" b="0" i="0" dirty="0" err="1">
                 <a:solidFill>
-                  <a:srgbClr val="FF0000"/>
+                  <a:srgbClr val="3A3AB9"/>
                 </a:solidFill>
                 <a:effectLst/>
                 <a:latin typeface="Consolas" panose="020B0609020204030204" pitchFamily="49" charset="0"/>
@@ -6060,7 +9378,7 @@
             <a:r>
               <a:rPr lang="en-US" b="1" i="0" dirty="0">
                 <a:solidFill>
-                  <a:srgbClr val="FF0000"/>
+                  <a:srgbClr val="3A3AB9"/>
                 </a:solidFill>
                 <a:effectLst/>
                 <a:latin typeface="Consolas" panose="020B0609020204030204" pitchFamily="49" charset="0"/>
@@ -6070,7 +9388,7 @@
             <a:r>
               <a:rPr lang="en-US" b="0" i="0" dirty="0">
                 <a:solidFill>
-                  <a:srgbClr val="FF0000"/>
+                  <a:srgbClr val="3A3AB9"/>
                 </a:solidFill>
                 <a:effectLst/>
                 <a:latin typeface="Consolas" panose="020B0609020204030204" pitchFamily="49" charset="0"/>
@@ -6080,7 +9398,7 @@
             <a:r>
               <a:rPr lang="en-US" b="0" i="0" dirty="0" err="1">
                 <a:solidFill>
-                  <a:srgbClr val="FF0000"/>
+                  <a:srgbClr val="3A3AB9"/>
                 </a:solidFill>
                 <a:effectLst/>
                 <a:latin typeface="Consolas" panose="020B0609020204030204" pitchFamily="49" charset="0"/>
@@ -6090,7 +9408,7 @@
             <a:r>
               <a:rPr lang="en-US" b="1" i="0" dirty="0">
                 <a:solidFill>
-                  <a:srgbClr val="FF0000"/>
+                  <a:srgbClr val="3A3AB9"/>
                 </a:solidFill>
                 <a:effectLst/>
                 <a:latin typeface="Consolas" panose="020B0609020204030204" pitchFamily="49" charset="0"/>
@@ -6100,7 +9418,7 @@
             <a:r>
               <a:rPr lang="en-US" b="0" i="0" dirty="0">
                 <a:solidFill>
-                  <a:srgbClr val="FF0000"/>
+                  <a:srgbClr val="3A3AB9"/>
                 </a:solidFill>
                 <a:effectLst/>
                 <a:latin typeface="Consolas" panose="020B0609020204030204" pitchFamily="49" charset="0"/>
@@ -6113,7 +9431,7 @@
             <a:r>
               <a:rPr lang="en-US" b="0" i="0" dirty="0" err="1">
                 <a:solidFill>
-                  <a:srgbClr val="FF0000"/>
+                  <a:srgbClr val="3A3AB9"/>
                 </a:solidFill>
                 <a:effectLst/>
                 <a:latin typeface="Consolas" panose="020B0609020204030204" pitchFamily="49" charset="0"/>
@@ -6123,7 +9441,7 @@
             <a:r>
               <a:rPr lang="en-US" b="1" i="0" dirty="0">
                 <a:solidFill>
-                  <a:srgbClr val="FF0000"/>
+                  <a:srgbClr val="3A3AB9"/>
                 </a:solidFill>
                 <a:effectLst/>
                 <a:latin typeface="Consolas" panose="020B0609020204030204" pitchFamily="49" charset="0"/>
@@ -6133,7 +9451,7 @@
             <a:r>
               <a:rPr lang="en-US" b="0" i="0" dirty="0">
                 <a:solidFill>
-                  <a:srgbClr val="FF0000"/>
+                  <a:srgbClr val="3A3AB9"/>
                 </a:solidFill>
                 <a:effectLst/>
                 <a:latin typeface="Consolas" panose="020B0609020204030204" pitchFamily="49" charset="0"/>
@@ -6143,7 +9461,7 @@
             <a:r>
               <a:rPr lang="en-US" b="1" i="0" dirty="0">
                 <a:solidFill>
-                  <a:srgbClr val="FF0000"/>
+                  <a:srgbClr val="3A3AB9"/>
                 </a:solidFill>
                 <a:effectLst/>
                 <a:latin typeface="Consolas" panose="020B0609020204030204" pitchFamily="49" charset="0"/>
@@ -6153,7 +9471,7 @@
             <a:r>
               <a:rPr lang="en-US" b="0" i="0" dirty="0">
                 <a:solidFill>
-                  <a:srgbClr val="FF0000"/>
+                  <a:srgbClr val="3A3AB9"/>
                 </a:solidFill>
                 <a:effectLst/>
                 <a:latin typeface="Consolas" panose="020B0609020204030204" pitchFamily="49" charset="0"/>
@@ -6165,7 +9483,7 @@
             <a:pPr algn="l" fontAlgn="base"/>
             <a:endParaRPr lang="en-US" dirty="0">
               <a:solidFill>
-                <a:srgbClr val="FF0000"/>
+                <a:srgbClr val="3A3AB9"/>
               </a:solidFill>
               <a:latin typeface="Consolas" panose="020B0609020204030204" pitchFamily="49" charset="0"/>
             </a:endParaRPr>
@@ -6175,7 +9493,7 @@
             <a:r>
               <a:rPr lang="en-US" dirty="0">
                 <a:solidFill>
-                  <a:srgbClr val="0070C0"/>
+                  <a:srgbClr val="3A3AB9"/>
                 </a:solidFill>
                 <a:latin typeface="Consolas" panose="020B0609020204030204" pitchFamily="49" charset="0"/>
               </a:rPr>
@@ -6187,7 +9505,7 @@
             <a:r>
               <a:rPr lang="en-US" b="0" i="0" dirty="0" err="1">
                 <a:solidFill>
-                  <a:srgbClr val="FF0000"/>
+                  <a:srgbClr val="3A3AB9"/>
                 </a:solidFill>
                 <a:effectLst/>
                 <a:latin typeface="Inconsolata" pitchFamily="1" charset="0"/>
@@ -6197,7 +9515,7 @@
             <a:r>
               <a:rPr lang="en-US" b="1" i="0" dirty="0">
                 <a:solidFill>
-                  <a:srgbClr val="FF0000"/>
+                  <a:srgbClr val="3A3AB9"/>
                 </a:solidFill>
                 <a:effectLst/>
                 <a:latin typeface="Inconsolata" pitchFamily="1" charset="0"/>
@@ -6207,7 +9525,7 @@
             <a:r>
               <a:rPr lang="en-US" b="0" i="0" dirty="0">
                 <a:solidFill>
-                  <a:srgbClr val="FF0000"/>
+                  <a:srgbClr val="3A3AB9"/>
                 </a:solidFill>
                 <a:effectLst/>
                 <a:latin typeface="Inconsolata" pitchFamily="1" charset="0"/>
@@ -6217,7 +9535,7 @@
             <a:r>
               <a:rPr lang="en-US" b="1" i="0" dirty="0">
                 <a:solidFill>
-                  <a:srgbClr val="FF0000"/>
+                  <a:srgbClr val="3A3AB9"/>
                 </a:solidFill>
                 <a:effectLst/>
                 <a:latin typeface="Inconsolata" pitchFamily="1" charset="0"/>
@@ -6227,7 +9545,7 @@
             <a:r>
               <a:rPr lang="en-US" b="0" i="0" dirty="0">
                 <a:solidFill>
-                  <a:srgbClr val="FF0000"/>
+                  <a:srgbClr val="3A3AB9"/>
                 </a:solidFill>
                 <a:effectLst/>
                 <a:latin typeface="Inconsolata" pitchFamily="1" charset="0"/>
@@ -6239,7 +9557,7 @@
             <a:pPr algn="l" fontAlgn="base"/>
             <a:endParaRPr lang="en-US" dirty="0">
               <a:solidFill>
-                <a:srgbClr val="CFD5E0"/>
+                <a:srgbClr val="3A3AB9"/>
               </a:solidFill>
               <a:latin typeface="Inconsolata" pitchFamily="1" charset="0"/>
             </a:endParaRPr>
@@ -6249,7 +9567,7 @@
             <a:r>
               <a:rPr lang="en-US" dirty="0">
                 <a:solidFill>
-                  <a:srgbClr val="0070C0"/>
+                  <a:srgbClr val="3A3AB9"/>
                 </a:solidFill>
                 <a:latin typeface="Inconsolata" pitchFamily="1" charset="0"/>
               </a:rPr>
@@ -6261,7 +9579,7 @@
             <a:r>
               <a:rPr lang="en-US" b="0" i="0" dirty="0" err="1">
                 <a:solidFill>
-                  <a:srgbClr val="FF0000"/>
+                  <a:srgbClr val="3A3AB9"/>
                 </a:solidFill>
                 <a:effectLst/>
                 <a:latin typeface="inherit"/>
@@ -6271,7 +9589,7 @@
             <a:r>
               <a:rPr lang="en-US" b="1" i="0" dirty="0">
                 <a:solidFill>
-                  <a:srgbClr val="FF0000"/>
+                  <a:srgbClr val="3A3AB9"/>
                 </a:solidFill>
                 <a:effectLst/>
                 <a:latin typeface="inherit"/>
@@ -6281,7 +9599,7 @@
             <a:r>
               <a:rPr lang="en-US" b="0" i="0" dirty="0">
                 <a:solidFill>
-                  <a:srgbClr val="FF0000"/>
+                  <a:srgbClr val="3A3AB9"/>
                 </a:solidFill>
                 <a:effectLst/>
                 <a:latin typeface="inherit"/>
@@ -6290,7 +9608,7 @@
             </a:r>
             <a:endParaRPr lang="en-US" b="0" i="0" dirty="0">
               <a:solidFill>
-                <a:srgbClr val="FF0000"/>
+                <a:srgbClr val="3A3AB9"/>
               </a:solidFill>
               <a:effectLst/>
               <a:latin typeface="Consolas" panose="020B0609020204030204" pitchFamily="49" charset="0"/>
@@ -6363,7 +9681,8 @@
                   <a:srgbClr val="000000"/>
                 </a:solidFill>
                 <a:effectLst/>
-                <a:latin typeface="arial" panose="020B0604020202020204" pitchFamily="34" charset="0"/>
+                <a:latin typeface="Segoe UI" panose="020B0502040204020203" pitchFamily="34" charset="0"/>
+                <a:cs typeface="Segoe UI" panose="020B0502040204020203" pitchFamily="34" charset="0"/>
               </a:rPr>
               <a:t>Generic Collections in C#:</a:t>
             </a:r>
@@ -6372,7 +9691,8 @@
                 <a:srgbClr val="3A3A3A"/>
               </a:solidFill>
               <a:effectLst/>
-              <a:latin typeface="-apple-system"/>
+              <a:latin typeface="Segoe UI" panose="020B0502040204020203" pitchFamily="34" charset="0"/>
+              <a:cs typeface="Segoe UI" panose="020B0502040204020203" pitchFamily="34" charset="0"/>
             </a:endParaRPr>
           </a:p>
           <a:p>
@@ -6383,7 +9703,8 @@
                   <a:srgbClr val="000000"/>
                 </a:solidFill>
                 <a:effectLst/>
-                <a:latin typeface="arial" panose="020B0604020202020204" pitchFamily="34" charset="0"/>
+                <a:latin typeface="Segoe UI" panose="020B0502040204020203" pitchFamily="34" charset="0"/>
+                <a:cs typeface="Segoe UI" panose="020B0502040204020203" pitchFamily="34" charset="0"/>
               </a:rPr>
               <a:t>The </a:t>
             </a:r>
@@ -6393,7 +9714,8 @@
                   <a:srgbClr val="000000"/>
                 </a:solidFill>
                 <a:effectLst/>
-                <a:latin typeface="arial" panose="020B0604020202020204" pitchFamily="34" charset="0"/>
+                <a:latin typeface="Segoe UI" panose="020B0502040204020203" pitchFamily="34" charset="0"/>
+                <a:cs typeface="Segoe UI" panose="020B0502040204020203" pitchFamily="34" charset="0"/>
               </a:rPr>
               <a:t>Generic Collections in C#</a:t>
             </a:r>
@@ -6403,7 +9725,8 @@
                   <a:srgbClr val="000000"/>
                 </a:solidFill>
                 <a:effectLst/>
-                <a:latin typeface="arial" panose="020B0604020202020204" pitchFamily="34" charset="0"/>
+                <a:latin typeface="Segoe UI" panose="020B0502040204020203" pitchFamily="34" charset="0"/>
+                <a:cs typeface="Segoe UI" panose="020B0502040204020203" pitchFamily="34" charset="0"/>
               </a:rPr>
               <a:t> are strongly typed. The strongly typed nature allows these collection classes to store only one type of value into it. This not only eliminates the type mismatch at runtime but also we will get better performance as they don’t require boxing and unboxing while they store value type data.</a:t>
             </a:r>
@@ -6412,17 +9735,46 @@
                 <a:srgbClr val="212529"/>
               </a:solidFill>
               <a:effectLst/>
-              <a:latin typeface="-apple-system"/>
+              <a:latin typeface="Segoe UI" panose="020B0502040204020203" pitchFamily="34" charset="0"/>
+              <a:cs typeface="Segoe UI" panose="020B0502040204020203" pitchFamily="34" charset="0"/>
             </a:endParaRPr>
           </a:p>
         </p:txBody>
       </p:sp>
+      <p:graphicFrame>
+        <p:nvGraphicFramePr>
+          <p:cNvPr id="10" name="Diagram 9">
+            <a:extLst>
+              <a:ext uri="{FF2B5EF4-FFF2-40B4-BE49-F238E27FC236}">
+                <a16:creationId xmlns:a16="http://schemas.microsoft.com/office/drawing/2014/main" id="{3E792186-E30F-4EB5-A01E-9D8242E63CB2}"/>
+              </a:ext>
+            </a:extLst>
+          </p:cNvPr>
+          <p:cNvGraphicFramePr/>
+          <p:nvPr>
+            <p:extLst>
+              <p:ext uri="{D42A27DB-BD31-4B8C-83A1-F6EECF244321}">
+                <p14:modId xmlns:p14="http://schemas.microsoft.com/office/powerpoint/2010/main" val="1653683640"/>
+              </p:ext>
+            </p:extLst>
+          </p:nvPr>
+        </p:nvGraphicFramePr>
+        <p:xfrm>
+          <a:off x="144378" y="1327417"/>
+          <a:ext cx="11901639" cy="1571747"/>
+        </p:xfrm>
+        <a:graphic>
+          <a:graphicData uri="http://schemas.openxmlformats.org/drawingml/2006/diagram">
+            <dgm:relIds xmlns:dgm="http://schemas.openxmlformats.org/drawingml/2006/diagram" xmlns:r="http://schemas.openxmlformats.org/officeDocument/2006/relationships" r:dm="rId2" r:lo="rId3" r:qs="rId4" r:cs="rId5"/>
+          </a:graphicData>
+        </a:graphic>
+      </p:graphicFrame>
       <p:sp>
         <p:nvSpPr>
-          <p:cNvPr id="5" name="TextBox 4">
+          <p:cNvPr id="9" name="TextBox 8">
             <a:extLst>
               <a:ext uri="{FF2B5EF4-FFF2-40B4-BE49-F238E27FC236}">
-                <a16:creationId xmlns:a16="http://schemas.microsoft.com/office/drawing/2014/main" id="{20C8196E-3692-4EA9-86BB-C5473146D3A7}"/>
+                <a16:creationId xmlns:a16="http://schemas.microsoft.com/office/drawing/2014/main" id="{44AC6B8E-1E08-45FF-854F-3C9B194A3576}"/>
               </a:ext>
             </a:extLst>
           </p:cNvPr>
@@ -6431,8 +9783,8 @@
         </p:nvSpPr>
         <p:spPr>
           <a:xfrm>
-            <a:off x="158817" y="1200329"/>
-            <a:ext cx="6150542" cy="1754326"/>
+            <a:off x="0" y="3026253"/>
+            <a:ext cx="12193603" cy="2862322"/>
           </a:xfrm>
           <a:prstGeom prst="rect">
             <a:avLst/>
@@ -6445,201 +9797,156 @@
           </a:bodyPr>
           <a:lstStyle/>
           <a:p>
-            <a:pPr algn="l" fontAlgn="base">
-              <a:buFont typeface="+mj-lt"/>
-              <a:buAutoNum type="arabicPeriod"/>
-            </a:pPr>
+            <a:pPr algn="l" fontAlgn="base"/>
             <a:r>
               <a:rPr lang="en-US" b="1" i="0" dirty="0">
                 <a:solidFill>
                   <a:srgbClr val="000000"/>
                 </a:solidFill>
                 <a:effectLst/>
-                <a:latin typeface="arial" panose="020B0604020202020204" pitchFamily="34" charset="0"/>
-              </a:rPr>
-              <a:t>Stack&lt;T&gt;,</a:t>
-            </a:r>
+                <a:latin typeface="Segoe UI" panose="020B0502040204020203" pitchFamily="34" charset="0"/>
+                <a:cs typeface="Segoe UI" panose="020B0502040204020203" pitchFamily="34" charset="0"/>
+              </a:rPr>
+              <a:t>What is Generic List in C#?</a:t>
+            </a:r>
+            <a:endParaRPr lang="en-US" b="0" i="0" dirty="0">
+              <a:solidFill>
+                <a:srgbClr val="3A3A3A"/>
+              </a:solidFill>
+              <a:effectLst/>
+              <a:latin typeface="Segoe UI" panose="020B0502040204020203" pitchFamily="34" charset="0"/>
+              <a:cs typeface="Segoe UI" panose="020B0502040204020203" pitchFamily="34" charset="0"/>
+            </a:endParaRPr>
+          </a:p>
+          <a:p>
+            <a:pPr algn="just" fontAlgn="base"/>
+            <a:r>
+              <a:rPr lang="en-US" b="0" i="0" dirty="0">
+                <a:solidFill>
+                  <a:srgbClr val="000000"/>
+                </a:solidFill>
+                <a:effectLst/>
+                <a:latin typeface="Segoe UI" panose="020B0502040204020203" pitchFamily="34" charset="0"/>
+                <a:cs typeface="Segoe UI" panose="020B0502040204020203" pitchFamily="34" charset="0"/>
+              </a:rPr>
+              <a:t>The </a:t>
+            </a:r>
+            <a:r>
+              <a:rPr lang="en-US" b="1" i="0" dirty="0">
+                <a:solidFill>
+                  <a:srgbClr val="000000"/>
+                </a:solidFill>
+                <a:effectLst/>
+                <a:latin typeface="Segoe UI" panose="020B0502040204020203" pitchFamily="34" charset="0"/>
+                <a:cs typeface="Segoe UI" panose="020B0502040204020203" pitchFamily="34" charset="0"/>
+              </a:rPr>
+              <a:t>Generic List in C#</a:t>
+            </a:r>
+            <a:r>
+              <a:rPr lang="en-US" b="0" i="0" dirty="0">
+                <a:solidFill>
+                  <a:srgbClr val="000000"/>
+                </a:solidFill>
+                <a:effectLst/>
+                <a:latin typeface="Segoe UI" panose="020B0502040204020203" pitchFamily="34" charset="0"/>
+                <a:cs typeface="Segoe UI" panose="020B0502040204020203" pitchFamily="34" charset="0"/>
+              </a:rPr>
+              <a:t> is a collection class that is present in </a:t>
+            </a:r>
+            <a:r>
+              <a:rPr lang="en-US" b="1" i="0" dirty="0" err="1">
+                <a:solidFill>
+                  <a:srgbClr val="000000"/>
+                </a:solidFill>
+                <a:effectLst/>
+                <a:latin typeface="Segoe UI" panose="020B0502040204020203" pitchFamily="34" charset="0"/>
+                <a:cs typeface="Segoe UI" panose="020B0502040204020203" pitchFamily="34" charset="0"/>
+              </a:rPr>
+              <a:t>System.Collections.Generic</a:t>
+            </a:r>
+            <a:r>
+              <a:rPr lang="en-US" b="0" i="0" dirty="0">
+                <a:solidFill>
+                  <a:srgbClr val="000000"/>
+                </a:solidFill>
+                <a:effectLst/>
+                <a:latin typeface="Segoe UI" panose="020B0502040204020203" pitchFamily="34" charset="0"/>
+                <a:cs typeface="Segoe UI" panose="020B0502040204020203" pitchFamily="34" charset="0"/>
+              </a:rPr>
+              <a:t> namespace. The List Collection class is one of the most widely used generic collection classes in real-time applications. This Generic List collection class represents a strongly typed list of objects which can be accessed by using the index. It also provides methods that can be used for search, sort and manipulate the list items.</a:t>
+            </a:r>
+          </a:p>
+          <a:p>
+            <a:pPr algn="just" fontAlgn="base"/>
             <a:endParaRPr lang="en-US" b="0" i="0" dirty="0">
               <a:solidFill>
                 <a:srgbClr val="212529"/>
               </a:solidFill>
               <a:effectLst/>
-              <a:latin typeface="-apple-system"/>
+              <a:latin typeface="Segoe UI" panose="020B0502040204020203" pitchFamily="34" charset="0"/>
+              <a:cs typeface="Segoe UI" panose="020B0502040204020203" pitchFamily="34" charset="0"/>
             </a:endParaRPr>
           </a:p>
           <a:p>
-            <a:pPr algn="l" fontAlgn="base">
-              <a:buFont typeface="+mj-lt"/>
-              <a:buAutoNum type="arabicPeriod"/>
-            </a:pPr>
-            <a:r>
-              <a:rPr lang="en-US" b="1" i="0" dirty="0">
+            <a:pPr algn="just" fontAlgn="base"/>
+            <a:r>
+              <a:rPr lang="en-US" b="0" i="0" dirty="0">
                 <a:solidFill>
                   <a:srgbClr val="000000"/>
                 </a:solidFill>
                 <a:effectLst/>
-                <a:latin typeface="arial" panose="020B0604020202020204" pitchFamily="34" charset="0"/>
-              </a:rPr>
-              <a:t>Queue&lt;T&gt;,</a:t>
+                <a:latin typeface="Segoe UI" panose="020B0502040204020203" pitchFamily="34" charset="0"/>
+                <a:cs typeface="Segoe UI" panose="020B0502040204020203" pitchFamily="34" charset="0"/>
+              </a:rPr>
+              <a:t>We can create a collection of any type by using the generic list class in C#. For example, if we want then we can create a list of strings, a list of integers, and even though it is also possible to create a list of the user-defined complex type such as a list of customers, a list of products, etc. The most important point that we need to keep in mind is the size of the collection grows automatically when we add items into the collection</a:t>
             </a:r>
             <a:endParaRPr lang="en-US" b="0" i="0" dirty="0">
               <a:solidFill>
                 <a:srgbClr val="212529"/>
               </a:solidFill>
               <a:effectLst/>
-              <a:latin typeface="-apple-system"/>
-            </a:endParaRPr>
-          </a:p>
-          <a:p>
-            <a:pPr algn="l" fontAlgn="base">
-              <a:buFont typeface="+mj-lt"/>
-              <a:buAutoNum type="arabicPeriod"/>
-            </a:pPr>
-            <a:r>
-              <a:rPr lang="en-US" b="1" i="0" dirty="0">
-                <a:solidFill>
-                  <a:srgbClr val="000000"/>
-                </a:solidFill>
-                <a:effectLst/>
-                <a:latin typeface="arial" panose="020B0604020202020204" pitchFamily="34" charset="0"/>
-              </a:rPr>
-              <a:t>LinkedList&lt;T&gt;,</a:t>
-            </a:r>
-            <a:endParaRPr lang="en-US" b="0" i="0" dirty="0">
-              <a:solidFill>
-                <a:srgbClr val="212529"/>
-              </a:solidFill>
-              <a:effectLst/>
-              <a:latin typeface="-apple-system"/>
-            </a:endParaRPr>
-          </a:p>
-          <a:p>
-            <a:pPr algn="l" fontAlgn="base">
-              <a:buFont typeface="+mj-lt"/>
-              <a:buAutoNum type="arabicPeriod"/>
-            </a:pPr>
-            <a:r>
-              <a:rPr lang="en-US" b="1" i="0" dirty="0" err="1">
-                <a:solidFill>
-                  <a:srgbClr val="000000"/>
-                </a:solidFill>
-                <a:effectLst/>
-                <a:latin typeface="arial" panose="020B0604020202020204" pitchFamily="34" charset="0"/>
-              </a:rPr>
-              <a:t>SortedList</a:t>
-            </a:r>
-            <a:r>
-              <a:rPr lang="en-US" b="1" i="0" dirty="0">
-                <a:solidFill>
-                  <a:srgbClr val="000000"/>
-                </a:solidFill>
-                <a:effectLst/>
-                <a:latin typeface="arial" panose="020B0604020202020204" pitchFamily="34" charset="0"/>
-              </a:rPr>
-              <a:t>&lt;T&gt;,</a:t>
-            </a:r>
-            <a:endParaRPr lang="en-US" b="0" i="0" dirty="0">
-              <a:solidFill>
-                <a:srgbClr val="212529"/>
-              </a:solidFill>
-              <a:effectLst/>
-              <a:latin typeface="-apple-system"/>
-            </a:endParaRPr>
-          </a:p>
-          <a:p>
-            <a:pPr algn="l" fontAlgn="base">
-              <a:buFont typeface="+mj-lt"/>
-              <a:buAutoNum type="arabicPeriod"/>
-            </a:pPr>
-            <a:r>
-              <a:rPr lang="en-US" b="1" i="0" dirty="0">
-                <a:solidFill>
-                  <a:srgbClr val="000000"/>
-                </a:solidFill>
-                <a:effectLst/>
-                <a:latin typeface="arial" panose="020B0604020202020204" pitchFamily="34" charset="0"/>
-              </a:rPr>
-              <a:t>List&lt;T&gt;,</a:t>
-            </a:r>
-            <a:endParaRPr lang="en-US" b="0" i="0" dirty="0">
-              <a:solidFill>
-                <a:srgbClr val="212529"/>
-              </a:solidFill>
-              <a:effectLst/>
-              <a:latin typeface="-apple-system"/>
-            </a:endParaRPr>
-          </a:p>
-          <a:p>
-            <a:pPr algn="l" fontAlgn="base">
-              <a:buFont typeface="+mj-lt"/>
-              <a:buAutoNum type="arabicPeriod"/>
-            </a:pPr>
-            <a:r>
-              <a:rPr lang="en-US" b="1" i="0" dirty="0">
-                <a:solidFill>
-                  <a:srgbClr val="000000"/>
-                </a:solidFill>
-                <a:effectLst/>
-                <a:latin typeface="arial" panose="020B0604020202020204" pitchFamily="34" charset="0"/>
-              </a:rPr>
-              <a:t>Dictionary&lt;</a:t>
-            </a:r>
-            <a:r>
-              <a:rPr lang="en-US" b="1" i="0" dirty="0" err="1">
-                <a:solidFill>
-                  <a:srgbClr val="000000"/>
-                </a:solidFill>
-                <a:effectLst/>
-                <a:latin typeface="arial" panose="020B0604020202020204" pitchFamily="34" charset="0"/>
-              </a:rPr>
-              <a:t>TKey</a:t>
-            </a:r>
-            <a:r>
-              <a:rPr lang="en-US" b="1" i="0" dirty="0">
-                <a:solidFill>
-                  <a:srgbClr val="000000"/>
-                </a:solidFill>
-                <a:effectLst/>
-                <a:latin typeface="arial" panose="020B0604020202020204" pitchFamily="34" charset="0"/>
-              </a:rPr>
-              <a:t>, </a:t>
-            </a:r>
-            <a:r>
-              <a:rPr lang="en-US" b="1" i="0" dirty="0" err="1">
-                <a:solidFill>
-                  <a:srgbClr val="000000"/>
-                </a:solidFill>
-                <a:effectLst/>
-                <a:latin typeface="arial" panose="020B0604020202020204" pitchFamily="34" charset="0"/>
-              </a:rPr>
-              <a:t>Tvalue</a:t>
-            </a:r>
-            <a:r>
-              <a:rPr lang="en-US" b="1" i="0" dirty="0">
-                <a:solidFill>
-                  <a:srgbClr val="000000"/>
-                </a:solidFill>
-                <a:effectLst/>
-                <a:latin typeface="arial" panose="020B0604020202020204" pitchFamily="34" charset="0"/>
-              </a:rPr>
-              <a:t>&gt;</a:t>
-            </a:r>
-            <a:endParaRPr lang="en-US" b="0" i="0" dirty="0">
-              <a:solidFill>
-                <a:srgbClr val="212529"/>
-              </a:solidFill>
-              <a:effectLst/>
-              <a:latin typeface="-apple-system"/>
+              <a:latin typeface="Segoe UI" panose="020B0502040204020203" pitchFamily="34" charset="0"/>
+              <a:cs typeface="Segoe UI" panose="020B0502040204020203" pitchFamily="34" charset="0"/>
             </a:endParaRPr>
           </a:p>
         </p:txBody>
       </p:sp>
+    </p:spTree>
+    <p:extLst>
+      <p:ext uri="{BB962C8B-B14F-4D97-AF65-F5344CB8AC3E}">
+        <p14:creationId xmlns:p14="http://schemas.microsoft.com/office/powerpoint/2010/main" val="3359482941"/>
+      </p:ext>
+    </p:extLst>
+  </p:cSld>
+  <p:clrMapOvr>
+    <a:masterClrMapping/>
+  </p:clrMapOvr>
+</p:sld>
+</file>
+
+<file path=ppt/slides/slide6.xml><?xml version="1.0" encoding="utf-8"?>
+<p:sld xmlns:a="http://schemas.openxmlformats.org/drawingml/2006/main" xmlns:r="http://schemas.openxmlformats.org/officeDocument/2006/relationships" xmlns:p="http://schemas.openxmlformats.org/presentationml/2006/main">
+  <p:cSld>
+    <p:spTree>
+      <p:nvGrpSpPr>
+        <p:cNvPr id="1" name=""/>
+        <p:cNvGrpSpPr/>
+        <p:nvPr/>
+      </p:nvGrpSpPr>
+      <p:grpSpPr>
+        <a:xfrm>
+          <a:off x="0" y="0"/>
+          <a:ext cx="0" cy="0"/>
+          <a:chOff x="0" y="0"/>
+          <a:chExt cx="0" cy="0"/>
+        </a:xfrm>
+      </p:grpSpPr>
       <p:sp>
         <p:nvSpPr>
-          <p:cNvPr id="7" name="TextBox 6">
+          <p:cNvPr id="3" name="TextBox 2">
             <a:extLst>
               <a:ext uri="{FF2B5EF4-FFF2-40B4-BE49-F238E27FC236}">
-                <a16:creationId xmlns:a16="http://schemas.microsoft.com/office/drawing/2014/main" id="{6D236E99-56A3-4C37-AAC1-2DD72E20FFB6}"/>
+                <a16:creationId xmlns:a16="http://schemas.microsoft.com/office/drawing/2014/main" id="{967A6AF9-9DAC-49B6-B08A-5ADCC0F8EFA9}"/>
               </a:ext>
             </a:extLst>
           </p:cNvPr>
@@ -6648,8 +9955,8 @@
         </p:nvSpPr>
         <p:spPr>
           <a:xfrm>
-            <a:off x="158817" y="3031239"/>
-            <a:ext cx="7878278" cy="369332"/>
+            <a:off x="0" y="125975"/>
+            <a:ext cx="12192000" cy="3510063"/>
           </a:xfrm>
           <a:prstGeom prst="rect">
             <a:avLst/>
@@ -6662,44 +9969,3644 @@
           </a:bodyPr>
           <a:lstStyle/>
           <a:p>
+            <a:pPr algn="just" fontAlgn="base"/>
             <a:r>
               <a:rPr lang="en-US" b="1" i="0" dirty="0">
                 <a:solidFill>
-                  <a:srgbClr val="0000FF"/>
-                </a:solidFill>
-                <a:effectLst/>
-                <a:latin typeface="arial" panose="020B0604020202020204" pitchFamily="34" charset="0"/>
+                  <a:srgbClr val="000000"/>
+                </a:solidFill>
+                <a:effectLst/>
+                <a:latin typeface="Segoe UI" panose="020B0502040204020203" pitchFamily="34" charset="0"/>
+                <a:cs typeface="Segoe UI" panose="020B0502040204020203" pitchFamily="34" charset="0"/>
+              </a:rPr>
+              <a:t>Methods and Properties of Generic List Collection class in C#:</a:t>
+            </a:r>
+            <a:endParaRPr lang="en-US" b="0" i="0" dirty="0">
+              <a:solidFill>
+                <a:srgbClr val="3A3A3A"/>
+              </a:solidFill>
+              <a:effectLst/>
+              <a:latin typeface="Segoe UI" panose="020B0502040204020203" pitchFamily="34" charset="0"/>
+              <a:cs typeface="Segoe UI" panose="020B0502040204020203" pitchFamily="34" charset="0"/>
+            </a:endParaRPr>
+          </a:p>
+          <a:p>
+            <a:pPr algn="just" fontAlgn="base"/>
+            <a:r>
+              <a:rPr lang="en-US" b="0" i="0" dirty="0">
+                <a:solidFill>
+                  <a:srgbClr val="000000"/>
+                </a:solidFill>
+                <a:effectLst/>
+                <a:latin typeface="Segoe UI" panose="020B0502040204020203" pitchFamily="34" charset="0"/>
+                <a:cs typeface="Segoe UI" panose="020B0502040204020203" pitchFamily="34" charset="0"/>
+              </a:rPr>
+              <a:t>The following are some of the useful methods and properties of the List collection class in C#.</a:t>
+            </a:r>
+            <a:endParaRPr lang="en-US" b="0" i="0" dirty="0">
+              <a:solidFill>
+                <a:srgbClr val="212529"/>
+              </a:solidFill>
+              <a:effectLst/>
+              <a:latin typeface="Segoe UI" panose="020B0502040204020203" pitchFamily="34" charset="0"/>
+              <a:cs typeface="Segoe UI" panose="020B0502040204020203" pitchFamily="34" charset="0"/>
+            </a:endParaRPr>
+          </a:p>
+          <a:p>
+            <a:pPr algn="just" fontAlgn="base">
+              <a:lnSpc>
+                <a:spcPct val="150000"/>
+              </a:lnSpc>
+              <a:buFont typeface="+mj-lt"/>
+              <a:buAutoNum type="arabicPeriod"/>
+            </a:pPr>
+            <a:r>
+              <a:rPr lang="en-US" b="1" i="0" dirty="0">
+                <a:solidFill>
+                  <a:srgbClr val="000000"/>
+                </a:solidFill>
+                <a:effectLst/>
+                <a:latin typeface="Segoe UI" panose="020B0502040204020203" pitchFamily="34" charset="0"/>
+                <a:cs typeface="Segoe UI" panose="020B0502040204020203" pitchFamily="34" charset="0"/>
+              </a:rPr>
+              <a:t>Add(T value):</a:t>
+            </a:r>
+            <a:r>
+              <a:rPr lang="en-US" b="0" i="0" dirty="0">
+                <a:solidFill>
+                  <a:srgbClr val="000000"/>
+                </a:solidFill>
+                <a:effectLst/>
+                <a:latin typeface="Segoe UI" panose="020B0502040204020203" pitchFamily="34" charset="0"/>
+                <a:cs typeface="Segoe UI" panose="020B0502040204020203" pitchFamily="34" charset="0"/>
+              </a:rPr>
+              <a:t> This method is used to add an item to the end of the list collection.</a:t>
+            </a:r>
+            <a:endParaRPr lang="en-US" b="0" i="0" dirty="0">
+              <a:solidFill>
+                <a:srgbClr val="212529"/>
+              </a:solidFill>
+              <a:effectLst/>
+              <a:latin typeface="Segoe UI" panose="020B0502040204020203" pitchFamily="34" charset="0"/>
+              <a:cs typeface="Segoe UI" panose="020B0502040204020203" pitchFamily="34" charset="0"/>
+            </a:endParaRPr>
+          </a:p>
+          <a:p>
+            <a:pPr algn="just" fontAlgn="base">
+              <a:lnSpc>
+                <a:spcPct val="150000"/>
+              </a:lnSpc>
+              <a:buFont typeface="+mj-lt"/>
+              <a:buAutoNum type="arabicPeriod"/>
+            </a:pPr>
+            <a:r>
+              <a:rPr lang="en-US" b="1" i="0" dirty="0">
+                <a:solidFill>
+                  <a:srgbClr val="000000"/>
+                </a:solidFill>
+                <a:effectLst/>
+                <a:latin typeface="Segoe UI" panose="020B0502040204020203" pitchFamily="34" charset="0"/>
+                <a:cs typeface="Segoe UI" panose="020B0502040204020203" pitchFamily="34" charset="0"/>
+              </a:rPr>
+              <a:t>Remove(T value):</a:t>
+            </a:r>
+            <a:r>
+              <a:rPr lang="en-US" b="0" i="0" dirty="0">
+                <a:solidFill>
+                  <a:srgbClr val="000000"/>
+                </a:solidFill>
+                <a:effectLst/>
+                <a:latin typeface="Segoe UI" panose="020B0502040204020203" pitchFamily="34" charset="0"/>
+                <a:cs typeface="Segoe UI" panose="020B0502040204020203" pitchFamily="34" charset="0"/>
+              </a:rPr>
+              <a:t> This method is used to remove the first occurrence of a specific item from the collection.</a:t>
+            </a:r>
+            <a:endParaRPr lang="en-US" b="0" i="0" dirty="0">
+              <a:solidFill>
+                <a:srgbClr val="212529"/>
+              </a:solidFill>
+              <a:effectLst/>
+              <a:latin typeface="Segoe UI" panose="020B0502040204020203" pitchFamily="34" charset="0"/>
+              <a:cs typeface="Segoe UI" panose="020B0502040204020203" pitchFamily="34" charset="0"/>
+            </a:endParaRPr>
+          </a:p>
+          <a:p>
+            <a:pPr algn="just" fontAlgn="base">
+              <a:lnSpc>
+                <a:spcPct val="150000"/>
+              </a:lnSpc>
+              <a:buFont typeface="+mj-lt"/>
+              <a:buAutoNum type="arabicPeriod"/>
+            </a:pPr>
+            <a:r>
+              <a:rPr lang="en-US" b="1" i="0" dirty="0" err="1">
+                <a:solidFill>
+                  <a:srgbClr val="000000"/>
+                </a:solidFill>
+                <a:effectLst/>
+                <a:latin typeface="Segoe UI" panose="020B0502040204020203" pitchFamily="34" charset="0"/>
+                <a:cs typeface="Segoe UI" panose="020B0502040204020203" pitchFamily="34" charset="0"/>
+              </a:rPr>
+              <a:t>RemoveAt</a:t>
+            </a:r>
+            <a:r>
+              <a:rPr lang="en-US" b="1" i="0" dirty="0">
+                <a:solidFill>
+                  <a:srgbClr val="000000"/>
+                </a:solidFill>
+                <a:effectLst/>
+                <a:latin typeface="Segoe UI" panose="020B0502040204020203" pitchFamily="34" charset="0"/>
+                <a:cs typeface="Segoe UI" panose="020B0502040204020203" pitchFamily="34" charset="0"/>
+              </a:rPr>
+              <a:t>(int index):</a:t>
+            </a:r>
+            <a:r>
+              <a:rPr lang="en-US" b="0" i="0" dirty="0">
+                <a:solidFill>
+                  <a:srgbClr val="000000"/>
+                </a:solidFill>
+                <a:effectLst/>
+                <a:latin typeface="Segoe UI" panose="020B0502040204020203" pitchFamily="34" charset="0"/>
+                <a:cs typeface="Segoe UI" panose="020B0502040204020203" pitchFamily="34" charset="0"/>
+              </a:rPr>
+              <a:t> This method takes the index position of the elements and then removes that element from the collection.</a:t>
+            </a:r>
+            <a:endParaRPr lang="en-US" b="0" i="0" dirty="0">
+              <a:solidFill>
+                <a:srgbClr val="212529"/>
+              </a:solidFill>
+              <a:effectLst/>
+              <a:latin typeface="Segoe UI" panose="020B0502040204020203" pitchFamily="34" charset="0"/>
+              <a:cs typeface="Segoe UI" panose="020B0502040204020203" pitchFamily="34" charset="0"/>
+            </a:endParaRPr>
+          </a:p>
+          <a:p>
+            <a:pPr algn="just" fontAlgn="base">
+              <a:lnSpc>
+                <a:spcPct val="150000"/>
+              </a:lnSpc>
+              <a:buFont typeface="+mj-lt"/>
+              <a:buAutoNum type="arabicPeriod"/>
+            </a:pPr>
+            <a:r>
+              <a:rPr lang="en-US" b="1" i="0" dirty="0">
+                <a:solidFill>
+                  <a:srgbClr val="000000"/>
+                </a:solidFill>
+                <a:effectLst/>
+                <a:latin typeface="Segoe UI" panose="020B0502040204020203" pitchFamily="34" charset="0"/>
+                <a:cs typeface="Segoe UI" panose="020B0502040204020203" pitchFamily="34" charset="0"/>
+              </a:rPr>
+              <a:t>Insert(int index, T value):</a:t>
+            </a:r>
+            <a:r>
+              <a:rPr lang="en-US" b="0" i="0" dirty="0">
+                <a:solidFill>
+                  <a:srgbClr val="000000"/>
+                </a:solidFill>
+                <a:effectLst/>
+                <a:latin typeface="Segoe UI" panose="020B0502040204020203" pitchFamily="34" charset="0"/>
+                <a:cs typeface="Segoe UI" panose="020B0502040204020203" pitchFamily="34" charset="0"/>
+              </a:rPr>
+              <a:t> This method is used to inserts an element into the collection at a specified index position.</a:t>
+            </a:r>
+            <a:endParaRPr lang="en-US" b="0" i="0" dirty="0">
+              <a:solidFill>
+                <a:srgbClr val="212529"/>
+              </a:solidFill>
+              <a:effectLst/>
+              <a:latin typeface="Segoe UI" panose="020B0502040204020203" pitchFamily="34" charset="0"/>
+              <a:cs typeface="Segoe UI" panose="020B0502040204020203" pitchFamily="34" charset="0"/>
+            </a:endParaRPr>
+          </a:p>
+          <a:p>
+            <a:pPr algn="just" fontAlgn="base">
+              <a:lnSpc>
+                <a:spcPct val="150000"/>
+              </a:lnSpc>
+              <a:buFont typeface="+mj-lt"/>
+              <a:buAutoNum type="arabicPeriod"/>
+            </a:pPr>
+            <a:r>
+              <a:rPr lang="en-US" b="1" i="0" dirty="0">
+                <a:solidFill>
+                  <a:srgbClr val="000000"/>
+                </a:solidFill>
+                <a:effectLst/>
+                <a:latin typeface="Segoe UI" panose="020B0502040204020203" pitchFamily="34" charset="0"/>
+                <a:cs typeface="Segoe UI" panose="020B0502040204020203" pitchFamily="34" charset="0"/>
+              </a:rPr>
+              <a:t>Capacity:</a:t>
+            </a:r>
+            <a:r>
+              <a:rPr lang="en-US" b="0" i="0" dirty="0">
+                <a:solidFill>
+                  <a:srgbClr val="000000"/>
+                </a:solidFill>
+                <a:effectLst/>
+                <a:latin typeface="Segoe UI" panose="020B0502040204020203" pitchFamily="34" charset="0"/>
+                <a:cs typeface="Segoe UI" panose="020B0502040204020203" pitchFamily="34" charset="0"/>
+              </a:rPr>
+              <a:t> This property is used to return the capacity of the collection means how many elements you can insert into the collection.</a:t>
+            </a:r>
+            <a:endParaRPr lang="en-US" b="0" i="0" dirty="0">
+              <a:solidFill>
+                <a:srgbClr val="212529"/>
+              </a:solidFill>
+              <a:effectLst/>
+              <a:latin typeface="Segoe UI" panose="020B0502040204020203" pitchFamily="34" charset="0"/>
+              <a:cs typeface="Segoe UI" panose="020B0502040204020203" pitchFamily="34" charset="0"/>
+            </a:endParaRPr>
+          </a:p>
+        </p:txBody>
+      </p:sp>
+      <p:sp>
+        <p:nvSpPr>
+          <p:cNvPr id="7" name="TextBox 6">
+            <a:extLst>
+              <a:ext uri="{FF2B5EF4-FFF2-40B4-BE49-F238E27FC236}">
+                <a16:creationId xmlns:a16="http://schemas.microsoft.com/office/drawing/2014/main" id="{9AAA1B59-52E4-4DD3-B1CA-2AC220DAD2DD}"/>
+              </a:ext>
+            </a:extLst>
+          </p:cNvPr>
+          <p:cNvSpPr txBox="1"/>
+          <p:nvPr/>
+        </p:nvSpPr>
+        <p:spPr>
+          <a:xfrm>
+            <a:off x="154003" y="3901678"/>
+            <a:ext cx="10145027" cy="2956322"/>
+          </a:xfrm>
+          <a:prstGeom prst="rect">
+            <a:avLst/>
+          </a:prstGeom>
+          <a:noFill/>
+        </p:spPr>
+        <p:txBody>
+          <a:bodyPr wrap="square">
+            <a:spAutoFit/>
+          </a:bodyPr>
+          <a:lstStyle/>
+          <a:p>
+            <a:pPr>
+              <a:lnSpc>
+                <a:spcPct val="150000"/>
+              </a:lnSpc>
+            </a:pPr>
+            <a:r>
+              <a:rPr lang="en-US" i="0" dirty="0">
+                <a:solidFill>
+                  <a:srgbClr val="3A3AB9"/>
+                </a:solidFill>
+                <a:effectLst/>
+                <a:latin typeface="Consolas" panose="020B0609020204030204" pitchFamily="49" charset="0"/>
               </a:rPr>
               <a:t>List&lt;Customer&gt; </a:t>
             </a:r>
             <a:r>
-              <a:rPr lang="en-US" b="1" i="0" dirty="0" err="1">
-                <a:solidFill>
-                  <a:srgbClr val="0000FF"/>
-                </a:solidFill>
-                <a:effectLst/>
-                <a:latin typeface="arial" panose="020B0604020202020204" pitchFamily="34" charset="0"/>
+              <a:rPr lang="en-US" i="0" dirty="0" err="1">
+                <a:solidFill>
+                  <a:srgbClr val="3A3AB9"/>
+                </a:solidFill>
+                <a:effectLst/>
+                <a:latin typeface="Consolas" panose="020B0609020204030204" pitchFamily="49" charset="0"/>
               </a:rPr>
               <a:t>listCustomer</a:t>
             </a:r>
             <a:r>
-              <a:rPr lang="en-US" b="1" i="0" dirty="0">
-                <a:solidFill>
-                  <a:srgbClr val="0000FF"/>
-                </a:solidFill>
-                <a:effectLst/>
-                <a:latin typeface="arial" panose="020B0604020202020204" pitchFamily="34" charset="0"/>
+              <a:rPr lang="en-US" i="0" dirty="0">
+                <a:solidFill>
+                  <a:srgbClr val="3A3AB9"/>
+                </a:solidFill>
+                <a:effectLst/>
+                <a:latin typeface="Consolas" panose="020B0609020204030204" pitchFamily="49" charset="0"/>
               </a:rPr>
               <a:t> = new List&lt;Customer&gt; ();</a:t>
             </a:r>
-            <a:endParaRPr lang="en-US" dirty="0"/>
+          </a:p>
+          <a:p>
+            <a:pPr>
+              <a:lnSpc>
+                <a:spcPct val="150000"/>
+              </a:lnSpc>
+            </a:pPr>
+            <a:r>
+              <a:rPr lang="en-US" i="0" dirty="0" err="1">
+                <a:solidFill>
+                  <a:srgbClr val="3A3AB9"/>
+                </a:solidFill>
+                <a:effectLst/>
+                <a:latin typeface="Consolas" panose="020B0609020204030204" pitchFamily="49" charset="0"/>
+              </a:rPr>
+              <a:t>listCustomer.Add</a:t>
+            </a:r>
+            <a:r>
+              <a:rPr lang="en-US" i="0" dirty="0">
+                <a:solidFill>
+                  <a:srgbClr val="3A3AB9"/>
+                </a:solidFill>
+                <a:effectLst/>
+                <a:latin typeface="Consolas" panose="020B0609020204030204" pitchFamily="49" charset="0"/>
+              </a:rPr>
+              <a:t>(new Customer {id=101,name=</a:t>
+            </a:r>
+            <a:r>
+              <a:rPr lang="en-US" i="0" dirty="0" err="1">
+                <a:solidFill>
+                  <a:srgbClr val="3A3AB9"/>
+                </a:solidFill>
+                <a:effectLst/>
+                <a:latin typeface="Consolas" panose="020B0609020204030204" pitchFamily="49" charset="0"/>
+              </a:rPr>
+              <a:t>xyz</a:t>
+            </a:r>
+            <a:r>
+              <a:rPr lang="en-US" i="0" dirty="0">
+                <a:solidFill>
+                  <a:srgbClr val="3A3AB9"/>
+                </a:solidFill>
+                <a:effectLst/>
+                <a:latin typeface="Consolas" panose="020B0609020204030204" pitchFamily="49" charset="0"/>
+              </a:rPr>
+              <a:t>});</a:t>
+            </a:r>
+          </a:p>
+          <a:p>
+            <a:pPr>
+              <a:lnSpc>
+                <a:spcPct val="150000"/>
+              </a:lnSpc>
+            </a:pPr>
+            <a:r>
+              <a:rPr lang="en-US" i="0" dirty="0" err="1">
+                <a:solidFill>
+                  <a:srgbClr val="3A3AB9"/>
+                </a:solidFill>
+                <a:effectLst/>
+                <a:latin typeface="Consolas" panose="020B0609020204030204" pitchFamily="49" charset="0"/>
+              </a:rPr>
+              <a:t>listCustomer.Remove</a:t>
+            </a:r>
+            <a:r>
+              <a:rPr lang="en-US" i="0" dirty="0">
+                <a:solidFill>
+                  <a:srgbClr val="3A3AB9"/>
+                </a:solidFill>
+                <a:effectLst/>
+                <a:latin typeface="Consolas" panose="020B0609020204030204" pitchFamily="49" charset="0"/>
+              </a:rPr>
+              <a:t>(</a:t>
+            </a:r>
+            <a:r>
+              <a:rPr lang="en-US" i="0" dirty="0" err="1">
+                <a:solidFill>
+                  <a:srgbClr val="3A3AB9"/>
+                </a:solidFill>
+                <a:effectLst/>
+                <a:latin typeface="Consolas" panose="020B0609020204030204" pitchFamily="49" charset="0"/>
+              </a:rPr>
+              <a:t>listCustomer</a:t>
+            </a:r>
+            <a:r>
+              <a:rPr lang="en-US" i="0" dirty="0">
+                <a:solidFill>
+                  <a:srgbClr val="3A3AB9"/>
+                </a:solidFill>
+                <a:effectLst/>
+                <a:latin typeface="Consolas" panose="020B0609020204030204" pitchFamily="49" charset="0"/>
+              </a:rPr>
+              <a:t>);</a:t>
+            </a:r>
+          </a:p>
+          <a:p>
+            <a:pPr>
+              <a:lnSpc>
+                <a:spcPct val="150000"/>
+              </a:lnSpc>
+            </a:pPr>
+            <a:r>
+              <a:rPr lang="en-US" i="0" dirty="0" err="1">
+                <a:solidFill>
+                  <a:srgbClr val="3A3AB9"/>
+                </a:solidFill>
+                <a:effectLst/>
+                <a:latin typeface="Consolas" panose="020B0609020204030204" pitchFamily="49" charset="0"/>
+              </a:rPr>
+              <a:t>listCustomer</a:t>
+            </a:r>
+            <a:r>
+              <a:rPr lang="en-US" i="0" dirty="0">
+                <a:solidFill>
+                  <a:srgbClr val="3A3AB9"/>
+                </a:solidFill>
+                <a:effectLst/>
+                <a:latin typeface="Consolas" panose="020B0609020204030204" pitchFamily="49" charset="0"/>
+              </a:rPr>
+              <a:t>. </a:t>
+            </a:r>
+            <a:r>
+              <a:rPr lang="en-US" i="0" dirty="0" err="1">
+                <a:solidFill>
+                  <a:srgbClr val="3A3AB9"/>
+                </a:solidFill>
+                <a:effectLst/>
+                <a:latin typeface="Consolas" panose="020B0609020204030204" pitchFamily="49" charset="0"/>
+              </a:rPr>
+              <a:t>RemoveAt</a:t>
+            </a:r>
+            <a:r>
+              <a:rPr lang="en-US" i="0" dirty="0">
+                <a:solidFill>
+                  <a:srgbClr val="3A3AB9"/>
+                </a:solidFill>
+                <a:effectLst/>
+                <a:latin typeface="Consolas" panose="020B0609020204030204" pitchFamily="49" charset="0"/>
+              </a:rPr>
+              <a:t>(1);</a:t>
+            </a:r>
+          </a:p>
+          <a:p>
+            <a:pPr>
+              <a:lnSpc>
+                <a:spcPct val="150000"/>
+              </a:lnSpc>
+            </a:pPr>
+            <a:r>
+              <a:rPr lang="en-US" i="0" dirty="0" err="1">
+                <a:solidFill>
+                  <a:srgbClr val="3A3AB9"/>
+                </a:solidFill>
+                <a:effectLst/>
+                <a:latin typeface="Consolas" panose="020B0609020204030204" pitchFamily="49" charset="0"/>
+              </a:rPr>
+              <a:t>listCustomer</a:t>
+            </a:r>
+            <a:r>
+              <a:rPr lang="en-US" i="0" dirty="0">
+                <a:solidFill>
+                  <a:srgbClr val="3A3AB9"/>
+                </a:solidFill>
+                <a:effectLst/>
+                <a:latin typeface="Consolas" panose="020B0609020204030204" pitchFamily="49" charset="0"/>
+              </a:rPr>
+              <a:t>. Insert(1,new customer{id=101,name=</a:t>
+            </a:r>
+            <a:r>
+              <a:rPr lang="en-US" i="0" dirty="0" err="1">
+                <a:solidFill>
+                  <a:srgbClr val="3A3AB9"/>
+                </a:solidFill>
+                <a:effectLst/>
+                <a:latin typeface="Consolas" panose="020B0609020204030204" pitchFamily="49" charset="0"/>
+              </a:rPr>
+              <a:t>abc</a:t>
+            </a:r>
+            <a:r>
+              <a:rPr lang="en-US" i="0" dirty="0">
+                <a:solidFill>
+                  <a:srgbClr val="3A3AB9"/>
+                </a:solidFill>
+                <a:effectLst/>
+                <a:latin typeface="Consolas" panose="020B0609020204030204" pitchFamily="49" charset="0"/>
+              </a:rPr>
+              <a:t>});</a:t>
+            </a:r>
+            <a:endParaRPr lang="en-US" dirty="0">
+              <a:solidFill>
+                <a:srgbClr val="3A3AB9"/>
+              </a:solidFill>
+              <a:latin typeface="Consolas" panose="020B0609020204030204" pitchFamily="49" charset="0"/>
+            </a:endParaRPr>
+          </a:p>
+          <a:p>
+            <a:pPr>
+              <a:lnSpc>
+                <a:spcPct val="150000"/>
+              </a:lnSpc>
+            </a:pPr>
+            <a:r>
+              <a:rPr lang="en-US" i="0" dirty="0" err="1">
+                <a:solidFill>
+                  <a:srgbClr val="3A3AB9"/>
+                </a:solidFill>
+                <a:effectLst/>
+                <a:latin typeface="Consolas" panose="020B0609020204030204" pitchFamily="49" charset="0"/>
+              </a:rPr>
+              <a:t>Console.WriteLine</a:t>
+            </a:r>
+            <a:r>
+              <a:rPr lang="en-US" i="0" dirty="0">
+                <a:solidFill>
+                  <a:srgbClr val="3A3AB9"/>
+                </a:solidFill>
+                <a:effectLst/>
+                <a:latin typeface="Consolas" panose="020B0609020204030204" pitchFamily="49" charset="0"/>
+              </a:rPr>
+              <a:t>("Initial Capacity: " + </a:t>
+            </a:r>
+            <a:r>
+              <a:rPr lang="en-US" i="0" dirty="0" err="1">
+                <a:solidFill>
+                  <a:srgbClr val="3A3AB9"/>
+                </a:solidFill>
+                <a:effectLst/>
+                <a:latin typeface="Consolas" panose="020B0609020204030204" pitchFamily="49" charset="0"/>
+              </a:rPr>
+              <a:t>listCustome.Capacity</a:t>
+            </a:r>
+            <a:r>
+              <a:rPr lang="en-US" i="0" dirty="0">
+                <a:solidFill>
+                  <a:srgbClr val="3A3AB9"/>
+                </a:solidFill>
+                <a:effectLst/>
+                <a:latin typeface="Consolas" panose="020B0609020204030204" pitchFamily="49" charset="0"/>
+              </a:rPr>
+              <a:t>);</a:t>
+            </a:r>
+            <a:endParaRPr lang="en-US" dirty="0">
+              <a:solidFill>
+                <a:srgbClr val="3A3AB9"/>
+              </a:solidFill>
+              <a:latin typeface="Consolas" panose="020B0609020204030204" pitchFamily="49" charset="0"/>
+            </a:endParaRPr>
+          </a:p>
+          <a:p>
+            <a:pPr>
+              <a:lnSpc>
+                <a:spcPct val="150000"/>
+              </a:lnSpc>
+            </a:pPr>
+            <a:endParaRPr lang="en-US" dirty="0">
+              <a:solidFill>
+                <a:srgbClr val="3A3AB9"/>
+              </a:solidFill>
+              <a:latin typeface="Consolas" panose="020B0609020204030204" pitchFamily="49" charset="0"/>
+            </a:endParaRPr>
           </a:p>
         </p:txBody>
       </p:sp>
     </p:spTree>
     <p:extLst>
       <p:ext uri="{BB962C8B-B14F-4D97-AF65-F5344CB8AC3E}">
-        <p14:creationId xmlns:p14="http://schemas.microsoft.com/office/powerpoint/2010/main" val="3359482941"/>
+        <p14:creationId xmlns:p14="http://schemas.microsoft.com/office/powerpoint/2010/main" val="1075824386"/>
+      </p:ext>
+    </p:extLst>
+  </p:cSld>
+  <p:clrMapOvr>
+    <a:masterClrMapping/>
+  </p:clrMapOvr>
+</p:sld>
+</file>
+
+<file path=ppt/slides/slide7.xml><?xml version="1.0" encoding="utf-8"?>
+<p:sld xmlns:a="http://schemas.openxmlformats.org/drawingml/2006/main" xmlns:r="http://schemas.openxmlformats.org/officeDocument/2006/relationships" xmlns:p="http://schemas.openxmlformats.org/presentationml/2006/main">
+  <p:cSld>
+    <p:spTree>
+      <p:nvGrpSpPr>
+        <p:cNvPr id="1" name=""/>
+        <p:cNvGrpSpPr/>
+        <p:nvPr/>
+      </p:nvGrpSpPr>
+      <p:grpSpPr>
+        <a:xfrm>
+          <a:off x="0" y="0"/>
+          <a:ext cx="0" cy="0"/>
+          <a:chOff x="0" y="0"/>
+          <a:chExt cx="0" cy="0"/>
+        </a:xfrm>
+      </p:grpSpPr>
+      <p:sp>
+        <p:nvSpPr>
+          <p:cNvPr id="2" name="TextBox 1">
+            <a:extLst>
+              <a:ext uri="{FF2B5EF4-FFF2-40B4-BE49-F238E27FC236}">
+                <a16:creationId xmlns:a16="http://schemas.microsoft.com/office/drawing/2014/main" id="{B829DA72-E2D8-4411-A0F4-EE412269B8A7}"/>
+              </a:ext>
+            </a:extLst>
+          </p:cNvPr>
+          <p:cNvSpPr txBox="1"/>
+          <p:nvPr/>
+        </p:nvSpPr>
+        <p:spPr>
+          <a:xfrm>
+            <a:off x="0" y="58846"/>
+            <a:ext cx="12192000" cy="6740307"/>
+          </a:xfrm>
+          <a:prstGeom prst="rect">
+            <a:avLst/>
+          </a:prstGeom>
+          <a:noFill/>
+        </p:spPr>
+        <p:txBody>
+          <a:bodyPr wrap="square">
+            <a:spAutoFit/>
+          </a:bodyPr>
+          <a:lstStyle/>
+          <a:p>
+            <a:pPr algn="just" fontAlgn="base"/>
+            <a:r>
+              <a:rPr lang="en-US" b="1" i="0" dirty="0">
+                <a:solidFill>
+                  <a:srgbClr val="000000"/>
+                </a:solidFill>
+                <a:effectLst/>
+                <a:latin typeface="Segoe UI" panose="020B0502040204020203" pitchFamily="34" charset="0"/>
+                <a:cs typeface="Segoe UI" panose="020B0502040204020203" pitchFamily="34" charset="0"/>
+              </a:rPr>
+              <a:t>The Generic List class provides the following Range methods.</a:t>
+            </a:r>
+            <a:endParaRPr lang="en-US" b="0" i="0" dirty="0">
+              <a:solidFill>
+                <a:srgbClr val="3A3A3A"/>
+              </a:solidFill>
+              <a:effectLst/>
+              <a:latin typeface="Segoe UI" panose="020B0502040204020203" pitchFamily="34" charset="0"/>
+              <a:cs typeface="Segoe UI" panose="020B0502040204020203" pitchFamily="34" charset="0"/>
+            </a:endParaRPr>
+          </a:p>
+          <a:p>
+            <a:pPr algn="just" fontAlgn="base"/>
+            <a:r>
+              <a:rPr lang="en-US" b="1" i="0" dirty="0" err="1">
+                <a:solidFill>
+                  <a:srgbClr val="000000"/>
+                </a:solidFill>
+                <a:effectLst/>
+                <a:latin typeface="Segoe UI" panose="020B0502040204020203" pitchFamily="34" charset="0"/>
+                <a:cs typeface="Segoe UI" panose="020B0502040204020203" pitchFamily="34" charset="0"/>
+              </a:rPr>
+              <a:t>AddRange</a:t>
+            </a:r>
+            <a:r>
+              <a:rPr lang="en-US" b="1" i="0" dirty="0">
+                <a:solidFill>
+                  <a:srgbClr val="000000"/>
+                </a:solidFill>
+                <a:effectLst/>
+                <a:latin typeface="Segoe UI" panose="020B0502040204020203" pitchFamily="34" charset="0"/>
+                <a:cs typeface="Segoe UI" panose="020B0502040204020203" pitchFamily="34" charset="0"/>
+              </a:rPr>
+              <a:t>() Method: </a:t>
+            </a:r>
+            <a:endParaRPr lang="en-US" b="0" i="0" dirty="0">
+              <a:solidFill>
+                <a:srgbClr val="3A3A3A"/>
+              </a:solidFill>
+              <a:effectLst/>
+              <a:latin typeface="Segoe UI" panose="020B0502040204020203" pitchFamily="34" charset="0"/>
+              <a:cs typeface="Segoe UI" panose="020B0502040204020203" pitchFamily="34" charset="0"/>
+            </a:endParaRPr>
+          </a:p>
+          <a:p>
+            <a:pPr algn="just" fontAlgn="base"/>
+            <a:r>
+              <a:rPr lang="en-US" b="0" i="0" dirty="0">
+                <a:solidFill>
+                  <a:srgbClr val="000000"/>
+                </a:solidFill>
+                <a:effectLst/>
+                <a:latin typeface="Segoe UI" panose="020B0502040204020203" pitchFamily="34" charset="0"/>
+                <a:cs typeface="Segoe UI" panose="020B0502040204020203" pitchFamily="34" charset="0"/>
+              </a:rPr>
+              <a:t>As we already discussed the Add() method of the List class allows us to add only one item at the end of the collection. If you want to add another list of items to the list collection then you need to the </a:t>
+            </a:r>
+            <a:r>
+              <a:rPr lang="en-US" b="0" i="0" dirty="0" err="1">
+                <a:solidFill>
+                  <a:srgbClr val="000000"/>
+                </a:solidFill>
+                <a:effectLst/>
+                <a:latin typeface="Segoe UI" panose="020B0502040204020203" pitchFamily="34" charset="0"/>
+                <a:cs typeface="Segoe UI" panose="020B0502040204020203" pitchFamily="34" charset="0"/>
+              </a:rPr>
+              <a:t>AddRange</a:t>
+            </a:r>
+            <a:r>
+              <a:rPr lang="en-US" b="0" i="0" dirty="0">
+                <a:solidFill>
+                  <a:srgbClr val="000000"/>
+                </a:solidFill>
+                <a:effectLst/>
+                <a:latin typeface="Segoe UI" panose="020B0502040204020203" pitchFamily="34" charset="0"/>
+                <a:cs typeface="Segoe UI" panose="020B0502040204020203" pitchFamily="34" charset="0"/>
+              </a:rPr>
+              <a:t>() method.</a:t>
+            </a:r>
+            <a:br>
+              <a:rPr lang="en-US" b="0" i="0" dirty="0">
+                <a:solidFill>
+                  <a:srgbClr val="212529"/>
+                </a:solidFill>
+                <a:effectLst/>
+                <a:latin typeface="Segoe UI" panose="020B0502040204020203" pitchFamily="34" charset="0"/>
+                <a:cs typeface="Segoe UI" panose="020B0502040204020203" pitchFamily="34" charset="0"/>
+              </a:rPr>
+            </a:br>
+            <a:r>
+              <a:rPr lang="en-US" b="1" i="0" dirty="0">
+                <a:solidFill>
+                  <a:srgbClr val="000000"/>
+                </a:solidFill>
+                <a:effectLst/>
+                <a:latin typeface="Segoe UI" panose="020B0502040204020203" pitchFamily="34" charset="0"/>
+                <a:cs typeface="Segoe UI" panose="020B0502040204020203" pitchFamily="34" charset="0"/>
+              </a:rPr>
+              <a:t>Syntax: </a:t>
+            </a:r>
+            <a:r>
+              <a:rPr lang="en-US" b="1" i="0" dirty="0" err="1">
+                <a:solidFill>
+                  <a:srgbClr val="0000FF"/>
+                </a:solidFill>
+                <a:effectLst/>
+                <a:latin typeface="Segoe UI" panose="020B0502040204020203" pitchFamily="34" charset="0"/>
+                <a:cs typeface="Segoe UI" panose="020B0502040204020203" pitchFamily="34" charset="0"/>
+              </a:rPr>
+              <a:t>AddRange</a:t>
+            </a:r>
+            <a:r>
+              <a:rPr lang="en-US" b="1" i="0" dirty="0">
+                <a:solidFill>
+                  <a:srgbClr val="0000FF"/>
+                </a:solidFill>
+                <a:effectLst/>
+                <a:latin typeface="Segoe UI" panose="020B0502040204020203" pitchFamily="34" charset="0"/>
+                <a:cs typeface="Segoe UI" panose="020B0502040204020203" pitchFamily="34" charset="0"/>
+              </a:rPr>
+              <a:t>(</a:t>
+            </a:r>
+            <a:r>
+              <a:rPr lang="en-US" b="1" i="0" dirty="0" err="1">
+                <a:solidFill>
+                  <a:srgbClr val="0000FF"/>
+                </a:solidFill>
+                <a:effectLst/>
+                <a:latin typeface="Segoe UI" panose="020B0502040204020203" pitchFamily="34" charset="0"/>
+                <a:cs typeface="Segoe UI" panose="020B0502040204020203" pitchFamily="34" charset="0"/>
+              </a:rPr>
+              <a:t>IEnumerable</a:t>
+            </a:r>
+            <a:r>
+              <a:rPr lang="en-US" b="1" i="0" dirty="0">
+                <a:solidFill>
+                  <a:srgbClr val="0000FF"/>
+                </a:solidFill>
+                <a:effectLst/>
+                <a:latin typeface="Segoe UI" panose="020B0502040204020203" pitchFamily="34" charset="0"/>
+                <a:cs typeface="Segoe UI" panose="020B0502040204020203" pitchFamily="34" charset="0"/>
+              </a:rPr>
+              <a:t>&lt;T&gt;)</a:t>
+            </a:r>
+            <a:endParaRPr lang="en-US" b="0" i="0" dirty="0">
+              <a:solidFill>
+                <a:srgbClr val="212529"/>
+              </a:solidFill>
+              <a:effectLst/>
+              <a:latin typeface="Segoe UI" panose="020B0502040204020203" pitchFamily="34" charset="0"/>
+              <a:cs typeface="Segoe UI" panose="020B0502040204020203" pitchFamily="34" charset="0"/>
+            </a:endParaRPr>
+          </a:p>
+          <a:p>
+            <a:pPr algn="just" fontAlgn="base"/>
+            <a:r>
+              <a:rPr lang="en-US" b="1" i="0" dirty="0" err="1">
+                <a:solidFill>
+                  <a:srgbClr val="000000"/>
+                </a:solidFill>
+                <a:effectLst/>
+                <a:latin typeface="Segoe UI" panose="020B0502040204020203" pitchFamily="34" charset="0"/>
+                <a:cs typeface="Segoe UI" panose="020B0502040204020203" pitchFamily="34" charset="0"/>
+              </a:rPr>
+              <a:t>GetRange</a:t>
+            </a:r>
+            <a:r>
+              <a:rPr lang="en-US" b="1" i="0" dirty="0">
+                <a:solidFill>
+                  <a:srgbClr val="000000"/>
+                </a:solidFill>
+                <a:effectLst/>
+                <a:latin typeface="Segoe UI" panose="020B0502040204020203" pitchFamily="34" charset="0"/>
+                <a:cs typeface="Segoe UI" panose="020B0502040204020203" pitchFamily="34" charset="0"/>
+              </a:rPr>
+              <a:t>() Method: </a:t>
+            </a:r>
+            <a:endParaRPr lang="en-US" b="0" i="0" dirty="0">
+              <a:solidFill>
+                <a:srgbClr val="3A3A3A"/>
+              </a:solidFill>
+              <a:effectLst/>
+              <a:latin typeface="Segoe UI" panose="020B0502040204020203" pitchFamily="34" charset="0"/>
+              <a:cs typeface="Segoe UI" panose="020B0502040204020203" pitchFamily="34" charset="0"/>
+            </a:endParaRPr>
+          </a:p>
+          <a:p>
+            <a:pPr algn="just" fontAlgn="base"/>
+            <a:r>
+              <a:rPr lang="en-US" b="0" i="0" dirty="0">
+                <a:solidFill>
+                  <a:srgbClr val="000000"/>
+                </a:solidFill>
+                <a:effectLst/>
+                <a:latin typeface="Segoe UI" panose="020B0502040204020203" pitchFamily="34" charset="0"/>
+                <a:cs typeface="Segoe UI" panose="020B0502040204020203" pitchFamily="34" charset="0"/>
+              </a:rPr>
+              <a:t>In our previous article, we discussed that by using the index, we can retrieve only one element from the collection. In many real-time scenarios, we may need to retrieve a list of items from a collection. Then in such scenarios, we need to use the </a:t>
+            </a:r>
+            <a:r>
+              <a:rPr lang="en-US" b="0" i="0" dirty="0" err="1">
+                <a:solidFill>
+                  <a:srgbClr val="000000"/>
+                </a:solidFill>
+                <a:effectLst/>
+                <a:latin typeface="Segoe UI" panose="020B0502040204020203" pitchFamily="34" charset="0"/>
+                <a:cs typeface="Segoe UI" panose="020B0502040204020203" pitchFamily="34" charset="0"/>
+              </a:rPr>
+              <a:t>GetRange</a:t>
+            </a:r>
+            <a:r>
+              <a:rPr lang="en-US" b="0" i="0" dirty="0">
+                <a:solidFill>
+                  <a:srgbClr val="000000"/>
+                </a:solidFill>
+                <a:effectLst/>
+                <a:latin typeface="Segoe UI" panose="020B0502040204020203" pitchFamily="34" charset="0"/>
+                <a:cs typeface="Segoe UI" panose="020B0502040204020203" pitchFamily="34" charset="0"/>
+              </a:rPr>
+              <a:t>() method of the List class. The </a:t>
+            </a:r>
+            <a:r>
+              <a:rPr lang="en-US" b="0" i="0" dirty="0" err="1">
+                <a:solidFill>
+                  <a:srgbClr val="000000"/>
+                </a:solidFill>
+                <a:effectLst/>
+                <a:latin typeface="Segoe UI" panose="020B0502040204020203" pitchFamily="34" charset="0"/>
+                <a:cs typeface="Segoe UI" panose="020B0502040204020203" pitchFamily="34" charset="0"/>
+              </a:rPr>
+              <a:t>GetRange</a:t>
+            </a:r>
+            <a:r>
+              <a:rPr lang="en-US" b="0" i="0" dirty="0">
+                <a:solidFill>
+                  <a:srgbClr val="000000"/>
+                </a:solidFill>
+                <a:effectLst/>
+                <a:latin typeface="Segoe UI" panose="020B0502040204020203" pitchFamily="34" charset="0"/>
+                <a:cs typeface="Segoe UI" panose="020B0502040204020203" pitchFamily="34" charset="0"/>
+              </a:rPr>
+              <a:t>() method takes 2 parameters. The first parameter is the starting index position and the second parameter is the number of items to return from the list.</a:t>
+            </a:r>
+            <a:br>
+              <a:rPr lang="en-US" b="0" i="0" dirty="0">
+                <a:solidFill>
+                  <a:srgbClr val="212529"/>
+                </a:solidFill>
+                <a:effectLst/>
+                <a:latin typeface="Segoe UI" panose="020B0502040204020203" pitchFamily="34" charset="0"/>
+                <a:cs typeface="Segoe UI" panose="020B0502040204020203" pitchFamily="34" charset="0"/>
+              </a:rPr>
+            </a:br>
+            <a:r>
+              <a:rPr lang="en-US" b="1" i="0" dirty="0">
+                <a:solidFill>
+                  <a:srgbClr val="000000"/>
+                </a:solidFill>
+                <a:effectLst/>
+                <a:latin typeface="Segoe UI" panose="020B0502040204020203" pitchFamily="34" charset="0"/>
+                <a:cs typeface="Segoe UI" panose="020B0502040204020203" pitchFamily="34" charset="0"/>
+              </a:rPr>
+              <a:t>Syntax: </a:t>
+            </a:r>
+            <a:r>
+              <a:rPr lang="en-US" b="1" i="0" dirty="0" err="1">
+                <a:solidFill>
+                  <a:srgbClr val="0000FF"/>
+                </a:solidFill>
+                <a:effectLst/>
+                <a:latin typeface="Segoe UI" panose="020B0502040204020203" pitchFamily="34" charset="0"/>
+                <a:cs typeface="Segoe UI" panose="020B0502040204020203" pitchFamily="34" charset="0"/>
+              </a:rPr>
+              <a:t>GetRange</a:t>
+            </a:r>
+            <a:r>
+              <a:rPr lang="en-US" b="1" i="0" dirty="0">
+                <a:solidFill>
+                  <a:srgbClr val="0000FF"/>
+                </a:solidFill>
+                <a:effectLst/>
+                <a:latin typeface="Segoe UI" panose="020B0502040204020203" pitchFamily="34" charset="0"/>
+                <a:cs typeface="Segoe UI" panose="020B0502040204020203" pitchFamily="34" charset="0"/>
+              </a:rPr>
+              <a:t>(Int32, Int32)</a:t>
+            </a:r>
+            <a:endParaRPr lang="en-US" b="0" i="0" dirty="0">
+              <a:solidFill>
+                <a:srgbClr val="212529"/>
+              </a:solidFill>
+              <a:effectLst/>
+              <a:latin typeface="Segoe UI" panose="020B0502040204020203" pitchFamily="34" charset="0"/>
+              <a:cs typeface="Segoe UI" panose="020B0502040204020203" pitchFamily="34" charset="0"/>
+            </a:endParaRPr>
+          </a:p>
+          <a:p>
+            <a:pPr algn="just" fontAlgn="base"/>
+            <a:r>
+              <a:rPr lang="en-US" b="1" i="0" dirty="0" err="1">
+                <a:solidFill>
+                  <a:srgbClr val="000000"/>
+                </a:solidFill>
+                <a:effectLst/>
+                <a:latin typeface="Segoe UI" panose="020B0502040204020203" pitchFamily="34" charset="0"/>
+                <a:cs typeface="Segoe UI" panose="020B0502040204020203" pitchFamily="34" charset="0"/>
+              </a:rPr>
+              <a:t>InsertRange</a:t>
+            </a:r>
+            <a:r>
+              <a:rPr lang="en-US" b="1" i="0" dirty="0">
+                <a:solidFill>
+                  <a:srgbClr val="000000"/>
+                </a:solidFill>
+                <a:effectLst/>
+                <a:latin typeface="Segoe UI" panose="020B0502040204020203" pitchFamily="34" charset="0"/>
+                <a:cs typeface="Segoe UI" panose="020B0502040204020203" pitchFamily="34" charset="0"/>
+              </a:rPr>
+              <a:t>() Method:</a:t>
+            </a:r>
+            <a:endParaRPr lang="en-US" b="0" i="0" dirty="0">
+              <a:solidFill>
+                <a:srgbClr val="3A3A3A"/>
+              </a:solidFill>
+              <a:effectLst/>
+              <a:latin typeface="Segoe UI" panose="020B0502040204020203" pitchFamily="34" charset="0"/>
+              <a:cs typeface="Segoe UI" panose="020B0502040204020203" pitchFamily="34" charset="0"/>
+            </a:endParaRPr>
+          </a:p>
+          <a:p>
+            <a:pPr algn="just" fontAlgn="base"/>
+            <a:r>
+              <a:rPr lang="en-US" b="0" i="0" dirty="0">
+                <a:solidFill>
+                  <a:srgbClr val="000000"/>
+                </a:solidFill>
+                <a:effectLst/>
+                <a:latin typeface="Segoe UI" panose="020B0502040204020203" pitchFamily="34" charset="0"/>
+                <a:cs typeface="Segoe UI" panose="020B0502040204020203" pitchFamily="34" charset="0"/>
+              </a:rPr>
+              <a:t>The Insert() method of the Generic List collection class allows us to insert an element at a specified index position. If you want to insert another list of elements at a specified index, then you need to use the </a:t>
+            </a:r>
+            <a:r>
+              <a:rPr lang="en-US" b="0" i="0" dirty="0" err="1">
+                <a:solidFill>
+                  <a:srgbClr val="000000"/>
+                </a:solidFill>
+                <a:effectLst/>
+                <a:latin typeface="Segoe UI" panose="020B0502040204020203" pitchFamily="34" charset="0"/>
+                <a:cs typeface="Segoe UI" panose="020B0502040204020203" pitchFamily="34" charset="0"/>
+              </a:rPr>
+              <a:t>InsertRange</a:t>
+            </a:r>
+            <a:r>
+              <a:rPr lang="en-US" b="0" i="0" dirty="0">
+                <a:solidFill>
+                  <a:srgbClr val="000000"/>
+                </a:solidFill>
+                <a:effectLst/>
+                <a:latin typeface="Segoe UI" panose="020B0502040204020203" pitchFamily="34" charset="0"/>
+                <a:cs typeface="Segoe UI" panose="020B0502040204020203" pitchFamily="34" charset="0"/>
+              </a:rPr>
+              <a:t>() method of the List class. This method takes two parameters. The first parameter is the index position where it will insert the elements and the second parameter is the list of items that you want to insert into the collection.</a:t>
+            </a:r>
+            <a:br>
+              <a:rPr lang="en-US" b="0" i="0" dirty="0">
+                <a:solidFill>
+                  <a:srgbClr val="212529"/>
+                </a:solidFill>
+                <a:effectLst/>
+                <a:latin typeface="Segoe UI" panose="020B0502040204020203" pitchFamily="34" charset="0"/>
+                <a:cs typeface="Segoe UI" panose="020B0502040204020203" pitchFamily="34" charset="0"/>
+              </a:rPr>
+            </a:br>
+            <a:r>
+              <a:rPr lang="en-US" b="1" i="0" dirty="0">
+                <a:solidFill>
+                  <a:srgbClr val="000000"/>
+                </a:solidFill>
+                <a:effectLst/>
+                <a:latin typeface="Segoe UI" panose="020B0502040204020203" pitchFamily="34" charset="0"/>
+                <a:cs typeface="Segoe UI" panose="020B0502040204020203" pitchFamily="34" charset="0"/>
+              </a:rPr>
+              <a:t>Syntax: </a:t>
+            </a:r>
+            <a:r>
+              <a:rPr lang="en-US" b="1" i="0" dirty="0" err="1">
+                <a:solidFill>
+                  <a:srgbClr val="0000FF"/>
+                </a:solidFill>
+                <a:effectLst/>
+                <a:latin typeface="Segoe UI" panose="020B0502040204020203" pitchFamily="34" charset="0"/>
+                <a:cs typeface="Segoe UI" panose="020B0502040204020203" pitchFamily="34" charset="0"/>
+              </a:rPr>
+              <a:t>InsertRange</a:t>
+            </a:r>
+            <a:r>
+              <a:rPr lang="en-US" b="1" i="0" dirty="0">
+                <a:solidFill>
+                  <a:srgbClr val="0000FF"/>
+                </a:solidFill>
+                <a:effectLst/>
+                <a:latin typeface="Segoe UI" panose="020B0502040204020203" pitchFamily="34" charset="0"/>
+                <a:cs typeface="Segoe UI" panose="020B0502040204020203" pitchFamily="34" charset="0"/>
+              </a:rPr>
+              <a:t>(Int32, </a:t>
+            </a:r>
+            <a:r>
+              <a:rPr lang="en-US" b="1" i="0" dirty="0" err="1">
+                <a:solidFill>
+                  <a:srgbClr val="0000FF"/>
+                </a:solidFill>
+                <a:effectLst/>
+                <a:latin typeface="Segoe UI" panose="020B0502040204020203" pitchFamily="34" charset="0"/>
+                <a:cs typeface="Segoe UI" panose="020B0502040204020203" pitchFamily="34" charset="0"/>
+              </a:rPr>
+              <a:t>IEnumerable</a:t>
+            </a:r>
+            <a:r>
+              <a:rPr lang="en-US" b="1" i="0" dirty="0">
+                <a:solidFill>
+                  <a:srgbClr val="0000FF"/>
+                </a:solidFill>
+                <a:effectLst/>
+                <a:latin typeface="Segoe UI" panose="020B0502040204020203" pitchFamily="34" charset="0"/>
+                <a:cs typeface="Segoe UI" panose="020B0502040204020203" pitchFamily="34" charset="0"/>
+              </a:rPr>
+              <a:t>&lt;T&gt;)</a:t>
+            </a:r>
+            <a:endParaRPr lang="en-US" b="0" i="0" dirty="0">
+              <a:solidFill>
+                <a:srgbClr val="212529"/>
+              </a:solidFill>
+              <a:effectLst/>
+              <a:latin typeface="Segoe UI" panose="020B0502040204020203" pitchFamily="34" charset="0"/>
+              <a:cs typeface="Segoe UI" panose="020B0502040204020203" pitchFamily="34" charset="0"/>
+            </a:endParaRPr>
+          </a:p>
+          <a:p>
+            <a:pPr algn="just" fontAlgn="base"/>
+            <a:r>
+              <a:rPr lang="en-US" b="1" i="0" dirty="0" err="1">
+                <a:solidFill>
+                  <a:srgbClr val="000000"/>
+                </a:solidFill>
+                <a:effectLst/>
+                <a:latin typeface="Segoe UI" panose="020B0502040204020203" pitchFamily="34" charset="0"/>
+                <a:cs typeface="Segoe UI" panose="020B0502040204020203" pitchFamily="34" charset="0"/>
+              </a:rPr>
+              <a:t>RemoveRange</a:t>
+            </a:r>
+            <a:r>
+              <a:rPr lang="en-US" b="1" i="0" dirty="0">
+                <a:solidFill>
+                  <a:srgbClr val="000000"/>
+                </a:solidFill>
+                <a:effectLst/>
+                <a:latin typeface="Segoe UI" panose="020B0502040204020203" pitchFamily="34" charset="0"/>
+                <a:cs typeface="Segoe UI" panose="020B0502040204020203" pitchFamily="34" charset="0"/>
+              </a:rPr>
+              <a:t>() Method:</a:t>
+            </a:r>
+            <a:endParaRPr lang="en-US" b="0" i="0" dirty="0">
+              <a:solidFill>
+                <a:srgbClr val="3A3A3A"/>
+              </a:solidFill>
+              <a:effectLst/>
+              <a:latin typeface="Segoe UI" panose="020B0502040204020203" pitchFamily="34" charset="0"/>
+              <a:cs typeface="Segoe UI" panose="020B0502040204020203" pitchFamily="34" charset="0"/>
+            </a:endParaRPr>
+          </a:p>
+          <a:p>
+            <a:pPr algn="just" fontAlgn="base"/>
+            <a:r>
+              <a:rPr lang="en-US" b="0" i="0" dirty="0">
+                <a:solidFill>
+                  <a:srgbClr val="000000"/>
+                </a:solidFill>
+                <a:effectLst/>
+                <a:latin typeface="Segoe UI" panose="020B0502040204020203" pitchFamily="34" charset="0"/>
+                <a:cs typeface="Segoe UI" panose="020B0502040204020203" pitchFamily="34" charset="0"/>
+              </a:rPr>
+              <a:t>This </a:t>
+            </a:r>
+            <a:r>
+              <a:rPr lang="en-US" b="1" i="0" dirty="0" err="1">
+                <a:solidFill>
+                  <a:srgbClr val="000000"/>
+                </a:solidFill>
+                <a:effectLst/>
+                <a:latin typeface="Segoe UI" panose="020B0502040204020203" pitchFamily="34" charset="0"/>
+                <a:cs typeface="Segoe UI" panose="020B0502040204020203" pitchFamily="34" charset="0"/>
+              </a:rPr>
+              <a:t>RemoveAt</a:t>
+            </a:r>
+            <a:r>
+              <a:rPr lang="en-US" b="1" i="0" dirty="0">
+                <a:solidFill>
+                  <a:srgbClr val="000000"/>
+                </a:solidFill>
+                <a:effectLst/>
+                <a:latin typeface="Segoe UI" panose="020B0502040204020203" pitchFamily="34" charset="0"/>
+                <a:cs typeface="Segoe UI" panose="020B0502040204020203" pitchFamily="34" charset="0"/>
+              </a:rPr>
+              <a:t> </a:t>
+            </a:r>
+            <a:r>
+              <a:rPr lang="en-US" b="0" i="0" dirty="0">
+                <a:solidFill>
+                  <a:srgbClr val="000000"/>
+                </a:solidFill>
+                <a:effectLst/>
+                <a:latin typeface="Segoe UI" panose="020B0502040204020203" pitchFamily="34" charset="0"/>
+                <a:cs typeface="Segoe UI" panose="020B0502040204020203" pitchFamily="34" charset="0"/>
+              </a:rPr>
+              <a:t>takes the index position of the elements and then removes that element from the collection. If you want to remove a range of elements from a specified index position then you need to use the </a:t>
+            </a:r>
+            <a:r>
+              <a:rPr lang="en-US" b="0" i="0" dirty="0" err="1">
+                <a:solidFill>
+                  <a:srgbClr val="000000"/>
+                </a:solidFill>
+                <a:effectLst/>
+                <a:latin typeface="Segoe UI" panose="020B0502040204020203" pitchFamily="34" charset="0"/>
+                <a:cs typeface="Segoe UI" panose="020B0502040204020203" pitchFamily="34" charset="0"/>
+              </a:rPr>
+              <a:t>RemoveRange</a:t>
+            </a:r>
+            <a:r>
+              <a:rPr lang="en-US" b="0" i="0" dirty="0">
+                <a:solidFill>
+                  <a:srgbClr val="000000"/>
+                </a:solidFill>
+                <a:effectLst/>
+                <a:latin typeface="Segoe UI" panose="020B0502040204020203" pitchFamily="34" charset="0"/>
+                <a:cs typeface="Segoe UI" panose="020B0502040204020203" pitchFamily="34" charset="0"/>
+              </a:rPr>
+              <a:t>() method. This </a:t>
+            </a:r>
+            <a:r>
+              <a:rPr lang="en-US" b="0" i="0" dirty="0" err="1">
+                <a:solidFill>
+                  <a:srgbClr val="000000"/>
+                </a:solidFill>
+                <a:effectLst/>
+                <a:latin typeface="Segoe UI" panose="020B0502040204020203" pitchFamily="34" charset="0"/>
+                <a:cs typeface="Segoe UI" panose="020B0502040204020203" pitchFamily="34" charset="0"/>
+              </a:rPr>
+              <a:t>RemoveRange</a:t>
+            </a:r>
+            <a:r>
+              <a:rPr lang="en-US" b="0" i="0" dirty="0">
+                <a:solidFill>
+                  <a:srgbClr val="000000"/>
+                </a:solidFill>
+                <a:effectLst/>
+                <a:latin typeface="Segoe UI" panose="020B0502040204020203" pitchFamily="34" charset="0"/>
+                <a:cs typeface="Segoe UI" panose="020B0502040204020203" pitchFamily="34" charset="0"/>
+              </a:rPr>
+              <a:t>() method takes 2 parameters. The first parameter is the start index in the list and the second parameter is the number of elements to remove from the list.</a:t>
+            </a:r>
+            <a:br>
+              <a:rPr lang="en-US" b="0" i="0" dirty="0">
+                <a:solidFill>
+                  <a:srgbClr val="212529"/>
+                </a:solidFill>
+                <a:effectLst/>
+                <a:latin typeface="Segoe UI" panose="020B0502040204020203" pitchFamily="34" charset="0"/>
+                <a:cs typeface="Segoe UI" panose="020B0502040204020203" pitchFamily="34" charset="0"/>
+              </a:rPr>
+            </a:br>
+            <a:r>
+              <a:rPr lang="en-US" b="1" i="0" dirty="0">
+                <a:solidFill>
+                  <a:srgbClr val="000000"/>
+                </a:solidFill>
+                <a:effectLst/>
+                <a:latin typeface="Segoe UI" panose="020B0502040204020203" pitchFamily="34" charset="0"/>
+                <a:cs typeface="Segoe UI" panose="020B0502040204020203" pitchFamily="34" charset="0"/>
+              </a:rPr>
+              <a:t>Syntax: </a:t>
+            </a:r>
+            <a:r>
+              <a:rPr lang="en-US" b="1" i="0" dirty="0" err="1">
+                <a:solidFill>
+                  <a:srgbClr val="0000FF"/>
+                </a:solidFill>
+                <a:effectLst/>
+                <a:latin typeface="Segoe UI" panose="020B0502040204020203" pitchFamily="34" charset="0"/>
+                <a:cs typeface="Segoe UI" panose="020B0502040204020203" pitchFamily="34" charset="0"/>
+              </a:rPr>
+              <a:t>RemoveRange</a:t>
+            </a:r>
+            <a:r>
+              <a:rPr lang="en-US" b="1" i="0" dirty="0">
+                <a:solidFill>
+                  <a:srgbClr val="0000FF"/>
+                </a:solidFill>
+                <a:effectLst/>
+                <a:latin typeface="Segoe UI" panose="020B0502040204020203" pitchFamily="34" charset="0"/>
+                <a:cs typeface="Segoe UI" panose="020B0502040204020203" pitchFamily="34" charset="0"/>
+              </a:rPr>
+              <a:t>(Int32, Int32)</a:t>
+            </a:r>
+            <a:endParaRPr lang="en-US" b="0" i="0" dirty="0">
+              <a:solidFill>
+                <a:srgbClr val="212529"/>
+              </a:solidFill>
+              <a:effectLst/>
+              <a:latin typeface="Segoe UI" panose="020B0502040204020203" pitchFamily="34" charset="0"/>
+              <a:cs typeface="Segoe UI" panose="020B0502040204020203" pitchFamily="34" charset="0"/>
+            </a:endParaRPr>
+          </a:p>
+          <a:p>
+            <a:pPr algn="just" fontAlgn="base"/>
+            <a:r>
+              <a:rPr lang="en-US" b="1" i="0" dirty="0">
+                <a:solidFill>
+                  <a:srgbClr val="000000"/>
+                </a:solidFill>
+                <a:effectLst/>
+                <a:latin typeface="Segoe UI" panose="020B0502040204020203" pitchFamily="34" charset="0"/>
+                <a:cs typeface="Segoe UI" panose="020B0502040204020203" pitchFamily="34" charset="0"/>
+              </a:rPr>
+              <a:t>Note:</a:t>
+            </a:r>
+            <a:r>
+              <a:rPr lang="en-US" b="0" i="0" dirty="0">
+                <a:solidFill>
+                  <a:srgbClr val="000000"/>
+                </a:solidFill>
+                <a:effectLst/>
+                <a:latin typeface="Segoe UI" panose="020B0502040204020203" pitchFamily="34" charset="0"/>
+                <a:cs typeface="Segoe UI" panose="020B0502040204020203" pitchFamily="34" charset="0"/>
+              </a:rPr>
+              <a:t> The Remove method is used to remove only the first matching element from the list.</a:t>
+            </a:r>
+            <a:endParaRPr lang="en-US" b="0" i="0" dirty="0">
+              <a:solidFill>
+                <a:srgbClr val="212529"/>
+              </a:solidFill>
+              <a:effectLst/>
+              <a:latin typeface="Segoe UI" panose="020B0502040204020203" pitchFamily="34" charset="0"/>
+              <a:cs typeface="Segoe UI" panose="020B0502040204020203" pitchFamily="34" charset="0"/>
+            </a:endParaRPr>
+          </a:p>
+        </p:txBody>
+      </p:sp>
+    </p:spTree>
+    <p:extLst>
+      <p:ext uri="{BB962C8B-B14F-4D97-AF65-F5344CB8AC3E}">
+        <p14:creationId xmlns:p14="http://schemas.microsoft.com/office/powerpoint/2010/main" val="4226805584"/>
+      </p:ext>
+    </p:extLst>
+  </p:cSld>
+  <p:clrMapOvr>
+    <a:masterClrMapping/>
+  </p:clrMapOvr>
+</p:sld>
+</file>
+
+<file path=ppt/slides/slide8.xml><?xml version="1.0" encoding="utf-8"?>
+<p:sld xmlns:a="http://schemas.openxmlformats.org/drawingml/2006/main" xmlns:r="http://schemas.openxmlformats.org/officeDocument/2006/relationships" xmlns:p="http://schemas.openxmlformats.org/presentationml/2006/main">
+  <p:cSld>
+    <p:spTree>
+      <p:nvGrpSpPr>
+        <p:cNvPr id="1" name=""/>
+        <p:cNvGrpSpPr/>
+        <p:nvPr/>
+      </p:nvGrpSpPr>
+      <p:grpSpPr>
+        <a:xfrm>
+          <a:off x="0" y="0"/>
+          <a:ext cx="0" cy="0"/>
+          <a:chOff x="0" y="0"/>
+          <a:chExt cx="0" cy="0"/>
+        </a:xfrm>
+      </p:grpSpPr>
+      <p:sp>
+        <p:nvSpPr>
+          <p:cNvPr id="3" name="TextBox 2">
+            <a:extLst>
+              <a:ext uri="{FF2B5EF4-FFF2-40B4-BE49-F238E27FC236}">
+                <a16:creationId xmlns:a16="http://schemas.microsoft.com/office/drawing/2014/main" id="{E7CC18B0-A989-4A14-94B5-4AB2B39136D7}"/>
+              </a:ext>
+            </a:extLst>
+          </p:cNvPr>
+          <p:cNvSpPr txBox="1"/>
+          <p:nvPr/>
+        </p:nvSpPr>
+        <p:spPr>
+          <a:xfrm>
+            <a:off x="-1604" y="91220"/>
+            <a:ext cx="12193604" cy="1200329"/>
+          </a:xfrm>
+          <a:prstGeom prst="rect">
+            <a:avLst/>
+          </a:prstGeom>
+          <a:noFill/>
+        </p:spPr>
+        <p:txBody>
+          <a:bodyPr wrap="square">
+            <a:spAutoFit/>
+          </a:bodyPr>
+          <a:lstStyle/>
+          <a:p>
+            <a:pPr algn="l" fontAlgn="base"/>
+            <a:r>
+              <a:rPr lang="en-US" b="1" i="0" dirty="0">
+                <a:solidFill>
+                  <a:srgbClr val="000000"/>
+                </a:solidFill>
+                <a:effectLst/>
+                <a:latin typeface="Segoe UI" panose="020B0502040204020203" pitchFamily="34" charset="0"/>
+                <a:cs typeface="Segoe UI" panose="020B0502040204020203" pitchFamily="34" charset="0"/>
+              </a:rPr>
+              <a:t>How to Sort a List of Simple Types in C#?</a:t>
+            </a:r>
+            <a:endParaRPr lang="en-US" b="0" i="0" dirty="0">
+              <a:solidFill>
+                <a:srgbClr val="3A3A3A"/>
+              </a:solidFill>
+              <a:effectLst/>
+              <a:latin typeface="Segoe UI" panose="020B0502040204020203" pitchFamily="34" charset="0"/>
+              <a:cs typeface="Segoe UI" panose="020B0502040204020203" pitchFamily="34" charset="0"/>
+            </a:endParaRPr>
+          </a:p>
+          <a:p>
+            <a:pPr algn="just" fontAlgn="base"/>
+            <a:r>
+              <a:rPr lang="en-US" b="0" i="0" dirty="0">
+                <a:solidFill>
+                  <a:srgbClr val="000000"/>
+                </a:solidFill>
+                <a:effectLst/>
+                <a:latin typeface="Segoe UI" panose="020B0502040204020203" pitchFamily="34" charset="0"/>
+                <a:cs typeface="Segoe UI" panose="020B0502040204020203" pitchFamily="34" charset="0"/>
+              </a:rPr>
+              <a:t>In C#, sorting a list of simple types like int, double, char, string, etc. is straightforward. Here, we just need to call the Sort() method which is provided by the Generic List class on the list instance, and then the data will be automatically sorted in ascending order. </a:t>
+            </a:r>
+          </a:p>
+        </p:txBody>
+      </p:sp>
+      <p:sp>
+        <p:nvSpPr>
+          <p:cNvPr id="5" name="TextBox 4">
+            <a:extLst>
+              <a:ext uri="{FF2B5EF4-FFF2-40B4-BE49-F238E27FC236}">
+                <a16:creationId xmlns:a16="http://schemas.microsoft.com/office/drawing/2014/main" id="{4129C801-93FE-4BFC-8663-027A8FA34B73}"/>
+              </a:ext>
+            </a:extLst>
+          </p:cNvPr>
+          <p:cNvSpPr txBox="1"/>
+          <p:nvPr/>
+        </p:nvSpPr>
+        <p:spPr>
+          <a:xfrm>
+            <a:off x="77003" y="1252644"/>
+            <a:ext cx="9052560" cy="923330"/>
+          </a:xfrm>
+          <a:prstGeom prst="rect">
+            <a:avLst/>
+          </a:prstGeom>
+          <a:noFill/>
+        </p:spPr>
+        <p:txBody>
+          <a:bodyPr wrap="square">
+            <a:spAutoFit/>
+          </a:bodyPr>
+          <a:lstStyle/>
+          <a:p>
+            <a:pPr fontAlgn="base"/>
+            <a:r>
+              <a:rPr lang="en-US" i="0" dirty="0">
+                <a:solidFill>
+                  <a:srgbClr val="3A3AB9"/>
+                </a:solidFill>
+                <a:effectLst/>
+                <a:latin typeface="Consolas" panose="020B0609020204030204" pitchFamily="49" charset="0"/>
+              </a:rPr>
+              <a:t>List&lt;int&gt; </a:t>
+            </a:r>
+            <a:r>
+              <a:rPr lang="en-US" i="0" dirty="0" err="1">
+                <a:solidFill>
+                  <a:srgbClr val="3A3AB9"/>
+                </a:solidFill>
+                <a:effectLst/>
+                <a:latin typeface="Consolas" panose="020B0609020204030204" pitchFamily="49" charset="0"/>
+              </a:rPr>
+              <a:t>numbersList</a:t>
+            </a:r>
+            <a:r>
+              <a:rPr lang="en-US" i="0" dirty="0">
+                <a:solidFill>
+                  <a:srgbClr val="3A3AB9"/>
+                </a:solidFill>
+                <a:effectLst/>
+                <a:latin typeface="Consolas" panose="020B0609020204030204" pitchFamily="49" charset="0"/>
+              </a:rPr>
+              <a:t> = new List&lt;int&gt;{ 1, 8, 7, 5, 2, 3, 4, 9, 6 };</a:t>
+            </a:r>
+            <a:endParaRPr lang="en-US" dirty="0">
+              <a:solidFill>
+                <a:srgbClr val="3A3AB9"/>
+              </a:solidFill>
+              <a:latin typeface="Consolas" panose="020B0609020204030204" pitchFamily="49" charset="0"/>
+            </a:endParaRPr>
+          </a:p>
+          <a:p>
+            <a:pPr fontAlgn="base"/>
+            <a:r>
+              <a:rPr lang="en-US" i="0" dirty="0" err="1">
+                <a:solidFill>
+                  <a:srgbClr val="3A3AB9"/>
+                </a:solidFill>
+                <a:effectLst/>
+                <a:latin typeface="Consolas" panose="020B0609020204030204" pitchFamily="49" charset="0"/>
+              </a:rPr>
+              <a:t>numbersList.Sort</a:t>
+            </a:r>
+            <a:r>
+              <a:rPr lang="en-US" i="0" dirty="0">
+                <a:solidFill>
+                  <a:srgbClr val="3A3AB9"/>
+                </a:solidFill>
+                <a:effectLst/>
+                <a:latin typeface="Consolas" panose="020B0609020204030204" pitchFamily="49" charset="0"/>
+              </a:rPr>
+              <a:t>();</a:t>
+            </a:r>
+            <a:br>
+              <a:rPr lang="en-US" i="0" dirty="0">
+                <a:solidFill>
+                  <a:srgbClr val="3A3AB9"/>
+                </a:solidFill>
+                <a:effectLst/>
+                <a:latin typeface="Consolas" panose="020B0609020204030204" pitchFamily="49" charset="0"/>
+              </a:rPr>
+            </a:br>
+            <a:r>
+              <a:rPr lang="en-US" i="0" dirty="0" err="1">
+                <a:solidFill>
+                  <a:srgbClr val="3A3AB9"/>
+                </a:solidFill>
+                <a:effectLst/>
+                <a:latin typeface="Consolas" panose="020B0609020204030204" pitchFamily="49" charset="0"/>
+              </a:rPr>
+              <a:t>numbersList.Reverse</a:t>
+            </a:r>
+            <a:r>
+              <a:rPr lang="en-US" i="0" dirty="0">
+                <a:solidFill>
+                  <a:srgbClr val="3A3AB9"/>
+                </a:solidFill>
+                <a:effectLst/>
+                <a:latin typeface="Consolas" panose="020B0609020204030204" pitchFamily="49" charset="0"/>
+              </a:rPr>
+              <a:t>();</a:t>
+            </a:r>
+          </a:p>
+        </p:txBody>
+      </p:sp>
+      <p:sp>
+        <p:nvSpPr>
+          <p:cNvPr id="7" name="TextBox 6">
+            <a:extLst>
+              <a:ext uri="{FF2B5EF4-FFF2-40B4-BE49-F238E27FC236}">
+                <a16:creationId xmlns:a16="http://schemas.microsoft.com/office/drawing/2014/main" id="{A800FFFE-DB38-4AED-9743-CD2B2941A320}"/>
+              </a:ext>
+            </a:extLst>
+          </p:cNvPr>
+          <p:cNvSpPr txBox="1"/>
+          <p:nvPr/>
+        </p:nvSpPr>
+        <p:spPr>
+          <a:xfrm>
+            <a:off x="77003" y="2175974"/>
+            <a:ext cx="6150542" cy="4708981"/>
+          </a:xfrm>
+          <a:prstGeom prst="rect">
+            <a:avLst/>
+          </a:prstGeom>
+          <a:noFill/>
+        </p:spPr>
+        <p:txBody>
+          <a:bodyPr wrap="square">
+            <a:spAutoFit/>
+          </a:bodyPr>
+          <a:lstStyle/>
+          <a:p>
+            <a:pPr algn="l" fontAlgn="base"/>
+            <a:r>
+              <a:rPr lang="en-US" sz="1500" b="0" i="0" dirty="0">
+                <a:solidFill>
+                  <a:srgbClr val="3A3AB9"/>
+                </a:solidFill>
+                <a:effectLst/>
+                <a:latin typeface="Consolas" panose="020B0609020204030204" pitchFamily="49" charset="0"/>
+                <a:cs typeface="Segoe UI" panose="020B0502040204020203" pitchFamily="34" charset="0"/>
+              </a:rPr>
+              <a:t>List</a:t>
+            </a:r>
+            <a:r>
+              <a:rPr lang="en-US" sz="1500" b="1" i="0" dirty="0">
+                <a:solidFill>
+                  <a:srgbClr val="3A3AB9"/>
+                </a:solidFill>
+                <a:effectLst/>
+                <a:latin typeface="Consolas" panose="020B0609020204030204" pitchFamily="49" charset="0"/>
+                <a:cs typeface="Segoe UI" panose="020B0502040204020203" pitchFamily="34" charset="0"/>
+              </a:rPr>
+              <a:t>&lt;int&gt;</a:t>
+            </a:r>
+            <a:r>
+              <a:rPr lang="en-US" sz="1500" b="0" i="0" dirty="0">
+                <a:solidFill>
+                  <a:srgbClr val="3A3AB9"/>
+                </a:solidFill>
+                <a:effectLst/>
+                <a:latin typeface="Consolas" panose="020B0609020204030204" pitchFamily="49" charset="0"/>
+                <a:cs typeface="Segoe UI" panose="020B0502040204020203" pitchFamily="34" charset="0"/>
+              </a:rPr>
+              <a:t> </a:t>
+            </a:r>
+            <a:r>
+              <a:rPr lang="en-US" sz="1500" b="0" i="0" dirty="0" err="1">
+                <a:solidFill>
+                  <a:srgbClr val="3A3AB9"/>
+                </a:solidFill>
+                <a:effectLst/>
+                <a:latin typeface="Consolas" panose="020B0609020204030204" pitchFamily="49" charset="0"/>
+                <a:cs typeface="Segoe UI" panose="020B0502040204020203" pitchFamily="34" charset="0"/>
+              </a:rPr>
+              <a:t>numbersList</a:t>
+            </a:r>
+            <a:r>
+              <a:rPr lang="en-US" sz="1500" b="0" i="0" dirty="0">
+                <a:solidFill>
+                  <a:srgbClr val="3A3AB9"/>
+                </a:solidFill>
+                <a:effectLst/>
+                <a:latin typeface="Consolas" panose="020B0609020204030204" pitchFamily="49" charset="0"/>
+                <a:cs typeface="Segoe UI" panose="020B0502040204020203" pitchFamily="34" charset="0"/>
+              </a:rPr>
+              <a:t> = new List</a:t>
+            </a:r>
+            <a:r>
+              <a:rPr lang="en-US" sz="1500" b="1" i="0" dirty="0">
+                <a:solidFill>
+                  <a:srgbClr val="3A3AB9"/>
+                </a:solidFill>
+                <a:effectLst/>
+                <a:latin typeface="Consolas" panose="020B0609020204030204" pitchFamily="49" charset="0"/>
+                <a:cs typeface="Segoe UI" panose="020B0502040204020203" pitchFamily="34" charset="0"/>
+              </a:rPr>
+              <a:t>&lt;int&gt;</a:t>
+            </a:r>
+            <a:r>
+              <a:rPr lang="en-US" sz="1500" b="0" i="0" dirty="0">
+                <a:solidFill>
+                  <a:srgbClr val="3A3AB9"/>
+                </a:solidFill>
+                <a:effectLst/>
+                <a:latin typeface="Consolas" panose="020B0609020204030204" pitchFamily="49" charset="0"/>
+                <a:cs typeface="Segoe UI" panose="020B0502040204020203" pitchFamily="34" charset="0"/>
+              </a:rPr>
+              <a:t> </a:t>
+            </a:r>
+            <a:r>
+              <a:rPr lang="en-US" sz="1500" b="1" i="0" dirty="0">
+                <a:solidFill>
+                  <a:srgbClr val="3A3AB9"/>
+                </a:solidFill>
+                <a:effectLst/>
+                <a:latin typeface="Consolas" panose="020B0609020204030204" pitchFamily="49" charset="0"/>
+                <a:cs typeface="Segoe UI" panose="020B0502040204020203" pitchFamily="34" charset="0"/>
+              </a:rPr>
+              <a:t>{</a:t>
+            </a:r>
+            <a:r>
+              <a:rPr lang="en-US" sz="1500" b="0" i="0" dirty="0">
+                <a:solidFill>
+                  <a:srgbClr val="3A3AB9"/>
+                </a:solidFill>
+                <a:effectLst/>
+                <a:latin typeface="Consolas" panose="020B0609020204030204" pitchFamily="49" charset="0"/>
+                <a:cs typeface="Segoe UI" panose="020B0502040204020203" pitchFamily="34" charset="0"/>
+              </a:rPr>
+              <a:t> 1, 8, 7, 5, 2, 3, 4, 9, 6 </a:t>
+            </a:r>
+            <a:r>
+              <a:rPr lang="en-US" sz="1500" b="1" i="0" dirty="0">
+                <a:solidFill>
+                  <a:srgbClr val="3A3AB9"/>
+                </a:solidFill>
+                <a:effectLst/>
+                <a:latin typeface="Consolas" panose="020B0609020204030204" pitchFamily="49" charset="0"/>
+                <a:cs typeface="Segoe UI" panose="020B0502040204020203" pitchFamily="34" charset="0"/>
+              </a:rPr>
+              <a:t>}</a:t>
+            </a:r>
+            <a:r>
+              <a:rPr lang="en-US" sz="1500" b="0" i="0" dirty="0">
+                <a:solidFill>
+                  <a:srgbClr val="3A3AB9"/>
+                </a:solidFill>
+                <a:effectLst/>
+                <a:latin typeface="Consolas" panose="020B0609020204030204" pitchFamily="49" charset="0"/>
+                <a:cs typeface="Segoe UI" panose="020B0502040204020203" pitchFamily="34" charset="0"/>
+              </a:rPr>
+              <a:t>;</a:t>
+            </a:r>
+          </a:p>
+          <a:p>
+            <a:pPr algn="l" fontAlgn="base"/>
+            <a:r>
+              <a:rPr lang="en-US" sz="1500" b="0" i="0" dirty="0" err="1">
+                <a:solidFill>
+                  <a:srgbClr val="3A3AB9"/>
+                </a:solidFill>
+                <a:effectLst/>
+                <a:latin typeface="Consolas" panose="020B0609020204030204" pitchFamily="49" charset="0"/>
+                <a:cs typeface="Segoe UI" panose="020B0502040204020203" pitchFamily="34" charset="0"/>
+              </a:rPr>
+              <a:t>Console.WriteLine</a:t>
+            </a:r>
+            <a:r>
+              <a:rPr lang="en-US" sz="1500" b="1" i="0" dirty="0">
+                <a:solidFill>
+                  <a:srgbClr val="3A3AB9"/>
+                </a:solidFill>
+                <a:effectLst/>
+                <a:latin typeface="Consolas" panose="020B0609020204030204" pitchFamily="49" charset="0"/>
+                <a:cs typeface="Segoe UI" panose="020B0502040204020203" pitchFamily="34" charset="0"/>
+              </a:rPr>
+              <a:t>(</a:t>
+            </a:r>
+            <a:r>
+              <a:rPr lang="en-US" sz="1500" b="0" i="0" dirty="0">
+                <a:solidFill>
+                  <a:srgbClr val="3A3AB9"/>
+                </a:solidFill>
+                <a:effectLst/>
+                <a:latin typeface="Consolas" panose="020B0609020204030204" pitchFamily="49" charset="0"/>
+                <a:cs typeface="Segoe UI" panose="020B0502040204020203" pitchFamily="34" charset="0"/>
+              </a:rPr>
+              <a:t>"Numbers before sorting"</a:t>
+            </a:r>
+            <a:r>
+              <a:rPr lang="en-US" sz="1500" b="1" i="0" dirty="0">
+                <a:solidFill>
+                  <a:srgbClr val="3A3AB9"/>
+                </a:solidFill>
+                <a:effectLst/>
+                <a:latin typeface="Consolas" panose="020B0609020204030204" pitchFamily="49" charset="0"/>
+                <a:cs typeface="Segoe UI" panose="020B0502040204020203" pitchFamily="34" charset="0"/>
+              </a:rPr>
+              <a:t>)</a:t>
+            </a:r>
+            <a:r>
+              <a:rPr lang="en-US" sz="1500" b="0" i="0" dirty="0">
+                <a:solidFill>
+                  <a:srgbClr val="3A3AB9"/>
+                </a:solidFill>
+                <a:effectLst/>
+                <a:latin typeface="Consolas" panose="020B0609020204030204" pitchFamily="49" charset="0"/>
+                <a:cs typeface="Segoe UI" panose="020B0502040204020203" pitchFamily="34" charset="0"/>
+              </a:rPr>
+              <a:t>;</a:t>
+            </a:r>
+          </a:p>
+          <a:p>
+            <a:pPr algn="l" fontAlgn="base"/>
+            <a:r>
+              <a:rPr lang="en-US" sz="1500" b="1" i="0" dirty="0">
+                <a:solidFill>
+                  <a:srgbClr val="3A3AB9"/>
+                </a:solidFill>
+                <a:effectLst/>
+                <a:latin typeface="Consolas" panose="020B0609020204030204" pitchFamily="49" charset="0"/>
+                <a:cs typeface="Segoe UI" panose="020B0502040204020203" pitchFamily="34" charset="0"/>
+              </a:rPr>
+              <a:t>foreach</a:t>
+            </a:r>
+            <a:r>
+              <a:rPr lang="en-US" sz="1500" b="0" i="0" dirty="0">
+                <a:solidFill>
+                  <a:srgbClr val="3A3AB9"/>
+                </a:solidFill>
+                <a:effectLst/>
+                <a:latin typeface="Consolas" panose="020B0609020204030204" pitchFamily="49" charset="0"/>
+                <a:cs typeface="Segoe UI" panose="020B0502040204020203" pitchFamily="34" charset="0"/>
+              </a:rPr>
+              <a:t> </a:t>
+            </a:r>
+            <a:r>
+              <a:rPr lang="en-US" sz="1500" b="1" i="0" dirty="0">
+                <a:solidFill>
+                  <a:srgbClr val="3A3AB9"/>
+                </a:solidFill>
+                <a:effectLst/>
+                <a:latin typeface="Consolas" panose="020B0609020204030204" pitchFamily="49" charset="0"/>
+                <a:cs typeface="Segoe UI" panose="020B0502040204020203" pitchFamily="34" charset="0"/>
+              </a:rPr>
+              <a:t>(int</a:t>
+            </a:r>
+            <a:r>
+              <a:rPr lang="en-US" sz="1500" b="0" i="0" dirty="0">
+                <a:solidFill>
+                  <a:srgbClr val="3A3AB9"/>
+                </a:solidFill>
+                <a:effectLst/>
+                <a:latin typeface="Consolas" panose="020B0609020204030204" pitchFamily="49" charset="0"/>
+                <a:cs typeface="Segoe UI" panose="020B0502040204020203" pitchFamily="34" charset="0"/>
+              </a:rPr>
+              <a:t> </a:t>
+            </a:r>
+            <a:r>
+              <a:rPr lang="en-US" sz="1500" b="0" i="0" dirty="0" err="1">
+                <a:solidFill>
+                  <a:srgbClr val="3A3AB9"/>
+                </a:solidFill>
+                <a:effectLst/>
+                <a:latin typeface="Consolas" panose="020B0609020204030204" pitchFamily="49" charset="0"/>
+                <a:cs typeface="Segoe UI" panose="020B0502040204020203" pitchFamily="34" charset="0"/>
+              </a:rPr>
+              <a:t>i</a:t>
+            </a:r>
+            <a:r>
+              <a:rPr lang="en-US" sz="1500" b="0" i="0" dirty="0">
+                <a:solidFill>
+                  <a:srgbClr val="3A3AB9"/>
+                </a:solidFill>
+                <a:effectLst/>
+                <a:latin typeface="Consolas" panose="020B0609020204030204" pitchFamily="49" charset="0"/>
+                <a:cs typeface="Segoe UI" panose="020B0502040204020203" pitchFamily="34" charset="0"/>
+              </a:rPr>
+              <a:t> in </a:t>
+            </a:r>
+            <a:r>
+              <a:rPr lang="en-US" sz="1500" b="0" i="0" dirty="0" err="1">
+                <a:solidFill>
+                  <a:srgbClr val="3A3AB9"/>
+                </a:solidFill>
+                <a:effectLst/>
+                <a:latin typeface="Consolas" panose="020B0609020204030204" pitchFamily="49" charset="0"/>
+                <a:cs typeface="Segoe UI" panose="020B0502040204020203" pitchFamily="34" charset="0"/>
+              </a:rPr>
+              <a:t>numbersList</a:t>
+            </a:r>
+            <a:r>
+              <a:rPr lang="en-US" sz="1500" b="1" i="0" dirty="0">
+                <a:solidFill>
+                  <a:srgbClr val="3A3AB9"/>
+                </a:solidFill>
+                <a:effectLst/>
+                <a:latin typeface="Consolas" panose="020B0609020204030204" pitchFamily="49" charset="0"/>
+                <a:cs typeface="Segoe UI" panose="020B0502040204020203" pitchFamily="34" charset="0"/>
+              </a:rPr>
+              <a:t>)</a:t>
+            </a:r>
+            <a:endParaRPr lang="en-US" sz="1500" b="0" i="0" dirty="0">
+              <a:solidFill>
+                <a:srgbClr val="3A3AB9"/>
+              </a:solidFill>
+              <a:effectLst/>
+              <a:latin typeface="Consolas" panose="020B0609020204030204" pitchFamily="49" charset="0"/>
+              <a:cs typeface="Segoe UI" panose="020B0502040204020203" pitchFamily="34" charset="0"/>
+            </a:endParaRPr>
+          </a:p>
+          <a:p>
+            <a:pPr algn="l" fontAlgn="base"/>
+            <a:r>
+              <a:rPr lang="en-US" sz="1500" b="1" i="0" dirty="0">
+                <a:solidFill>
+                  <a:srgbClr val="3A3AB9"/>
+                </a:solidFill>
+                <a:effectLst/>
+                <a:latin typeface="Consolas" panose="020B0609020204030204" pitchFamily="49" charset="0"/>
+                <a:cs typeface="Segoe UI" panose="020B0502040204020203" pitchFamily="34" charset="0"/>
+              </a:rPr>
+              <a:t>{</a:t>
+            </a:r>
+            <a:endParaRPr lang="en-US" sz="1500" b="0" i="0" dirty="0">
+              <a:solidFill>
+                <a:srgbClr val="3A3AB9"/>
+              </a:solidFill>
+              <a:effectLst/>
+              <a:latin typeface="Consolas" panose="020B0609020204030204" pitchFamily="49" charset="0"/>
+              <a:cs typeface="Segoe UI" panose="020B0502040204020203" pitchFamily="34" charset="0"/>
+            </a:endParaRPr>
+          </a:p>
+          <a:p>
+            <a:pPr algn="l" fontAlgn="base"/>
+            <a:r>
+              <a:rPr lang="en-US" sz="1500" b="0" i="0" dirty="0" err="1">
+                <a:solidFill>
+                  <a:srgbClr val="3A3AB9"/>
+                </a:solidFill>
+                <a:effectLst/>
+                <a:latin typeface="Consolas" panose="020B0609020204030204" pitchFamily="49" charset="0"/>
+                <a:cs typeface="Segoe UI" panose="020B0502040204020203" pitchFamily="34" charset="0"/>
+              </a:rPr>
+              <a:t>Console.WriteLine</a:t>
+            </a:r>
+            <a:r>
+              <a:rPr lang="en-US" sz="1500" b="1" i="0" dirty="0">
+                <a:solidFill>
+                  <a:srgbClr val="3A3AB9"/>
+                </a:solidFill>
+                <a:effectLst/>
+                <a:latin typeface="Consolas" panose="020B0609020204030204" pitchFamily="49" charset="0"/>
+                <a:cs typeface="Segoe UI" panose="020B0502040204020203" pitchFamily="34" charset="0"/>
+              </a:rPr>
+              <a:t>(</a:t>
+            </a:r>
+            <a:r>
+              <a:rPr lang="en-US" sz="1500" b="0" i="0" dirty="0" err="1">
+                <a:solidFill>
+                  <a:srgbClr val="3A3AB9"/>
+                </a:solidFill>
+                <a:effectLst/>
+                <a:latin typeface="Consolas" panose="020B0609020204030204" pitchFamily="49" charset="0"/>
+                <a:cs typeface="Segoe UI" panose="020B0502040204020203" pitchFamily="34" charset="0"/>
+              </a:rPr>
+              <a:t>i</a:t>
+            </a:r>
+            <a:r>
+              <a:rPr lang="en-US" sz="1500" b="1" i="0" dirty="0">
+                <a:solidFill>
+                  <a:srgbClr val="3A3AB9"/>
+                </a:solidFill>
+                <a:effectLst/>
+                <a:latin typeface="Consolas" panose="020B0609020204030204" pitchFamily="49" charset="0"/>
+                <a:cs typeface="Segoe UI" panose="020B0502040204020203" pitchFamily="34" charset="0"/>
+              </a:rPr>
+              <a:t>)</a:t>
+            </a:r>
+            <a:r>
+              <a:rPr lang="en-US" sz="1500" b="0" i="0" dirty="0">
+                <a:solidFill>
+                  <a:srgbClr val="3A3AB9"/>
+                </a:solidFill>
+                <a:effectLst/>
+                <a:latin typeface="Consolas" panose="020B0609020204030204" pitchFamily="49" charset="0"/>
+                <a:cs typeface="Segoe UI" panose="020B0502040204020203" pitchFamily="34" charset="0"/>
+              </a:rPr>
+              <a:t>;</a:t>
+            </a:r>
+          </a:p>
+          <a:p>
+            <a:pPr algn="l" fontAlgn="base"/>
+            <a:r>
+              <a:rPr lang="en-US" sz="1500" b="1" i="0" dirty="0">
+                <a:solidFill>
+                  <a:srgbClr val="3A3AB9"/>
+                </a:solidFill>
+                <a:effectLst/>
+                <a:latin typeface="Consolas" panose="020B0609020204030204" pitchFamily="49" charset="0"/>
+                <a:cs typeface="Segoe UI" panose="020B0502040204020203" pitchFamily="34" charset="0"/>
+              </a:rPr>
+              <a:t>}</a:t>
+            </a:r>
+            <a:endParaRPr lang="en-US" sz="1500" b="0" i="0" dirty="0">
+              <a:solidFill>
+                <a:srgbClr val="3A3AB9"/>
+              </a:solidFill>
+              <a:effectLst/>
+              <a:latin typeface="Consolas" panose="020B0609020204030204" pitchFamily="49" charset="0"/>
+              <a:cs typeface="Segoe UI" panose="020B0502040204020203" pitchFamily="34" charset="0"/>
+            </a:endParaRPr>
+          </a:p>
+          <a:p>
+            <a:pPr algn="l" fontAlgn="base"/>
+            <a:r>
+              <a:rPr lang="en-US" sz="1500" b="0" i="0" dirty="0">
+                <a:solidFill>
+                  <a:srgbClr val="3A3AB9"/>
+                </a:solidFill>
+                <a:effectLst/>
+                <a:latin typeface="Consolas" panose="020B0609020204030204" pitchFamily="49" charset="0"/>
+                <a:cs typeface="Segoe UI" panose="020B0502040204020203" pitchFamily="34" charset="0"/>
+              </a:rPr>
+              <a:t>// The Sort() of List Collection class</a:t>
+            </a:r>
+          </a:p>
+          <a:p>
+            <a:pPr algn="l" fontAlgn="base"/>
+            <a:r>
+              <a:rPr lang="en-US" sz="1500" b="0" i="0" dirty="0">
+                <a:solidFill>
+                  <a:srgbClr val="3A3AB9"/>
+                </a:solidFill>
+                <a:effectLst/>
+                <a:latin typeface="Consolas" panose="020B0609020204030204" pitchFamily="49" charset="0"/>
+                <a:cs typeface="Segoe UI" panose="020B0502040204020203" pitchFamily="34" charset="0"/>
+              </a:rPr>
+              <a:t>// will sort the data in ascending order </a:t>
+            </a:r>
+          </a:p>
+          <a:p>
+            <a:pPr algn="l" fontAlgn="base"/>
+            <a:r>
+              <a:rPr lang="en-US" sz="1500" b="0" i="0" dirty="0" err="1">
+                <a:solidFill>
+                  <a:srgbClr val="3A3AB9"/>
+                </a:solidFill>
+                <a:effectLst/>
+                <a:latin typeface="Consolas" panose="020B0609020204030204" pitchFamily="49" charset="0"/>
+                <a:cs typeface="Segoe UI" panose="020B0502040204020203" pitchFamily="34" charset="0"/>
+              </a:rPr>
+              <a:t>numbersList.Sort</a:t>
+            </a:r>
+            <a:r>
+              <a:rPr lang="en-US" sz="1500" b="1" i="0" dirty="0">
+                <a:solidFill>
+                  <a:srgbClr val="3A3AB9"/>
+                </a:solidFill>
+                <a:effectLst/>
+                <a:latin typeface="Consolas" panose="020B0609020204030204" pitchFamily="49" charset="0"/>
+                <a:cs typeface="Segoe UI" panose="020B0502040204020203" pitchFamily="34" charset="0"/>
+              </a:rPr>
+              <a:t>()</a:t>
+            </a:r>
+            <a:r>
+              <a:rPr lang="en-US" sz="1500" b="0" i="0" dirty="0">
+                <a:solidFill>
+                  <a:srgbClr val="3A3AB9"/>
+                </a:solidFill>
+                <a:effectLst/>
+                <a:latin typeface="Consolas" panose="020B0609020204030204" pitchFamily="49" charset="0"/>
+                <a:cs typeface="Segoe UI" panose="020B0502040204020203" pitchFamily="34" charset="0"/>
+              </a:rPr>
+              <a:t>;</a:t>
+            </a:r>
+          </a:p>
+          <a:p>
+            <a:pPr algn="l" fontAlgn="base"/>
+            <a:r>
+              <a:rPr lang="en-US" sz="1500" b="0" i="0" dirty="0" err="1">
+                <a:solidFill>
+                  <a:srgbClr val="3A3AB9"/>
+                </a:solidFill>
+                <a:effectLst/>
+                <a:latin typeface="Consolas" panose="020B0609020204030204" pitchFamily="49" charset="0"/>
+              </a:rPr>
+              <a:t>Console.WriteLine</a:t>
+            </a:r>
+            <a:r>
+              <a:rPr lang="en-US" sz="1500" b="1" i="0" dirty="0">
+                <a:solidFill>
+                  <a:srgbClr val="3A3AB9"/>
+                </a:solidFill>
+                <a:effectLst/>
+                <a:latin typeface="Consolas" panose="020B0609020204030204" pitchFamily="49" charset="0"/>
+              </a:rPr>
+              <a:t>(</a:t>
+            </a:r>
+            <a:r>
+              <a:rPr lang="en-US" sz="1500" b="0" i="0" dirty="0">
+                <a:solidFill>
+                  <a:srgbClr val="3A3AB9"/>
+                </a:solidFill>
+                <a:effectLst/>
+                <a:latin typeface="Consolas" panose="020B0609020204030204" pitchFamily="49" charset="0"/>
+              </a:rPr>
+              <a:t>"Numbers after sorting"</a:t>
+            </a:r>
+            <a:r>
+              <a:rPr lang="en-US" sz="1500" b="1" i="0" dirty="0">
+                <a:solidFill>
+                  <a:srgbClr val="3A3AB9"/>
+                </a:solidFill>
+                <a:effectLst/>
+                <a:latin typeface="Consolas" panose="020B0609020204030204" pitchFamily="49" charset="0"/>
+              </a:rPr>
+              <a:t>)</a:t>
+            </a:r>
+            <a:r>
+              <a:rPr lang="en-US" sz="1500" b="0" i="0" dirty="0">
+                <a:solidFill>
+                  <a:srgbClr val="3A3AB9"/>
+                </a:solidFill>
+                <a:effectLst/>
+                <a:latin typeface="Consolas" panose="020B0609020204030204" pitchFamily="49" charset="0"/>
+              </a:rPr>
+              <a:t>;</a:t>
+            </a:r>
+          </a:p>
+          <a:p>
+            <a:pPr algn="l" fontAlgn="base"/>
+            <a:r>
+              <a:rPr lang="en-US" sz="1500" b="1" i="0" dirty="0">
+                <a:solidFill>
+                  <a:srgbClr val="3A3AB9"/>
+                </a:solidFill>
+                <a:effectLst/>
+                <a:latin typeface="Consolas" panose="020B0609020204030204" pitchFamily="49" charset="0"/>
+              </a:rPr>
+              <a:t>foreach</a:t>
+            </a:r>
+            <a:r>
+              <a:rPr lang="en-US" sz="1500" b="0" i="0" dirty="0">
+                <a:solidFill>
+                  <a:srgbClr val="3A3AB9"/>
+                </a:solidFill>
+                <a:effectLst/>
+                <a:latin typeface="Consolas" panose="020B0609020204030204" pitchFamily="49" charset="0"/>
+              </a:rPr>
+              <a:t> </a:t>
+            </a:r>
+            <a:r>
+              <a:rPr lang="en-US" sz="1500" b="1" i="0" dirty="0">
+                <a:solidFill>
+                  <a:srgbClr val="3A3AB9"/>
+                </a:solidFill>
+                <a:effectLst/>
+                <a:latin typeface="Consolas" panose="020B0609020204030204" pitchFamily="49" charset="0"/>
+              </a:rPr>
+              <a:t>(int</a:t>
+            </a:r>
+            <a:r>
+              <a:rPr lang="en-US" sz="1500" b="0" i="0" dirty="0">
+                <a:solidFill>
+                  <a:srgbClr val="3A3AB9"/>
+                </a:solidFill>
+                <a:effectLst/>
+                <a:latin typeface="Consolas" panose="020B0609020204030204" pitchFamily="49" charset="0"/>
+              </a:rPr>
+              <a:t> </a:t>
+            </a:r>
+            <a:r>
+              <a:rPr lang="en-US" sz="1500" b="0" i="0" dirty="0" err="1">
+                <a:solidFill>
+                  <a:srgbClr val="3A3AB9"/>
+                </a:solidFill>
+                <a:effectLst/>
+                <a:latin typeface="Consolas" panose="020B0609020204030204" pitchFamily="49" charset="0"/>
+              </a:rPr>
+              <a:t>i</a:t>
+            </a:r>
+            <a:r>
+              <a:rPr lang="en-US" sz="1500" b="0" i="0" dirty="0">
+                <a:solidFill>
+                  <a:srgbClr val="3A3AB9"/>
+                </a:solidFill>
+                <a:effectLst/>
+                <a:latin typeface="Consolas" panose="020B0609020204030204" pitchFamily="49" charset="0"/>
+              </a:rPr>
+              <a:t> in </a:t>
+            </a:r>
+            <a:r>
+              <a:rPr lang="en-US" sz="1500" b="0" i="0" dirty="0" err="1">
+                <a:solidFill>
+                  <a:srgbClr val="3A3AB9"/>
+                </a:solidFill>
+                <a:effectLst/>
+                <a:latin typeface="Consolas" panose="020B0609020204030204" pitchFamily="49" charset="0"/>
+              </a:rPr>
+              <a:t>numbersList</a:t>
+            </a:r>
+            <a:r>
+              <a:rPr lang="en-US" sz="1500" b="1" i="0" dirty="0">
+                <a:solidFill>
+                  <a:srgbClr val="3A3AB9"/>
+                </a:solidFill>
+                <a:effectLst/>
+                <a:latin typeface="Consolas" panose="020B0609020204030204" pitchFamily="49" charset="0"/>
+              </a:rPr>
+              <a:t>)</a:t>
+            </a:r>
+            <a:endParaRPr lang="en-US" sz="1500" b="0" i="0" dirty="0">
+              <a:solidFill>
+                <a:srgbClr val="3A3AB9"/>
+              </a:solidFill>
+              <a:effectLst/>
+              <a:latin typeface="Consolas" panose="020B0609020204030204" pitchFamily="49" charset="0"/>
+            </a:endParaRPr>
+          </a:p>
+          <a:p>
+            <a:pPr algn="l" fontAlgn="base"/>
+            <a:r>
+              <a:rPr lang="en-US" sz="1500" b="1" i="0" dirty="0">
+                <a:solidFill>
+                  <a:srgbClr val="3A3AB9"/>
+                </a:solidFill>
+                <a:effectLst/>
+                <a:latin typeface="Consolas" panose="020B0609020204030204" pitchFamily="49" charset="0"/>
+              </a:rPr>
+              <a:t>{</a:t>
+            </a:r>
+            <a:endParaRPr lang="en-US" sz="1500" b="0" i="0" dirty="0">
+              <a:solidFill>
+                <a:srgbClr val="3A3AB9"/>
+              </a:solidFill>
+              <a:effectLst/>
+              <a:latin typeface="Consolas" panose="020B0609020204030204" pitchFamily="49" charset="0"/>
+            </a:endParaRPr>
+          </a:p>
+          <a:p>
+            <a:pPr algn="l" fontAlgn="base"/>
+            <a:r>
+              <a:rPr lang="en-US" sz="1500" b="0" i="0" dirty="0" err="1">
+                <a:solidFill>
+                  <a:srgbClr val="3A3AB9"/>
+                </a:solidFill>
+                <a:effectLst/>
+                <a:latin typeface="Consolas" panose="020B0609020204030204" pitchFamily="49" charset="0"/>
+              </a:rPr>
+              <a:t>Console.WriteLine</a:t>
+            </a:r>
+            <a:r>
+              <a:rPr lang="en-US" sz="1500" b="1" i="0" dirty="0">
+                <a:solidFill>
+                  <a:srgbClr val="3A3AB9"/>
+                </a:solidFill>
+                <a:effectLst/>
+                <a:latin typeface="Consolas" panose="020B0609020204030204" pitchFamily="49" charset="0"/>
+              </a:rPr>
+              <a:t>(</a:t>
+            </a:r>
+            <a:r>
+              <a:rPr lang="en-US" sz="1500" b="0" i="0" dirty="0" err="1">
+                <a:solidFill>
+                  <a:srgbClr val="3A3AB9"/>
+                </a:solidFill>
+                <a:effectLst/>
+                <a:latin typeface="Consolas" panose="020B0609020204030204" pitchFamily="49" charset="0"/>
+              </a:rPr>
+              <a:t>i</a:t>
+            </a:r>
+            <a:r>
+              <a:rPr lang="en-US" sz="1500" b="1" i="0" dirty="0">
+                <a:solidFill>
+                  <a:srgbClr val="3A3AB9"/>
+                </a:solidFill>
+                <a:effectLst/>
+                <a:latin typeface="Consolas" panose="020B0609020204030204" pitchFamily="49" charset="0"/>
+              </a:rPr>
+              <a:t>)</a:t>
+            </a:r>
+            <a:r>
+              <a:rPr lang="en-US" sz="1500" b="0" i="0" dirty="0">
+                <a:solidFill>
+                  <a:srgbClr val="3A3AB9"/>
+                </a:solidFill>
+                <a:effectLst/>
+                <a:latin typeface="Consolas" panose="020B0609020204030204" pitchFamily="49" charset="0"/>
+              </a:rPr>
+              <a:t>;</a:t>
+            </a:r>
+          </a:p>
+          <a:p>
+            <a:pPr algn="l" fontAlgn="base"/>
+            <a:r>
+              <a:rPr lang="en-US" sz="1500" b="1" i="0" dirty="0">
+                <a:solidFill>
+                  <a:srgbClr val="3A3AB9"/>
+                </a:solidFill>
+                <a:effectLst/>
+                <a:latin typeface="Consolas" panose="020B0609020204030204" pitchFamily="49" charset="0"/>
+              </a:rPr>
+              <a:t>}</a:t>
+            </a:r>
+            <a:endParaRPr lang="en-US" sz="1500" b="0" i="0" dirty="0">
+              <a:solidFill>
+                <a:srgbClr val="3A3AB9"/>
+              </a:solidFill>
+              <a:effectLst/>
+              <a:latin typeface="Consolas" panose="020B0609020204030204" pitchFamily="49" charset="0"/>
+            </a:endParaRPr>
+          </a:p>
+          <a:p>
+            <a:pPr algn="l" fontAlgn="base"/>
+            <a:r>
+              <a:rPr lang="en-US" sz="1500" b="0" i="0" dirty="0">
+                <a:solidFill>
+                  <a:srgbClr val="3A3AB9"/>
+                </a:solidFill>
+                <a:effectLst/>
+                <a:latin typeface="Consolas" panose="020B0609020204030204" pitchFamily="49" charset="0"/>
+              </a:rPr>
+              <a:t>// If you want to </a:t>
+            </a:r>
+            <a:r>
+              <a:rPr lang="en-US" sz="1500" b="0" i="0" dirty="0" err="1">
+                <a:solidFill>
+                  <a:srgbClr val="3A3AB9"/>
+                </a:solidFill>
+                <a:effectLst/>
+                <a:latin typeface="Consolas" panose="020B0609020204030204" pitchFamily="49" charset="0"/>
+              </a:rPr>
+              <a:t>to</a:t>
+            </a:r>
+            <a:r>
+              <a:rPr lang="en-US" sz="1500" b="0" i="0" dirty="0">
+                <a:solidFill>
+                  <a:srgbClr val="3A3AB9"/>
+                </a:solidFill>
+                <a:effectLst/>
+                <a:latin typeface="Consolas" panose="020B0609020204030204" pitchFamily="49" charset="0"/>
+              </a:rPr>
+              <a:t> retrieve data in descending order then use the </a:t>
+            </a:r>
+          </a:p>
+          <a:p>
+            <a:pPr algn="l" fontAlgn="base"/>
+            <a:r>
+              <a:rPr lang="en-US" sz="1500" b="0" i="0" dirty="0">
+                <a:solidFill>
+                  <a:srgbClr val="3A3AB9"/>
+                </a:solidFill>
+                <a:effectLst/>
+                <a:latin typeface="Consolas" panose="020B0609020204030204" pitchFamily="49" charset="0"/>
+              </a:rPr>
+              <a:t>//Reverse() method of the List collection class</a:t>
+            </a:r>
+          </a:p>
+          <a:p>
+            <a:pPr algn="l" fontAlgn="base"/>
+            <a:r>
+              <a:rPr lang="en-US" sz="1500" b="0" i="0" dirty="0" err="1">
+                <a:solidFill>
+                  <a:srgbClr val="3A3AB9"/>
+                </a:solidFill>
+                <a:effectLst/>
+                <a:latin typeface="Consolas" panose="020B0609020204030204" pitchFamily="49" charset="0"/>
+              </a:rPr>
+              <a:t>numbersList.Reverse</a:t>
+            </a:r>
+            <a:r>
+              <a:rPr lang="en-US" sz="1500" b="1" i="0" dirty="0">
+                <a:solidFill>
+                  <a:srgbClr val="3A3AB9"/>
+                </a:solidFill>
+                <a:effectLst/>
+                <a:latin typeface="Consolas" panose="020B0609020204030204" pitchFamily="49" charset="0"/>
+              </a:rPr>
+              <a:t>()</a:t>
+            </a:r>
+            <a:r>
+              <a:rPr lang="en-US" sz="1500" b="0" i="0" dirty="0">
+                <a:solidFill>
+                  <a:srgbClr val="3A3AB9"/>
+                </a:solidFill>
+                <a:effectLst/>
+                <a:latin typeface="Consolas" panose="020B0609020204030204" pitchFamily="49" charset="0"/>
+              </a:rPr>
+              <a:t>;</a:t>
+            </a:r>
+          </a:p>
+          <a:p>
+            <a:pPr algn="l" fontAlgn="base"/>
+            <a:endParaRPr lang="en-US" sz="1500" b="0" i="0" dirty="0">
+              <a:solidFill>
+                <a:srgbClr val="3A3AB9"/>
+              </a:solidFill>
+              <a:effectLst/>
+              <a:latin typeface="Consolas" panose="020B0609020204030204" pitchFamily="49" charset="0"/>
+              <a:cs typeface="Segoe UI" panose="020B0502040204020203" pitchFamily="34" charset="0"/>
+            </a:endParaRPr>
+          </a:p>
+        </p:txBody>
+      </p:sp>
+    </p:spTree>
+    <p:extLst>
+      <p:ext uri="{BB962C8B-B14F-4D97-AF65-F5344CB8AC3E}">
+        <p14:creationId xmlns:p14="http://schemas.microsoft.com/office/powerpoint/2010/main" val="897086098"/>
+      </p:ext>
+    </p:extLst>
+  </p:cSld>
+  <p:clrMapOvr>
+    <a:masterClrMapping/>
+  </p:clrMapOvr>
+</p:sld>
+</file>
+
+<file path=ppt/slides/slide9.xml><?xml version="1.0" encoding="utf-8"?>
+<p:sld xmlns:a="http://schemas.openxmlformats.org/drawingml/2006/main" xmlns:r="http://schemas.openxmlformats.org/officeDocument/2006/relationships" xmlns:p="http://schemas.openxmlformats.org/presentationml/2006/main">
+  <p:cSld>
+    <p:spTree>
+      <p:nvGrpSpPr>
+        <p:cNvPr id="1" name=""/>
+        <p:cNvGrpSpPr/>
+        <p:nvPr/>
+      </p:nvGrpSpPr>
+      <p:grpSpPr>
+        <a:xfrm>
+          <a:off x="0" y="0"/>
+          <a:ext cx="0" cy="0"/>
+          <a:chOff x="0" y="0"/>
+          <a:chExt cx="0" cy="0"/>
+        </a:xfrm>
+      </p:grpSpPr>
+      <p:sp>
+        <p:nvSpPr>
+          <p:cNvPr id="3" name="TextBox 2">
+            <a:extLst>
+              <a:ext uri="{FF2B5EF4-FFF2-40B4-BE49-F238E27FC236}">
+                <a16:creationId xmlns:a16="http://schemas.microsoft.com/office/drawing/2014/main" id="{5E6DB5DE-EDA6-4D76-A39D-B6AF2DA6A9B0}"/>
+              </a:ext>
+            </a:extLst>
+          </p:cNvPr>
+          <p:cNvSpPr txBox="1"/>
+          <p:nvPr/>
+        </p:nvSpPr>
+        <p:spPr>
+          <a:xfrm>
+            <a:off x="0" y="0"/>
+            <a:ext cx="12192000" cy="2031325"/>
+          </a:xfrm>
+          <a:prstGeom prst="rect">
+            <a:avLst/>
+          </a:prstGeom>
+          <a:noFill/>
+        </p:spPr>
+        <p:txBody>
+          <a:bodyPr wrap="square">
+            <a:spAutoFit/>
+          </a:bodyPr>
+          <a:lstStyle/>
+          <a:p>
+            <a:pPr algn="l" fontAlgn="base"/>
+            <a:r>
+              <a:rPr lang="en-US" b="1" i="0" dirty="0">
+                <a:solidFill>
+                  <a:srgbClr val="3A3A3A"/>
+                </a:solidFill>
+                <a:effectLst/>
+                <a:latin typeface="Segoe UI" panose="020B0502040204020203" pitchFamily="34" charset="0"/>
+                <a:cs typeface="Segoe UI" panose="020B0502040204020203" pitchFamily="34" charset="0"/>
+              </a:rPr>
+              <a:t>Implementing the </a:t>
+            </a:r>
+            <a:r>
+              <a:rPr lang="en-US" b="1" i="0" dirty="0" err="1">
+                <a:solidFill>
+                  <a:srgbClr val="000000"/>
+                </a:solidFill>
+                <a:effectLst/>
+                <a:latin typeface="Segoe UI" panose="020B0502040204020203" pitchFamily="34" charset="0"/>
+                <a:cs typeface="Segoe UI" panose="020B0502040204020203" pitchFamily="34" charset="0"/>
+              </a:rPr>
+              <a:t>IComparable</a:t>
+            </a:r>
+            <a:r>
+              <a:rPr lang="en-US" b="1" i="0" dirty="0">
+                <a:solidFill>
+                  <a:srgbClr val="000000"/>
+                </a:solidFill>
+                <a:effectLst/>
+                <a:latin typeface="Segoe UI" panose="020B0502040204020203" pitchFamily="34" charset="0"/>
+                <a:cs typeface="Segoe UI" panose="020B0502040204020203" pitchFamily="34" charset="0"/>
+              </a:rPr>
+              <a:t> interface in C#</a:t>
+            </a:r>
+            <a:endParaRPr lang="en-US" b="0" i="0" dirty="0">
+              <a:solidFill>
+                <a:srgbClr val="3A3A3A"/>
+              </a:solidFill>
+              <a:effectLst/>
+              <a:latin typeface="Segoe UI" panose="020B0502040204020203" pitchFamily="34" charset="0"/>
+              <a:cs typeface="Segoe UI" panose="020B0502040204020203" pitchFamily="34" charset="0"/>
+            </a:endParaRPr>
+          </a:p>
+          <a:p>
+            <a:pPr algn="just" fontAlgn="base"/>
+            <a:r>
+              <a:rPr lang="en-US" b="0" i="0" dirty="0">
+                <a:solidFill>
+                  <a:srgbClr val="000000"/>
+                </a:solidFill>
+                <a:effectLst/>
+                <a:latin typeface="Segoe UI" panose="020B0502040204020203" pitchFamily="34" charset="0"/>
+                <a:cs typeface="Segoe UI" panose="020B0502040204020203" pitchFamily="34" charset="0"/>
+              </a:rPr>
+              <a:t>Let see an example for better understanding. What we want is, we need to sort the employees based on the Salary. To do so, our Employee class should implement the </a:t>
+            </a:r>
+            <a:r>
+              <a:rPr lang="en-US" b="1" i="0" dirty="0" err="1">
+                <a:solidFill>
+                  <a:srgbClr val="000000"/>
+                </a:solidFill>
+                <a:effectLst/>
+                <a:latin typeface="Segoe UI" panose="020B0502040204020203" pitchFamily="34" charset="0"/>
+                <a:cs typeface="Segoe UI" panose="020B0502040204020203" pitchFamily="34" charset="0"/>
+              </a:rPr>
+              <a:t>IComparable</a:t>
+            </a:r>
+            <a:r>
+              <a:rPr lang="en-US" b="1" i="0" dirty="0">
+                <a:solidFill>
+                  <a:srgbClr val="000000"/>
+                </a:solidFill>
+                <a:effectLst/>
+                <a:latin typeface="Segoe UI" panose="020B0502040204020203" pitchFamily="34" charset="0"/>
+                <a:cs typeface="Segoe UI" panose="020B0502040204020203" pitchFamily="34" charset="0"/>
+              </a:rPr>
+              <a:t> </a:t>
+            </a:r>
+            <a:r>
+              <a:rPr lang="en-US" b="0" i="0" dirty="0">
+                <a:solidFill>
+                  <a:srgbClr val="000000"/>
+                </a:solidFill>
+                <a:effectLst/>
+                <a:latin typeface="Segoe UI" panose="020B0502040204020203" pitchFamily="34" charset="0"/>
+                <a:cs typeface="Segoe UI" panose="020B0502040204020203" pitchFamily="34" charset="0"/>
+              </a:rPr>
+              <a:t>interface and should provide an implementation for the </a:t>
+            </a:r>
+            <a:r>
+              <a:rPr lang="en-US" b="1" i="0" dirty="0" err="1">
+                <a:solidFill>
+                  <a:srgbClr val="000000"/>
+                </a:solidFill>
+                <a:effectLst/>
+                <a:latin typeface="Segoe UI" panose="020B0502040204020203" pitchFamily="34" charset="0"/>
+                <a:cs typeface="Segoe UI" panose="020B0502040204020203" pitchFamily="34" charset="0"/>
+              </a:rPr>
+              <a:t>CompareTo</a:t>
+            </a:r>
+            <a:r>
+              <a:rPr lang="en-US" b="1" i="0" dirty="0">
+                <a:solidFill>
+                  <a:srgbClr val="000000"/>
+                </a:solidFill>
+                <a:effectLst/>
+                <a:latin typeface="Segoe UI" panose="020B0502040204020203" pitchFamily="34" charset="0"/>
+                <a:cs typeface="Segoe UI" panose="020B0502040204020203" pitchFamily="34" charset="0"/>
+              </a:rPr>
+              <a:t>()</a:t>
+            </a:r>
+            <a:r>
+              <a:rPr lang="en-US" b="0" i="0" dirty="0">
+                <a:solidFill>
+                  <a:srgbClr val="000000"/>
+                </a:solidFill>
+                <a:effectLst/>
+                <a:latin typeface="Segoe UI" panose="020B0502040204020203" pitchFamily="34" charset="0"/>
+                <a:cs typeface="Segoe UI" panose="020B0502040204020203" pitchFamily="34" charset="0"/>
+              </a:rPr>
+              <a:t> method. This method will compare the current object (specified with this) and the object to be compared. The following code exactly does the same.</a:t>
+            </a:r>
+            <a:endParaRPr lang="en-US" b="0" i="0" dirty="0">
+              <a:solidFill>
+                <a:srgbClr val="212529"/>
+              </a:solidFill>
+              <a:effectLst/>
+              <a:latin typeface="Segoe UI" panose="020B0502040204020203" pitchFamily="34" charset="0"/>
+              <a:cs typeface="Segoe UI" panose="020B0502040204020203" pitchFamily="34" charset="0"/>
+            </a:endParaRPr>
+          </a:p>
+          <a:p>
+            <a:br>
+              <a:rPr lang="en-US" b="0" i="0" dirty="0">
+                <a:solidFill>
+                  <a:srgbClr val="596174"/>
+                </a:solidFill>
+                <a:effectLst/>
+                <a:latin typeface="Segoe UI" panose="020B0502040204020203" pitchFamily="34" charset="0"/>
+                <a:cs typeface="Segoe UI" panose="020B0502040204020203" pitchFamily="34" charset="0"/>
+              </a:rPr>
+            </a:br>
+            <a:endParaRPr lang="en-US" dirty="0">
+              <a:latin typeface="Segoe UI" panose="020B0502040204020203" pitchFamily="34" charset="0"/>
+              <a:cs typeface="Segoe UI" panose="020B0502040204020203" pitchFamily="34" charset="0"/>
+            </a:endParaRPr>
+          </a:p>
+        </p:txBody>
+      </p:sp>
+      <p:sp>
+        <p:nvSpPr>
+          <p:cNvPr id="6" name="TextBox 5">
+            <a:extLst>
+              <a:ext uri="{FF2B5EF4-FFF2-40B4-BE49-F238E27FC236}">
+                <a16:creationId xmlns:a16="http://schemas.microsoft.com/office/drawing/2014/main" id="{7C80CDF8-AE54-4F8E-9429-324A80BE71D6}"/>
+              </a:ext>
+            </a:extLst>
+          </p:cNvPr>
+          <p:cNvSpPr txBox="1"/>
+          <p:nvPr/>
+        </p:nvSpPr>
+        <p:spPr>
+          <a:xfrm>
+            <a:off x="115503" y="1628038"/>
+            <a:ext cx="10376033" cy="5016758"/>
+          </a:xfrm>
+          <a:prstGeom prst="rect">
+            <a:avLst/>
+          </a:prstGeom>
+          <a:noFill/>
+        </p:spPr>
+        <p:txBody>
+          <a:bodyPr wrap="square">
+            <a:spAutoFit/>
+          </a:bodyPr>
+          <a:lstStyle/>
+          <a:p>
+            <a:pPr algn="l" fontAlgn="base"/>
+            <a:r>
+              <a:rPr lang="en-US" sz="1600" b="1" i="0" dirty="0">
+                <a:solidFill>
+                  <a:srgbClr val="3A3AB9"/>
+                </a:solidFill>
+                <a:effectLst/>
+                <a:latin typeface="Consolas" panose="020B0609020204030204" pitchFamily="49" charset="0"/>
+              </a:rPr>
+              <a:t>public</a:t>
+            </a:r>
+            <a:r>
+              <a:rPr lang="en-US" sz="1600" b="0" i="0" dirty="0">
+                <a:solidFill>
+                  <a:srgbClr val="3A3AB9"/>
+                </a:solidFill>
+                <a:effectLst/>
+                <a:latin typeface="Consolas" panose="020B0609020204030204" pitchFamily="49" charset="0"/>
+              </a:rPr>
+              <a:t> </a:t>
+            </a:r>
+            <a:r>
+              <a:rPr lang="en-US" sz="1600" b="1" i="0" dirty="0">
+                <a:solidFill>
+                  <a:srgbClr val="3A3AB9"/>
+                </a:solidFill>
+                <a:effectLst/>
+                <a:latin typeface="Consolas" panose="020B0609020204030204" pitchFamily="49" charset="0"/>
+              </a:rPr>
+              <a:t>class</a:t>
+            </a:r>
+            <a:r>
+              <a:rPr lang="en-US" sz="1600" b="0" i="0" dirty="0">
+                <a:solidFill>
+                  <a:srgbClr val="3A3AB9"/>
+                </a:solidFill>
+                <a:effectLst/>
+                <a:latin typeface="Consolas" panose="020B0609020204030204" pitchFamily="49" charset="0"/>
+              </a:rPr>
+              <a:t> Employee : </a:t>
+            </a:r>
+            <a:r>
+              <a:rPr lang="en-US" sz="1600" b="0" i="0" dirty="0" err="1">
+                <a:solidFill>
+                  <a:srgbClr val="3A3AB9"/>
+                </a:solidFill>
+                <a:effectLst/>
+                <a:latin typeface="Consolas" panose="020B0609020204030204" pitchFamily="49" charset="0"/>
+              </a:rPr>
+              <a:t>IComparable</a:t>
+            </a:r>
+            <a:r>
+              <a:rPr lang="en-US" sz="1600" b="1" i="0" dirty="0">
+                <a:solidFill>
+                  <a:srgbClr val="3A3AB9"/>
+                </a:solidFill>
+                <a:effectLst/>
+                <a:latin typeface="Consolas" panose="020B0609020204030204" pitchFamily="49" charset="0"/>
+              </a:rPr>
+              <a:t>&lt;</a:t>
+            </a:r>
+            <a:r>
+              <a:rPr lang="en-US" sz="1600" b="0" i="0" dirty="0">
+                <a:solidFill>
+                  <a:srgbClr val="3A3AB9"/>
+                </a:solidFill>
+                <a:effectLst/>
+                <a:latin typeface="Consolas" panose="020B0609020204030204" pitchFamily="49" charset="0"/>
+              </a:rPr>
+              <a:t>Employee</a:t>
+            </a:r>
+            <a:r>
+              <a:rPr lang="en-US" sz="1600" b="1" i="0" dirty="0">
+                <a:solidFill>
+                  <a:srgbClr val="3A3AB9"/>
+                </a:solidFill>
+                <a:effectLst/>
+                <a:latin typeface="Consolas" panose="020B0609020204030204" pitchFamily="49" charset="0"/>
+              </a:rPr>
+              <a:t>&gt;</a:t>
+            </a:r>
+            <a:endParaRPr lang="en-US" sz="1600" b="0" i="0" dirty="0">
+              <a:solidFill>
+                <a:srgbClr val="3A3AB9"/>
+              </a:solidFill>
+              <a:effectLst/>
+              <a:latin typeface="Consolas" panose="020B0609020204030204" pitchFamily="49" charset="0"/>
+            </a:endParaRPr>
+          </a:p>
+          <a:p>
+            <a:pPr algn="l" fontAlgn="base"/>
+            <a:r>
+              <a:rPr lang="en-US" sz="1600" b="1" i="0" dirty="0">
+                <a:solidFill>
+                  <a:srgbClr val="3A3AB9"/>
+                </a:solidFill>
+                <a:effectLst/>
+                <a:latin typeface="Consolas" panose="020B0609020204030204" pitchFamily="49" charset="0"/>
+              </a:rPr>
+              <a:t>{</a:t>
+            </a:r>
+            <a:endParaRPr lang="en-US" sz="1600" b="0" i="0" dirty="0">
+              <a:solidFill>
+                <a:srgbClr val="3A3AB9"/>
+              </a:solidFill>
+              <a:effectLst/>
+              <a:latin typeface="Consolas" panose="020B0609020204030204" pitchFamily="49" charset="0"/>
+            </a:endParaRPr>
+          </a:p>
+          <a:p>
+            <a:pPr algn="l" fontAlgn="base"/>
+            <a:r>
+              <a:rPr lang="en-US" sz="1600" b="1" i="0" dirty="0">
+                <a:solidFill>
+                  <a:srgbClr val="3A3AB9"/>
+                </a:solidFill>
+                <a:effectLst/>
+                <a:latin typeface="Consolas" panose="020B0609020204030204" pitchFamily="49" charset="0"/>
+              </a:rPr>
+              <a:t>public</a:t>
+            </a:r>
+            <a:r>
+              <a:rPr lang="en-US" sz="1600" b="0" i="0" dirty="0">
+                <a:solidFill>
+                  <a:srgbClr val="3A3AB9"/>
+                </a:solidFill>
+                <a:effectLst/>
+                <a:latin typeface="Consolas" panose="020B0609020204030204" pitchFamily="49" charset="0"/>
+              </a:rPr>
+              <a:t> </a:t>
+            </a:r>
+            <a:r>
+              <a:rPr lang="en-US" sz="1600" b="1" i="0" dirty="0">
+                <a:solidFill>
+                  <a:srgbClr val="3A3AB9"/>
+                </a:solidFill>
+                <a:effectLst/>
+                <a:latin typeface="Consolas" panose="020B0609020204030204" pitchFamily="49" charset="0"/>
+              </a:rPr>
+              <a:t>int</a:t>
+            </a:r>
+            <a:r>
+              <a:rPr lang="en-US" sz="1600" b="0" i="0" dirty="0">
+                <a:solidFill>
+                  <a:srgbClr val="3A3AB9"/>
+                </a:solidFill>
+                <a:effectLst/>
+                <a:latin typeface="Consolas" panose="020B0609020204030204" pitchFamily="49" charset="0"/>
+              </a:rPr>
+              <a:t> ID </a:t>
+            </a:r>
+            <a:r>
+              <a:rPr lang="en-US" sz="1600" b="1" i="0" dirty="0">
+                <a:solidFill>
+                  <a:srgbClr val="3A3AB9"/>
+                </a:solidFill>
+                <a:effectLst/>
+                <a:latin typeface="Consolas" panose="020B0609020204030204" pitchFamily="49" charset="0"/>
+              </a:rPr>
+              <a:t>{</a:t>
+            </a:r>
+            <a:r>
+              <a:rPr lang="en-US" sz="1600" b="0" i="0" dirty="0">
+                <a:solidFill>
+                  <a:srgbClr val="3A3AB9"/>
+                </a:solidFill>
+                <a:effectLst/>
+                <a:latin typeface="Consolas" panose="020B0609020204030204" pitchFamily="49" charset="0"/>
+              </a:rPr>
+              <a:t> </a:t>
+            </a:r>
+            <a:r>
+              <a:rPr lang="en-US" sz="1600" b="1" i="0" dirty="0">
+                <a:solidFill>
+                  <a:srgbClr val="3A3AB9"/>
+                </a:solidFill>
+                <a:effectLst/>
+                <a:latin typeface="Consolas" panose="020B0609020204030204" pitchFamily="49" charset="0"/>
+              </a:rPr>
+              <a:t>get</a:t>
+            </a:r>
+            <a:r>
+              <a:rPr lang="en-US" sz="1600" b="0" i="0" dirty="0">
+                <a:solidFill>
+                  <a:srgbClr val="3A3AB9"/>
+                </a:solidFill>
+                <a:effectLst/>
+                <a:latin typeface="Consolas" panose="020B0609020204030204" pitchFamily="49" charset="0"/>
+              </a:rPr>
+              <a:t>; </a:t>
+            </a:r>
+            <a:r>
+              <a:rPr lang="en-US" sz="1600" b="1" i="0" dirty="0">
+                <a:solidFill>
+                  <a:srgbClr val="3A3AB9"/>
+                </a:solidFill>
+                <a:effectLst/>
+                <a:latin typeface="Consolas" panose="020B0609020204030204" pitchFamily="49" charset="0"/>
+              </a:rPr>
+              <a:t>set</a:t>
+            </a:r>
+            <a:r>
+              <a:rPr lang="en-US" sz="1600" b="0" i="0" dirty="0">
+                <a:solidFill>
+                  <a:srgbClr val="3A3AB9"/>
+                </a:solidFill>
+                <a:effectLst/>
+                <a:latin typeface="Consolas" panose="020B0609020204030204" pitchFamily="49" charset="0"/>
+              </a:rPr>
+              <a:t>; </a:t>
+            </a:r>
+            <a:r>
+              <a:rPr lang="en-US" sz="1600" b="1" i="0" dirty="0">
+                <a:solidFill>
+                  <a:srgbClr val="3A3AB9"/>
+                </a:solidFill>
+                <a:effectLst/>
+                <a:latin typeface="Consolas" panose="020B0609020204030204" pitchFamily="49" charset="0"/>
+              </a:rPr>
+              <a:t>}</a:t>
+            </a:r>
+            <a:endParaRPr lang="en-US" sz="1600" b="0" i="0" dirty="0">
+              <a:solidFill>
+                <a:srgbClr val="3A3AB9"/>
+              </a:solidFill>
+              <a:effectLst/>
+              <a:latin typeface="Consolas" panose="020B0609020204030204" pitchFamily="49" charset="0"/>
+            </a:endParaRPr>
+          </a:p>
+          <a:p>
+            <a:pPr algn="l" fontAlgn="base"/>
+            <a:r>
+              <a:rPr lang="en-US" sz="1600" b="1" i="0" dirty="0">
+                <a:solidFill>
+                  <a:srgbClr val="3A3AB9"/>
+                </a:solidFill>
+                <a:effectLst/>
+                <a:latin typeface="Consolas" panose="020B0609020204030204" pitchFamily="49" charset="0"/>
+              </a:rPr>
+              <a:t>public</a:t>
+            </a:r>
+            <a:r>
+              <a:rPr lang="en-US" sz="1600" b="0" i="0" dirty="0">
+                <a:solidFill>
+                  <a:srgbClr val="3A3AB9"/>
+                </a:solidFill>
+                <a:effectLst/>
+                <a:latin typeface="Consolas" panose="020B0609020204030204" pitchFamily="49" charset="0"/>
+              </a:rPr>
+              <a:t> string Name </a:t>
+            </a:r>
+            <a:r>
+              <a:rPr lang="en-US" sz="1600" b="1" i="0" dirty="0">
+                <a:solidFill>
+                  <a:srgbClr val="3A3AB9"/>
+                </a:solidFill>
+                <a:effectLst/>
+                <a:latin typeface="Consolas" panose="020B0609020204030204" pitchFamily="49" charset="0"/>
+              </a:rPr>
+              <a:t>{</a:t>
+            </a:r>
+            <a:r>
+              <a:rPr lang="en-US" sz="1600" b="0" i="0" dirty="0">
+                <a:solidFill>
+                  <a:srgbClr val="3A3AB9"/>
+                </a:solidFill>
+                <a:effectLst/>
+                <a:latin typeface="Consolas" panose="020B0609020204030204" pitchFamily="49" charset="0"/>
+              </a:rPr>
+              <a:t> </a:t>
+            </a:r>
+            <a:r>
+              <a:rPr lang="en-US" sz="1600" b="1" i="0" dirty="0">
+                <a:solidFill>
+                  <a:srgbClr val="3A3AB9"/>
+                </a:solidFill>
+                <a:effectLst/>
+                <a:latin typeface="Consolas" panose="020B0609020204030204" pitchFamily="49" charset="0"/>
+              </a:rPr>
+              <a:t>get</a:t>
+            </a:r>
+            <a:r>
+              <a:rPr lang="en-US" sz="1600" b="0" i="0" dirty="0">
+                <a:solidFill>
+                  <a:srgbClr val="3A3AB9"/>
+                </a:solidFill>
+                <a:effectLst/>
+                <a:latin typeface="Consolas" panose="020B0609020204030204" pitchFamily="49" charset="0"/>
+              </a:rPr>
+              <a:t>; </a:t>
+            </a:r>
+            <a:r>
+              <a:rPr lang="en-US" sz="1600" b="1" i="0" dirty="0">
+                <a:solidFill>
+                  <a:srgbClr val="3A3AB9"/>
+                </a:solidFill>
+                <a:effectLst/>
+                <a:latin typeface="Consolas" panose="020B0609020204030204" pitchFamily="49" charset="0"/>
+              </a:rPr>
+              <a:t>set</a:t>
+            </a:r>
+            <a:r>
+              <a:rPr lang="en-US" sz="1600" b="0" i="0" dirty="0">
+                <a:solidFill>
+                  <a:srgbClr val="3A3AB9"/>
+                </a:solidFill>
+                <a:effectLst/>
+                <a:latin typeface="Consolas" panose="020B0609020204030204" pitchFamily="49" charset="0"/>
+              </a:rPr>
+              <a:t>; </a:t>
+            </a:r>
+            <a:r>
+              <a:rPr lang="en-US" sz="1600" b="1" i="0" dirty="0">
+                <a:solidFill>
+                  <a:srgbClr val="3A3AB9"/>
+                </a:solidFill>
+                <a:effectLst/>
+                <a:latin typeface="Consolas" panose="020B0609020204030204" pitchFamily="49" charset="0"/>
+              </a:rPr>
+              <a:t>}</a:t>
+            </a:r>
+            <a:endParaRPr lang="en-US" sz="1600" b="0" i="0" dirty="0">
+              <a:solidFill>
+                <a:srgbClr val="3A3AB9"/>
+              </a:solidFill>
+              <a:effectLst/>
+              <a:latin typeface="Consolas" panose="020B0609020204030204" pitchFamily="49" charset="0"/>
+            </a:endParaRPr>
+          </a:p>
+          <a:p>
+            <a:pPr algn="l" fontAlgn="base"/>
+            <a:r>
+              <a:rPr lang="en-US" sz="1600" b="1" i="0" dirty="0">
+                <a:solidFill>
+                  <a:srgbClr val="3A3AB9"/>
+                </a:solidFill>
+                <a:effectLst/>
+                <a:latin typeface="Consolas" panose="020B0609020204030204" pitchFamily="49" charset="0"/>
+              </a:rPr>
+              <a:t>public</a:t>
+            </a:r>
+            <a:r>
+              <a:rPr lang="en-US" sz="1600" b="0" i="0" dirty="0">
+                <a:solidFill>
+                  <a:srgbClr val="3A3AB9"/>
+                </a:solidFill>
+                <a:effectLst/>
+                <a:latin typeface="Consolas" panose="020B0609020204030204" pitchFamily="49" charset="0"/>
+              </a:rPr>
+              <a:t> string Gender </a:t>
+            </a:r>
+            <a:r>
+              <a:rPr lang="en-US" sz="1600" b="1" i="0" dirty="0">
+                <a:solidFill>
+                  <a:srgbClr val="3A3AB9"/>
+                </a:solidFill>
+                <a:effectLst/>
+                <a:latin typeface="Consolas" panose="020B0609020204030204" pitchFamily="49" charset="0"/>
+              </a:rPr>
+              <a:t>{</a:t>
+            </a:r>
+            <a:r>
+              <a:rPr lang="en-US" sz="1600" b="0" i="0" dirty="0">
+                <a:solidFill>
+                  <a:srgbClr val="3A3AB9"/>
+                </a:solidFill>
+                <a:effectLst/>
+                <a:latin typeface="Consolas" panose="020B0609020204030204" pitchFamily="49" charset="0"/>
+              </a:rPr>
+              <a:t> </a:t>
+            </a:r>
+            <a:r>
+              <a:rPr lang="en-US" sz="1600" b="1" i="0" dirty="0">
+                <a:solidFill>
+                  <a:srgbClr val="3A3AB9"/>
+                </a:solidFill>
+                <a:effectLst/>
+                <a:latin typeface="Consolas" panose="020B0609020204030204" pitchFamily="49" charset="0"/>
+              </a:rPr>
+              <a:t>get</a:t>
+            </a:r>
+            <a:r>
+              <a:rPr lang="en-US" sz="1600" b="0" i="0" dirty="0">
+                <a:solidFill>
+                  <a:srgbClr val="3A3AB9"/>
+                </a:solidFill>
+                <a:effectLst/>
+                <a:latin typeface="Consolas" panose="020B0609020204030204" pitchFamily="49" charset="0"/>
+              </a:rPr>
+              <a:t>; </a:t>
+            </a:r>
+            <a:r>
+              <a:rPr lang="en-US" sz="1600" b="1" i="0" dirty="0">
+                <a:solidFill>
+                  <a:srgbClr val="3A3AB9"/>
+                </a:solidFill>
+                <a:effectLst/>
+                <a:latin typeface="Consolas" panose="020B0609020204030204" pitchFamily="49" charset="0"/>
+              </a:rPr>
+              <a:t>set</a:t>
+            </a:r>
+            <a:r>
+              <a:rPr lang="en-US" sz="1600" b="0" i="0" dirty="0">
+                <a:solidFill>
+                  <a:srgbClr val="3A3AB9"/>
+                </a:solidFill>
+                <a:effectLst/>
+                <a:latin typeface="Consolas" panose="020B0609020204030204" pitchFamily="49" charset="0"/>
+              </a:rPr>
+              <a:t>; </a:t>
+            </a:r>
+            <a:r>
+              <a:rPr lang="en-US" sz="1600" b="1" i="0" dirty="0">
+                <a:solidFill>
+                  <a:srgbClr val="3A3AB9"/>
+                </a:solidFill>
+                <a:effectLst/>
+                <a:latin typeface="Consolas" panose="020B0609020204030204" pitchFamily="49" charset="0"/>
+              </a:rPr>
+              <a:t>}</a:t>
+            </a:r>
+            <a:endParaRPr lang="en-US" sz="1600" b="0" i="0" dirty="0">
+              <a:solidFill>
+                <a:srgbClr val="3A3AB9"/>
+              </a:solidFill>
+              <a:effectLst/>
+              <a:latin typeface="Consolas" panose="020B0609020204030204" pitchFamily="49" charset="0"/>
+            </a:endParaRPr>
+          </a:p>
+          <a:p>
+            <a:pPr algn="l" fontAlgn="base"/>
+            <a:r>
+              <a:rPr lang="en-US" sz="1600" b="1" i="0" dirty="0">
+                <a:solidFill>
+                  <a:srgbClr val="3A3AB9"/>
+                </a:solidFill>
+                <a:effectLst/>
+                <a:latin typeface="Consolas" panose="020B0609020204030204" pitchFamily="49" charset="0"/>
+              </a:rPr>
+              <a:t>public</a:t>
+            </a:r>
+            <a:r>
+              <a:rPr lang="en-US" sz="1600" b="0" i="0" dirty="0">
+                <a:solidFill>
+                  <a:srgbClr val="3A3AB9"/>
+                </a:solidFill>
+                <a:effectLst/>
+                <a:latin typeface="Consolas" panose="020B0609020204030204" pitchFamily="49" charset="0"/>
+              </a:rPr>
+              <a:t> </a:t>
+            </a:r>
+            <a:r>
+              <a:rPr lang="en-US" sz="1600" b="1" i="0" dirty="0">
+                <a:solidFill>
+                  <a:srgbClr val="3A3AB9"/>
+                </a:solidFill>
+                <a:effectLst/>
+                <a:latin typeface="Consolas" panose="020B0609020204030204" pitchFamily="49" charset="0"/>
+              </a:rPr>
+              <a:t>int</a:t>
+            </a:r>
+            <a:r>
+              <a:rPr lang="en-US" sz="1600" b="0" i="0" dirty="0">
+                <a:solidFill>
+                  <a:srgbClr val="3A3AB9"/>
+                </a:solidFill>
+                <a:effectLst/>
+                <a:latin typeface="Consolas" panose="020B0609020204030204" pitchFamily="49" charset="0"/>
+              </a:rPr>
+              <a:t> Salary </a:t>
+            </a:r>
+            <a:r>
+              <a:rPr lang="en-US" sz="1600" b="1" i="0" dirty="0">
+                <a:solidFill>
+                  <a:srgbClr val="3A3AB9"/>
+                </a:solidFill>
+                <a:effectLst/>
+                <a:latin typeface="Consolas" panose="020B0609020204030204" pitchFamily="49" charset="0"/>
+              </a:rPr>
+              <a:t>{</a:t>
+            </a:r>
+            <a:r>
+              <a:rPr lang="en-US" sz="1600" b="0" i="0" dirty="0">
+                <a:solidFill>
+                  <a:srgbClr val="3A3AB9"/>
+                </a:solidFill>
+                <a:effectLst/>
+                <a:latin typeface="Consolas" panose="020B0609020204030204" pitchFamily="49" charset="0"/>
+              </a:rPr>
+              <a:t> </a:t>
+            </a:r>
+            <a:r>
+              <a:rPr lang="en-US" sz="1600" b="1" i="0" dirty="0">
+                <a:solidFill>
+                  <a:srgbClr val="3A3AB9"/>
+                </a:solidFill>
+                <a:effectLst/>
+                <a:latin typeface="Consolas" panose="020B0609020204030204" pitchFamily="49" charset="0"/>
+              </a:rPr>
+              <a:t>get</a:t>
+            </a:r>
+            <a:r>
+              <a:rPr lang="en-US" sz="1600" b="0" i="0" dirty="0">
+                <a:solidFill>
+                  <a:srgbClr val="3A3AB9"/>
+                </a:solidFill>
+                <a:effectLst/>
+                <a:latin typeface="Consolas" panose="020B0609020204030204" pitchFamily="49" charset="0"/>
+              </a:rPr>
+              <a:t>; </a:t>
+            </a:r>
+            <a:r>
+              <a:rPr lang="en-US" sz="1600" b="1" i="0" dirty="0">
+                <a:solidFill>
+                  <a:srgbClr val="3A3AB9"/>
+                </a:solidFill>
+                <a:effectLst/>
+                <a:latin typeface="Consolas" panose="020B0609020204030204" pitchFamily="49" charset="0"/>
+              </a:rPr>
+              <a:t>set</a:t>
+            </a:r>
+            <a:r>
+              <a:rPr lang="en-US" sz="1600" b="0" i="0" dirty="0">
+                <a:solidFill>
+                  <a:srgbClr val="3A3AB9"/>
+                </a:solidFill>
+                <a:effectLst/>
+                <a:latin typeface="Consolas" panose="020B0609020204030204" pitchFamily="49" charset="0"/>
+              </a:rPr>
+              <a:t>; </a:t>
+            </a:r>
+            <a:r>
+              <a:rPr lang="en-US" sz="1600" b="1" i="0" dirty="0">
+                <a:solidFill>
+                  <a:srgbClr val="3A3AB9"/>
+                </a:solidFill>
+                <a:effectLst/>
+                <a:latin typeface="Consolas" panose="020B0609020204030204" pitchFamily="49" charset="0"/>
+              </a:rPr>
+              <a:t>}</a:t>
+            </a:r>
+            <a:endParaRPr lang="en-US" sz="1600" b="0" i="0" dirty="0">
+              <a:solidFill>
+                <a:srgbClr val="3A3AB9"/>
+              </a:solidFill>
+              <a:effectLst/>
+              <a:latin typeface="Consolas" panose="020B0609020204030204" pitchFamily="49" charset="0"/>
+            </a:endParaRPr>
+          </a:p>
+          <a:p>
+            <a:pPr algn="l" fontAlgn="base"/>
+            <a:r>
+              <a:rPr lang="en-US" sz="1600" b="1" i="0" dirty="0">
+                <a:solidFill>
+                  <a:srgbClr val="3A3AB9"/>
+                </a:solidFill>
+                <a:effectLst/>
+                <a:latin typeface="Consolas" panose="020B0609020204030204" pitchFamily="49" charset="0"/>
+              </a:rPr>
+              <a:t>public</a:t>
+            </a:r>
+            <a:r>
+              <a:rPr lang="en-US" sz="1600" b="0" i="0" dirty="0">
+                <a:solidFill>
+                  <a:srgbClr val="3A3AB9"/>
+                </a:solidFill>
+                <a:effectLst/>
+                <a:latin typeface="Consolas" panose="020B0609020204030204" pitchFamily="49" charset="0"/>
+              </a:rPr>
+              <a:t> </a:t>
+            </a:r>
+            <a:r>
+              <a:rPr lang="en-US" sz="1600" b="1" i="0" dirty="0">
+                <a:solidFill>
+                  <a:srgbClr val="3A3AB9"/>
+                </a:solidFill>
+                <a:effectLst/>
+                <a:latin typeface="Consolas" panose="020B0609020204030204" pitchFamily="49" charset="0"/>
+              </a:rPr>
+              <a:t>int</a:t>
+            </a:r>
+            <a:r>
+              <a:rPr lang="en-US" sz="1600" b="0" i="0" dirty="0">
+                <a:solidFill>
+                  <a:srgbClr val="3A3AB9"/>
+                </a:solidFill>
+                <a:effectLst/>
+                <a:latin typeface="Consolas" panose="020B0609020204030204" pitchFamily="49" charset="0"/>
+              </a:rPr>
+              <a:t> </a:t>
+            </a:r>
+            <a:r>
+              <a:rPr lang="en-US" sz="1600" b="0" i="0" dirty="0" err="1">
+                <a:solidFill>
+                  <a:srgbClr val="3A3AB9"/>
+                </a:solidFill>
+                <a:effectLst/>
+                <a:latin typeface="Consolas" panose="020B0609020204030204" pitchFamily="49" charset="0"/>
+              </a:rPr>
+              <a:t>CompareTo</a:t>
+            </a:r>
+            <a:r>
+              <a:rPr lang="en-US" sz="1600" b="1" i="0" dirty="0">
+                <a:solidFill>
+                  <a:srgbClr val="3A3AB9"/>
+                </a:solidFill>
+                <a:effectLst/>
+                <a:latin typeface="Consolas" panose="020B0609020204030204" pitchFamily="49" charset="0"/>
+              </a:rPr>
+              <a:t>(</a:t>
+            </a:r>
+            <a:r>
+              <a:rPr lang="en-US" sz="1600" b="0" i="0" dirty="0">
+                <a:solidFill>
+                  <a:srgbClr val="3A3AB9"/>
+                </a:solidFill>
+                <a:effectLst/>
+                <a:latin typeface="Consolas" panose="020B0609020204030204" pitchFamily="49" charset="0"/>
+              </a:rPr>
+              <a:t>Employee obj</a:t>
+            </a:r>
+            <a:r>
+              <a:rPr lang="en-US" sz="1600" b="1" i="0" dirty="0">
+                <a:solidFill>
+                  <a:srgbClr val="3A3AB9"/>
+                </a:solidFill>
+                <a:effectLst/>
+                <a:latin typeface="Consolas" panose="020B0609020204030204" pitchFamily="49" charset="0"/>
+              </a:rPr>
+              <a:t>)</a:t>
+            </a:r>
+            <a:endParaRPr lang="en-US" sz="1600" b="0" i="0" dirty="0">
+              <a:solidFill>
+                <a:srgbClr val="3A3AB9"/>
+              </a:solidFill>
+              <a:effectLst/>
+              <a:latin typeface="Consolas" panose="020B0609020204030204" pitchFamily="49" charset="0"/>
+            </a:endParaRPr>
+          </a:p>
+          <a:p>
+            <a:pPr algn="l" fontAlgn="base"/>
+            <a:r>
+              <a:rPr lang="en-US" sz="1600" b="1" i="0" dirty="0">
+                <a:solidFill>
+                  <a:srgbClr val="3A3AB9"/>
+                </a:solidFill>
+                <a:effectLst/>
+                <a:latin typeface="Consolas" panose="020B0609020204030204" pitchFamily="49" charset="0"/>
+              </a:rPr>
+              <a:t>{</a:t>
+            </a:r>
+            <a:endParaRPr lang="en-US" sz="1600" b="0" i="0" dirty="0">
+              <a:solidFill>
+                <a:srgbClr val="3A3AB9"/>
+              </a:solidFill>
+              <a:effectLst/>
+              <a:latin typeface="Consolas" panose="020B0609020204030204" pitchFamily="49" charset="0"/>
+            </a:endParaRPr>
+          </a:p>
+          <a:p>
+            <a:pPr algn="l" fontAlgn="base"/>
+            <a:r>
+              <a:rPr lang="en-US" sz="1600" b="1" i="0" dirty="0">
+                <a:solidFill>
+                  <a:srgbClr val="3A3AB9"/>
+                </a:solidFill>
+                <a:effectLst/>
+                <a:latin typeface="Consolas" panose="020B0609020204030204" pitchFamily="49" charset="0"/>
+              </a:rPr>
+              <a:t>if</a:t>
+            </a:r>
+            <a:r>
+              <a:rPr lang="en-US" sz="1600" b="0" i="0" dirty="0">
+                <a:solidFill>
+                  <a:srgbClr val="3A3AB9"/>
+                </a:solidFill>
+                <a:effectLst/>
+                <a:latin typeface="Consolas" panose="020B0609020204030204" pitchFamily="49" charset="0"/>
+              </a:rPr>
+              <a:t> </a:t>
+            </a:r>
+            <a:r>
+              <a:rPr lang="en-US" sz="1600" b="1" i="0" dirty="0">
+                <a:solidFill>
+                  <a:srgbClr val="3A3AB9"/>
+                </a:solidFill>
+                <a:effectLst/>
+                <a:latin typeface="Consolas" panose="020B0609020204030204" pitchFamily="49" charset="0"/>
+              </a:rPr>
+              <a:t>(</a:t>
+            </a:r>
+            <a:r>
+              <a:rPr lang="en-US" sz="1600" b="0" i="0" dirty="0" err="1">
+                <a:solidFill>
+                  <a:srgbClr val="3A3AB9"/>
+                </a:solidFill>
+                <a:effectLst/>
+                <a:latin typeface="Consolas" panose="020B0609020204030204" pitchFamily="49" charset="0"/>
+              </a:rPr>
+              <a:t>this.Salary</a:t>
+            </a:r>
+            <a:r>
+              <a:rPr lang="en-US" sz="1600" b="0" i="0" dirty="0">
+                <a:solidFill>
+                  <a:srgbClr val="3A3AB9"/>
+                </a:solidFill>
+                <a:effectLst/>
+                <a:latin typeface="Consolas" panose="020B0609020204030204" pitchFamily="49" charset="0"/>
+              </a:rPr>
+              <a:t> </a:t>
+            </a:r>
+            <a:r>
+              <a:rPr lang="en-US" sz="1600" b="1" i="0" dirty="0">
+                <a:solidFill>
+                  <a:srgbClr val="3A3AB9"/>
+                </a:solidFill>
+                <a:effectLst/>
+                <a:latin typeface="Consolas" panose="020B0609020204030204" pitchFamily="49" charset="0"/>
+              </a:rPr>
+              <a:t>&gt;</a:t>
+            </a:r>
+            <a:r>
+              <a:rPr lang="en-US" sz="1600" b="0" i="0" dirty="0">
+                <a:solidFill>
+                  <a:srgbClr val="3A3AB9"/>
+                </a:solidFill>
+                <a:effectLst/>
+                <a:latin typeface="Consolas" panose="020B0609020204030204" pitchFamily="49" charset="0"/>
+              </a:rPr>
+              <a:t> </a:t>
+            </a:r>
+            <a:r>
+              <a:rPr lang="en-US" sz="1600" b="0" i="0" dirty="0" err="1">
+                <a:solidFill>
+                  <a:srgbClr val="3A3AB9"/>
+                </a:solidFill>
+                <a:effectLst/>
+                <a:latin typeface="Consolas" panose="020B0609020204030204" pitchFamily="49" charset="0"/>
+              </a:rPr>
+              <a:t>obj.Salary</a:t>
+            </a:r>
+            <a:r>
+              <a:rPr lang="en-US" sz="1600" b="1" i="0" dirty="0">
+                <a:solidFill>
+                  <a:srgbClr val="3A3AB9"/>
+                </a:solidFill>
+                <a:effectLst/>
+                <a:latin typeface="Consolas" panose="020B0609020204030204" pitchFamily="49" charset="0"/>
+              </a:rPr>
+              <a:t>)</a:t>
+            </a:r>
+            <a:endParaRPr lang="en-US" sz="1600" b="0" i="0" dirty="0">
+              <a:solidFill>
+                <a:srgbClr val="3A3AB9"/>
+              </a:solidFill>
+              <a:effectLst/>
+              <a:latin typeface="Consolas" panose="020B0609020204030204" pitchFamily="49" charset="0"/>
+            </a:endParaRPr>
+          </a:p>
+          <a:p>
+            <a:pPr algn="l" fontAlgn="base"/>
+            <a:r>
+              <a:rPr lang="en-US" sz="1600" b="1" i="0" dirty="0">
+                <a:solidFill>
+                  <a:srgbClr val="3A3AB9"/>
+                </a:solidFill>
+                <a:effectLst/>
+                <a:latin typeface="Consolas" panose="020B0609020204030204" pitchFamily="49" charset="0"/>
+              </a:rPr>
+              <a:t>{</a:t>
+            </a:r>
+            <a:endParaRPr lang="en-US" sz="1600" b="0" i="0" dirty="0">
+              <a:solidFill>
+                <a:srgbClr val="3A3AB9"/>
+              </a:solidFill>
+              <a:effectLst/>
+              <a:latin typeface="Consolas" panose="020B0609020204030204" pitchFamily="49" charset="0"/>
+            </a:endParaRPr>
+          </a:p>
+          <a:p>
+            <a:pPr algn="l" fontAlgn="base"/>
+            <a:r>
+              <a:rPr lang="en-US" sz="1600" b="1" i="0" dirty="0">
+                <a:solidFill>
+                  <a:srgbClr val="3A3AB9"/>
+                </a:solidFill>
+                <a:effectLst/>
+                <a:latin typeface="Consolas" panose="020B0609020204030204" pitchFamily="49" charset="0"/>
+              </a:rPr>
+              <a:t>return</a:t>
+            </a:r>
+            <a:r>
+              <a:rPr lang="en-US" sz="1600" b="0" i="0" dirty="0">
+                <a:solidFill>
+                  <a:srgbClr val="3A3AB9"/>
+                </a:solidFill>
+                <a:effectLst/>
+                <a:latin typeface="Consolas" panose="020B0609020204030204" pitchFamily="49" charset="0"/>
+              </a:rPr>
+              <a:t> 1;</a:t>
+            </a:r>
+          </a:p>
+          <a:p>
+            <a:pPr algn="l" fontAlgn="base"/>
+            <a:r>
+              <a:rPr lang="en-US" sz="1600" b="1" i="0" dirty="0">
+                <a:solidFill>
+                  <a:srgbClr val="3A3AB9"/>
+                </a:solidFill>
+                <a:effectLst/>
+                <a:latin typeface="Consolas" panose="020B0609020204030204" pitchFamily="49" charset="0"/>
+              </a:rPr>
+              <a:t>}</a:t>
+            </a:r>
+            <a:endParaRPr lang="en-US" sz="1600" b="0" i="0" dirty="0">
+              <a:solidFill>
+                <a:srgbClr val="3A3AB9"/>
+              </a:solidFill>
+              <a:effectLst/>
+              <a:latin typeface="Consolas" panose="020B0609020204030204" pitchFamily="49" charset="0"/>
+            </a:endParaRPr>
+          </a:p>
+          <a:p>
+            <a:pPr algn="l" fontAlgn="base"/>
+            <a:r>
+              <a:rPr lang="en-US" sz="1600" b="1" i="0" dirty="0">
+                <a:solidFill>
+                  <a:srgbClr val="3A3AB9"/>
+                </a:solidFill>
+                <a:effectLst/>
+                <a:latin typeface="Consolas" panose="020B0609020204030204" pitchFamily="49" charset="0"/>
+              </a:rPr>
+              <a:t>else</a:t>
+            </a:r>
+            <a:r>
+              <a:rPr lang="en-US" sz="1600" b="0" i="0" dirty="0">
+                <a:solidFill>
+                  <a:srgbClr val="3A3AB9"/>
+                </a:solidFill>
+                <a:effectLst/>
+                <a:latin typeface="Consolas" panose="020B0609020204030204" pitchFamily="49" charset="0"/>
+              </a:rPr>
+              <a:t> </a:t>
+            </a:r>
+            <a:r>
+              <a:rPr lang="en-US" sz="1600" b="1" i="0" dirty="0">
+                <a:solidFill>
+                  <a:srgbClr val="3A3AB9"/>
+                </a:solidFill>
+                <a:effectLst/>
+                <a:latin typeface="Consolas" panose="020B0609020204030204" pitchFamily="49" charset="0"/>
+              </a:rPr>
+              <a:t>if</a:t>
+            </a:r>
+            <a:r>
+              <a:rPr lang="en-US" sz="1600" b="0" i="0" dirty="0">
+                <a:solidFill>
+                  <a:srgbClr val="3A3AB9"/>
+                </a:solidFill>
+                <a:effectLst/>
+                <a:latin typeface="Consolas" panose="020B0609020204030204" pitchFamily="49" charset="0"/>
+              </a:rPr>
+              <a:t> </a:t>
+            </a:r>
+            <a:r>
+              <a:rPr lang="en-US" sz="1600" b="1" i="0" dirty="0">
+                <a:solidFill>
+                  <a:srgbClr val="3A3AB9"/>
+                </a:solidFill>
+                <a:effectLst/>
+                <a:latin typeface="Consolas" panose="020B0609020204030204" pitchFamily="49" charset="0"/>
+              </a:rPr>
+              <a:t>(</a:t>
+            </a:r>
+            <a:r>
+              <a:rPr lang="en-US" sz="1600" b="0" i="0" dirty="0" err="1">
+                <a:solidFill>
+                  <a:srgbClr val="3A3AB9"/>
+                </a:solidFill>
+                <a:effectLst/>
+                <a:latin typeface="Consolas" panose="020B0609020204030204" pitchFamily="49" charset="0"/>
+              </a:rPr>
+              <a:t>this.Salary</a:t>
+            </a:r>
+            <a:r>
+              <a:rPr lang="en-US" sz="1600" b="0" i="0" dirty="0">
+                <a:solidFill>
+                  <a:srgbClr val="3A3AB9"/>
+                </a:solidFill>
+                <a:effectLst/>
+                <a:latin typeface="Consolas" panose="020B0609020204030204" pitchFamily="49" charset="0"/>
+              </a:rPr>
+              <a:t> </a:t>
+            </a:r>
+            <a:r>
+              <a:rPr lang="en-US" sz="1600" b="1" i="0" dirty="0">
+                <a:solidFill>
+                  <a:srgbClr val="3A3AB9"/>
+                </a:solidFill>
+                <a:effectLst/>
+                <a:latin typeface="Consolas" panose="020B0609020204030204" pitchFamily="49" charset="0"/>
+              </a:rPr>
+              <a:t>&lt;</a:t>
+            </a:r>
+            <a:r>
+              <a:rPr lang="en-US" sz="1600" b="0" i="0" dirty="0">
+                <a:solidFill>
+                  <a:srgbClr val="3A3AB9"/>
+                </a:solidFill>
+                <a:effectLst/>
+                <a:latin typeface="Consolas" panose="020B0609020204030204" pitchFamily="49" charset="0"/>
+              </a:rPr>
+              <a:t> </a:t>
+            </a:r>
+            <a:r>
+              <a:rPr lang="en-US" sz="1600" b="0" i="0" dirty="0" err="1">
+                <a:solidFill>
+                  <a:srgbClr val="3A3AB9"/>
+                </a:solidFill>
+                <a:effectLst/>
+                <a:latin typeface="Consolas" panose="020B0609020204030204" pitchFamily="49" charset="0"/>
+              </a:rPr>
+              <a:t>obj.Salary</a:t>
+            </a:r>
+            <a:r>
+              <a:rPr lang="en-US" sz="1600" b="1" i="0" dirty="0">
+                <a:solidFill>
+                  <a:srgbClr val="3A3AB9"/>
+                </a:solidFill>
+                <a:effectLst/>
+                <a:latin typeface="Consolas" panose="020B0609020204030204" pitchFamily="49" charset="0"/>
+              </a:rPr>
+              <a:t>)</a:t>
+            </a:r>
+            <a:endParaRPr lang="en-US" sz="1600" b="0" i="0" dirty="0">
+              <a:solidFill>
+                <a:srgbClr val="3A3AB9"/>
+              </a:solidFill>
+              <a:effectLst/>
+              <a:latin typeface="Consolas" panose="020B0609020204030204" pitchFamily="49" charset="0"/>
+            </a:endParaRPr>
+          </a:p>
+          <a:p>
+            <a:pPr algn="l" fontAlgn="base"/>
+            <a:r>
+              <a:rPr lang="en-US" sz="1600" b="1" i="0" dirty="0">
+                <a:solidFill>
+                  <a:srgbClr val="3A3AB9"/>
+                </a:solidFill>
+                <a:effectLst/>
+                <a:latin typeface="Consolas" panose="020B0609020204030204" pitchFamily="49" charset="0"/>
+              </a:rPr>
+              <a:t>{</a:t>
+            </a:r>
+            <a:endParaRPr lang="en-US" sz="1600" b="0" i="0" dirty="0">
+              <a:solidFill>
+                <a:srgbClr val="3A3AB9"/>
+              </a:solidFill>
+              <a:effectLst/>
+              <a:latin typeface="Consolas" panose="020B0609020204030204" pitchFamily="49" charset="0"/>
+            </a:endParaRPr>
+          </a:p>
+          <a:p>
+            <a:pPr algn="l" fontAlgn="base"/>
+            <a:r>
+              <a:rPr lang="en-US" sz="1600" b="1" i="0" dirty="0">
+                <a:solidFill>
+                  <a:srgbClr val="3A3AB9"/>
+                </a:solidFill>
+                <a:effectLst/>
+                <a:latin typeface="Consolas" panose="020B0609020204030204" pitchFamily="49" charset="0"/>
+              </a:rPr>
+              <a:t>return</a:t>
+            </a:r>
+            <a:r>
+              <a:rPr lang="en-US" sz="1600" b="0" i="0" dirty="0">
+                <a:solidFill>
+                  <a:srgbClr val="3A3AB9"/>
+                </a:solidFill>
+                <a:effectLst/>
+                <a:latin typeface="Consolas" panose="020B0609020204030204" pitchFamily="49" charset="0"/>
+              </a:rPr>
+              <a:t> -1;</a:t>
+            </a:r>
+          </a:p>
+          <a:p>
+            <a:pPr algn="l" fontAlgn="base"/>
+            <a:r>
+              <a:rPr lang="en-US" sz="1600" b="1" i="0" dirty="0">
+                <a:solidFill>
+                  <a:srgbClr val="3A3AB9"/>
+                </a:solidFill>
+                <a:effectLst/>
+                <a:latin typeface="Consolas" panose="020B0609020204030204" pitchFamily="49" charset="0"/>
+              </a:rPr>
+              <a:t>}</a:t>
+            </a:r>
+            <a:endParaRPr lang="en-US" sz="1600" b="0" i="0" dirty="0">
+              <a:solidFill>
+                <a:srgbClr val="3A3AB9"/>
+              </a:solidFill>
+              <a:effectLst/>
+              <a:latin typeface="Consolas" panose="020B0609020204030204" pitchFamily="49" charset="0"/>
+            </a:endParaRPr>
+          </a:p>
+          <a:p>
+            <a:pPr algn="l" fontAlgn="base"/>
+            <a:r>
+              <a:rPr lang="en-US" sz="1600" b="1" i="0" dirty="0">
+                <a:solidFill>
+                  <a:srgbClr val="3A3AB9"/>
+                </a:solidFill>
+                <a:effectLst/>
+                <a:latin typeface="Consolas" panose="020B0609020204030204" pitchFamily="49" charset="0"/>
+              </a:rPr>
+              <a:t>else</a:t>
+            </a:r>
+            <a:endParaRPr lang="en-US" sz="1600" b="0" i="0" dirty="0">
+              <a:solidFill>
+                <a:srgbClr val="3A3AB9"/>
+              </a:solidFill>
+              <a:effectLst/>
+              <a:latin typeface="Consolas" panose="020B0609020204030204" pitchFamily="49" charset="0"/>
+            </a:endParaRPr>
+          </a:p>
+          <a:p>
+            <a:pPr algn="l" fontAlgn="base"/>
+            <a:r>
+              <a:rPr lang="en-US" sz="1600" b="1" i="0" dirty="0">
+                <a:solidFill>
+                  <a:srgbClr val="3A3AB9"/>
+                </a:solidFill>
+                <a:effectLst/>
+                <a:latin typeface="Consolas" panose="020B0609020204030204" pitchFamily="49" charset="0"/>
+              </a:rPr>
+              <a:t>{</a:t>
+            </a:r>
+            <a:endParaRPr lang="en-US" sz="1600" b="0" i="0" dirty="0">
+              <a:solidFill>
+                <a:srgbClr val="3A3AB9"/>
+              </a:solidFill>
+              <a:effectLst/>
+              <a:latin typeface="Consolas" panose="020B0609020204030204" pitchFamily="49" charset="0"/>
+            </a:endParaRPr>
+          </a:p>
+          <a:p>
+            <a:pPr algn="l" fontAlgn="base"/>
+            <a:r>
+              <a:rPr lang="en-US" sz="1600" b="1" i="0" dirty="0">
+                <a:solidFill>
+                  <a:srgbClr val="3A3AB9"/>
+                </a:solidFill>
+                <a:effectLst/>
+                <a:latin typeface="Consolas" panose="020B0609020204030204" pitchFamily="49" charset="0"/>
+              </a:rPr>
+              <a:t>return</a:t>
+            </a:r>
+            <a:r>
+              <a:rPr lang="en-US" sz="1600" b="0" i="0" dirty="0">
+                <a:solidFill>
+                  <a:srgbClr val="3A3AB9"/>
+                </a:solidFill>
+                <a:effectLst/>
+                <a:latin typeface="Consolas" panose="020B0609020204030204" pitchFamily="49" charset="0"/>
+              </a:rPr>
+              <a:t> 0;</a:t>
+            </a:r>
+          </a:p>
+          <a:p>
+            <a:pPr algn="l" fontAlgn="base"/>
+            <a:r>
+              <a:rPr lang="en-US" sz="1600" b="1" i="0" dirty="0">
+                <a:solidFill>
+                  <a:srgbClr val="3A3AB9"/>
+                </a:solidFill>
+                <a:effectLst/>
+                <a:latin typeface="Consolas" panose="020B0609020204030204" pitchFamily="49" charset="0"/>
+              </a:rPr>
+              <a:t>}}}</a:t>
+            </a:r>
+            <a:endParaRPr lang="en-US" sz="1600" b="0" i="0" dirty="0">
+              <a:solidFill>
+                <a:srgbClr val="3A3AB9"/>
+              </a:solidFill>
+              <a:effectLst/>
+              <a:latin typeface="Consolas" panose="020B0609020204030204" pitchFamily="49" charset="0"/>
+            </a:endParaRPr>
+          </a:p>
+        </p:txBody>
+      </p:sp>
+    </p:spTree>
+    <p:extLst>
+      <p:ext uri="{BB962C8B-B14F-4D97-AF65-F5344CB8AC3E}">
+        <p14:creationId xmlns:p14="http://schemas.microsoft.com/office/powerpoint/2010/main" val="3656818204"/>
       </p:ext>
     </p:extLst>
   </p:cSld>

--- a/Collection.pptx
+++ b/Collection.pptx
@@ -14,6 +14,9 @@
     <p:sldId id="262" r:id="rId8"/>
     <p:sldId id="263" r:id="rId9"/>
     <p:sldId id="264" r:id="rId10"/>
+    <p:sldId id="265" r:id="rId11"/>
+    <p:sldId id="266" r:id="rId12"/>
+    <p:sldId id="267" r:id="rId13"/>
   </p:sldIdLst>
   <p:sldSz cx="12192000" cy="6858000"/>
   <p:notesSz cx="6858000" cy="9144000"/>
@@ -126,6 +129,9 @@
             <p14:sldId id="262"/>
             <p14:sldId id="263"/>
             <p14:sldId id="264"/>
+            <p14:sldId id="265"/>
+            <p14:sldId id="266"/>
+            <p14:sldId id="267"/>
           </p14:sldIdLst>
         </p14:section>
       </p14:sectionLst>
@@ -7830,6 +7836,3321 @@
 </p:sld>
 </file>
 
+<file path=ppt/slides/slide10.xml><?xml version="1.0" encoding="utf-8"?>
+<p:sld xmlns:a="http://schemas.openxmlformats.org/drawingml/2006/main" xmlns:r="http://schemas.openxmlformats.org/officeDocument/2006/relationships" xmlns:p="http://schemas.openxmlformats.org/presentationml/2006/main">
+  <p:cSld>
+    <p:spTree>
+      <p:nvGrpSpPr>
+        <p:cNvPr id="1" name=""/>
+        <p:cNvGrpSpPr/>
+        <p:nvPr/>
+      </p:nvGrpSpPr>
+      <p:grpSpPr>
+        <a:xfrm>
+          <a:off x="0" y="0"/>
+          <a:ext cx="0" cy="0"/>
+          <a:chOff x="0" y="0"/>
+          <a:chExt cx="0" cy="0"/>
+        </a:xfrm>
+      </p:grpSpPr>
+      <p:sp>
+        <p:nvSpPr>
+          <p:cNvPr id="3" name="TextBox 2">
+            <a:extLst>
+              <a:ext uri="{FF2B5EF4-FFF2-40B4-BE49-F238E27FC236}">
+                <a16:creationId xmlns:a16="http://schemas.microsoft.com/office/drawing/2014/main" id="{A098C125-F418-4235-A363-AC2BC0D95E19}"/>
+              </a:ext>
+            </a:extLst>
+          </p:cNvPr>
+          <p:cNvSpPr txBox="1"/>
+          <p:nvPr/>
+        </p:nvSpPr>
+        <p:spPr>
+          <a:xfrm>
+            <a:off x="0" y="0"/>
+            <a:ext cx="12192000" cy="1477328"/>
+          </a:xfrm>
+          <a:prstGeom prst="rect">
+            <a:avLst/>
+          </a:prstGeom>
+          <a:noFill/>
+        </p:spPr>
+        <p:txBody>
+          <a:bodyPr wrap="square">
+            <a:spAutoFit/>
+          </a:bodyPr>
+          <a:lstStyle/>
+          <a:p>
+            <a:pPr algn="just" fontAlgn="base"/>
+            <a:r>
+              <a:rPr lang="en-US" b="1" i="0" dirty="0">
+                <a:solidFill>
+                  <a:srgbClr val="000000"/>
+                </a:solidFill>
+                <a:effectLst/>
+                <a:latin typeface="Segoe UI" panose="020B0502040204020203" pitchFamily="34" charset="0"/>
+                <a:cs typeface="Segoe UI" panose="020B0502040204020203" pitchFamily="34" charset="0"/>
+              </a:rPr>
+              <a:t>What is Dictionary in C#?</a:t>
+            </a:r>
+            <a:endParaRPr lang="en-US" b="0" i="0" dirty="0">
+              <a:solidFill>
+                <a:srgbClr val="3A3A3A"/>
+              </a:solidFill>
+              <a:effectLst/>
+              <a:latin typeface="Segoe UI" panose="020B0502040204020203" pitchFamily="34" charset="0"/>
+              <a:cs typeface="Segoe UI" panose="020B0502040204020203" pitchFamily="34" charset="0"/>
+            </a:endParaRPr>
+          </a:p>
+          <a:p>
+            <a:pPr algn="just" fontAlgn="base"/>
+            <a:r>
+              <a:rPr lang="en-US" b="0" i="0" dirty="0">
+                <a:solidFill>
+                  <a:srgbClr val="000000"/>
+                </a:solidFill>
+                <a:effectLst/>
+                <a:latin typeface="Segoe UI" panose="020B0502040204020203" pitchFamily="34" charset="0"/>
+                <a:cs typeface="Segoe UI" panose="020B0502040204020203" pitchFamily="34" charset="0"/>
+              </a:rPr>
+              <a:t>The Dictionary in C# is a Collection class same as</a:t>
+            </a:r>
+            <a:r>
+              <a:rPr lang="en-US" b="0" i="0" dirty="0">
+                <a:solidFill>
+                  <a:srgbClr val="212529"/>
+                </a:solidFill>
+                <a:effectLst/>
+                <a:latin typeface="Segoe UI" panose="020B0502040204020203" pitchFamily="34" charset="0"/>
+                <a:cs typeface="Segoe UI" panose="020B0502040204020203" pitchFamily="34" charset="0"/>
+              </a:rPr>
+              <a:t> </a:t>
+            </a:r>
+            <a:r>
+              <a:rPr lang="en-US" b="1" i="0" u="none" strike="noStrike" dirty="0" err="1">
+                <a:solidFill>
+                  <a:srgbClr val="007BFF"/>
+                </a:solidFill>
+                <a:effectLst/>
+                <a:latin typeface="Segoe UI" panose="020B0502040204020203" pitchFamily="34" charset="0"/>
+                <a:cs typeface="Segoe UI" panose="020B0502040204020203" pitchFamily="34" charset="0"/>
+                <a:hlinkClick r:id="rId2"/>
+              </a:rPr>
+              <a:t>HashTable</a:t>
+            </a:r>
+            <a:r>
+              <a:rPr lang="en-US" b="1" i="0" dirty="0">
+                <a:solidFill>
+                  <a:srgbClr val="212529"/>
+                </a:solidFill>
+                <a:effectLst/>
+                <a:latin typeface="Segoe UI" panose="020B0502040204020203" pitchFamily="34" charset="0"/>
+                <a:cs typeface="Segoe UI" panose="020B0502040204020203" pitchFamily="34" charset="0"/>
+              </a:rPr>
+              <a:t> </a:t>
+            </a:r>
+            <a:r>
+              <a:rPr lang="en-US" b="0" i="0" dirty="0">
+                <a:solidFill>
+                  <a:srgbClr val="212529"/>
+                </a:solidFill>
+                <a:effectLst/>
+                <a:latin typeface="Segoe UI" panose="020B0502040204020203" pitchFamily="34" charset="0"/>
+                <a:cs typeface="Segoe UI" panose="020B0502040204020203" pitchFamily="34" charset="0"/>
+              </a:rPr>
+              <a:t>i.e. used to store the data in the form of Key-Value Pairs, </a:t>
+            </a:r>
+            <a:r>
+              <a:rPr lang="en-US" b="0" i="0" dirty="0">
+                <a:solidFill>
+                  <a:srgbClr val="000000"/>
+                </a:solidFill>
+                <a:effectLst/>
+                <a:latin typeface="Segoe UI" panose="020B0502040204020203" pitchFamily="34" charset="0"/>
+                <a:cs typeface="Segoe UI" panose="020B0502040204020203" pitchFamily="34" charset="0"/>
+              </a:rPr>
+              <a:t>but here while creating the dictionary object we need to specify the type for the keys as well as the type for values also. The Syntax is given below:</a:t>
+            </a:r>
+            <a:endParaRPr lang="en-US" b="0" i="0" dirty="0">
+              <a:solidFill>
+                <a:srgbClr val="212529"/>
+              </a:solidFill>
+              <a:effectLst/>
+              <a:latin typeface="Segoe UI" panose="020B0502040204020203" pitchFamily="34" charset="0"/>
+              <a:cs typeface="Segoe UI" panose="020B0502040204020203" pitchFamily="34" charset="0"/>
+            </a:endParaRPr>
+          </a:p>
+          <a:p>
+            <a:pPr algn="just" fontAlgn="base"/>
+            <a:r>
+              <a:rPr lang="en-US" b="1" i="0" dirty="0">
+                <a:solidFill>
+                  <a:srgbClr val="0000FF"/>
+                </a:solidFill>
+                <a:effectLst/>
+                <a:latin typeface="Segoe UI" panose="020B0502040204020203" pitchFamily="34" charset="0"/>
+                <a:cs typeface="Segoe UI" panose="020B0502040204020203" pitchFamily="34" charset="0"/>
+              </a:rPr>
+              <a:t>Dictionary&lt;</a:t>
+            </a:r>
+            <a:r>
+              <a:rPr lang="en-US" b="1" i="0" dirty="0" err="1">
+                <a:solidFill>
+                  <a:srgbClr val="0000FF"/>
+                </a:solidFill>
+                <a:effectLst/>
+                <a:latin typeface="Segoe UI" panose="020B0502040204020203" pitchFamily="34" charset="0"/>
+                <a:cs typeface="Segoe UI" panose="020B0502040204020203" pitchFamily="34" charset="0"/>
+              </a:rPr>
+              <a:t>TKey</a:t>
+            </a:r>
+            <a:r>
+              <a:rPr lang="en-US" b="1" i="0" dirty="0">
+                <a:solidFill>
+                  <a:srgbClr val="0000FF"/>
+                </a:solidFill>
+                <a:effectLst/>
+                <a:latin typeface="Segoe UI" panose="020B0502040204020203" pitchFamily="34" charset="0"/>
+                <a:cs typeface="Segoe UI" panose="020B0502040204020203" pitchFamily="34" charset="0"/>
+              </a:rPr>
+              <a:t>, TValue&gt; di = new Dictionary&lt;string, object&gt;();</a:t>
+            </a:r>
+            <a:endParaRPr lang="en-US" b="0" i="0" dirty="0">
+              <a:solidFill>
+                <a:srgbClr val="212529"/>
+              </a:solidFill>
+              <a:effectLst/>
+              <a:latin typeface="Segoe UI" panose="020B0502040204020203" pitchFamily="34" charset="0"/>
+              <a:cs typeface="Segoe UI" panose="020B0502040204020203" pitchFamily="34" charset="0"/>
+            </a:endParaRPr>
+          </a:p>
+        </p:txBody>
+      </p:sp>
+      <p:sp>
+        <p:nvSpPr>
+          <p:cNvPr id="5" name="TextBox 4">
+            <a:extLst>
+              <a:ext uri="{FF2B5EF4-FFF2-40B4-BE49-F238E27FC236}">
+                <a16:creationId xmlns:a16="http://schemas.microsoft.com/office/drawing/2014/main" id="{2A29168C-720D-4B6B-86F7-EB755E4848C3}"/>
+              </a:ext>
+            </a:extLst>
+          </p:cNvPr>
+          <p:cNvSpPr txBox="1"/>
+          <p:nvPr/>
+        </p:nvSpPr>
+        <p:spPr>
+          <a:xfrm>
+            <a:off x="-49730" y="1477328"/>
+            <a:ext cx="12192000" cy="1754326"/>
+          </a:xfrm>
+          <a:prstGeom prst="rect">
+            <a:avLst/>
+          </a:prstGeom>
+          <a:noFill/>
+        </p:spPr>
+        <p:txBody>
+          <a:bodyPr wrap="square">
+            <a:spAutoFit/>
+          </a:bodyPr>
+          <a:lstStyle/>
+          <a:p>
+            <a:pPr algn="just" fontAlgn="base"/>
+            <a:r>
+              <a:rPr lang="en-US" b="1" i="0" dirty="0">
+                <a:solidFill>
+                  <a:srgbClr val="000000"/>
+                </a:solidFill>
+                <a:effectLst/>
+                <a:latin typeface="Segoe UI" panose="020B0502040204020203" pitchFamily="34" charset="0"/>
+                <a:cs typeface="Segoe UI" panose="020B0502040204020203" pitchFamily="34" charset="0"/>
+              </a:rPr>
+              <a:t>Points to Remember while working with Dictionary Generic Collection:</a:t>
+            </a:r>
+            <a:endParaRPr lang="en-US" b="0" i="0" dirty="0">
+              <a:solidFill>
+                <a:srgbClr val="3A3A3A"/>
+              </a:solidFill>
+              <a:effectLst/>
+              <a:latin typeface="Segoe UI" panose="020B0502040204020203" pitchFamily="34" charset="0"/>
+              <a:cs typeface="Segoe UI" panose="020B0502040204020203" pitchFamily="34" charset="0"/>
+            </a:endParaRPr>
+          </a:p>
+          <a:p>
+            <a:pPr algn="just" fontAlgn="base">
+              <a:buFont typeface="+mj-lt"/>
+              <a:buAutoNum type="arabicPeriod"/>
+            </a:pPr>
+            <a:r>
+              <a:rPr lang="en-US" b="0" i="0" dirty="0">
+                <a:solidFill>
+                  <a:srgbClr val="000000"/>
+                </a:solidFill>
+                <a:effectLst/>
+                <a:latin typeface="Segoe UI" panose="020B0502040204020203" pitchFamily="34" charset="0"/>
+                <a:cs typeface="Segoe UI" panose="020B0502040204020203" pitchFamily="34" charset="0"/>
+              </a:rPr>
+              <a:t>A dictionary is a collection of </a:t>
+            </a:r>
+            <a:r>
+              <a:rPr lang="en-US" b="1" i="0" dirty="0">
+                <a:solidFill>
+                  <a:srgbClr val="000000"/>
+                </a:solidFill>
+                <a:effectLst/>
+                <a:latin typeface="Segoe UI" panose="020B0502040204020203" pitchFamily="34" charset="0"/>
+                <a:cs typeface="Segoe UI" panose="020B0502040204020203" pitchFamily="34" charset="0"/>
+              </a:rPr>
+              <a:t>key-value</a:t>
+            </a:r>
+            <a:r>
+              <a:rPr lang="en-US" b="0" i="0" dirty="0">
+                <a:solidFill>
+                  <a:srgbClr val="000000"/>
+                </a:solidFill>
+                <a:effectLst/>
+                <a:latin typeface="Segoe UI" panose="020B0502040204020203" pitchFamily="34" charset="0"/>
+                <a:cs typeface="Segoe UI" panose="020B0502040204020203" pitchFamily="34" charset="0"/>
+              </a:rPr>
+              <a:t> pairs.</a:t>
+            </a:r>
+            <a:endParaRPr lang="en-US" b="0" i="0" dirty="0">
+              <a:solidFill>
+                <a:srgbClr val="212529"/>
+              </a:solidFill>
+              <a:effectLst/>
+              <a:latin typeface="Segoe UI" panose="020B0502040204020203" pitchFamily="34" charset="0"/>
+              <a:cs typeface="Segoe UI" panose="020B0502040204020203" pitchFamily="34" charset="0"/>
+            </a:endParaRPr>
+          </a:p>
+          <a:p>
+            <a:pPr algn="just" fontAlgn="base">
+              <a:buFont typeface="+mj-lt"/>
+              <a:buAutoNum type="arabicPeriod"/>
+            </a:pPr>
+            <a:r>
+              <a:rPr lang="en-US" b="0" i="0" dirty="0">
+                <a:solidFill>
+                  <a:srgbClr val="000000"/>
+                </a:solidFill>
+                <a:effectLst/>
+                <a:latin typeface="Segoe UI" panose="020B0502040204020203" pitchFamily="34" charset="0"/>
+                <a:cs typeface="Segoe UI" panose="020B0502040204020203" pitchFamily="34" charset="0"/>
+              </a:rPr>
+              <a:t>The Dictionary Generic Collection class is present in </a:t>
+            </a:r>
+            <a:r>
+              <a:rPr lang="en-US" b="1" i="0" dirty="0" err="1">
+                <a:solidFill>
+                  <a:srgbClr val="000000"/>
+                </a:solidFill>
+                <a:effectLst/>
+                <a:latin typeface="Segoe UI" panose="020B0502040204020203" pitchFamily="34" charset="0"/>
+                <a:cs typeface="Segoe UI" panose="020B0502040204020203" pitchFamily="34" charset="0"/>
+              </a:rPr>
+              <a:t>System.Collections.Generic</a:t>
+            </a:r>
+            <a:r>
+              <a:rPr lang="en-US" b="0" i="0" dirty="0">
+                <a:solidFill>
+                  <a:srgbClr val="000000"/>
+                </a:solidFill>
+                <a:effectLst/>
+                <a:latin typeface="Segoe UI" panose="020B0502040204020203" pitchFamily="34" charset="0"/>
+                <a:cs typeface="Segoe UI" panose="020B0502040204020203" pitchFamily="34" charset="0"/>
+              </a:rPr>
+              <a:t> namespace.</a:t>
+            </a:r>
+            <a:endParaRPr lang="en-US" b="0" i="0" dirty="0">
+              <a:solidFill>
+                <a:srgbClr val="212529"/>
+              </a:solidFill>
+              <a:effectLst/>
+              <a:latin typeface="Segoe UI" panose="020B0502040204020203" pitchFamily="34" charset="0"/>
+              <a:cs typeface="Segoe UI" panose="020B0502040204020203" pitchFamily="34" charset="0"/>
+            </a:endParaRPr>
+          </a:p>
+          <a:p>
+            <a:pPr algn="just" fontAlgn="base">
+              <a:buFont typeface="+mj-lt"/>
+              <a:buAutoNum type="arabicPeriod"/>
+            </a:pPr>
+            <a:r>
+              <a:rPr lang="en-US" b="0" i="0" dirty="0">
+                <a:solidFill>
+                  <a:srgbClr val="000000"/>
+                </a:solidFill>
+                <a:effectLst/>
+                <a:latin typeface="Segoe UI" panose="020B0502040204020203" pitchFamily="34" charset="0"/>
+                <a:cs typeface="Segoe UI" panose="020B0502040204020203" pitchFamily="34" charset="0"/>
+              </a:rPr>
+              <a:t>When creating a dictionary, we need to specify the </a:t>
+            </a:r>
+            <a:r>
+              <a:rPr lang="en-US" b="1" i="0" dirty="0">
+                <a:solidFill>
+                  <a:srgbClr val="000000"/>
+                </a:solidFill>
+                <a:effectLst/>
+                <a:latin typeface="Segoe UI" panose="020B0502040204020203" pitchFamily="34" charset="0"/>
+                <a:cs typeface="Segoe UI" panose="020B0502040204020203" pitchFamily="34" charset="0"/>
+              </a:rPr>
+              <a:t>type for the key</a:t>
+            </a:r>
+            <a:r>
+              <a:rPr lang="en-US" b="0" i="0" dirty="0">
+                <a:solidFill>
+                  <a:srgbClr val="000000"/>
+                </a:solidFill>
+                <a:effectLst/>
+                <a:latin typeface="Segoe UI" panose="020B0502040204020203" pitchFamily="34" charset="0"/>
+                <a:cs typeface="Segoe UI" panose="020B0502040204020203" pitchFamily="34" charset="0"/>
+              </a:rPr>
+              <a:t> and as well as </a:t>
+            </a:r>
+            <a:r>
+              <a:rPr lang="en-US" b="1" i="0" dirty="0">
+                <a:solidFill>
+                  <a:srgbClr val="000000"/>
+                </a:solidFill>
+                <a:effectLst/>
+                <a:latin typeface="Segoe UI" panose="020B0502040204020203" pitchFamily="34" charset="0"/>
+                <a:cs typeface="Segoe UI" panose="020B0502040204020203" pitchFamily="34" charset="0"/>
+              </a:rPr>
+              <a:t>type for the value</a:t>
+            </a:r>
+            <a:r>
+              <a:rPr lang="en-US" b="0" i="0" dirty="0">
+                <a:solidFill>
+                  <a:srgbClr val="000000"/>
+                </a:solidFill>
+                <a:effectLst/>
+                <a:latin typeface="Segoe UI" panose="020B0502040204020203" pitchFamily="34" charset="0"/>
+                <a:cs typeface="Segoe UI" panose="020B0502040204020203" pitchFamily="34" charset="0"/>
+              </a:rPr>
+              <a:t>.</a:t>
+            </a:r>
+            <a:endParaRPr lang="en-US" b="0" i="0" dirty="0">
+              <a:solidFill>
+                <a:srgbClr val="212529"/>
+              </a:solidFill>
+              <a:effectLst/>
+              <a:latin typeface="Segoe UI" panose="020B0502040204020203" pitchFamily="34" charset="0"/>
+              <a:cs typeface="Segoe UI" panose="020B0502040204020203" pitchFamily="34" charset="0"/>
+            </a:endParaRPr>
+          </a:p>
+          <a:p>
+            <a:pPr algn="just" fontAlgn="base">
+              <a:buFont typeface="+mj-lt"/>
+              <a:buAutoNum type="arabicPeriod"/>
+            </a:pPr>
+            <a:r>
+              <a:rPr lang="en-US" b="0" i="0" dirty="0">
+                <a:solidFill>
+                  <a:srgbClr val="000000"/>
+                </a:solidFill>
+                <a:effectLst/>
+                <a:latin typeface="Segoe UI" panose="020B0502040204020203" pitchFamily="34" charset="0"/>
+                <a:cs typeface="Segoe UI" panose="020B0502040204020203" pitchFamily="34" charset="0"/>
+              </a:rPr>
+              <a:t>The fastest way to find a value in a dictionary is by using the keys.</a:t>
+            </a:r>
+            <a:endParaRPr lang="en-US" b="0" i="0" dirty="0">
+              <a:solidFill>
+                <a:srgbClr val="212529"/>
+              </a:solidFill>
+              <a:effectLst/>
+              <a:latin typeface="Segoe UI" panose="020B0502040204020203" pitchFamily="34" charset="0"/>
+              <a:cs typeface="Segoe UI" panose="020B0502040204020203" pitchFamily="34" charset="0"/>
+            </a:endParaRPr>
+          </a:p>
+          <a:p>
+            <a:pPr algn="just" fontAlgn="base">
+              <a:buFont typeface="+mj-lt"/>
+              <a:buAutoNum type="arabicPeriod"/>
+            </a:pPr>
+            <a:r>
+              <a:rPr lang="en-US" b="0" i="0" dirty="0">
+                <a:solidFill>
+                  <a:srgbClr val="000000"/>
+                </a:solidFill>
+                <a:effectLst/>
+                <a:latin typeface="Segoe UI" panose="020B0502040204020203" pitchFamily="34" charset="0"/>
+                <a:cs typeface="Segoe UI" panose="020B0502040204020203" pitchFamily="34" charset="0"/>
+              </a:rPr>
+              <a:t>Keys in a dictionary must be unique.</a:t>
+            </a:r>
+            <a:endParaRPr lang="en-US" b="0" i="0" dirty="0">
+              <a:solidFill>
+                <a:srgbClr val="212529"/>
+              </a:solidFill>
+              <a:effectLst/>
+              <a:latin typeface="Segoe UI" panose="020B0502040204020203" pitchFamily="34" charset="0"/>
+              <a:cs typeface="Segoe UI" panose="020B0502040204020203" pitchFamily="34" charset="0"/>
+            </a:endParaRPr>
+          </a:p>
+        </p:txBody>
+      </p:sp>
+      <p:sp>
+        <p:nvSpPr>
+          <p:cNvPr id="7" name="TextBox 6">
+            <a:extLst>
+              <a:ext uri="{FF2B5EF4-FFF2-40B4-BE49-F238E27FC236}">
+                <a16:creationId xmlns:a16="http://schemas.microsoft.com/office/drawing/2014/main" id="{1A08A62F-315E-42D1-A380-B538AC901BA6}"/>
+              </a:ext>
+            </a:extLst>
+          </p:cNvPr>
+          <p:cNvSpPr txBox="1"/>
+          <p:nvPr/>
+        </p:nvSpPr>
+        <p:spPr>
+          <a:xfrm>
+            <a:off x="49730" y="3231654"/>
+            <a:ext cx="6179418" cy="3293209"/>
+          </a:xfrm>
+          <a:prstGeom prst="rect">
+            <a:avLst/>
+          </a:prstGeom>
+          <a:noFill/>
+        </p:spPr>
+        <p:txBody>
+          <a:bodyPr wrap="square">
+            <a:spAutoFit/>
+          </a:bodyPr>
+          <a:lstStyle/>
+          <a:p>
+            <a:pPr algn="l" fontAlgn="base"/>
+            <a:r>
+              <a:rPr lang="en-US" sz="1600" b="0" i="0" dirty="0">
+                <a:solidFill>
+                  <a:srgbClr val="3A3AB9"/>
+                </a:solidFill>
+                <a:effectLst/>
+                <a:latin typeface="Consolas" panose="020B0609020204030204" pitchFamily="49" charset="0"/>
+              </a:rPr>
+              <a:t>Dictionary</a:t>
+            </a:r>
+            <a:r>
+              <a:rPr lang="en-US" sz="1600" b="1" i="0" dirty="0">
+                <a:solidFill>
+                  <a:srgbClr val="3A3AB9"/>
+                </a:solidFill>
+                <a:effectLst/>
+                <a:latin typeface="Consolas" panose="020B0609020204030204" pitchFamily="49" charset="0"/>
+              </a:rPr>
+              <a:t>&lt;</a:t>
+            </a:r>
+            <a:r>
+              <a:rPr lang="en-US" sz="1600" b="0" i="0" dirty="0">
+                <a:solidFill>
+                  <a:srgbClr val="3A3AB9"/>
+                </a:solidFill>
+                <a:effectLst/>
+                <a:latin typeface="Consolas" panose="020B0609020204030204" pitchFamily="49" charset="0"/>
+              </a:rPr>
+              <a:t>string, </a:t>
+            </a:r>
+            <a:r>
+              <a:rPr lang="en-US" sz="1600" b="1" i="0" dirty="0">
+                <a:solidFill>
+                  <a:srgbClr val="3A3AB9"/>
+                </a:solidFill>
+                <a:effectLst/>
+                <a:latin typeface="Consolas" panose="020B0609020204030204" pitchFamily="49" charset="0"/>
+              </a:rPr>
+              <a:t>object&gt;</a:t>
+            </a:r>
+            <a:r>
+              <a:rPr lang="en-US" sz="1600" b="0" i="0" dirty="0">
+                <a:solidFill>
+                  <a:srgbClr val="3A3AB9"/>
+                </a:solidFill>
+                <a:effectLst/>
+                <a:latin typeface="Consolas" panose="020B0609020204030204" pitchFamily="49" charset="0"/>
+              </a:rPr>
+              <a:t> di = new Dictionary</a:t>
+            </a:r>
+            <a:r>
+              <a:rPr lang="en-US" sz="1600" b="1" i="0" dirty="0">
+                <a:solidFill>
+                  <a:srgbClr val="3A3AB9"/>
+                </a:solidFill>
+                <a:effectLst/>
+                <a:latin typeface="Consolas" panose="020B0609020204030204" pitchFamily="49" charset="0"/>
+              </a:rPr>
+              <a:t>&lt;</a:t>
+            </a:r>
+            <a:r>
+              <a:rPr lang="en-US" sz="1600" b="0" i="0" dirty="0">
+                <a:solidFill>
+                  <a:srgbClr val="3A3AB9"/>
+                </a:solidFill>
+                <a:effectLst/>
+                <a:latin typeface="Consolas" panose="020B0609020204030204" pitchFamily="49" charset="0"/>
+              </a:rPr>
+              <a:t>string, </a:t>
+            </a:r>
+            <a:r>
+              <a:rPr lang="en-US" sz="1600" b="1" i="0" dirty="0">
+                <a:solidFill>
+                  <a:srgbClr val="3A3AB9"/>
+                </a:solidFill>
+                <a:effectLst/>
+                <a:latin typeface="Consolas" panose="020B0609020204030204" pitchFamily="49" charset="0"/>
+              </a:rPr>
+              <a:t>object&gt;()</a:t>
+            </a:r>
+            <a:r>
+              <a:rPr lang="en-US" sz="1600" b="0" i="0" dirty="0">
+                <a:solidFill>
+                  <a:srgbClr val="3A3AB9"/>
+                </a:solidFill>
+                <a:effectLst/>
+                <a:latin typeface="Consolas" panose="020B0609020204030204" pitchFamily="49" charset="0"/>
+              </a:rPr>
+              <a:t>;</a:t>
+            </a:r>
+          </a:p>
+          <a:p>
+            <a:pPr algn="l" fontAlgn="base"/>
+            <a:r>
+              <a:rPr lang="en-US" sz="1600" b="0" i="0" dirty="0">
+                <a:solidFill>
+                  <a:srgbClr val="3A3AB9"/>
+                </a:solidFill>
+                <a:effectLst/>
+                <a:latin typeface="Consolas" panose="020B0609020204030204" pitchFamily="49" charset="0"/>
+              </a:rPr>
+              <a:t>//adds the specified key and value to the dictionary</a:t>
+            </a:r>
+          </a:p>
+          <a:p>
+            <a:pPr algn="l" fontAlgn="base"/>
+            <a:r>
+              <a:rPr lang="en-US" sz="1600" b="0" i="0" dirty="0" err="1">
+                <a:solidFill>
+                  <a:srgbClr val="3A3AB9"/>
+                </a:solidFill>
+                <a:effectLst/>
+                <a:latin typeface="Consolas" panose="020B0609020204030204" pitchFamily="49" charset="0"/>
+              </a:rPr>
+              <a:t>di.Add</a:t>
+            </a:r>
+            <a:r>
+              <a:rPr lang="en-US" sz="1600" b="1" i="0" dirty="0">
+                <a:solidFill>
+                  <a:srgbClr val="3A3AB9"/>
+                </a:solidFill>
+                <a:effectLst/>
+                <a:latin typeface="Consolas" panose="020B0609020204030204" pitchFamily="49" charset="0"/>
+              </a:rPr>
+              <a:t>(</a:t>
+            </a:r>
+            <a:r>
+              <a:rPr lang="en-US" sz="1600" b="0" i="0" dirty="0">
+                <a:solidFill>
+                  <a:srgbClr val="3A3AB9"/>
+                </a:solidFill>
+                <a:effectLst/>
+                <a:latin typeface="Consolas" panose="020B0609020204030204" pitchFamily="49" charset="0"/>
+              </a:rPr>
+              <a:t>"Eno", 1001</a:t>
+            </a:r>
+            <a:r>
+              <a:rPr lang="en-US" sz="1600" b="1" i="0" dirty="0">
+                <a:solidFill>
+                  <a:srgbClr val="3A3AB9"/>
+                </a:solidFill>
+                <a:effectLst/>
+                <a:latin typeface="Consolas" panose="020B0609020204030204" pitchFamily="49" charset="0"/>
+              </a:rPr>
+              <a:t>)</a:t>
+            </a:r>
+            <a:r>
+              <a:rPr lang="en-US" sz="1600" b="0" i="0" dirty="0">
+                <a:solidFill>
+                  <a:srgbClr val="3A3AB9"/>
+                </a:solidFill>
+                <a:effectLst/>
+                <a:latin typeface="Consolas" panose="020B0609020204030204" pitchFamily="49" charset="0"/>
+              </a:rPr>
+              <a:t>; </a:t>
+            </a:r>
+          </a:p>
+          <a:p>
+            <a:pPr algn="l" fontAlgn="base"/>
+            <a:r>
+              <a:rPr lang="en-US" sz="1600" b="0" i="0" dirty="0" err="1">
+                <a:solidFill>
+                  <a:srgbClr val="3A3AB9"/>
+                </a:solidFill>
+                <a:effectLst/>
+                <a:latin typeface="Consolas" panose="020B0609020204030204" pitchFamily="49" charset="0"/>
+              </a:rPr>
+              <a:t>di.Add</a:t>
+            </a:r>
+            <a:r>
+              <a:rPr lang="en-US" sz="1600" b="1" i="0" dirty="0">
+                <a:solidFill>
+                  <a:srgbClr val="3A3AB9"/>
+                </a:solidFill>
+                <a:effectLst/>
+                <a:latin typeface="Consolas" panose="020B0609020204030204" pitchFamily="49" charset="0"/>
+              </a:rPr>
+              <a:t>(</a:t>
+            </a:r>
+            <a:r>
+              <a:rPr lang="en-US" sz="1600" b="0" i="0" dirty="0">
+                <a:solidFill>
+                  <a:srgbClr val="3A3AB9"/>
+                </a:solidFill>
+                <a:effectLst/>
+                <a:latin typeface="Consolas" panose="020B0609020204030204" pitchFamily="49" charset="0"/>
+              </a:rPr>
+              <a:t>"</a:t>
+            </a:r>
+            <a:r>
+              <a:rPr lang="en-US" sz="1600" b="0" i="0" dirty="0" err="1">
+                <a:solidFill>
+                  <a:srgbClr val="3A3AB9"/>
+                </a:solidFill>
+                <a:effectLst/>
+                <a:latin typeface="Consolas" panose="020B0609020204030204" pitchFamily="49" charset="0"/>
+              </a:rPr>
+              <a:t>Ename</a:t>
+            </a:r>
+            <a:r>
+              <a:rPr lang="en-US" sz="1600" b="0" i="0" dirty="0">
+                <a:solidFill>
+                  <a:srgbClr val="3A3AB9"/>
+                </a:solidFill>
+                <a:effectLst/>
+                <a:latin typeface="Consolas" panose="020B0609020204030204" pitchFamily="49" charset="0"/>
+              </a:rPr>
+              <a:t>", "</a:t>
+            </a:r>
+            <a:r>
+              <a:rPr lang="en-US" sz="1600" b="0" i="0" dirty="0" err="1">
+                <a:solidFill>
+                  <a:srgbClr val="3A3AB9"/>
+                </a:solidFill>
+                <a:effectLst/>
+                <a:latin typeface="Consolas" panose="020B0609020204030204" pitchFamily="49" charset="0"/>
+              </a:rPr>
+              <a:t>Pranaya</a:t>
+            </a:r>
+            <a:r>
+              <a:rPr lang="en-US" sz="1600" b="0" i="0" dirty="0">
+                <a:solidFill>
+                  <a:srgbClr val="3A3AB9"/>
+                </a:solidFill>
+                <a:effectLst/>
+                <a:latin typeface="Consolas" panose="020B0609020204030204" pitchFamily="49" charset="0"/>
+              </a:rPr>
+              <a:t>"</a:t>
+            </a:r>
+            <a:r>
+              <a:rPr lang="en-US" sz="1600" b="1" i="0" dirty="0">
+                <a:solidFill>
+                  <a:srgbClr val="3A3AB9"/>
+                </a:solidFill>
+                <a:effectLst/>
+                <a:latin typeface="Consolas" panose="020B0609020204030204" pitchFamily="49" charset="0"/>
+              </a:rPr>
+              <a:t>)</a:t>
+            </a:r>
+            <a:r>
+              <a:rPr lang="en-US" sz="1600" b="0" i="0" dirty="0">
+                <a:solidFill>
+                  <a:srgbClr val="3A3AB9"/>
+                </a:solidFill>
+                <a:effectLst/>
+                <a:latin typeface="Consolas" panose="020B0609020204030204" pitchFamily="49" charset="0"/>
+              </a:rPr>
+              <a:t>;</a:t>
+            </a:r>
+          </a:p>
+          <a:p>
+            <a:pPr algn="l" fontAlgn="base"/>
+            <a:r>
+              <a:rPr lang="en-US" sz="1600" b="0" i="0" dirty="0" err="1">
+                <a:solidFill>
+                  <a:srgbClr val="3A3AB9"/>
+                </a:solidFill>
+                <a:effectLst/>
+                <a:latin typeface="Consolas" panose="020B0609020204030204" pitchFamily="49" charset="0"/>
+              </a:rPr>
+              <a:t>di.Add</a:t>
+            </a:r>
+            <a:r>
+              <a:rPr lang="en-US" sz="1600" b="1" i="0" dirty="0">
+                <a:solidFill>
+                  <a:srgbClr val="3A3AB9"/>
+                </a:solidFill>
+                <a:effectLst/>
+                <a:latin typeface="Consolas" panose="020B0609020204030204" pitchFamily="49" charset="0"/>
+              </a:rPr>
+              <a:t>(</a:t>
+            </a:r>
+            <a:r>
+              <a:rPr lang="en-US" sz="1600" b="0" i="0" dirty="0">
+                <a:solidFill>
+                  <a:srgbClr val="3A3AB9"/>
+                </a:solidFill>
+                <a:effectLst/>
+                <a:latin typeface="Consolas" panose="020B0609020204030204" pitchFamily="49" charset="0"/>
+              </a:rPr>
+              <a:t>"Job", "Developer"</a:t>
+            </a:r>
+            <a:r>
+              <a:rPr lang="en-US" sz="1600" b="1" i="0" dirty="0">
+                <a:solidFill>
+                  <a:srgbClr val="3A3AB9"/>
+                </a:solidFill>
+                <a:effectLst/>
+                <a:latin typeface="Consolas" panose="020B0609020204030204" pitchFamily="49" charset="0"/>
+              </a:rPr>
+              <a:t>)</a:t>
+            </a:r>
+            <a:r>
+              <a:rPr lang="en-US" sz="1600" b="0" i="0" dirty="0">
+                <a:solidFill>
+                  <a:srgbClr val="3A3AB9"/>
+                </a:solidFill>
+                <a:effectLst/>
+                <a:latin typeface="Consolas" panose="020B0609020204030204" pitchFamily="49" charset="0"/>
+              </a:rPr>
+              <a:t>;</a:t>
+            </a:r>
+          </a:p>
+          <a:p>
+            <a:pPr algn="l" fontAlgn="base"/>
+            <a:r>
+              <a:rPr lang="en-US" sz="1600" b="0" i="0" dirty="0" err="1">
+                <a:solidFill>
+                  <a:srgbClr val="3A3AB9"/>
+                </a:solidFill>
+                <a:effectLst/>
+                <a:latin typeface="Consolas" panose="020B0609020204030204" pitchFamily="49" charset="0"/>
+              </a:rPr>
+              <a:t>di.Add</a:t>
+            </a:r>
+            <a:r>
+              <a:rPr lang="en-US" sz="1600" b="1" i="0" dirty="0">
+                <a:solidFill>
+                  <a:srgbClr val="3A3AB9"/>
+                </a:solidFill>
+                <a:effectLst/>
+                <a:latin typeface="Consolas" panose="020B0609020204030204" pitchFamily="49" charset="0"/>
+              </a:rPr>
+              <a:t>(</a:t>
+            </a:r>
+            <a:r>
+              <a:rPr lang="en-US" sz="1600" b="0" i="0" dirty="0">
+                <a:solidFill>
+                  <a:srgbClr val="3A3AB9"/>
+                </a:solidFill>
+                <a:effectLst/>
+                <a:latin typeface="Consolas" panose="020B0609020204030204" pitchFamily="49" charset="0"/>
+              </a:rPr>
+              <a:t>"Salary", 7500</a:t>
+            </a:r>
+            <a:r>
+              <a:rPr lang="en-US" sz="1600" b="1" i="0" dirty="0">
+                <a:solidFill>
+                  <a:srgbClr val="3A3AB9"/>
+                </a:solidFill>
+                <a:effectLst/>
+                <a:latin typeface="Consolas" panose="020B0609020204030204" pitchFamily="49" charset="0"/>
+              </a:rPr>
+              <a:t>)</a:t>
+            </a:r>
+            <a:r>
+              <a:rPr lang="en-US" sz="1600" b="0" i="0" dirty="0">
+                <a:solidFill>
+                  <a:srgbClr val="3A3AB9"/>
+                </a:solidFill>
+                <a:effectLst/>
+                <a:latin typeface="Consolas" panose="020B0609020204030204" pitchFamily="49" charset="0"/>
+              </a:rPr>
+              <a:t>;</a:t>
+            </a:r>
+          </a:p>
+          <a:p>
+            <a:pPr algn="l" fontAlgn="base"/>
+            <a:r>
+              <a:rPr lang="en-US" sz="1600" b="0" i="0" dirty="0" err="1">
+                <a:solidFill>
+                  <a:srgbClr val="3A3AB9"/>
+                </a:solidFill>
+                <a:effectLst/>
+                <a:latin typeface="Consolas" panose="020B0609020204030204" pitchFamily="49" charset="0"/>
+              </a:rPr>
+              <a:t>di.Add</a:t>
+            </a:r>
+            <a:r>
+              <a:rPr lang="en-US" sz="1600" b="1" i="0" dirty="0">
+                <a:solidFill>
+                  <a:srgbClr val="3A3AB9"/>
+                </a:solidFill>
+                <a:effectLst/>
+                <a:latin typeface="Consolas" panose="020B0609020204030204" pitchFamily="49" charset="0"/>
+              </a:rPr>
+              <a:t>(</a:t>
+            </a:r>
+            <a:r>
+              <a:rPr lang="en-US" sz="1600" b="0" i="0" dirty="0">
+                <a:solidFill>
+                  <a:srgbClr val="3A3AB9"/>
+                </a:solidFill>
+                <a:effectLst/>
+                <a:latin typeface="Consolas" panose="020B0609020204030204" pitchFamily="49" charset="0"/>
+              </a:rPr>
+              <a:t>"Location", "Mumbai"</a:t>
+            </a:r>
+            <a:r>
+              <a:rPr lang="en-US" sz="1600" b="1" i="0" dirty="0">
+                <a:solidFill>
+                  <a:srgbClr val="3A3AB9"/>
+                </a:solidFill>
+                <a:effectLst/>
+                <a:latin typeface="Consolas" panose="020B0609020204030204" pitchFamily="49" charset="0"/>
+              </a:rPr>
+              <a:t>)</a:t>
+            </a:r>
+            <a:r>
+              <a:rPr lang="en-US" sz="1600" b="0" i="0" dirty="0">
+                <a:solidFill>
+                  <a:srgbClr val="3A3AB9"/>
+                </a:solidFill>
+                <a:effectLst/>
+                <a:latin typeface="Consolas" panose="020B0609020204030204" pitchFamily="49" charset="0"/>
+              </a:rPr>
+              <a:t>;</a:t>
+            </a:r>
+          </a:p>
+          <a:p>
+            <a:pPr algn="l" fontAlgn="base"/>
+            <a:r>
+              <a:rPr lang="en-US" sz="1600" b="0" i="0" dirty="0">
+                <a:solidFill>
+                  <a:srgbClr val="3A3AB9"/>
+                </a:solidFill>
+                <a:effectLst/>
+                <a:latin typeface="Consolas" panose="020B0609020204030204" pitchFamily="49" charset="0"/>
+              </a:rPr>
+              <a:t>//</a:t>
+            </a:r>
+            <a:r>
+              <a:rPr lang="en-US" sz="1600" b="0" i="0" dirty="0" err="1">
+                <a:solidFill>
+                  <a:srgbClr val="3A3AB9"/>
+                </a:solidFill>
+                <a:effectLst/>
+                <a:latin typeface="Consolas" panose="020B0609020204030204" pitchFamily="49" charset="0"/>
+              </a:rPr>
+              <a:t>Loopig</a:t>
+            </a:r>
+            <a:r>
+              <a:rPr lang="en-US" sz="1600" b="0" i="0" dirty="0">
+                <a:solidFill>
+                  <a:srgbClr val="3A3AB9"/>
+                </a:solidFill>
+                <a:effectLst/>
+                <a:latin typeface="Consolas" panose="020B0609020204030204" pitchFamily="49" charset="0"/>
+              </a:rPr>
+              <a:t> through each keys to get the values</a:t>
+            </a:r>
+          </a:p>
+          <a:p>
+            <a:pPr algn="l" fontAlgn="base"/>
+            <a:r>
+              <a:rPr lang="en-US" sz="1600" b="1" i="0" dirty="0">
+                <a:solidFill>
+                  <a:srgbClr val="3A3AB9"/>
+                </a:solidFill>
+                <a:effectLst/>
+                <a:latin typeface="Consolas" panose="020B0609020204030204" pitchFamily="49" charset="0"/>
+              </a:rPr>
+              <a:t>foreach</a:t>
+            </a:r>
+            <a:r>
+              <a:rPr lang="en-US" sz="1600" b="0" i="0" dirty="0">
+                <a:solidFill>
+                  <a:srgbClr val="3A3AB9"/>
+                </a:solidFill>
+                <a:effectLst/>
+                <a:latin typeface="Consolas" panose="020B0609020204030204" pitchFamily="49" charset="0"/>
+              </a:rPr>
+              <a:t> </a:t>
+            </a:r>
+            <a:r>
+              <a:rPr lang="en-US" sz="1600" b="1" i="0" dirty="0">
+                <a:solidFill>
+                  <a:srgbClr val="3A3AB9"/>
+                </a:solidFill>
+                <a:effectLst/>
+                <a:latin typeface="Consolas" panose="020B0609020204030204" pitchFamily="49" charset="0"/>
+              </a:rPr>
+              <a:t>(</a:t>
+            </a:r>
+            <a:r>
+              <a:rPr lang="en-US" sz="1600" b="0" i="0" dirty="0">
+                <a:solidFill>
+                  <a:srgbClr val="3A3AB9"/>
+                </a:solidFill>
+                <a:effectLst/>
+                <a:latin typeface="Consolas" panose="020B0609020204030204" pitchFamily="49" charset="0"/>
+              </a:rPr>
+              <a:t>string key in </a:t>
+            </a:r>
+            <a:r>
+              <a:rPr lang="en-US" sz="1600" b="0" i="0" dirty="0" err="1">
+                <a:solidFill>
+                  <a:srgbClr val="3A3AB9"/>
+                </a:solidFill>
+                <a:effectLst/>
+                <a:latin typeface="Consolas" panose="020B0609020204030204" pitchFamily="49" charset="0"/>
+              </a:rPr>
+              <a:t>di.Keys</a:t>
+            </a:r>
+            <a:r>
+              <a:rPr lang="en-US" sz="1600" b="1" i="0" dirty="0">
+                <a:solidFill>
+                  <a:srgbClr val="3A3AB9"/>
+                </a:solidFill>
+                <a:effectLst/>
+                <a:latin typeface="Consolas" panose="020B0609020204030204" pitchFamily="49" charset="0"/>
+              </a:rPr>
+              <a:t>)</a:t>
+            </a:r>
+            <a:endParaRPr lang="en-US" sz="1600" b="0" i="0" dirty="0">
+              <a:solidFill>
+                <a:srgbClr val="3A3AB9"/>
+              </a:solidFill>
+              <a:effectLst/>
+              <a:latin typeface="Consolas" panose="020B0609020204030204" pitchFamily="49" charset="0"/>
+            </a:endParaRPr>
+          </a:p>
+          <a:p>
+            <a:pPr algn="l" fontAlgn="base"/>
+            <a:r>
+              <a:rPr lang="en-US" sz="1600" b="1" i="0" dirty="0">
+                <a:solidFill>
+                  <a:srgbClr val="3A3AB9"/>
+                </a:solidFill>
+                <a:effectLst/>
+                <a:latin typeface="Consolas" panose="020B0609020204030204" pitchFamily="49" charset="0"/>
+              </a:rPr>
+              <a:t>{</a:t>
+            </a:r>
+            <a:endParaRPr lang="en-US" sz="1600" b="0" i="0" dirty="0">
+              <a:solidFill>
+                <a:srgbClr val="3A3AB9"/>
+              </a:solidFill>
+              <a:effectLst/>
+              <a:latin typeface="Consolas" panose="020B0609020204030204" pitchFamily="49" charset="0"/>
+            </a:endParaRPr>
+          </a:p>
+          <a:p>
+            <a:pPr algn="l" fontAlgn="base"/>
+            <a:r>
+              <a:rPr lang="en-US" sz="1600" b="0" i="0" dirty="0" err="1">
+                <a:solidFill>
+                  <a:srgbClr val="3A3AB9"/>
+                </a:solidFill>
+                <a:effectLst/>
+                <a:latin typeface="Consolas" panose="020B0609020204030204" pitchFamily="49" charset="0"/>
+              </a:rPr>
+              <a:t>Console.WriteLine</a:t>
+            </a:r>
+            <a:r>
+              <a:rPr lang="en-US" sz="1600" b="1" i="0" dirty="0">
+                <a:solidFill>
+                  <a:srgbClr val="3A3AB9"/>
+                </a:solidFill>
+                <a:effectLst/>
+                <a:latin typeface="Consolas" panose="020B0609020204030204" pitchFamily="49" charset="0"/>
+              </a:rPr>
+              <a:t>(</a:t>
+            </a:r>
+            <a:r>
+              <a:rPr lang="en-US" sz="1600" b="0" i="0" dirty="0">
+                <a:solidFill>
+                  <a:srgbClr val="3A3AB9"/>
+                </a:solidFill>
+                <a:effectLst/>
+                <a:latin typeface="Consolas" panose="020B0609020204030204" pitchFamily="49" charset="0"/>
+              </a:rPr>
+              <a:t>key + " : " + di</a:t>
+            </a:r>
+            <a:r>
+              <a:rPr lang="en-US" sz="1600" b="1" i="0" dirty="0">
+                <a:solidFill>
+                  <a:srgbClr val="3A3AB9"/>
+                </a:solidFill>
+                <a:effectLst/>
+                <a:latin typeface="Consolas" panose="020B0609020204030204" pitchFamily="49" charset="0"/>
+              </a:rPr>
+              <a:t>[</a:t>
+            </a:r>
+            <a:r>
+              <a:rPr lang="en-US" sz="1600" b="0" i="0" dirty="0">
+                <a:solidFill>
+                  <a:srgbClr val="3A3AB9"/>
+                </a:solidFill>
+                <a:effectLst/>
+                <a:latin typeface="Consolas" panose="020B0609020204030204" pitchFamily="49" charset="0"/>
+              </a:rPr>
+              <a:t>key</a:t>
+            </a:r>
+            <a:r>
+              <a:rPr lang="en-US" sz="1600" b="1" i="0" dirty="0">
+                <a:solidFill>
+                  <a:srgbClr val="3A3AB9"/>
+                </a:solidFill>
+                <a:effectLst/>
+                <a:latin typeface="Consolas" panose="020B0609020204030204" pitchFamily="49" charset="0"/>
+              </a:rPr>
+              <a:t>])</a:t>
+            </a:r>
+            <a:r>
+              <a:rPr lang="en-US" sz="1600" b="0" i="0" dirty="0">
+                <a:solidFill>
+                  <a:srgbClr val="3A3AB9"/>
+                </a:solidFill>
+                <a:effectLst/>
+                <a:latin typeface="Consolas" panose="020B0609020204030204" pitchFamily="49" charset="0"/>
+              </a:rPr>
+              <a:t>;</a:t>
+            </a:r>
+          </a:p>
+          <a:p>
+            <a:pPr algn="l" fontAlgn="base"/>
+            <a:r>
+              <a:rPr lang="en-US" sz="1600" b="1" i="0" dirty="0">
+                <a:solidFill>
+                  <a:srgbClr val="3A3AB9"/>
+                </a:solidFill>
+                <a:effectLst/>
+                <a:latin typeface="Consolas" panose="020B0609020204030204" pitchFamily="49" charset="0"/>
+              </a:rPr>
+              <a:t>}</a:t>
+            </a:r>
+            <a:endParaRPr lang="en-US" sz="1600" b="0" i="0" dirty="0">
+              <a:solidFill>
+                <a:srgbClr val="3A3AB9"/>
+              </a:solidFill>
+              <a:effectLst/>
+              <a:latin typeface="Consolas" panose="020B0609020204030204" pitchFamily="49" charset="0"/>
+            </a:endParaRPr>
+          </a:p>
+        </p:txBody>
+      </p:sp>
+    </p:spTree>
+    <p:extLst>
+      <p:ext uri="{BB962C8B-B14F-4D97-AF65-F5344CB8AC3E}">
+        <p14:creationId xmlns:p14="http://schemas.microsoft.com/office/powerpoint/2010/main" val="56650944"/>
+      </p:ext>
+    </p:extLst>
+  </p:cSld>
+  <p:clrMapOvr>
+    <a:masterClrMapping/>
+  </p:clrMapOvr>
+</p:sld>
+</file>
+
+<file path=ppt/slides/slide11.xml><?xml version="1.0" encoding="utf-8"?>
+<p:sld xmlns:a="http://schemas.openxmlformats.org/drawingml/2006/main" xmlns:r="http://schemas.openxmlformats.org/officeDocument/2006/relationships" xmlns:p="http://schemas.openxmlformats.org/presentationml/2006/main">
+  <p:cSld>
+    <p:spTree>
+      <p:nvGrpSpPr>
+        <p:cNvPr id="1" name=""/>
+        <p:cNvGrpSpPr/>
+        <p:nvPr/>
+      </p:nvGrpSpPr>
+      <p:grpSpPr>
+        <a:xfrm>
+          <a:off x="0" y="0"/>
+          <a:ext cx="0" cy="0"/>
+          <a:chOff x="0" y="0"/>
+          <a:chExt cx="0" cy="0"/>
+        </a:xfrm>
+      </p:grpSpPr>
+      <p:sp>
+        <p:nvSpPr>
+          <p:cNvPr id="3" name="TextBox 2">
+            <a:extLst>
+              <a:ext uri="{FF2B5EF4-FFF2-40B4-BE49-F238E27FC236}">
+                <a16:creationId xmlns:a16="http://schemas.microsoft.com/office/drawing/2014/main" id="{A3347B21-8C3D-4FCB-815D-8D3D413078AA}"/>
+              </a:ext>
+            </a:extLst>
+          </p:cNvPr>
+          <p:cNvSpPr txBox="1"/>
+          <p:nvPr/>
+        </p:nvSpPr>
+        <p:spPr>
+          <a:xfrm>
+            <a:off x="0" y="80028"/>
+            <a:ext cx="6097604" cy="369332"/>
+          </a:xfrm>
+          <a:prstGeom prst="rect">
+            <a:avLst/>
+          </a:prstGeom>
+          <a:noFill/>
+        </p:spPr>
+        <p:txBody>
+          <a:bodyPr wrap="square">
+            <a:spAutoFit/>
+          </a:bodyPr>
+          <a:lstStyle/>
+          <a:p>
+            <a:pPr algn="just" fontAlgn="base"/>
+            <a:r>
+              <a:rPr lang="en-US" sz="1800" b="1" i="0" dirty="0">
+                <a:solidFill>
+                  <a:srgbClr val="000000"/>
+                </a:solidFill>
+                <a:effectLst/>
+                <a:latin typeface="Segoe UI" panose="020B0502040204020203" pitchFamily="34" charset="0"/>
+                <a:cs typeface="Segoe UI" panose="020B0502040204020203" pitchFamily="34" charset="0"/>
+              </a:rPr>
+              <a:t>Conversion between Array List and Dictionary in C#</a:t>
+            </a:r>
+            <a:endParaRPr lang="en-US" b="0" i="0" dirty="0">
+              <a:solidFill>
+                <a:srgbClr val="3A3A3A"/>
+              </a:solidFill>
+              <a:effectLst/>
+              <a:latin typeface="Segoe UI" panose="020B0502040204020203" pitchFamily="34" charset="0"/>
+              <a:cs typeface="Segoe UI" panose="020B0502040204020203" pitchFamily="34" charset="0"/>
+            </a:endParaRPr>
+          </a:p>
+        </p:txBody>
+      </p:sp>
+      <p:sp>
+        <p:nvSpPr>
+          <p:cNvPr id="5" name="TextBox 4">
+            <a:extLst>
+              <a:ext uri="{FF2B5EF4-FFF2-40B4-BE49-F238E27FC236}">
+                <a16:creationId xmlns:a16="http://schemas.microsoft.com/office/drawing/2014/main" id="{F6B88D62-81EA-45A2-81A0-FC0BAACB044C}"/>
+              </a:ext>
+            </a:extLst>
+          </p:cNvPr>
+          <p:cNvSpPr txBox="1"/>
+          <p:nvPr/>
+        </p:nvSpPr>
+        <p:spPr>
+          <a:xfrm>
+            <a:off x="-25666" y="449360"/>
+            <a:ext cx="12217666" cy="1754326"/>
+          </a:xfrm>
+          <a:prstGeom prst="rect">
+            <a:avLst/>
+          </a:prstGeom>
+          <a:noFill/>
+        </p:spPr>
+        <p:txBody>
+          <a:bodyPr wrap="square">
+            <a:spAutoFit/>
+          </a:bodyPr>
+          <a:lstStyle/>
+          <a:p>
+            <a:pPr algn="just" fontAlgn="base">
+              <a:buFont typeface="+mj-lt"/>
+              <a:buAutoNum type="arabicPeriod"/>
+            </a:pPr>
+            <a:r>
+              <a:rPr lang="en-US" i="0" dirty="0">
+                <a:solidFill>
+                  <a:srgbClr val="212529"/>
+                </a:solidFill>
+                <a:effectLst/>
+                <a:latin typeface="Segoe UI" panose="020B0502040204020203" pitchFamily="34" charset="0"/>
+                <a:cs typeface="Segoe UI" panose="020B0502040204020203" pitchFamily="34" charset="0"/>
+              </a:rPr>
+              <a:t>Convert an array to a List – Use </a:t>
+            </a:r>
+            <a:r>
+              <a:rPr lang="en-US" i="0" dirty="0" err="1">
+                <a:solidFill>
+                  <a:srgbClr val="0000FF"/>
+                </a:solidFill>
+                <a:effectLst/>
+                <a:latin typeface="Segoe UI" panose="020B0502040204020203" pitchFamily="34" charset="0"/>
+                <a:cs typeface="Segoe UI" panose="020B0502040204020203" pitchFamily="34" charset="0"/>
+              </a:rPr>
+              <a:t>ToList</a:t>
+            </a:r>
+            <a:r>
+              <a:rPr lang="en-US" i="0" dirty="0">
+                <a:solidFill>
+                  <a:srgbClr val="0000FF"/>
+                </a:solidFill>
+                <a:effectLst/>
+                <a:latin typeface="Segoe UI" panose="020B0502040204020203" pitchFamily="34" charset="0"/>
+                <a:cs typeface="Segoe UI" panose="020B0502040204020203" pitchFamily="34" charset="0"/>
+              </a:rPr>
+              <a:t>()</a:t>
+            </a:r>
+            <a:r>
+              <a:rPr lang="en-US" i="0" dirty="0">
+                <a:solidFill>
+                  <a:srgbClr val="212529"/>
+                </a:solidFill>
+                <a:effectLst/>
+                <a:latin typeface="Segoe UI" panose="020B0502040204020203" pitchFamily="34" charset="0"/>
+                <a:cs typeface="Segoe UI" panose="020B0502040204020203" pitchFamily="34" charset="0"/>
+              </a:rPr>
+              <a:t> method</a:t>
+            </a:r>
+          </a:p>
+          <a:p>
+            <a:pPr algn="just" fontAlgn="base">
+              <a:buFont typeface="+mj-lt"/>
+              <a:buAutoNum type="arabicPeriod"/>
+            </a:pPr>
+            <a:r>
+              <a:rPr lang="en-US" i="0" dirty="0">
+                <a:solidFill>
+                  <a:srgbClr val="212529"/>
+                </a:solidFill>
+                <a:effectLst/>
+                <a:latin typeface="Segoe UI" panose="020B0502040204020203" pitchFamily="34" charset="0"/>
+                <a:cs typeface="Segoe UI" panose="020B0502040204020203" pitchFamily="34" charset="0"/>
+              </a:rPr>
+              <a:t>Convert a list to an array – Use </a:t>
+            </a:r>
+            <a:r>
+              <a:rPr lang="en-US" i="0" dirty="0" err="1">
+                <a:solidFill>
+                  <a:srgbClr val="0000FF"/>
+                </a:solidFill>
+                <a:effectLst/>
+                <a:latin typeface="Segoe UI" panose="020B0502040204020203" pitchFamily="34" charset="0"/>
+                <a:cs typeface="Segoe UI" panose="020B0502040204020203" pitchFamily="34" charset="0"/>
+              </a:rPr>
+              <a:t>ToArray</a:t>
+            </a:r>
+            <a:r>
+              <a:rPr lang="en-US" i="0" dirty="0">
+                <a:solidFill>
+                  <a:srgbClr val="0000FF"/>
+                </a:solidFill>
+                <a:effectLst/>
+                <a:latin typeface="Segoe UI" panose="020B0502040204020203" pitchFamily="34" charset="0"/>
+                <a:cs typeface="Segoe UI" panose="020B0502040204020203" pitchFamily="34" charset="0"/>
+              </a:rPr>
+              <a:t>()</a:t>
+            </a:r>
+            <a:r>
+              <a:rPr lang="en-US" i="0" dirty="0">
+                <a:solidFill>
+                  <a:srgbClr val="212529"/>
+                </a:solidFill>
+                <a:effectLst/>
+                <a:latin typeface="Segoe UI" panose="020B0502040204020203" pitchFamily="34" charset="0"/>
+                <a:cs typeface="Segoe UI" panose="020B0502040204020203" pitchFamily="34" charset="0"/>
+              </a:rPr>
+              <a:t> method</a:t>
+            </a:r>
+          </a:p>
+          <a:p>
+            <a:pPr algn="just" fontAlgn="base">
+              <a:buFont typeface="+mj-lt"/>
+              <a:buAutoNum type="arabicPeriod"/>
+            </a:pPr>
+            <a:r>
+              <a:rPr lang="en-US" i="0" dirty="0">
+                <a:solidFill>
+                  <a:srgbClr val="212529"/>
+                </a:solidFill>
+                <a:effectLst/>
+                <a:latin typeface="Segoe UI" panose="020B0502040204020203" pitchFamily="34" charset="0"/>
+                <a:cs typeface="Segoe UI" panose="020B0502040204020203" pitchFamily="34" charset="0"/>
+              </a:rPr>
+              <a:t>Convert a List to a Dictionary – Use </a:t>
+            </a:r>
+            <a:r>
+              <a:rPr lang="en-US" i="0" dirty="0" err="1">
+                <a:solidFill>
+                  <a:srgbClr val="0000FF"/>
+                </a:solidFill>
+                <a:effectLst/>
+                <a:latin typeface="Segoe UI" panose="020B0502040204020203" pitchFamily="34" charset="0"/>
+                <a:cs typeface="Segoe UI" panose="020B0502040204020203" pitchFamily="34" charset="0"/>
+              </a:rPr>
+              <a:t>ToDictionary</a:t>
+            </a:r>
+            <a:r>
+              <a:rPr lang="en-US" i="0" dirty="0">
+                <a:solidFill>
+                  <a:srgbClr val="0000FF"/>
+                </a:solidFill>
+                <a:effectLst/>
+                <a:latin typeface="Segoe UI" panose="020B0502040204020203" pitchFamily="34" charset="0"/>
+                <a:cs typeface="Segoe UI" panose="020B0502040204020203" pitchFamily="34" charset="0"/>
+              </a:rPr>
+              <a:t>()</a:t>
+            </a:r>
+            <a:r>
+              <a:rPr lang="en-US" i="0" dirty="0">
+                <a:solidFill>
+                  <a:srgbClr val="212529"/>
+                </a:solidFill>
+                <a:effectLst/>
+                <a:latin typeface="Segoe UI" panose="020B0502040204020203" pitchFamily="34" charset="0"/>
+                <a:cs typeface="Segoe UI" panose="020B0502040204020203" pitchFamily="34" charset="0"/>
+              </a:rPr>
+              <a:t> method</a:t>
+            </a:r>
+          </a:p>
+          <a:p>
+            <a:pPr algn="just" fontAlgn="base">
+              <a:buFont typeface="+mj-lt"/>
+              <a:buAutoNum type="arabicPeriod"/>
+            </a:pPr>
+            <a:r>
+              <a:rPr lang="en-US" i="0" dirty="0">
+                <a:solidFill>
+                  <a:srgbClr val="212529"/>
+                </a:solidFill>
+                <a:effectLst/>
+                <a:latin typeface="Segoe UI" panose="020B0502040204020203" pitchFamily="34" charset="0"/>
+                <a:cs typeface="Segoe UI" panose="020B0502040204020203" pitchFamily="34" charset="0"/>
+              </a:rPr>
+              <a:t>Convert an array to a Dictionary – Use </a:t>
+            </a:r>
+            <a:r>
+              <a:rPr lang="en-US" i="0" dirty="0" err="1">
+                <a:solidFill>
+                  <a:srgbClr val="0000FF"/>
+                </a:solidFill>
+                <a:effectLst/>
+                <a:latin typeface="Segoe UI" panose="020B0502040204020203" pitchFamily="34" charset="0"/>
+                <a:cs typeface="Segoe UI" panose="020B0502040204020203" pitchFamily="34" charset="0"/>
+              </a:rPr>
+              <a:t>ToDictionary</a:t>
+            </a:r>
+            <a:r>
+              <a:rPr lang="en-US" i="0" dirty="0">
+                <a:solidFill>
+                  <a:srgbClr val="0000FF"/>
+                </a:solidFill>
+                <a:effectLst/>
+                <a:latin typeface="Segoe UI" panose="020B0502040204020203" pitchFamily="34" charset="0"/>
+                <a:cs typeface="Segoe UI" panose="020B0502040204020203" pitchFamily="34" charset="0"/>
+              </a:rPr>
+              <a:t>()</a:t>
+            </a:r>
+            <a:r>
+              <a:rPr lang="en-US" i="0" dirty="0">
+                <a:solidFill>
+                  <a:srgbClr val="212529"/>
+                </a:solidFill>
+                <a:effectLst/>
+                <a:latin typeface="Segoe UI" panose="020B0502040204020203" pitchFamily="34" charset="0"/>
+                <a:cs typeface="Segoe UI" panose="020B0502040204020203" pitchFamily="34" charset="0"/>
+              </a:rPr>
+              <a:t> method</a:t>
+            </a:r>
+          </a:p>
+          <a:p>
+            <a:pPr algn="just" fontAlgn="base">
+              <a:buFont typeface="+mj-lt"/>
+              <a:buAutoNum type="arabicPeriod"/>
+            </a:pPr>
+            <a:r>
+              <a:rPr lang="en-US" i="0" dirty="0">
+                <a:solidFill>
+                  <a:srgbClr val="212529"/>
+                </a:solidFill>
+                <a:effectLst/>
+                <a:latin typeface="Segoe UI" panose="020B0502040204020203" pitchFamily="34" charset="0"/>
+                <a:cs typeface="Segoe UI" panose="020B0502040204020203" pitchFamily="34" charset="0"/>
+              </a:rPr>
+              <a:t>Convert a Dictionary to an array – Use </a:t>
+            </a:r>
+            <a:r>
+              <a:rPr lang="en-US" i="0" dirty="0" err="1">
+                <a:solidFill>
+                  <a:srgbClr val="0000FF"/>
+                </a:solidFill>
+                <a:effectLst/>
+                <a:latin typeface="Segoe UI" panose="020B0502040204020203" pitchFamily="34" charset="0"/>
+                <a:cs typeface="Segoe UI" panose="020B0502040204020203" pitchFamily="34" charset="0"/>
+              </a:rPr>
+              <a:t>ToArray</a:t>
+            </a:r>
+            <a:r>
+              <a:rPr lang="en-US" i="0" dirty="0">
+                <a:solidFill>
+                  <a:srgbClr val="0000FF"/>
+                </a:solidFill>
+                <a:effectLst/>
+                <a:latin typeface="Segoe UI" panose="020B0502040204020203" pitchFamily="34" charset="0"/>
+                <a:cs typeface="Segoe UI" panose="020B0502040204020203" pitchFamily="34" charset="0"/>
+              </a:rPr>
+              <a:t>()</a:t>
+            </a:r>
+            <a:r>
+              <a:rPr lang="en-US" i="0" dirty="0">
+                <a:solidFill>
+                  <a:srgbClr val="212529"/>
+                </a:solidFill>
+                <a:effectLst/>
+                <a:latin typeface="Segoe UI" panose="020B0502040204020203" pitchFamily="34" charset="0"/>
+                <a:cs typeface="Segoe UI" panose="020B0502040204020203" pitchFamily="34" charset="0"/>
+              </a:rPr>
+              <a:t> method on the </a:t>
+            </a:r>
+            <a:r>
+              <a:rPr lang="en-US" i="0" dirty="0">
+                <a:solidFill>
+                  <a:srgbClr val="0000FF"/>
+                </a:solidFill>
+                <a:effectLst/>
+                <a:latin typeface="Segoe UI" panose="020B0502040204020203" pitchFamily="34" charset="0"/>
+                <a:cs typeface="Segoe UI" panose="020B0502040204020203" pitchFamily="34" charset="0"/>
+              </a:rPr>
+              <a:t>Values</a:t>
+            </a:r>
+            <a:r>
+              <a:rPr lang="en-US" i="0" dirty="0">
+                <a:solidFill>
+                  <a:srgbClr val="212529"/>
+                </a:solidFill>
+                <a:effectLst/>
+                <a:latin typeface="Segoe UI" panose="020B0502040204020203" pitchFamily="34" charset="0"/>
+                <a:cs typeface="Segoe UI" panose="020B0502040204020203" pitchFamily="34" charset="0"/>
+              </a:rPr>
+              <a:t> Property of the dictionary object</a:t>
+            </a:r>
+          </a:p>
+          <a:p>
+            <a:pPr algn="just" fontAlgn="base">
+              <a:buFont typeface="+mj-lt"/>
+              <a:buAutoNum type="arabicPeriod"/>
+            </a:pPr>
+            <a:r>
+              <a:rPr lang="en-US" i="0" dirty="0">
+                <a:solidFill>
+                  <a:srgbClr val="212529"/>
+                </a:solidFill>
+                <a:effectLst/>
+                <a:latin typeface="Segoe UI" panose="020B0502040204020203" pitchFamily="34" charset="0"/>
+                <a:cs typeface="Segoe UI" panose="020B0502040204020203" pitchFamily="34" charset="0"/>
+              </a:rPr>
+              <a:t>Convert a Dictionary to a List – Use the </a:t>
+            </a:r>
+            <a:r>
+              <a:rPr lang="en-US" i="0" dirty="0" err="1">
+                <a:solidFill>
+                  <a:srgbClr val="0000FF"/>
+                </a:solidFill>
+                <a:effectLst/>
+                <a:latin typeface="Segoe UI" panose="020B0502040204020203" pitchFamily="34" charset="0"/>
+                <a:cs typeface="Segoe UI" panose="020B0502040204020203" pitchFamily="34" charset="0"/>
+              </a:rPr>
+              <a:t>ToList</a:t>
+            </a:r>
+            <a:r>
+              <a:rPr lang="en-US" i="0" dirty="0">
+                <a:solidFill>
+                  <a:srgbClr val="0000FF"/>
+                </a:solidFill>
+                <a:effectLst/>
+                <a:latin typeface="Segoe UI" panose="020B0502040204020203" pitchFamily="34" charset="0"/>
+                <a:cs typeface="Segoe UI" panose="020B0502040204020203" pitchFamily="34" charset="0"/>
+              </a:rPr>
+              <a:t>()</a:t>
+            </a:r>
+            <a:r>
+              <a:rPr lang="en-US" i="0" dirty="0">
+                <a:solidFill>
+                  <a:srgbClr val="212529"/>
+                </a:solidFill>
+                <a:effectLst/>
+                <a:latin typeface="Segoe UI" panose="020B0502040204020203" pitchFamily="34" charset="0"/>
+                <a:cs typeface="Segoe UI" panose="020B0502040204020203" pitchFamily="34" charset="0"/>
+              </a:rPr>
+              <a:t> method on the </a:t>
+            </a:r>
+            <a:r>
+              <a:rPr lang="en-US" i="0" dirty="0">
+                <a:solidFill>
+                  <a:srgbClr val="0000FF"/>
+                </a:solidFill>
+                <a:effectLst/>
+                <a:latin typeface="Segoe UI" panose="020B0502040204020203" pitchFamily="34" charset="0"/>
+                <a:cs typeface="Segoe UI" panose="020B0502040204020203" pitchFamily="34" charset="0"/>
+              </a:rPr>
+              <a:t>Values</a:t>
+            </a:r>
+            <a:r>
+              <a:rPr lang="en-US" i="0" dirty="0">
+                <a:solidFill>
+                  <a:srgbClr val="212529"/>
+                </a:solidFill>
+                <a:effectLst/>
+                <a:latin typeface="Segoe UI" panose="020B0502040204020203" pitchFamily="34" charset="0"/>
+                <a:cs typeface="Segoe UI" panose="020B0502040204020203" pitchFamily="34" charset="0"/>
+              </a:rPr>
+              <a:t> Property of the dictionary object</a:t>
+            </a:r>
+          </a:p>
+        </p:txBody>
+      </p:sp>
+      <p:sp>
+        <p:nvSpPr>
+          <p:cNvPr id="7" name="TextBox 6">
+            <a:extLst>
+              <a:ext uri="{FF2B5EF4-FFF2-40B4-BE49-F238E27FC236}">
+                <a16:creationId xmlns:a16="http://schemas.microsoft.com/office/drawing/2014/main" id="{4B378052-D000-483A-A6BD-A2C0154E09B1}"/>
+              </a:ext>
+            </a:extLst>
+          </p:cNvPr>
+          <p:cNvSpPr txBox="1"/>
+          <p:nvPr/>
+        </p:nvSpPr>
+        <p:spPr>
+          <a:xfrm>
+            <a:off x="0" y="2160303"/>
+            <a:ext cx="11220651" cy="2062103"/>
+          </a:xfrm>
+          <a:prstGeom prst="rect">
+            <a:avLst/>
+          </a:prstGeom>
+          <a:noFill/>
+        </p:spPr>
+        <p:txBody>
+          <a:bodyPr wrap="square">
+            <a:spAutoFit/>
+          </a:bodyPr>
+          <a:lstStyle/>
+          <a:p>
+            <a:pPr algn="l" fontAlgn="base"/>
+            <a:r>
+              <a:rPr lang="en-US" sz="1600" b="0" i="0" dirty="0">
+                <a:solidFill>
+                  <a:srgbClr val="3A3AB9"/>
+                </a:solidFill>
+                <a:effectLst/>
+                <a:latin typeface="Consolas" panose="020B0609020204030204" pitchFamily="49" charset="0"/>
+              </a:rPr>
+              <a:t>// Create an array of employees with size 3</a:t>
+            </a:r>
+          </a:p>
+          <a:p>
+            <a:pPr algn="l" fontAlgn="base"/>
+            <a:r>
+              <a:rPr lang="en-US" sz="1600" b="0" i="0" dirty="0">
+                <a:solidFill>
+                  <a:srgbClr val="3A3AB9"/>
+                </a:solidFill>
+                <a:effectLst/>
+                <a:latin typeface="Consolas" panose="020B0609020204030204" pitchFamily="49" charset="0"/>
+              </a:rPr>
+              <a:t>// Store the 3 employees into the array</a:t>
+            </a:r>
+          </a:p>
+          <a:p>
+            <a:pPr algn="l" fontAlgn="base"/>
+            <a:r>
+              <a:rPr lang="en-US" sz="1600" b="0" i="0" dirty="0">
+                <a:solidFill>
+                  <a:srgbClr val="3A3AB9"/>
+                </a:solidFill>
+                <a:effectLst/>
+                <a:latin typeface="Consolas" panose="020B0609020204030204" pitchFamily="49" charset="0"/>
+              </a:rPr>
+              <a:t>Employee</a:t>
+            </a:r>
+            <a:r>
+              <a:rPr lang="en-US" sz="1600" b="1" i="0" dirty="0">
+                <a:solidFill>
+                  <a:srgbClr val="3A3AB9"/>
+                </a:solidFill>
+                <a:effectLst/>
+                <a:latin typeface="Consolas" panose="020B0609020204030204" pitchFamily="49" charset="0"/>
+              </a:rPr>
+              <a:t>[]</a:t>
+            </a:r>
+            <a:r>
+              <a:rPr lang="en-US" sz="1600" b="0" i="0" dirty="0">
+                <a:solidFill>
+                  <a:srgbClr val="3A3AB9"/>
+                </a:solidFill>
+                <a:effectLst/>
+                <a:latin typeface="Consolas" panose="020B0609020204030204" pitchFamily="49" charset="0"/>
+              </a:rPr>
+              <a:t> </a:t>
+            </a:r>
+            <a:r>
+              <a:rPr lang="en-US" sz="1600" b="0" i="0" dirty="0" err="1">
+                <a:solidFill>
+                  <a:srgbClr val="3A3AB9"/>
+                </a:solidFill>
+                <a:effectLst/>
+                <a:latin typeface="Consolas" panose="020B0609020204030204" pitchFamily="49" charset="0"/>
+              </a:rPr>
+              <a:t>arrayEmployees</a:t>
+            </a:r>
+            <a:r>
+              <a:rPr lang="en-US" sz="1600" b="0" i="0" dirty="0">
+                <a:solidFill>
+                  <a:srgbClr val="3A3AB9"/>
+                </a:solidFill>
+                <a:effectLst/>
+                <a:latin typeface="Consolas" panose="020B0609020204030204" pitchFamily="49" charset="0"/>
+              </a:rPr>
+              <a:t> = new Employee</a:t>
+            </a:r>
+            <a:r>
+              <a:rPr lang="en-US" sz="1600" b="1" i="0" dirty="0">
+                <a:solidFill>
+                  <a:srgbClr val="3A3AB9"/>
+                </a:solidFill>
+                <a:effectLst/>
+                <a:latin typeface="Consolas" panose="020B0609020204030204" pitchFamily="49" charset="0"/>
+              </a:rPr>
+              <a:t>[</a:t>
+            </a:r>
+            <a:r>
+              <a:rPr lang="en-US" sz="1600" b="0" i="0" dirty="0">
+                <a:solidFill>
+                  <a:srgbClr val="3A3AB9"/>
+                </a:solidFill>
+                <a:effectLst/>
+                <a:latin typeface="Consolas" panose="020B0609020204030204" pitchFamily="49" charset="0"/>
+              </a:rPr>
+              <a:t>3</a:t>
+            </a:r>
+            <a:r>
+              <a:rPr lang="en-US" sz="1600" b="1" i="0" dirty="0">
+                <a:solidFill>
+                  <a:srgbClr val="3A3AB9"/>
+                </a:solidFill>
+                <a:effectLst/>
+                <a:latin typeface="Consolas" panose="020B0609020204030204" pitchFamily="49" charset="0"/>
+              </a:rPr>
+              <a:t>]</a:t>
+            </a:r>
+            <a:r>
+              <a:rPr lang="en-US" sz="1600" b="0" i="0" dirty="0">
+                <a:solidFill>
+                  <a:srgbClr val="3A3AB9"/>
+                </a:solidFill>
+                <a:effectLst/>
+                <a:latin typeface="Consolas" panose="020B0609020204030204" pitchFamily="49" charset="0"/>
+              </a:rPr>
+              <a:t>;</a:t>
+            </a:r>
+          </a:p>
+          <a:p>
+            <a:pPr algn="l" fontAlgn="base"/>
+            <a:r>
+              <a:rPr lang="en-US" sz="1600" b="0" i="0" dirty="0" err="1">
+                <a:solidFill>
+                  <a:srgbClr val="3A3AB9"/>
+                </a:solidFill>
+                <a:effectLst/>
+                <a:latin typeface="Consolas" panose="020B0609020204030204" pitchFamily="49" charset="0"/>
+              </a:rPr>
+              <a:t>arrayEmployees</a:t>
+            </a:r>
+            <a:r>
+              <a:rPr lang="en-US" sz="1600" b="1" i="0" dirty="0">
+                <a:solidFill>
+                  <a:srgbClr val="3A3AB9"/>
+                </a:solidFill>
+                <a:effectLst/>
+                <a:latin typeface="Consolas" panose="020B0609020204030204" pitchFamily="49" charset="0"/>
+              </a:rPr>
+              <a:t>[</a:t>
+            </a:r>
+            <a:r>
+              <a:rPr lang="en-US" sz="1600" b="0" i="0" dirty="0">
+                <a:solidFill>
+                  <a:srgbClr val="3A3AB9"/>
+                </a:solidFill>
+                <a:effectLst/>
+                <a:latin typeface="Consolas" panose="020B0609020204030204" pitchFamily="49" charset="0"/>
+              </a:rPr>
+              <a:t>0</a:t>
+            </a:r>
+            <a:r>
+              <a:rPr lang="en-US" sz="1600" b="1" i="0" dirty="0">
+                <a:solidFill>
+                  <a:srgbClr val="3A3AB9"/>
+                </a:solidFill>
+                <a:effectLst/>
+                <a:latin typeface="Consolas" panose="020B0609020204030204" pitchFamily="49" charset="0"/>
+              </a:rPr>
+              <a:t>]</a:t>
+            </a:r>
+            <a:r>
+              <a:rPr lang="en-US" sz="1600" b="0" i="0" dirty="0">
+                <a:solidFill>
+                  <a:srgbClr val="3A3AB9"/>
+                </a:solidFill>
+                <a:effectLst/>
+                <a:latin typeface="Consolas" panose="020B0609020204030204" pitchFamily="49" charset="0"/>
+              </a:rPr>
+              <a:t> = emp1;</a:t>
+            </a:r>
+          </a:p>
+          <a:p>
+            <a:pPr algn="l" fontAlgn="base"/>
+            <a:r>
+              <a:rPr lang="en-US" sz="1600" b="0" i="0" dirty="0" err="1">
+                <a:solidFill>
+                  <a:srgbClr val="3A3AB9"/>
+                </a:solidFill>
+                <a:effectLst/>
+                <a:latin typeface="Consolas" panose="020B0609020204030204" pitchFamily="49" charset="0"/>
+              </a:rPr>
+              <a:t>arrayEmployees</a:t>
+            </a:r>
+            <a:r>
+              <a:rPr lang="en-US" sz="1600" b="1" i="0" dirty="0">
+                <a:solidFill>
+                  <a:srgbClr val="3A3AB9"/>
+                </a:solidFill>
+                <a:effectLst/>
+                <a:latin typeface="Consolas" panose="020B0609020204030204" pitchFamily="49" charset="0"/>
+              </a:rPr>
+              <a:t>[</a:t>
+            </a:r>
+            <a:r>
+              <a:rPr lang="en-US" sz="1600" b="0" i="0" dirty="0">
+                <a:solidFill>
+                  <a:srgbClr val="3A3AB9"/>
+                </a:solidFill>
+                <a:effectLst/>
+                <a:latin typeface="Consolas" panose="020B0609020204030204" pitchFamily="49" charset="0"/>
+              </a:rPr>
+              <a:t>1</a:t>
+            </a:r>
+            <a:r>
+              <a:rPr lang="en-US" sz="1600" b="1" i="0" dirty="0">
+                <a:solidFill>
+                  <a:srgbClr val="3A3AB9"/>
+                </a:solidFill>
+                <a:effectLst/>
+                <a:latin typeface="Consolas" panose="020B0609020204030204" pitchFamily="49" charset="0"/>
+              </a:rPr>
+              <a:t>]</a:t>
+            </a:r>
+            <a:r>
+              <a:rPr lang="en-US" sz="1600" b="0" i="0" dirty="0">
+                <a:solidFill>
+                  <a:srgbClr val="3A3AB9"/>
+                </a:solidFill>
+                <a:effectLst/>
+                <a:latin typeface="Consolas" panose="020B0609020204030204" pitchFamily="49" charset="0"/>
+              </a:rPr>
+              <a:t> = emp2;</a:t>
+            </a:r>
+          </a:p>
+          <a:p>
+            <a:pPr algn="l" fontAlgn="base"/>
+            <a:r>
+              <a:rPr lang="en-US" sz="1600" b="0" i="0" dirty="0" err="1">
+                <a:solidFill>
+                  <a:srgbClr val="3A3AB9"/>
+                </a:solidFill>
+                <a:effectLst/>
+                <a:latin typeface="Consolas" panose="020B0609020204030204" pitchFamily="49" charset="0"/>
+              </a:rPr>
+              <a:t>arrayEmployees</a:t>
+            </a:r>
+            <a:r>
+              <a:rPr lang="en-US" sz="1600" b="1" i="0" dirty="0">
+                <a:solidFill>
+                  <a:srgbClr val="3A3AB9"/>
+                </a:solidFill>
+                <a:effectLst/>
+                <a:latin typeface="Consolas" panose="020B0609020204030204" pitchFamily="49" charset="0"/>
+              </a:rPr>
+              <a:t>[</a:t>
+            </a:r>
+            <a:r>
+              <a:rPr lang="en-US" sz="1600" b="0" i="0" dirty="0">
+                <a:solidFill>
+                  <a:srgbClr val="3A3AB9"/>
+                </a:solidFill>
+                <a:effectLst/>
+                <a:latin typeface="Consolas" panose="020B0609020204030204" pitchFamily="49" charset="0"/>
+              </a:rPr>
+              <a:t>2</a:t>
+            </a:r>
+            <a:r>
+              <a:rPr lang="en-US" sz="1600" b="1" i="0" dirty="0">
+                <a:solidFill>
+                  <a:srgbClr val="3A3AB9"/>
+                </a:solidFill>
+                <a:effectLst/>
+                <a:latin typeface="Consolas" panose="020B0609020204030204" pitchFamily="49" charset="0"/>
+              </a:rPr>
+              <a:t>]</a:t>
+            </a:r>
+            <a:r>
+              <a:rPr lang="en-US" sz="1600" b="0" i="0" dirty="0">
+                <a:solidFill>
+                  <a:srgbClr val="3A3AB9"/>
+                </a:solidFill>
+                <a:effectLst/>
+                <a:latin typeface="Consolas" panose="020B0609020204030204" pitchFamily="49" charset="0"/>
+              </a:rPr>
+              <a:t> = emp3;</a:t>
+            </a:r>
+          </a:p>
+          <a:p>
+            <a:pPr algn="l" fontAlgn="base"/>
+            <a:r>
+              <a:rPr lang="en-US" sz="1600" b="0" i="0" dirty="0">
+                <a:solidFill>
+                  <a:srgbClr val="3A3AB9"/>
+                </a:solidFill>
+                <a:effectLst/>
+                <a:latin typeface="Consolas" panose="020B0609020204030204" pitchFamily="49" charset="0"/>
+              </a:rPr>
+              <a:t>// To convert an array to a List, use </a:t>
+            </a:r>
+            <a:r>
+              <a:rPr lang="en-US" sz="1600" b="0" i="0" dirty="0" err="1">
+                <a:solidFill>
+                  <a:srgbClr val="3A3AB9"/>
+                </a:solidFill>
+                <a:effectLst/>
+                <a:latin typeface="Consolas" panose="020B0609020204030204" pitchFamily="49" charset="0"/>
+              </a:rPr>
+              <a:t>ToList</a:t>
+            </a:r>
+            <a:r>
+              <a:rPr lang="en-US" sz="1600" b="0" i="0" dirty="0">
+                <a:solidFill>
+                  <a:srgbClr val="3A3AB9"/>
+                </a:solidFill>
+                <a:effectLst/>
+                <a:latin typeface="Consolas" panose="020B0609020204030204" pitchFamily="49" charset="0"/>
+              </a:rPr>
+              <a:t>() method</a:t>
+            </a:r>
+          </a:p>
+          <a:p>
+            <a:pPr algn="l" fontAlgn="base"/>
+            <a:r>
+              <a:rPr lang="en-US" sz="1600" b="0" i="0" dirty="0">
+                <a:solidFill>
+                  <a:srgbClr val="3A3AB9"/>
+                </a:solidFill>
+                <a:effectLst/>
+                <a:latin typeface="Consolas" panose="020B0609020204030204" pitchFamily="49" charset="0"/>
+              </a:rPr>
+              <a:t>List</a:t>
+            </a:r>
+            <a:r>
+              <a:rPr lang="en-US" sz="1600" b="1" i="0" dirty="0">
+                <a:solidFill>
+                  <a:srgbClr val="3A3AB9"/>
+                </a:solidFill>
+                <a:effectLst/>
+                <a:latin typeface="Consolas" panose="020B0609020204030204" pitchFamily="49" charset="0"/>
+              </a:rPr>
+              <a:t>&lt;</a:t>
+            </a:r>
+            <a:r>
+              <a:rPr lang="en-US" sz="1600" b="0" i="0" dirty="0">
+                <a:solidFill>
+                  <a:srgbClr val="3A3AB9"/>
+                </a:solidFill>
+                <a:effectLst/>
+                <a:latin typeface="Consolas" panose="020B0609020204030204" pitchFamily="49" charset="0"/>
+              </a:rPr>
+              <a:t>Employee</a:t>
+            </a:r>
+            <a:r>
+              <a:rPr lang="en-US" sz="1600" b="1" i="0" dirty="0">
+                <a:solidFill>
+                  <a:srgbClr val="3A3AB9"/>
+                </a:solidFill>
+                <a:effectLst/>
+                <a:latin typeface="Consolas" panose="020B0609020204030204" pitchFamily="49" charset="0"/>
+              </a:rPr>
+              <a:t>&gt;</a:t>
+            </a:r>
+            <a:r>
+              <a:rPr lang="en-US" sz="1600" b="0" i="0" dirty="0">
+                <a:solidFill>
+                  <a:srgbClr val="3A3AB9"/>
+                </a:solidFill>
+                <a:effectLst/>
+                <a:latin typeface="Consolas" panose="020B0609020204030204" pitchFamily="49" charset="0"/>
+              </a:rPr>
+              <a:t> </a:t>
+            </a:r>
+            <a:r>
+              <a:rPr lang="en-US" sz="1600" b="0" i="0" dirty="0" err="1">
+                <a:solidFill>
+                  <a:srgbClr val="3A3AB9"/>
+                </a:solidFill>
+                <a:effectLst/>
+                <a:latin typeface="Consolas" panose="020B0609020204030204" pitchFamily="49" charset="0"/>
+              </a:rPr>
+              <a:t>listEmployees</a:t>
+            </a:r>
+            <a:r>
+              <a:rPr lang="en-US" sz="1600" b="0" i="0" dirty="0">
+                <a:solidFill>
+                  <a:srgbClr val="3A3AB9"/>
+                </a:solidFill>
+                <a:effectLst/>
+                <a:latin typeface="Consolas" panose="020B0609020204030204" pitchFamily="49" charset="0"/>
+              </a:rPr>
+              <a:t> = </a:t>
+            </a:r>
+            <a:r>
+              <a:rPr lang="en-US" sz="1600" b="0" i="0" dirty="0" err="1">
+                <a:solidFill>
+                  <a:srgbClr val="3A3AB9"/>
+                </a:solidFill>
+                <a:effectLst/>
+                <a:latin typeface="Consolas" panose="020B0609020204030204" pitchFamily="49" charset="0"/>
+              </a:rPr>
+              <a:t>arrayEmployees.ToList</a:t>
+            </a:r>
+            <a:r>
+              <a:rPr lang="en-US" sz="1600" b="1" i="0" dirty="0">
+                <a:solidFill>
+                  <a:srgbClr val="3A3AB9"/>
+                </a:solidFill>
+                <a:effectLst/>
+                <a:latin typeface="Consolas" panose="020B0609020204030204" pitchFamily="49" charset="0"/>
+              </a:rPr>
+              <a:t>()</a:t>
+            </a:r>
+            <a:r>
+              <a:rPr lang="en-US" sz="1600" b="0" i="0" dirty="0">
+                <a:solidFill>
+                  <a:srgbClr val="3A3AB9"/>
+                </a:solidFill>
+                <a:effectLst/>
+                <a:latin typeface="Consolas" panose="020B0609020204030204" pitchFamily="49" charset="0"/>
+              </a:rPr>
+              <a:t>;</a:t>
+            </a:r>
+          </a:p>
+        </p:txBody>
+      </p:sp>
+      <p:sp>
+        <p:nvSpPr>
+          <p:cNvPr id="9" name="TextBox 8">
+            <a:extLst>
+              <a:ext uri="{FF2B5EF4-FFF2-40B4-BE49-F238E27FC236}">
+                <a16:creationId xmlns:a16="http://schemas.microsoft.com/office/drawing/2014/main" id="{BDB1B326-FECC-4681-9FF2-2FFF5DB553A1}"/>
+              </a:ext>
+            </a:extLst>
+          </p:cNvPr>
+          <p:cNvSpPr txBox="1"/>
+          <p:nvPr/>
+        </p:nvSpPr>
+        <p:spPr>
+          <a:xfrm>
+            <a:off x="-25666" y="4315761"/>
+            <a:ext cx="10623884" cy="338554"/>
+          </a:xfrm>
+          <a:prstGeom prst="rect">
+            <a:avLst/>
+          </a:prstGeom>
+          <a:noFill/>
+        </p:spPr>
+        <p:txBody>
+          <a:bodyPr wrap="square">
+            <a:spAutoFit/>
+          </a:bodyPr>
+          <a:lstStyle/>
+          <a:p>
+            <a:r>
+              <a:rPr lang="en-US" sz="1600" b="0" i="0" dirty="0">
+                <a:solidFill>
+                  <a:srgbClr val="3A3AB9"/>
+                </a:solidFill>
+                <a:effectLst/>
+                <a:latin typeface="Consolas" panose="020B0609020204030204" pitchFamily="49" charset="0"/>
+              </a:rPr>
+              <a:t>Employee</a:t>
+            </a:r>
+            <a:r>
+              <a:rPr lang="en-US" sz="1600" b="1" i="0" dirty="0">
+                <a:solidFill>
+                  <a:srgbClr val="3A3AB9"/>
+                </a:solidFill>
+                <a:effectLst/>
+                <a:latin typeface="Consolas" panose="020B0609020204030204" pitchFamily="49" charset="0"/>
+              </a:rPr>
+              <a:t>[]</a:t>
+            </a:r>
+            <a:r>
+              <a:rPr lang="en-US" sz="1600" b="0" i="0" dirty="0">
+                <a:solidFill>
+                  <a:srgbClr val="3A3AB9"/>
+                </a:solidFill>
+                <a:effectLst/>
+                <a:latin typeface="Consolas" panose="020B0609020204030204" pitchFamily="49" charset="0"/>
+              </a:rPr>
+              <a:t> </a:t>
+            </a:r>
+            <a:r>
+              <a:rPr lang="en-US" sz="1600" b="0" i="0" dirty="0" err="1">
+                <a:solidFill>
+                  <a:srgbClr val="3A3AB9"/>
+                </a:solidFill>
+                <a:effectLst/>
+                <a:latin typeface="Consolas" panose="020B0609020204030204" pitchFamily="49" charset="0"/>
+              </a:rPr>
+              <a:t>arrayAllEmployeesFromList</a:t>
+            </a:r>
+            <a:r>
+              <a:rPr lang="en-US" sz="1600" b="0" i="0" dirty="0">
+                <a:solidFill>
+                  <a:srgbClr val="3A3AB9"/>
+                </a:solidFill>
+                <a:effectLst/>
+                <a:latin typeface="Consolas" panose="020B0609020204030204" pitchFamily="49" charset="0"/>
+              </a:rPr>
+              <a:t> = </a:t>
+            </a:r>
+            <a:r>
+              <a:rPr lang="en-US" sz="1600" b="0" i="0" dirty="0" err="1">
+                <a:solidFill>
+                  <a:srgbClr val="3A3AB9"/>
+                </a:solidFill>
+                <a:effectLst/>
+                <a:latin typeface="Consolas" panose="020B0609020204030204" pitchFamily="49" charset="0"/>
+              </a:rPr>
+              <a:t>listEmployees.ToArray</a:t>
+            </a:r>
+            <a:r>
+              <a:rPr lang="en-US" sz="1600" b="1" i="0" dirty="0">
+                <a:solidFill>
+                  <a:srgbClr val="3A3AB9"/>
+                </a:solidFill>
+                <a:effectLst/>
+                <a:latin typeface="Consolas" panose="020B0609020204030204" pitchFamily="49" charset="0"/>
+              </a:rPr>
+              <a:t>()</a:t>
+            </a:r>
+            <a:r>
+              <a:rPr lang="en-US" sz="1600" b="0" i="0" dirty="0">
+                <a:solidFill>
+                  <a:srgbClr val="3A3AB9"/>
+                </a:solidFill>
+                <a:effectLst/>
+                <a:latin typeface="Consolas" panose="020B0609020204030204" pitchFamily="49" charset="0"/>
+              </a:rPr>
+              <a:t>;</a:t>
+            </a:r>
+            <a:endParaRPr lang="en-US" sz="1600" dirty="0">
+              <a:solidFill>
+                <a:srgbClr val="3A3AB9"/>
+              </a:solidFill>
+              <a:latin typeface="Consolas" panose="020B0609020204030204" pitchFamily="49" charset="0"/>
+            </a:endParaRPr>
+          </a:p>
+        </p:txBody>
+      </p:sp>
+      <p:sp>
+        <p:nvSpPr>
+          <p:cNvPr id="13" name="TextBox 12">
+            <a:extLst>
+              <a:ext uri="{FF2B5EF4-FFF2-40B4-BE49-F238E27FC236}">
+                <a16:creationId xmlns:a16="http://schemas.microsoft.com/office/drawing/2014/main" id="{51C47581-F38A-4E6A-B000-A551E6E7EB31}"/>
+              </a:ext>
+            </a:extLst>
+          </p:cNvPr>
+          <p:cNvSpPr txBox="1"/>
+          <p:nvPr/>
+        </p:nvSpPr>
+        <p:spPr>
+          <a:xfrm>
+            <a:off x="-1" y="4747670"/>
+            <a:ext cx="12089331" cy="584775"/>
+          </a:xfrm>
+          <a:prstGeom prst="rect">
+            <a:avLst/>
+          </a:prstGeom>
+          <a:noFill/>
+        </p:spPr>
+        <p:txBody>
+          <a:bodyPr wrap="square">
+            <a:spAutoFit/>
+          </a:bodyPr>
+          <a:lstStyle/>
+          <a:p>
+            <a:pPr algn="l" fontAlgn="base"/>
+            <a:r>
+              <a:rPr lang="en-US" sz="1600" b="0" i="0" dirty="0">
+                <a:solidFill>
+                  <a:srgbClr val="3A3AB9"/>
+                </a:solidFill>
+                <a:effectLst/>
+                <a:latin typeface="Consolas" panose="020B0609020204030204" pitchFamily="49" charset="0"/>
+              </a:rPr>
+              <a:t>// To convert a List to a Dictionary, use </a:t>
+            </a:r>
+            <a:r>
+              <a:rPr lang="en-US" sz="1600" b="0" i="0" dirty="0" err="1">
+                <a:solidFill>
+                  <a:srgbClr val="3A3AB9"/>
+                </a:solidFill>
+                <a:effectLst/>
+                <a:latin typeface="Consolas" panose="020B0609020204030204" pitchFamily="49" charset="0"/>
+              </a:rPr>
+              <a:t>ToDictionary</a:t>
+            </a:r>
+            <a:r>
+              <a:rPr lang="en-US" sz="1600" b="0" i="0" dirty="0">
+                <a:solidFill>
+                  <a:srgbClr val="3A3AB9"/>
+                </a:solidFill>
+                <a:effectLst/>
+                <a:latin typeface="Consolas" panose="020B0609020204030204" pitchFamily="49" charset="0"/>
+              </a:rPr>
+              <a:t>() method</a:t>
+            </a:r>
+          </a:p>
+          <a:p>
+            <a:pPr algn="l" fontAlgn="base"/>
+            <a:r>
+              <a:rPr lang="en-US" sz="1600" b="0" i="0" dirty="0">
+                <a:solidFill>
+                  <a:srgbClr val="3A3AB9"/>
+                </a:solidFill>
+                <a:effectLst/>
+                <a:latin typeface="Consolas" panose="020B0609020204030204" pitchFamily="49" charset="0"/>
+              </a:rPr>
+              <a:t>Dictionary</a:t>
+            </a:r>
+            <a:r>
+              <a:rPr lang="en-US" sz="1600" b="1" i="0" dirty="0">
+                <a:solidFill>
+                  <a:srgbClr val="3A3AB9"/>
+                </a:solidFill>
+                <a:effectLst/>
+                <a:latin typeface="Consolas" panose="020B0609020204030204" pitchFamily="49" charset="0"/>
+              </a:rPr>
+              <a:t>&lt;int</a:t>
+            </a:r>
+            <a:r>
+              <a:rPr lang="en-US" sz="1600" b="0" i="0" dirty="0">
+                <a:solidFill>
+                  <a:srgbClr val="3A3AB9"/>
+                </a:solidFill>
+                <a:effectLst/>
+                <a:latin typeface="Consolas" panose="020B0609020204030204" pitchFamily="49" charset="0"/>
+              </a:rPr>
+              <a:t>, Employee</a:t>
+            </a:r>
+            <a:r>
+              <a:rPr lang="en-US" sz="1600" b="1" i="0" dirty="0">
+                <a:solidFill>
+                  <a:srgbClr val="3A3AB9"/>
+                </a:solidFill>
+                <a:effectLst/>
+                <a:latin typeface="Consolas" panose="020B0609020204030204" pitchFamily="49" charset="0"/>
+              </a:rPr>
+              <a:t>&gt;</a:t>
+            </a:r>
+            <a:r>
+              <a:rPr lang="en-US" sz="1600" b="0" i="0" dirty="0">
+                <a:solidFill>
+                  <a:srgbClr val="3A3AB9"/>
+                </a:solidFill>
+                <a:effectLst/>
+                <a:latin typeface="Consolas" panose="020B0609020204030204" pitchFamily="49" charset="0"/>
+              </a:rPr>
+              <a:t> </a:t>
+            </a:r>
+            <a:r>
+              <a:rPr lang="en-US" sz="1600" b="0" i="0" dirty="0" err="1">
+                <a:solidFill>
+                  <a:srgbClr val="3A3AB9"/>
+                </a:solidFill>
+                <a:effectLst/>
+                <a:latin typeface="Consolas" panose="020B0609020204030204" pitchFamily="49" charset="0"/>
+              </a:rPr>
+              <a:t>dictionaryEmployees</a:t>
+            </a:r>
+            <a:r>
+              <a:rPr lang="en-US" sz="1600" b="0" i="0" dirty="0">
+                <a:solidFill>
+                  <a:srgbClr val="3A3AB9"/>
+                </a:solidFill>
+                <a:effectLst/>
+                <a:latin typeface="Consolas" panose="020B0609020204030204" pitchFamily="49" charset="0"/>
+              </a:rPr>
+              <a:t> = </a:t>
+            </a:r>
+            <a:r>
+              <a:rPr lang="en-US" sz="1600" b="0" i="0" dirty="0" err="1">
+                <a:solidFill>
+                  <a:srgbClr val="3A3AB9"/>
+                </a:solidFill>
+                <a:effectLst/>
+                <a:latin typeface="Consolas" panose="020B0609020204030204" pitchFamily="49" charset="0"/>
+              </a:rPr>
+              <a:t>listEmployees.ToDictionary</a:t>
+            </a:r>
+            <a:r>
+              <a:rPr lang="en-US" sz="1600" b="1" i="0" dirty="0">
+                <a:solidFill>
+                  <a:srgbClr val="3A3AB9"/>
+                </a:solidFill>
+                <a:effectLst/>
+                <a:latin typeface="Consolas" panose="020B0609020204030204" pitchFamily="49" charset="0"/>
+              </a:rPr>
+              <a:t>(</a:t>
+            </a:r>
+            <a:r>
+              <a:rPr lang="en-US" sz="1600" b="0" i="0" dirty="0">
+                <a:solidFill>
+                  <a:srgbClr val="3A3AB9"/>
+                </a:solidFill>
+                <a:effectLst/>
+                <a:latin typeface="Consolas" panose="020B0609020204030204" pitchFamily="49" charset="0"/>
+              </a:rPr>
+              <a:t>x =</a:t>
+            </a:r>
+            <a:r>
+              <a:rPr lang="en-US" sz="1600" b="1" i="0" dirty="0">
+                <a:solidFill>
+                  <a:srgbClr val="3A3AB9"/>
+                </a:solidFill>
+                <a:effectLst/>
+                <a:latin typeface="Consolas" panose="020B0609020204030204" pitchFamily="49" charset="0"/>
+              </a:rPr>
+              <a:t>&gt;</a:t>
+            </a:r>
+            <a:r>
+              <a:rPr lang="en-US" sz="1600" b="0" i="0" dirty="0">
+                <a:solidFill>
+                  <a:srgbClr val="3A3AB9"/>
+                </a:solidFill>
+                <a:effectLst/>
+                <a:latin typeface="Consolas" panose="020B0609020204030204" pitchFamily="49" charset="0"/>
+              </a:rPr>
+              <a:t> x.ID</a:t>
+            </a:r>
+            <a:r>
+              <a:rPr lang="en-US" sz="1600" b="1" i="0" dirty="0">
+                <a:solidFill>
+                  <a:srgbClr val="3A3AB9"/>
+                </a:solidFill>
+                <a:effectLst/>
+                <a:latin typeface="Consolas" panose="020B0609020204030204" pitchFamily="49" charset="0"/>
+              </a:rPr>
+              <a:t>)</a:t>
+            </a:r>
+            <a:r>
+              <a:rPr lang="en-US" sz="1600" b="0" i="0" dirty="0">
+                <a:solidFill>
+                  <a:srgbClr val="3A3AB9"/>
+                </a:solidFill>
+                <a:effectLst/>
+                <a:latin typeface="Consolas" panose="020B0609020204030204" pitchFamily="49" charset="0"/>
+              </a:rPr>
+              <a:t>;</a:t>
+            </a:r>
+          </a:p>
+        </p:txBody>
+      </p:sp>
+      <p:sp>
+        <p:nvSpPr>
+          <p:cNvPr id="15" name="TextBox 14">
+            <a:extLst>
+              <a:ext uri="{FF2B5EF4-FFF2-40B4-BE49-F238E27FC236}">
+                <a16:creationId xmlns:a16="http://schemas.microsoft.com/office/drawing/2014/main" id="{2C6FD7E8-D3C0-4518-9FB8-9F7EF325757C}"/>
+              </a:ext>
+            </a:extLst>
+          </p:cNvPr>
+          <p:cNvSpPr txBox="1"/>
+          <p:nvPr/>
+        </p:nvSpPr>
+        <p:spPr>
+          <a:xfrm>
+            <a:off x="-25666" y="5332445"/>
+            <a:ext cx="12089330" cy="830997"/>
+          </a:xfrm>
+          <a:prstGeom prst="rect">
+            <a:avLst/>
+          </a:prstGeom>
+          <a:noFill/>
+        </p:spPr>
+        <p:txBody>
+          <a:bodyPr wrap="square">
+            <a:spAutoFit/>
+          </a:bodyPr>
+          <a:lstStyle/>
+          <a:p>
+            <a:pPr algn="l" fontAlgn="base"/>
+            <a:r>
+              <a:rPr lang="en-US" sz="1600" b="0" i="0" dirty="0">
+                <a:solidFill>
+                  <a:srgbClr val="3A3AB9"/>
+                </a:solidFill>
+                <a:effectLst/>
+                <a:latin typeface="Consolas" panose="020B0609020204030204" pitchFamily="49" charset="0"/>
+              </a:rPr>
+              <a:t>// To convert an array to a Dictionary, use </a:t>
+            </a:r>
+            <a:r>
+              <a:rPr lang="en-US" sz="1600" b="0" i="0" dirty="0" err="1">
+                <a:solidFill>
+                  <a:srgbClr val="3A3AB9"/>
+                </a:solidFill>
+                <a:effectLst/>
+                <a:latin typeface="Consolas" panose="020B0609020204030204" pitchFamily="49" charset="0"/>
+              </a:rPr>
+              <a:t>ToDictionary</a:t>
+            </a:r>
+            <a:r>
+              <a:rPr lang="en-US" sz="1600" b="0" i="0" dirty="0">
+                <a:solidFill>
+                  <a:srgbClr val="3A3AB9"/>
+                </a:solidFill>
+                <a:effectLst/>
+                <a:latin typeface="Consolas" panose="020B0609020204030204" pitchFamily="49" charset="0"/>
+              </a:rPr>
+              <a:t>() method</a:t>
+            </a:r>
+          </a:p>
+          <a:p>
+            <a:pPr algn="l" fontAlgn="base"/>
+            <a:r>
+              <a:rPr lang="en-US" sz="1600" b="0" i="0" dirty="0">
+                <a:solidFill>
+                  <a:srgbClr val="3A3AB9"/>
+                </a:solidFill>
+                <a:effectLst/>
+                <a:latin typeface="Consolas" panose="020B0609020204030204" pitchFamily="49" charset="0"/>
+              </a:rPr>
+              <a:t>Dictionary</a:t>
+            </a:r>
+            <a:r>
+              <a:rPr lang="en-US" sz="1600" b="1" i="0" dirty="0">
+                <a:solidFill>
+                  <a:srgbClr val="3A3AB9"/>
+                </a:solidFill>
+                <a:effectLst/>
+                <a:latin typeface="Consolas" panose="020B0609020204030204" pitchFamily="49" charset="0"/>
+              </a:rPr>
+              <a:t>&lt;int</a:t>
+            </a:r>
+            <a:r>
+              <a:rPr lang="en-US" sz="1600" b="0" i="0" dirty="0">
+                <a:solidFill>
+                  <a:srgbClr val="3A3AB9"/>
+                </a:solidFill>
+                <a:effectLst/>
+                <a:latin typeface="Consolas" panose="020B0609020204030204" pitchFamily="49" charset="0"/>
+              </a:rPr>
+              <a:t>, Employee</a:t>
+            </a:r>
+            <a:r>
+              <a:rPr lang="en-US" sz="1600" b="1" i="0" dirty="0">
+                <a:solidFill>
+                  <a:srgbClr val="3A3AB9"/>
+                </a:solidFill>
+                <a:effectLst/>
+                <a:latin typeface="Consolas" panose="020B0609020204030204" pitchFamily="49" charset="0"/>
+              </a:rPr>
+              <a:t>&gt;</a:t>
+            </a:r>
+            <a:r>
+              <a:rPr lang="en-US" sz="1600" b="0" i="0" dirty="0">
+                <a:solidFill>
+                  <a:srgbClr val="3A3AB9"/>
+                </a:solidFill>
+                <a:effectLst/>
+                <a:latin typeface="Consolas" panose="020B0609020204030204" pitchFamily="49" charset="0"/>
+              </a:rPr>
+              <a:t> </a:t>
+            </a:r>
+            <a:r>
+              <a:rPr lang="en-US" sz="1600" b="0" i="0" dirty="0" err="1">
+                <a:solidFill>
+                  <a:srgbClr val="3A3AB9"/>
+                </a:solidFill>
+                <a:effectLst/>
+                <a:latin typeface="Consolas" panose="020B0609020204030204" pitchFamily="49" charset="0"/>
+              </a:rPr>
+              <a:t>dictionaryEmployeesFromArray</a:t>
+            </a:r>
+            <a:r>
+              <a:rPr lang="en-US" sz="1600" b="0" i="0" dirty="0">
+                <a:solidFill>
+                  <a:srgbClr val="3A3AB9"/>
+                </a:solidFill>
+                <a:effectLst/>
+                <a:latin typeface="Consolas" panose="020B0609020204030204" pitchFamily="49" charset="0"/>
+              </a:rPr>
+              <a:t> = </a:t>
+            </a:r>
+            <a:r>
+              <a:rPr lang="en-US" sz="1600" b="0" i="0" dirty="0" err="1">
+                <a:solidFill>
+                  <a:srgbClr val="3A3AB9"/>
+                </a:solidFill>
+                <a:effectLst/>
+                <a:latin typeface="Consolas" panose="020B0609020204030204" pitchFamily="49" charset="0"/>
+              </a:rPr>
+              <a:t>arrayEmployees.ToDictionary</a:t>
+            </a:r>
+            <a:r>
+              <a:rPr lang="en-US" sz="1600" b="1" i="0" dirty="0">
+                <a:solidFill>
+                  <a:srgbClr val="3A3AB9"/>
+                </a:solidFill>
+                <a:effectLst/>
+                <a:latin typeface="Consolas" panose="020B0609020204030204" pitchFamily="49" charset="0"/>
+              </a:rPr>
+              <a:t>(</a:t>
+            </a:r>
+            <a:r>
+              <a:rPr lang="en-US" sz="1600" b="0" i="0" dirty="0">
+                <a:solidFill>
+                  <a:srgbClr val="3A3AB9"/>
+                </a:solidFill>
+                <a:effectLst/>
+                <a:latin typeface="Consolas" panose="020B0609020204030204" pitchFamily="49" charset="0"/>
+              </a:rPr>
+              <a:t>employee =</a:t>
+            </a:r>
+            <a:r>
+              <a:rPr lang="en-US" sz="1600" b="1" i="0" dirty="0">
+                <a:solidFill>
+                  <a:srgbClr val="3A3AB9"/>
+                </a:solidFill>
+                <a:effectLst/>
+                <a:latin typeface="Consolas" panose="020B0609020204030204" pitchFamily="49" charset="0"/>
+              </a:rPr>
+              <a:t>&gt;</a:t>
+            </a:r>
+            <a:r>
+              <a:rPr lang="en-US" sz="1600" b="0" i="0" dirty="0">
+                <a:solidFill>
+                  <a:srgbClr val="3A3AB9"/>
+                </a:solidFill>
+                <a:effectLst/>
+                <a:latin typeface="Consolas" panose="020B0609020204030204" pitchFamily="49" charset="0"/>
+              </a:rPr>
+              <a:t> employee.ID, employee =</a:t>
+            </a:r>
+            <a:r>
+              <a:rPr lang="en-US" sz="1600" b="1" i="0" dirty="0">
+                <a:solidFill>
+                  <a:srgbClr val="3A3AB9"/>
+                </a:solidFill>
+                <a:effectLst/>
+                <a:latin typeface="Consolas" panose="020B0609020204030204" pitchFamily="49" charset="0"/>
+              </a:rPr>
+              <a:t>&gt;</a:t>
+            </a:r>
+            <a:r>
+              <a:rPr lang="en-US" sz="1600" b="0" i="0" dirty="0">
+                <a:solidFill>
+                  <a:srgbClr val="3A3AB9"/>
+                </a:solidFill>
+                <a:effectLst/>
+                <a:latin typeface="Consolas" panose="020B0609020204030204" pitchFamily="49" charset="0"/>
+              </a:rPr>
+              <a:t> employee</a:t>
+            </a:r>
+            <a:r>
+              <a:rPr lang="en-US" sz="1600" b="1" i="0" dirty="0">
+                <a:solidFill>
+                  <a:srgbClr val="3A3AB9"/>
+                </a:solidFill>
+                <a:effectLst/>
+                <a:latin typeface="Consolas" panose="020B0609020204030204" pitchFamily="49" charset="0"/>
+              </a:rPr>
+              <a:t>)</a:t>
+            </a:r>
+            <a:r>
+              <a:rPr lang="en-US" sz="1600" b="0" i="0" dirty="0">
+                <a:solidFill>
+                  <a:srgbClr val="3A3AB9"/>
+                </a:solidFill>
+                <a:effectLst/>
+                <a:latin typeface="Consolas" panose="020B0609020204030204" pitchFamily="49" charset="0"/>
+              </a:rPr>
+              <a:t>;</a:t>
+            </a:r>
+          </a:p>
+        </p:txBody>
+      </p:sp>
+    </p:spTree>
+    <p:extLst>
+      <p:ext uri="{BB962C8B-B14F-4D97-AF65-F5344CB8AC3E}">
+        <p14:creationId xmlns:p14="http://schemas.microsoft.com/office/powerpoint/2010/main" val="521747872"/>
+      </p:ext>
+    </p:extLst>
+  </p:cSld>
+  <p:clrMapOvr>
+    <a:masterClrMapping/>
+  </p:clrMapOvr>
+</p:sld>
+</file>
+
+<file path=ppt/slides/slide12.xml><?xml version="1.0" encoding="utf-8"?>
+<p:sld xmlns:a="http://schemas.openxmlformats.org/drawingml/2006/main" xmlns:r="http://schemas.openxmlformats.org/officeDocument/2006/relationships" xmlns:p="http://schemas.openxmlformats.org/presentationml/2006/main">
+  <p:cSld>
+    <p:spTree>
+      <p:nvGrpSpPr>
+        <p:cNvPr id="1" name=""/>
+        <p:cNvGrpSpPr/>
+        <p:nvPr/>
+      </p:nvGrpSpPr>
+      <p:grpSpPr>
+        <a:xfrm>
+          <a:off x="0" y="0"/>
+          <a:ext cx="0" cy="0"/>
+          <a:chOff x="0" y="0"/>
+          <a:chExt cx="0" cy="0"/>
+        </a:xfrm>
+      </p:grpSpPr>
+      <p:sp>
+        <p:nvSpPr>
+          <p:cNvPr id="7" name="TextBox 6">
+            <a:extLst>
+              <a:ext uri="{FF2B5EF4-FFF2-40B4-BE49-F238E27FC236}">
+                <a16:creationId xmlns:a16="http://schemas.microsoft.com/office/drawing/2014/main" id="{DF10AD48-642B-4E52-80AF-823AD6DA6D98}"/>
+              </a:ext>
+            </a:extLst>
+          </p:cNvPr>
+          <p:cNvSpPr txBox="1"/>
+          <p:nvPr/>
+        </p:nvSpPr>
+        <p:spPr>
+          <a:xfrm>
+            <a:off x="0" y="168479"/>
+            <a:ext cx="12192000" cy="830997"/>
+          </a:xfrm>
+          <a:prstGeom prst="rect">
+            <a:avLst/>
+          </a:prstGeom>
+          <a:noFill/>
+        </p:spPr>
+        <p:txBody>
+          <a:bodyPr wrap="square">
+            <a:spAutoFit/>
+          </a:bodyPr>
+          <a:lstStyle/>
+          <a:p>
+            <a:pPr algn="l" fontAlgn="base"/>
+            <a:r>
+              <a:rPr lang="en-US" sz="1600" b="0" i="0" dirty="0">
+                <a:solidFill>
+                  <a:srgbClr val="3A3AB9"/>
+                </a:solidFill>
+                <a:effectLst/>
+                <a:latin typeface="Consolas" panose="020B0609020204030204" pitchFamily="49" charset="0"/>
+              </a:rPr>
+              <a:t>// To Convert a </a:t>
+            </a:r>
+            <a:r>
+              <a:rPr lang="en-US" sz="1600" b="0" i="0" dirty="0" err="1">
+                <a:solidFill>
+                  <a:srgbClr val="3A3AB9"/>
+                </a:solidFill>
+                <a:effectLst/>
+                <a:latin typeface="Consolas" panose="020B0609020204030204" pitchFamily="49" charset="0"/>
+              </a:rPr>
+              <a:t>dictionaty</a:t>
+            </a:r>
+            <a:r>
+              <a:rPr lang="en-US" sz="1600" b="0" i="0" dirty="0">
+                <a:solidFill>
+                  <a:srgbClr val="3A3AB9"/>
+                </a:solidFill>
+                <a:effectLst/>
+                <a:latin typeface="Consolas" panose="020B0609020204030204" pitchFamily="49" charset="0"/>
+              </a:rPr>
+              <a:t> to an array, use </a:t>
+            </a:r>
+            <a:r>
+              <a:rPr lang="en-US" sz="1600" b="0" i="0" dirty="0" err="1">
+                <a:solidFill>
+                  <a:srgbClr val="3A3AB9"/>
+                </a:solidFill>
+                <a:effectLst/>
+                <a:latin typeface="Consolas" panose="020B0609020204030204" pitchFamily="49" charset="0"/>
+              </a:rPr>
+              <a:t>ToArray</a:t>
+            </a:r>
+            <a:r>
+              <a:rPr lang="en-US" sz="1600" b="0" i="0" dirty="0">
+                <a:solidFill>
+                  <a:srgbClr val="3A3AB9"/>
+                </a:solidFill>
+                <a:effectLst/>
+                <a:latin typeface="Consolas" panose="020B0609020204030204" pitchFamily="49" charset="0"/>
+              </a:rPr>
+              <a:t> method on the Values </a:t>
+            </a:r>
+          </a:p>
+          <a:p>
+            <a:pPr algn="l" fontAlgn="base"/>
+            <a:r>
+              <a:rPr lang="en-US" sz="1600" b="0" i="0" dirty="0">
+                <a:solidFill>
+                  <a:srgbClr val="3A3AB9"/>
+                </a:solidFill>
+                <a:effectLst/>
+                <a:latin typeface="Consolas" panose="020B0609020204030204" pitchFamily="49" charset="0"/>
+              </a:rPr>
+              <a:t>// </a:t>
+            </a:r>
+            <a:r>
+              <a:rPr lang="en-US" sz="1600" b="0" i="0" dirty="0" err="1">
+                <a:solidFill>
+                  <a:srgbClr val="3A3AB9"/>
+                </a:solidFill>
+                <a:effectLst/>
+                <a:latin typeface="Consolas" panose="020B0609020204030204" pitchFamily="49" charset="0"/>
+              </a:rPr>
+              <a:t>Peoperty</a:t>
+            </a:r>
+            <a:r>
+              <a:rPr lang="en-US" sz="1600" b="0" i="0" dirty="0">
+                <a:solidFill>
+                  <a:srgbClr val="3A3AB9"/>
+                </a:solidFill>
+                <a:effectLst/>
+                <a:latin typeface="Consolas" panose="020B0609020204030204" pitchFamily="49" charset="0"/>
+              </a:rPr>
+              <a:t> of the dictionary object</a:t>
+            </a:r>
+          </a:p>
+          <a:p>
+            <a:pPr algn="l" fontAlgn="base"/>
+            <a:r>
+              <a:rPr lang="en-US" sz="1600" b="0" i="0" dirty="0">
+                <a:solidFill>
+                  <a:srgbClr val="3A3AB9"/>
+                </a:solidFill>
+                <a:effectLst/>
+                <a:latin typeface="Consolas" panose="020B0609020204030204" pitchFamily="49" charset="0"/>
+              </a:rPr>
+              <a:t>Employee</a:t>
+            </a:r>
+            <a:r>
+              <a:rPr lang="en-US" sz="1600" b="1" i="0" dirty="0">
+                <a:solidFill>
+                  <a:srgbClr val="3A3AB9"/>
+                </a:solidFill>
+                <a:effectLst/>
+                <a:latin typeface="Consolas" panose="020B0609020204030204" pitchFamily="49" charset="0"/>
+              </a:rPr>
+              <a:t>[]</a:t>
+            </a:r>
+            <a:r>
+              <a:rPr lang="en-US" sz="1600" b="0" i="0" dirty="0">
+                <a:solidFill>
+                  <a:srgbClr val="3A3AB9"/>
+                </a:solidFill>
+                <a:effectLst/>
+                <a:latin typeface="Consolas" panose="020B0609020204030204" pitchFamily="49" charset="0"/>
+              </a:rPr>
+              <a:t> </a:t>
+            </a:r>
+            <a:r>
+              <a:rPr lang="en-US" sz="1600" b="0" i="0" dirty="0" err="1">
+                <a:solidFill>
+                  <a:srgbClr val="3A3AB9"/>
+                </a:solidFill>
+                <a:effectLst/>
+                <a:latin typeface="Consolas" panose="020B0609020204030204" pitchFamily="49" charset="0"/>
+              </a:rPr>
+              <a:t>arrayAllEmployeesFromDictionary</a:t>
+            </a:r>
+            <a:r>
+              <a:rPr lang="en-US" sz="1600" b="0" i="0" dirty="0">
+                <a:solidFill>
+                  <a:srgbClr val="3A3AB9"/>
+                </a:solidFill>
+                <a:effectLst/>
+                <a:latin typeface="Consolas" panose="020B0609020204030204" pitchFamily="49" charset="0"/>
+              </a:rPr>
+              <a:t> = </a:t>
+            </a:r>
+            <a:r>
+              <a:rPr lang="en-US" sz="1600" b="0" i="0" dirty="0" err="1">
+                <a:solidFill>
+                  <a:srgbClr val="3A3AB9"/>
+                </a:solidFill>
+                <a:effectLst/>
+                <a:latin typeface="Consolas" panose="020B0609020204030204" pitchFamily="49" charset="0"/>
+              </a:rPr>
+              <a:t>dictionaryEmployeesFromArray.Values.ToArray</a:t>
+            </a:r>
+            <a:r>
+              <a:rPr lang="en-US" sz="1600" b="1" i="0" dirty="0">
+                <a:solidFill>
+                  <a:srgbClr val="3A3AB9"/>
+                </a:solidFill>
+                <a:effectLst/>
+                <a:latin typeface="Consolas" panose="020B0609020204030204" pitchFamily="49" charset="0"/>
+              </a:rPr>
+              <a:t>()</a:t>
+            </a:r>
+            <a:r>
+              <a:rPr lang="en-US" sz="1600" b="0" i="0" dirty="0">
+                <a:solidFill>
+                  <a:srgbClr val="3A3AB9"/>
+                </a:solidFill>
+                <a:effectLst/>
+                <a:latin typeface="Consolas" panose="020B0609020204030204" pitchFamily="49" charset="0"/>
+              </a:rPr>
+              <a:t>;</a:t>
+            </a:r>
+          </a:p>
+        </p:txBody>
+      </p:sp>
+      <p:sp>
+        <p:nvSpPr>
+          <p:cNvPr id="9" name="TextBox 8">
+            <a:extLst>
+              <a:ext uri="{FF2B5EF4-FFF2-40B4-BE49-F238E27FC236}">
+                <a16:creationId xmlns:a16="http://schemas.microsoft.com/office/drawing/2014/main" id="{F8BE6F80-F5AA-4377-BADC-003894B38A2D}"/>
+              </a:ext>
+            </a:extLst>
+          </p:cNvPr>
+          <p:cNvSpPr txBox="1"/>
+          <p:nvPr/>
+        </p:nvSpPr>
+        <p:spPr>
+          <a:xfrm>
+            <a:off x="0" y="1068169"/>
+            <a:ext cx="12192000" cy="830997"/>
+          </a:xfrm>
+          <a:prstGeom prst="rect">
+            <a:avLst/>
+          </a:prstGeom>
+          <a:noFill/>
+        </p:spPr>
+        <p:txBody>
+          <a:bodyPr wrap="square">
+            <a:spAutoFit/>
+          </a:bodyPr>
+          <a:lstStyle/>
+          <a:p>
+            <a:pPr algn="l" fontAlgn="base"/>
+            <a:r>
+              <a:rPr lang="en-US" sz="1600" b="0" i="0" dirty="0">
+                <a:solidFill>
+                  <a:srgbClr val="3A3AB9"/>
+                </a:solidFill>
+                <a:effectLst/>
+                <a:latin typeface="Consolas" panose="020B0609020204030204" pitchFamily="49" charset="0"/>
+              </a:rPr>
+              <a:t>// To Convert a dictionary to a List, use To List method on the Values</a:t>
+            </a:r>
+          </a:p>
+          <a:p>
+            <a:pPr algn="l" fontAlgn="base"/>
+            <a:r>
+              <a:rPr lang="en-US" sz="1600" b="0" i="0" dirty="0">
+                <a:solidFill>
+                  <a:srgbClr val="3A3AB9"/>
+                </a:solidFill>
+                <a:effectLst/>
+                <a:latin typeface="Consolas" panose="020B0609020204030204" pitchFamily="49" charset="0"/>
+              </a:rPr>
+              <a:t>// Property of the dictionary object</a:t>
+            </a:r>
+          </a:p>
+          <a:p>
+            <a:pPr algn="l" fontAlgn="base"/>
+            <a:r>
+              <a:rPr lang="en-US" sz="1600" b="0" i="0" dirty="0">
+                <a:solidFill>
+                  <a:srgbClr val="3A3AB9"/>
+                </a:solidFill>
+                <a:effectLst/>
+                <a:latin typeface="Consolas" panose="020B0609020204030204" pitchFamily="49" charset="0"/>
+              </a:rPr>
+              <a:t>List</a:t>
+            </a:r>
+            <a:r>
+              <a:rPr lang="en-US" sz="1600" b="1" i="0" dirty="0">
+                <a:solidFill>
+                  <a:srgbClr val="3A3AB9"/>
+                </a:solidFill>
+                <a:effectLst/>
+                <a:latin typeface="Consolas" panose="020B0609020204030204" pitchFamily="49" charset="0"/>
+              </a:rPr>
+              <a:t>&lt;</a:t>
+            </a:r>
+            <a:r>
+              <a:rPr lang="en-US" sz="1600" b="0" i="0" dirty="0">
+                <a:solidFill>
+                  <a:srgbClr val="3A3AB9"/>
+                </a:solidFill>
+                <a:effectLst/>
+                <a:latin typeface="Consolas" panose="020B0609020204030204" pitchFamily="49" charset="0"/>
+              </a:rPr>
+              <a:t>Employee</a:t>
+            </a:r>
+            <a:r>
+              <a:rPr lang="en-US" sz="1600" b="1" i="0" dirty="0">
+                <a:solidFill>
+                  <a:srgbClr val="3A3AB9"/>
+                </a:solidFill>
+                <a:effectLst/>
+                <a:latin typeface="Consolas" panose="020B0609020204030204" pitchFamily="49" charset="0"/>
+              </a:rPr>
+              <a:t>&gt;</a:t>
+            </a:r>
+            <a:r>
+              <a:rPr lang="en-US" sz="1600" b="0" i="0" dirty="0">
+                <a:solidFill>
+                  <a:srgbClr val="3A3AB9"/>
+                </a:solidFill>
+                <a:effectLst/>
+                <a:latin typeface="Consolas" panose="020B0609020204030204" pitchFamily="49" charset="0"/>
+              </a:rPr>
+              <a:t> </a:t>
+            </a:r>
+            <a:r>
+              <a:rPr lang="en-US" sz="1600" b="0" i="0" dirty="0" err="1">
+                <a:solidFill>
+                  <a:srgbClr val="3A3AB9"/>
+                </a:solidFill>
+                <a:effectLst/>
+                <a:latin typeface="Consolas" panose="020B0609020204030204" pitchFamily="49" charset="0"/>
+              </a:rPr>
+              <a:t>listAllEmployeesFromDictionary</a:t>
+            </a:r>
+            <a:r>
+              <a:rPr lang="en-US" sz="1600" b="0" i="0" dirty="0">
+                <a:solidFill>
+                  <a:srgbClr val="3A3AB9"/>
+                </a:solidFill>
+                <a:effectLst/>
+                <a:latin typeface="Consolas" panose="020B0609020204030204" pitchFamily="49" charset="0"/>
+              </a:rPr>
+              <a:t> = </a:t>
+            </a:r>
+            <a:r>
+              <a:rPr lang="en-US" sz="1600" b="0" i="0" dirty="0" err="1">
+                <a:solidFill>
+                  <a:srgbClr val="3A3AB9"/>
+                </a:solidFill>
+                <a:effectLst/>
+                <a:latin typeface="Consolas" panose="020B0609020204030204" pitchFamily="49" charset="0"/>
+              </a:rPr>
+              <a:t>dictionaryEmployeesFromArray.Values.ToList</a:t>
+            </a:r>
+            <a:r>
+              <a:rPr lang="en-US" sz="1600" b="1" i="0" dirty="0">
+                <a:solidFill>
+                  <a:srgbClr val="3A3AB9"/>
+                </a:solidFill>
+                <a:effectLst/>
+                <a:latin typeface="Consolas" panose="020B0609020204030204" pitchFamily="49" charset="0"/>
+              </a:rPr>
+              <a:t>()</a:t>
+            </a:r>
+            <a:r>
+              <a:rPr lang="en-US" sz="1600" b="0" i="0" dirty="0">
+                <a:solidFill>
+                  <a:srgbClr val="3A3AB9"/>
+                </a:solidFill>
+                <a:effectLst/>
+                <a:latin typeface="Consolas" panose="020B0609020204030204" pitchFamily="49" charset="0"/>
+              </a:rPr>
+              <a:t>;</a:t>
+            </a:r>
+          </a:p>
+        </p:txBody>
+      </p:sp>
+      <p:sp>
+        <p:nvSpPr>
+          <p:cNvPr id="11" name="TextBox 10">
+            <a:extLst>
+              <a:ext uri="{FF2B5EF4-FFF2-40B4-BE49-F238E27FC236}">
+                <a16:creationId xmlns:a16="http://schemas.microsoft.com/office/drawing/2014/main" id="{472CCDD4-5F75-46A0-BAA8-5D3205579424}"/>
+              </a:ext>
+            </a:extLst>
+          </p:cNvPr>
+          <p:cNvSpPr txBox="1"/>
+          <p:nvPr/>
+        </p:nvSpPr>
+        <p:spPr>
+          <a:xfrm>
+            <a:off x="0" y="1967859"/>
+            <a:ext cx="12192000" cy="2031325"/>
+          </a:xfrm>
+          <a:prstGeom prst="rect">
+            <a:avLst/>
+          </a:prstGeom>
+          <a:noFill/>
+        </p:spPr>
+        <p:txBody>
+          <a:bodyPr wrap="square">
+            <a:spAutoFit/>
+          </a:bodyPr>
+          <a:lstStyle/>
+          <a:p>
+            <a:pPr algn="just" fontAlgn="base"/>
+            <a:r>
+              <a:rPr lang="en-US" b="1" i="0" dirty="0">
+                <a:solidFill>
+                  <a:srgbClr val="000000"/>
+                </a:solidFill>
+                <a:effectLst/>
+                <a:latin typeface="Segoe UI" panose="020B0502040204020203" pitchFamily="34" charset="0"/>
+                <a:cs typeface="Segoe UI" panose="020B0502040204020203" pitchFamily="34" charset="0"/>
+              </a:rPr>
+              <a:t>List vs Dictionary in C#</a:t>
+            </a:r>
+            <a:endParaRPr lang="en-US" b="0" i="0" dirty="0">
+              <a:solidFill>
+                <a:srgbClr val="3A3A3A"/>
+              </a:solidFill>
+              <a:effectLst/>
+              <a:latin typeface="Segoe UI" panose="020B0502040204020203" pitchFamily="34" charset="0"/>
+              <a:cs typeface="Segoe UI" panose="020B0502040204020203" pitchFamily="34" charset="0"/>
+            </a:endParaRPr>
+          </a:p>
+          <a:p>
+            <a:pPr algn="just" fontAlgn="base"/>
+            <a:r>
+              <a:rPr lang="en-US" b="0" i="0" dirty="0">
+                <a:solidFill>
+                  <a:srgbClr val="000000"/>
+                </a:solidFill>
+                <a:effectLst/>
+                <a:latin typeface="Segoe UI" panose="020B0502040204020203" pitchFamily="34" charset="0"/>
+                <a:cs typeface="Segoe UI" panose="020B0502040204020203" pitchFamily="34" charset="0"/>
+              </a:rPr>
+              <a:t>Both lists and dictionaries belong to Generics collections that is used to store collections of data. Both </a:t>
+            </a:r>
+            <a:r>
+              <a:rPr lang="en-US" b="1" i="0" dirty="0">
+                <a:solidFill>
+                  <a:srgbClr val="000000"/>
+                </a:solidFill>
+                <a:effectLst/>
+                <a:latin typeface="Segoe UI" panose="020B0502040204020203" pitchFamily="34" charset="0"/>
+                <a:cs typeface="Segoe UI" panose="020B0502040204020203" pitchFamily="34" charset="0"/>
+              </a:rPr>
+              <a:t>Dictionary &lt;</a:t>
+            </a:r>
+            <a:r>
+              <a:rPr lang="en-US" b="1" i="0" dirty="0" err="1">
+                <a:solidFill>
+                  <a:srgbClr val="000000"/>
+                </a:solidFill>
+                <a:effectLst/>
+                <a:latin typeface="Segoe UI" panose="020B0502040204020203" pitchFamily="34" charset="0"/>
+                <a:cs typeface="Segoe UI" panose="020B0502040204020203" pitchFamily="34" charset="0"/>
+              </a:rPr>
+              <a:t>TKey</a:t>
+            </a:r>
+            <a:r>
+              <a:rPr lang="en-US" b="1" i="0" dirty="0">
+                <a:solidFill>
+                  <a:srgbClr val="000000"/>
+                </a:solidFill>
+                <a:effectLst/>
+                <a:latin typeface="Segoe UI" panose="020B0502040204020203" pitchFamily="34" charset="0"/>
+                <a:cs typeface="Segoe UI" panose="020B0502040204020203" pitchFamily="34" charset="0"/>
+              </a:rPr>
+              <a:t>, TValue&gt;</a:t>
+            </a:r>
+            <a:r>
+              <a:rPr lang="en-US" b="0" i="0" dirty="0">
+                <a:solidFill>
+                  <a:srgbClr val="000000"/>
+                </a:solidFill>
+                <a:effectLst/>
+                <a:latin typeface="Segoe UI" panose="020B0502040204020203" pitchFamily="34" charset="0"/>
+                <a:cs typeface="Segoe UI" panose="020B0502040204020203" pitchFamily="34" charset="0"/>
+              </a:rPr>
+              <a:t> and </a:t>
+            </a:r>
+            <a:r>
+              <a:rPr lang="en-US" b="1" i="0" dirty="0">
+                <a:solidFill>
+                  <a:srgbClr val="000000"/>
+                </a:solidFill>
+                <a:effectLst/>
+                <a:latin typeface="Segoe UI" panose="020B0502040204020203" pitchFamily="34" charset="0"/>
+                <a:cs typeface="Segoe UI" panose="020B0502040204020203" pitchFamily="34" charset="0"/>
+              </a:rPr>
+              <a:t>List &lt;T&gt;</a:t>
+            </a:r>
+            <a:r>
+              <a:rPr lang="en-US" b="0" i="0" dirty="0">
+                <a:solidFill>
+                  <a:srgbClr val="000000"/>
+                </a:solidFill>
+                <a:effectLst/>
+                <a:latin typeface="Segoe UI" panose="020B0502040204020203" pitchFamily="34" charset="0"/>
+                <a:cs typeface="Segoe UI" panose="020B0502040204020203" pitchFamily="34" charset="0"/>
+              </a:rPr>
+              <a:t> are similar both have random access data structures on top of the .NET framework. The Dictionary is based on a hash table that means it uses a hash lookup, which is an efficient algorithm to look up things, on the other hand, a list, has to go and check element by element until it finds the result from the beginning. In this article, we will discuss List vs Dictionary in C#. When comparing with the List data structure, the dictionary is always a more or less fixed lookup time.</a:t>
+            </a:r>
+            <a:endParaRPr lang="en-US" b="0" i="0" dirty="0">
+              <a:solidFill>
+                <a:srgbClr val="212529"/>
+              </a:solidFill>
+              <a:effectLst/>
+              <a:latin typeface="Segoe UI" panose="020B0502040204020203" pitchFamily="34" charset="0"/>
+              <a:cs typeface="Segoe UI" panose="020B0502040204020203" pitchFamily="34" charset="0"/>
+            </a:endParaRPr>
+          </a:p>
+        </p:txBody>
+      </p:sp>
+      <p:sp>
+        <p:nvSpPr>
+          <p:cNvPr id="13" name="TextBox 12">
+            <a:extLst>
+              <a:ext uri="{FF2B5EF4-FFF2-40B4-BE49-F238E27FC236}">
+                <a16:creationId xmlns:a16="http://schemas.microsoft.com/office/drawing/2014/main" id="{DCECE997-0934-464F-BB15-589D48D8A4C7}"/>
+              </a:ext>
+            </a:extLst>
+          </p:cNvPr>
+          <p:cNvSpPr txBox="1"/>
+          <p:nvPr/>
+        </p:nvSpPr>
+        <p:spPr>
+          <a:xfrm>
+            <a:off x="0" y="4104198"/>
+            <a:ext cx="10924674" cy="2031325"/>
+          </a:xfrm>
+          <a:prstGeom prst="rect">
+            <a:avLst/>
+          </a:prstGeom>
+          <a:noFill/>
+        </p:spPr>
+        <p:txBody>
+          <a:bodyPr wrap="square">
+            <a:spAutoFit/>
+          </a:bodyPr>
+          <a:lstStyle/>
+          <a:p>
+            <a:pPr algn="l" fontAlgn="base"/>
+            <a:r>
+              <a:rPr lang="en-US" b="0" i="0" dirty="0">
+                <a:solidFill>
+                  <a:srgbClr val="000000"/>
+                </a:solidFill>
+                <a:effectLst/>
+                <a:latin typeface="Segoe UI" panose="020B0502040204020203" pitchFamily="34" charset="0"/>
+                <a:cs typeface="Segoe UI" panose="020B0502040204020203" pitchFamily="34" charset="0"/>
+              </a:rPr>
+              <a:t>Consider the following example:</a:t>
+            </a:r>
+            <a:br>
+              <a:rPr lang="en-US" b="0" i="0" dirty="0">
+                <a:solidFill>
+                  <a:srgbClr val="212529"/>
+                </a:solidFill>
+                <a:effectLst/>
+                <a:latin typeface="Segoe UI" panose="020B0502040204020203" pitchFamily="34" charset="0"/>
+                <a:cs typeface="Segoe UI" panose="020B0502040204020203" pitchFamily="34" charset="0"/>
+              </a:rPr>
+            </a:br>
+            <a:r>
+              <a:rPr lang="en-US" b="1" i="0" dirty="0">
+                <a:solidFill>
+                  <a:srgbClr val="0000FF"/>
+                </a:solidFill>
+                <a:effectLst/>
+                <a:latin typeface="Segoe UI" panose="020B0502040204020203" pitchFamily="34" charset="0"/>
+                <a:cs typeface="Segoe UI" panose="020B0502040204020203" pitchFamily="34" charset="0"/>
+              </a:rPr>
+              <a:t>Dictionary&lt;string, int&gt; dictionary = new Dictionary&lt;string, int&gt;();</a:t>
+            </a:r>
+            <a:br>
+              <a:rPr lang="en-US" b="0" i="0" dirty="0">
+                <a:solidFill>
+                  <a:srgbClr val="212529"/>
+                </a:solidFill>
+                <a:effectLst/>
+                <a:latin typeface="Segoe UI" panose="020B0502040204020203" pitchFamily="34" charset="0"/>
+                <a:cs typeface="Segoe UI" panose="020B0502040204020203" pitchFamily="34" charset="0"/>
+              </a:rPr>
+            </a:br>
+            <a:r>
+              <a:rPr lang="en-US" b="1" i="0" dirty="0">
+                <a:solidFill>
+                  <a:srgbClr val="0000FF"/>
+                </a:solidFill>
+                <a:effectLst/>
+                <a:latin typeface="Segoe UI" panose="020B0502040204020203" pitchFamily="34" charset="0"/>
+                <a:cs typeface="Segoe UI" panose="020B0502040204020203" pitchFamily="34" charset="0"/>
+              </a:rPr>
+              <a:t>List&lt;int&gt; </a:t>
+            </a:r>
+            <a:r>
+              <a:rPr lang="en-US" b="1" i="0" dirty="0" err="1">
+                <a:solidFill>
+                  <a:srgbClr val="0000FF"/>
+                </a:solidFill>
+                <a:effectLst/>
+                <a:latin typeface="Segoe UI" panose="020B0502040204020203" pitchFamily="34" charset="0"/>
+                <a:cs typeface="Segoe UI" panose="020B0502040204020203" pitchFamily="34" charset="0"/>
+              </a:rPr>
+              <a:t>newList</a:t>
+            </a:r>
+            <a:r>
+              <a:rPr lang="en-US" b="1" i="0" dirty="0">
+                <a:solidFill>
+                  <a:srgbClr val="0000FF"/>
+                </a:solidFill>
+                <a:effectLst/>
+                <a:latin typeface="Segoe UI" panose="020B0502040204020203" pitchFamily="34" charset="0"/>
+                <a:cs typeface="Segoe UI" panose="020B0502040204020203" pitchFamily="34" charset="0"/>
+              </a:rPr>
+              <a:t> = new List&lt;int&gt;();</a:t>
+            </a:r>
+            <a:endParaRPr lang="en-US" b="0" i="0" dirty="0">
+              <a:solidFill>
+                <a:srgbClr val="212529"/>
+              </a:solidFill>
+              <a:effectLst/>
+              <a:latin typeface="Segoe UI" panose="020B0502040204020203" pitchFamily="34" charset="0"/>
+              <a:cs typeface="Segoe UI" panose="020B0502040204020203" pitchFamily="34" charset="0"/>
+            </a:endParaRPr>
+          </a:p>
+          <a:p>
+            <a:pPr algn="l" fontAlgn="base"/>
+            <a:r>
+              <a:rPr lang="en-US" b="0" i="0" dirty="0">
+                <a:solidFill>
+                  <a:srgbClr val="000000"/>
+                </a:solidFill>
+                <a:effectLst/>
+                <a:latin typeface="Segoe UI" panose="020B0502040204020203" pitchFamily="34" charset="0"/>
+                <a:cs typeface="Segoe UI" panose="020B0502040204020203" pitchFamily="34" charset="0"/>
+              </a:rPr>
+              <a:t>Add data to the list</a:t>
+            </a:r>
+            <a:br>
+              <a:rPr lang="en-US" b="0" i="0" dirty="0">
+                <a:solidFill>
+                  <a:srgbClr val="212529"/>
+                </a:solidFill>
+                <a:effectLst/>
+                <a:latin typeface="Segoe UI" panose="020B0502040204020203" pitchFamily="34" charset="0"/>
+                <a:cs typeface="Segoe UI" panose="020B0502040204020203" pitchFamily="34" charset="0"/>
+              </a:rPr>
+            </a:br>
+            <a:r>
+              <a:rPr lang="en-US" b="1" i="0" dirty="0" err="1">
+                <a:solidFill>
+                  <a:srgbClr val="0000FF"/>
+                </a:solidFill>
+                <a:effectLst/>
+                <a:latin typeface="Segoe UI" panose="020B0502040204020203" pitchFamily="34" charset="0"/>
+                <a:cs typeface="Segoe UI" panose="020B0502040204020203" pitchFamily="34" charset="0"/>
+              </a:rPr>
+              <a:t>newList.Add</a:t>
+            </a:r>
+            <a:r>
+              <a:rPr lang="en-US" b="1" i="0" dirty="0">
+                <a:solidFill>
+                  <a:srgbClr val="0000FF"/>
+                </a:solidFill>
+                <a:effectLst/>
+                <a:latin typeface="Segoe UI" panose="020B0502040204020203" pitchFamily="34" charset="0"/>
+                <a:cs typeface="Segoe UI" panose="020B0502040204020203" pitchFamily="34" charset="0"/>
+              </a:rPr>
+              <a:t>(data);</a:t>
+            </a:r>
+            <a:endParaRPr lang="en-US" b="0" i="0" dirty="0">
+              <a:solidFill>
+                <a:srgbClr val="212529"/>
+              </a:solidFill>
+              <a:effectLst/>
+              <a:latin typeface="Segoe UI" panose="020B0502040204020203" pitchFamily="34" charset="0"/>
+              <a:cs typeface="Segoe UI" panose="020B0502040204020203" pitchFamily="34" charset="0"/>
+            </a:endParaRPr>
+          </a:p>
+          <a:p>
+            <a:pPr algn="l" fontAlgn="base"/>
+            <a:r>
+              <a:rPr lang="en-US" b="0" i="0" dirty="0">
+                <a:solidFill>
+                  <a:srgbClr val="000000"/>
+                </a:solidFill>
+                <a:effectLst/>
+                <a:latin typeface="Segoe UI" panose="020B0502040204020203" pitchFamily="34" charset="0"/>
+                <a:cs typeface="Segoe UI" panose="020B0502040204020203" pitchFamily="34" charset="0"/>
+              </a:rPr>
+              <a:t>A list can simply add the item at the end of the existing list item. Add data to the Dictionary</a:t>
+            </a:r>
+            <a:br>
+              <a:rPr lang="en-US" b="0" i="0" dirty="0">
+                <a:solidFill>
+                  <a:srgbClr val="212529"/>
+                </a:solidFill>
+                <a:effectLst/>
+                <a:latin typeface="Segoe UI" panose="020B0502040204020203" pitchFamily="34" charset="0"/>
+                <a:cs typeface="Segoe UI" panose="020B0502040204020203" pitchFamily="34" charset="0"/>
+              </a:rPr>
+            </a:br>
+            <a:r>
+              <a:rPr lang="en-US" b="1" i="0" dirty="0" err="1">
+                <a:solidFill>
+                  <a:srgbClr val="0000FF"/>
+                </a:solidFill>
+                <a:effectLst/>
+                <a:latin typeface="Segoe UI" panose="020B0502040204020203" pitchFamily="34" charset="0"/>
+                <a:cs typeface="Segoe UI" panose="020B0502040204020203" pitchFamily="34" charset="0"/>
+              </a:rPr>
+              <a:t>dictionary.Add</a:t>
+            </a:r>
+            <a:r>
+              <a:rPr lang="en-US" b="1" i="0" dirty="0">
+                <a:solidFill>
+                  <a:srgbClr val="0000FF"/>
+                </a:solidFill>
+                <a:effectLst/>
+                <a:latin typeface="Segoe UI" panose="020B0502040204020203" pitchFamily="34" charset="0"/>
+                <a:cs typeface="Segoe UI" panose="020B0502040204020203" pitchFamily="34" charset="0"/>
+              </a:rPr>
+              <a:t>(key, data);</a:t>
+            </a:r>
+            <a:endParaRPr lang="en-US" b="0" i="0" dirty="0">
+              <a:solidFill>
+                <a:srgbClr val="212529"/>
+              </a:solidFill>
+              <a:effectLst/>
+              <a:latin typeface="Segoe UI" panose="020B0502040204020203" pitchFamily="34" charset="0"/>
+              <a:cs typeface="Segoe UI" panose="020B0502040204020203" pitchFamily="34" charset="0"/>
+            </a:endParaRPr>
+          </a:p>
+        </p:txBody>
+      </p:sp>
+    </p:spTree>
+    <p:extLst>
+      <p:ext uri="{BB962C8B-B14F-4D97-AF65-F5344CB8AC3E}">
+        <p14:creationId xmlns:p14="http://schemas.microsoft.com/office/powerpoint/2010/main" val="455667134"/>
+      </p:ext>
+    </p:extLst>
+  </p:cSld>
+  <p:clrMapOvr>
+    <a:masterClrMapping/>
+  </p:clrMapOvr>
+</p:sld>
+</file>
+
 <file path=ppt/slides/slide2.xml><?xml version="1.0" encoding="utf-8"?>
 <p:sld xmlns:a="http://schemas.openxmlformats.org/drawingml/2006/main" xmlns:r="http://schemas.openxmlformats.org/officeDocument/2006/relationships" xmlns:p="http://schemas.openxmlformats.org/presentationml/2006/main">
   <p:cSld>
